--- a/java/src/leetcode/solution/pic/pics.pptx
+++ b/java/src/leetcode/solution/pic/pics.pptx
@@ -8,14 +8,15 @@
     <p:notesMasterId r:id="rId4"/>
   </p:notesMasterIdLst>
   <p:handoutMasterIdLst>
-    <p:handoutMasterId r:id="rId9"/>
+    <p:handoutMasterId r:id="rId10"/>
   </p:handoutMasterIdLst>
   <p:sldIdLst>
     <p:sldId id="256" r:id="rId3"/>
     <p:sldId id="260" r:id="rId5"/>
     <p:sldId id="258" r:id="rId6"/>
-    <p:sldId id="257" r:id="rId7"/>
-    <p:sldId id="263" r:id="rId8"/>
+    <p:sldId id="263" r:id="rId7"/>
+    <p:sldId id="264" r:id="rId8"/>
+    <p:sldId id="257" r:id="rId9"/>
   </p:sldIdLst>
   <p:sldSz cx="12192000" cy="6858000"/>
   <p:notesSz cx="7103745" cy="10234295"/>
@@ -122,7 +123,7 @@
             <a:srgbClr val="A4A3A4"/>
           </p15:clr>
         </p15:guide>
-        <p15:guide id="2" pos="3765" userDrawn="1">
+        <p15:guide id="2" pos="3744" userDrawn="1">
           <p15:clr>
             <a:srgbClr val="A4A3A4"/>
           </p15:clr>
@@ -704,6 +705,226 @@
             <a:fld id="{85D0DACE-38E0-42D2-9336-2B707D34BC6D}" type="slidenum">
               <a:rPr lang="zh-CN" altLang="en-US" smtClean="0"/>
             </a:fld>
+            <a:endParaRPr lang="zh-CN" altLang="en-US"/>
+          </a:p>
+        </p:txBody>
+      </p:sp>
+    </p:spTree>
+  </p:cSld>
+  <p:clrMapOvr>
+    <a:masterClrMapping/>
+  </p:clrMapOvr>
+</p:notes>
+</file>
+
+<file path=ppt/notesSlides/notesSlide2.xml><?xml version="1.0" encoding="utf-8"?>
+<p:notes xmlns:a="http://schemas.openxmlformats.org/drawingml/2006/main" xmlns:r="http://schemas.openxmlformats.org/officeDocument/2006/relationships" xmlns:p="http://schemas.openxmlformats.org/presentationml/2006/main">
+  <p:cSld>
+    <p:spTree>
+      <p:nvGrpSpPr>
+        <p:cNvPr id="1" name=""/>
+        <p:cNvGrpSpPr/>
+        <p:nvPr/>
+      </p:nvGrpSpPr>
+      <p:grpSpPr/>
+      <p:sp>
+        <p:nvSpPr>
+          <p:cNvPr id="2" name="幻灯片图像占位符 1"/>
+          <p:cNvSpPr/>
+          <p:nvPr>
+            <p:ph type="sldImg" idx="2"/>
+          </p:nvPr>
+        </p:nvSpPr>
+        <p:spPr/>
+      </p:sp>
+      <p:sp>
+        <p:nvSpPr>
+          <p:cNvPr id="3" name="文本占位符 2"/>
+          <p:cNvSpPr/>
+          <p:nvPr>
+            <p:ph type="body" idx="3"/>
+          </p:nvPr>
+        </p:nvSpPr>
+        <p:spPr/>
+        <p:txBody>
+          <a:bodyPr/>
+          <a:p>
+            <a:endParaRPr lang="zh-CN" altLang="en-US"/>
+          </a:p>
+        </p:txBody>
+      </p:sp>
+    </p:spTree>
+  </p:cSld>
+  <p:clrMapOvr>
+    <a:masterClrMapping/>
+  </p:clrMapOvr>
+</p:notes>
+</file>
+
+<file path=ppt/notesSlides/notesSlide3.xml><?xml version="1.0" encoding="utf-8"?>
+<p:notes xmlns:a="http://schemas.openxmlformats.org/drawingml/2006/main" xmlns:r="http://schemas.openxmlformats.org/officeDocument/2006/relationships" xmlns:p="http://schemas.openxmlformats.org/presentationml/2006/main">
+  <p:cSld>
+    <p:spTree>
+      <p:nvGrpSpPr>
+        <p:cNvPr id="1" name=""/>
+        <p:cNvGrpSpPr/>
+        <p:nvPr/>
+      </p:nvGrpSpPr>
+      <p:grpSpPr/>
+      <p:sp>
+        <p:nvSpPr>
+          <p:cNvPr id="2" name="幻灯片图像占位符 1"/>
+          <p:cNvSpPr/>
+          <p:nvPr>
+            <p:ph type="sldImg" idx="2"/>
+          </p:nvPr>
+        </p:nvSpPr>
+        <p:spPr/>
+      </p:sp>
+      <p:sp>
+        <p:nvSpPr>
+          <p:cNvPr id="3" name="文本占位符 2"/>
+          <p:cNvSpPr/>
+          <p:nvPr>
+            <p:ph type="body" idx="3"/>
+          </p:nvPr>
+        </p:nvSpPr>
+        <p:spPr/>
+        <p:txBody>
+          <a:bodyPr/>
+          <a:p>
+            <a:endParaRPr lang="zh-CN" altLang="en-US"/>
+          </a:p>
+        </p:txBody>
+      </p:sp>
+    </p:spTree>
+  </p:cSld>
+  <p:clrMapOvr>
+    <a:masterClrMapping/>
+  </p:clrMapOvr>
+</p:notes>
+</file>
+
+<file path=ppt/notesSlides/notesSlide4.xml><?xml version="1.0" encoding="utf-8"?>
+<p:notes xmlns:a="http://schemas.openxmlformats.org/drawingml/2006/main" xmlns:r="http://schemas.openxmlformats.org/officeDocument/2006/relationships" xmlns:p="http://schemas.openxmlformats.org/presentationml/2006/main">
+  <p:cSld>
+    <p:spTree>
+      <p:nvGrpSpPr>
+        <p:cNvPr id="1" name=""/>
+        <p:cNvGrpSpPr/>
+        <p:nvPr/>
+      </p:nvGrpSpPr>
+      <p:grpSpPr/>
+      <p:sp>
+        <p:nvSpPr>
+          <p:cNvPr id="2" name="幻灯片图像占位符 1"/>
+          <p:cNvSpPr/>
+          <p:nvPr>
+            <p:ph type="sldImg" idx="2"/>
+          </p:nvPr>
+        </p:nvSpPr>
+        <p:spPr/>
+      </p:sp>
+      <p:sp>
+        <p:nvSpPr>
+          <p:cNvPr id="3" name="文本占位符 2"/>
+          <p:cNvSpPr/>
+          <p:nvPr>
+            <p:ph type="body" idx="3"/>
+          </p:nvPr>
+        </p:nvSpPr>
+        <p:spPr/>
+        <p:txBody>
+          <a:bodyPr/>
+          <a:p>
+            <a:endParaRPr lang="zh-CN" altLang="en-US"/>
+          </a:p>
+        </p:txBody>
+      </p:sp>
+    </p:spTree>
+  </p:cSld>
+  <p:clrMapOvr>
+    <a:masterClrMapping/>
+  </p:clrMapOvr>
+</p:notes>
+</file>
+
+<file path=ppt/notesSlides/notesSlide5.xml><?xml version="1.0" encoding="utf-8"?>
+<p:notes xmlns:a="http://schemas.openxmlformats.org/drawingml/2006/main" xmlns:r="http://schemas.openxmlformats.org/officeDocument/2006/relationships" xmlns:p="http://schemas.openxmlformats.org/presentationml/2006/main">
+  <p:cSld>
+    <p:spTree>
+      <p:nvGrpSpPr>
+        <p:cNvPr id="1" name=""/>
+        <p:cNvGrpSpPr/>
+        <p:nvPr/>
+      </p:nvGrpSpPr>
+      <p:grpSpPr/>
+      <p:sp>
+        <p:nvSpPr>
+          <p:cNvPr id="2" name="幻灯片图像占位符 1"/>
+          <p:cNvSpPr/>
+          <p:nvPr>
+            <p:ph type="sldImg" idx="2"/>
+          </p:nvPr>
+        </p:nvSpPr>
+        <p:spPr/>
+      </p:sp>
+      <p:sp>
+        <p:nvSpPr>
+          <p:cNvPr id="3" name="文本占位符 2"/>
+          <p:cNvSpPr/>
+          <p:nvPr>
+            <p:ph type="body" idx="3"/>
+          </p:nvPr>
+        </p:nvSpPr>
+        <p:spPr/>
+        <p:txBody>
+          <a:bodyPr/>
+          <a:p>
+            <a:endParaRPr lang="zh-CN" altLang="en-US"/>
+          </a:p>
+        </p:txBody>
+      </p:sp>
+    </p:spTree>
+  </p:cSld>
+  <p:clrMapOvr>
+    <a:masterClrMapping/>
+  </p:clrMapOvr>
+</p:notes>
+</file>
+
+<file path=ppt/notesSlides/notesSlide6.xml><?xml version="1.0" encoding="utf-8"?>
+<p:notes xmlns:a="http://schemas.openxmlformats.org/drawingml/2006/main" xmlns:r="http://schemas.openxmlformats.org/officeDocument/2006/relationships" xmlns:p="http://schemas.openxmlformats.org/presentationml/2006/main">
+  <p:cSld>
+    <p:spTree>
+      <p:nvGrpSpPr>
+        <p:cNvPr id="1" name=""/>
+        <p:cNvGrpSpPr/>
+        <p:nvPr/>
+      </p:nvGrpSpPr>
+      <p:grpSpPr/>
+      <p:sp>
+        <p:nvSpPr>
+          <p:cNvPr id="2" name="幻灯片图像占位符 1"/>
+          <p:cNvSpPr/>
+          <p:nvPr>
+            <p:ph type="sldImg" idx="2"/>
+          </p:nvPr>
+        </p:nvSpPr>
+        <p:spPr/>
+      </p:sp>
+      <p:sp>
+        <p:nvSpPr>
+          <p:cNvPr id="3" name="文本占位符 2"/>
+          <p:cNvSpPr/>
+          <p:nvPr>
+            <p:ph type="body" idx="3"/>
+          </p:nvPr>
+        </p:nvSpPr>
+        <p:spPr/>
+        <p:txBody>
+          <a:bodyPr/>
+          <a:p>
             <a:endParaRPr lang="zh-CN" altLang="en-US"/>
           </a:p>
         </p:txBody>
@@ -6167,6 +6388,2074 @@
       <p:grpSpPr/>
       <p:sp>
         <p:nvSpPr>
+          <p:cNvPr id="4" name="文本框 3"/>
+          <p:cNvSpPr txBox="1"/>
+          <p:nvPr/>
+        </p:nvSpPr>
+        <p:spPr>
+          <a:xfrm>
+            <a:off x="318135" y="324485"/>
+            <a:ext cx="6096000" cy="306705"/>
+          </a:xfrm>
+          <a:prstGeom prst="rect">
+            <a:avLst/>
+          </a:prstGeom>
+          <a:noFill/>
+        </p:spPr>
+        <p:txBody>
+          <a:bodyPr wrap="square" rtlCol="0" anchor="t">
+            <a:spAutoFit/>
+          </a:bodyPr>
+          <a:p>
+            <a:r>
+              <a:rPr lang="zh-CN" altLang="en-US" sz="1400"/>
+              <a:t>32. 最长有效括号</a:t>
+            </a:r>
+            <a:endParaRPr lang="zh-CN" altLang="en-US" sz="1400"/>
+          </a:p>
+        </p:txBody>
+      </p:sp>
+      <p:sp>
+        <p:nvSpPr>
+          <p:cNvPr id="6" name="文本框 5"/>
+          <p:cNvSpPr txBox="1"/>
+          <p:nvPr/>
+        </p:nvSpPr>
+        <p:spPr>
+          <a:xfrm>
+            <a:off x="5495925" y="1329690"/>
+            <a:ext cx="332105" cy="306705"/>
+          </a:xfrm>
+          <a:prstGeom prst="rect">
+            <a:avLst/>
+          </a:prstGeom>
+          <a:noFill/>
+        </p:spPr>
+        <p:txBody>
+          <a:bodyPr wrap="square" rtlCol="0">
+            <a:spAutoFit/>
+          </a:bodyPr>
+          <a:p>
+            <a:r>
+              <a:rPr lang="en-US" altLang="zh-CN" sz="1400"/>
+              <a:t>i</a:t>
+            </a:r>
+            <a:endParaRPr lang="en-US" altLang="zh-CN" sz="1400"/>
+          </a:p>
+        </p:txBody>
+      </p:sp>
+      <p:pic>
+        <p:nvPicPr>
+          <p:cNvPr id="10" name="图片 9"/>
+          <p:cNvPicPr>
+            <a:picLocks noChangeAspect="1"/>
+          </p:cNvPicPr>
+          <p:nvPr>
+            <p:custDataLst>
+              <p:tags r:id="rId1"/>
+            </p:custDataLst>
+          </p:nvPr>
+        </p:nvPicPr>
+        <p:blipFill>
+          <a:blip r:embed="rId2"/>
+          <a:stretch>
+            <a:fillRect/>
+          </a:stretch>
+        </p:blipFill>
+        <p:spPr>
+          <a:xfrm>
+            <a:off x="869950" y="1636395"/>
+            <a:ext cx="10452100" cy="1115695"/>
+          </a:xfrm>
+          <a:prstGeom prst="rect">
+            <a:avLst/>
+          </a:prstGeom>
+        </p:spPr>
+      </p:pic>
+      <p:sp>
+        <p:nvSpPr>
+          <p:cNvPr id="11" name="文本框 10"/>
+          <p:cNvSpPr txBox="1"/>
+          <p:nvPr/>
+        </p:nvSpPr>
+        <p:spPr>
+          <a:xfrm>
+            <a:off x="3629660" y="2859405"/>
+            <a:ext cx="799465" cy="306705"/>
+          </a:xfrm>
+          <a:prstGeom prst="rect">
+            <a:avLst/>
+          </a:prstGeom>
+          <a:noFill/>
+        </p:spPr>
+        <p:txBody>
+          <a:bodyPr wrap="square" rtlCol="0">
+            <a:spAutoFit/>
+          </a:bodyPr>
+          <a:p>
+            <a:r>
+              <a:rPr lang="en-US" altLang="zh-CN" sz="1400"/>
+              <a:t>dp[i-2]</a:t>
+            </a:r>
+            <a:endParaRPr lang="en-US" altLang="zh-CN" sz="1400"/>
+          </a:p>
+        </p:txBody>
+      </p:sp>
+      <p:sp>
+        <p:nvSpPr>
+          <p:cNvPr id="12" name="文本框 11"/>
+          <p:cNvSpPr txBox="1"/>
+          <p:nvPr>
+            <p:custDataLst>
+              <p:tags r:id="rId3"/>
+            </p:custDataLst>
+          </p:nvPr>
+        </p:nvSpPr>
+        <p:spPr>
+          <a:xfrm>
+            <a:off x="10635615" y="4171950"/>
+            <a:ext cx="332105" cy="306705"/>
+          </a:xfrm>
+          <a:prstGeom prst="rect">
+            <a:avLst/>
+          </a:prstGeom>
+          <a:noFill/>
+        </p:spPr>
+        <p:txBody>
+          <a:bodyPr wrap="square" rtlCol="0">
+            <a:spAutoFit/>
+          </a:bodyPr>
+          <a:p>
+            <a:r>
+              <a:rPr lang="en-US" altLang="zh-CN" sz="1400"/>
+              <a:t>i</a:t>
+            </a:r>
+            <a:endParaRPr lang="en-US" altLang="zh-CN" sz="1400"/>
+          </a:p>
+        </p:txBody>
+      </p:sp>
+      <p:pic>
+        <p:nvPicPr>
+          <p:cNvPr id="13" name="图片 12"/>
+          <p:cNvPicPr>
+            <a:picLocks noChangeAspect="1"/>
+          </p:cNvPicPr>
+          <p:nvPr>
+            <p:custDataLst>
+              <p:tags r:id="rId4"/>
+            </p:custDataLst>
+          </p:nvPr>
+        </p:nvPicPr>
+        <p:blipFill>
+          <a:blip r:embed="rId2"/>
+          <a:stretch>
+            <a:fillRect/>
+          </a:stretch>
+        </p:blipFill>
+        <p:spPr>
+          <a:xfrm>
+            <a:off x="869950" y="4683760"/>
+            <a:ext cx="10452100" cy="1115695"/>
+          </a:xfrm>
+          <a:prstGeom prst="rect">
+            <a:avLst/>
+          </a:prstGeom>
+        </p:spPr>
+      </p:pic>
+      <p:sp>
+        <p:nvSpPr>
+          <p:cNvPr id="14" name="文本框 13"/>
+          <p:cNvSpPr txBox="1"/>
+          <p:nvPr>
+            <p:custDataLst>
+              <p:tags r:id="rId5"/>
+            </p:custDataLst>
+          </p:nvPr>
+        </p:nvSpPr>
+        <p:spPr>
+          <a:xfrm>
+            <a:off x="9589135" y="5989320"/>
+            <a:ext cx="799465" cy="306705"/>
+          </a:xfrm>
+          <a:prstGeom prst="rect">
+            <a:avLst/>
+          </a:prstGeom>
+          <a:noFill/>
+        </p:spPr>
+        <p:txBody>
+          <a:bodyPr wrap="square" rtlCol="0">
+            <a:spAutoFit/>
+          </a:bodyPr>
+          <a:p>
+            <a:r>
+              <a:rPr lang="en-US" altLang="zh-CN" sz="1400"/>
+              <a:t>dp[i-1]</a:t>
+            </a:r>
+            <a:endParaRPr lang="en-US" altLang="zh-CN" sz="1400"/>
+          </a:p>
+        </p:txBody>
+      </p:sp>
+      <p:sp>
+        <p:nvSpPr>
+          <p:cNvPr id="15" name="文本框 14"/>
+          <p:cNvSpPr txBox="1"/>
+          <p:nvPr>
+            <p:custDataLst>
+              <p:tags r:id="rId6"/>
+            </p:custDataLst>
+          </p:nvPr>
+        </p:nvSpPr>
+        <p:spPr>
+          <a:xfrm>
+            <a:off x="6096000" y="4377055"/>
+            <a:ext cx="979170" cy="306705"/>
+          </a:xfrm>
+          <a:prstGeom prst="rect">
+            <a:avLst/>
+          </a:prstGeom>
+          <a:noFill/>
+        </p:spPr>
+        <p:txBody>
+          <a:bodyPr wrap="square" rtlCol="0">
+            <a:spAutoFit/>
+          </a:bodyPr>
+          <a:p>
+            <a:r>
+              <a:rPr lang="en-US" altLang="zh-CN" sz="1400"/>
+              <a:t>i-dp[i-1]-1</a:t>
+            </a:r>
+            <a:endParaRPr lang="en-US" altLang="zh-CN" sz="1400"/>
+          </a:p>
+        </p:txBody>
+      </p:sp>
+      <p:sp>
+        <p:nvSpPr>
+          <p:cNvPr id="16" name="文本框 15"/>
+          <p:cNvSpPr txBox="1"/>
+          <p:nvPr>
+            <p:custDataLst>
+              <p:tags r:id="rId7"/>
+            </p:custDataLst>
+          </p:nvPr>
+        </p:nvSpPr>
+        <p:spPr>
+          <a:xfrm>
+            <a:off x="4914900" y="5845810"/>
+            <a:ext cx="1688465" cy="306705"/>
+          </a:xfrm>
+          <a:prstGeom prst="rect">
+            <a:avLst/>
+          </a:prstGeom>
+          <a:noFill/>
+        </p:spPr>
+        <p:txBody>
+          <a:bodyPr wrap="square" rtlCol="0">
+            <a:spAutoFit/>
+          </a:bodyPr>
+          <a:p>
+            <a:r>
+              <a:rPr lang="en-US" altLang="zh-CN" sz="1400"/>
+              <a:t>dp[i-dp[i-1]-2]</a:t>
+            </a:r>
+            <a:endParaRPr lang="en-US" altLang="zh-CN" sz="1400"/>
+          </a:p>
+        </p:txBody>
+      </p:sp>
+      <p:sp>
+        <p:nvSpPr>
+          <p:cNvPr id="17" name="文本框 16"/>
+          <p:cNvSpPr txBox="1"/>
+          <p:nvPr>
+            <p:custDataLst>
+              <p:tags r:id="rId8"/>
+            </p:custDataLst>
+          </p:nvPr>
+        </p:nvSpPr>
+        <p:spPr>
+          <a:xfrm>
+            <a:off x="5116830" y="4377055"/>
+            <a:ext cx="979170" cy="306705"/>
+          </a:xfrm>
+          <a:prstGeom prst="rect">
+            <a:avLst/>
+          </a:prstGeom>
+          <a:noFill/>
+        </p:spPr>
+        <p:txBody>
+          <a:bodyPr wrap="square" rtlCol="0">
+            <a:spAutoFit/>
+          </a:bodyPr>
+          <a:p>
+            <a:r>
+              <a:rPr lang="en-US" altLang="zh-CN" sz="1400"/>
+              <a:t>i-dp[i-1]-2</a:t>
+            </a:r>
+            <a:endParaRPr lang="en-US" altLang="zh-CN" sz="1400"/>
+          </a:p>
+        </p:txBody>
+      </p:sp>
+      <p:sp>
+        <p:nvSpPr>
+          <p:cNvPr id="20" name="右大括号 19"/>
+          <p:cNvSpPr/>
+          <p:nvPr/>
+        </p:nvSpPr>
+        <p:spPr>
+          <a:xfrm rot="5400000">
+            <a:off x="3321050" y="3653155"/>
+            <a:ext cx="469900" cy="5081905"/>
+          </a:xfrm>
+          <a:prstGeom prst="rightBrace">
+            <a:avLst/>
+          </a:prstGeom>
+          <a:ln>
+            <a:solidFill>
+              <a:schemeClr val="accent6"/>
+            </a:solidFill>
+          </a:ln>
+        </p:spPr>
+        <p:style>
+          <a:lnRef idx="2">
+            <a:schemeClr val="accent1"/>
+          </a:lnRef>
+          <a:fillRef idx="0">
+            <a:srgbClr val="FFFFFF"/>
+          </a:fillRef>
+          <a:effectRef idx="0">
+            <a:srgbClr val="FFFFFF"/>
+          </a:effectRef>
+          <a:fontRef idx="minor">
+            <a:schemeClr val="tx1"/>
+          </a:fontRef>
+        </p:style>
+        <p:txBody>
+          <a:bodyPr rtlCol="0" anchor="ctr"/>
+          <a:p>
+            <a:pPr algn="ctr"/>
+            <a:endParaRPr lang="zh-CN" altLang="en-US"/>
+          </a:p>
+        </p:txBody>
+      </p:sp>
+      <p:sp>
+        <p:nvSpPr>
+          <p:cNvPr id="21" name="右大括号 20"/>
+          <p:cNvSpPr/>
+          <p:nvPr>
+            <p:custDataLst>
+              <p:tags r:id="rId9"/>
+            </p:custDataLst>
+          </p:nvPr>
+        </p:nvSpPr>
+        <p:spPr>
+          <a:xfrm rot="16200000">
+            <a:off x="8403590" y="1787525"/>
+            <a:ext cx="469900" cy="5081905"/>
+          </a:xfrm>
+          <a:prstGeom prst="rightBrace">
+            <a:avLst/>
+          </a:prstGeom>
+          <a:ln>
+            <a:solidFill>
+              <a:schemeClr val="accent6"/>
+            </a:solidFill>
+          </a:ln>
+        </p:spPr>
+        <p:style>
+          <a:lnRef idx="2">
+            <a:schemeClr val="accent1"/>
+          </a:lnRef>
+          <a:fillRef idx="0">
+            <a:srgbClr val="FFFFFF"/>
+          </a:fillRef>
+          <a:effectRef idx="0">
+            <a:srgbClr val="FFFFFF"/>
+          </a:effectRef>
+          <a:fontRef idx="minor">
+            <a:schemeClr val="tx1"/>
+          </a:fontRef>
+        </p:style>
+        <p:txBody>
+          <a:bodyPr rtlCol="0" anchor="ctr"/>
+          <a:p>
+            <a:pPr algn="ctr"/>
+            <a:endParaRPr lang="zh-CN" altLang="en-US"/>
+          </a:p>
+        </p:txBody>
+      </p:sp>
+      <p:sp>
+        <p:nvSpPr>
+          <p:cNvPr id="22" name="右大括号 21"/>
+          <p:cNvSpPr/>
+          <p:nvPr>
+            <p:custDataLst>
+              <p:tags r:id="rId10"/>
+            </p:custDataLst>
+          </p:nvPr>
+        </p:nvSpPr>
+        <p:spPr>
+          <a:xfrm rot="5400000">
+            <a:off x="2414270" y="1312545"/>
+            <a:ext cx="471170" cy="3559175"/>
+          </a:xfrm>
+          <a:prstGeom prst="rightBrace">
+            <a:avLst>
+              <a:gd name="adj1" fmla="val 8333"/>
+              <a:gd name="adj2" fmla="val 50008"/>
+            </a:avLst>
+          </a:prstGeom>
+          <a:ln>
+            <a:solidFill>
+              <a:schemeClr val="accent6"/>
+            </a:solidFill>
+          </a:ln>
+        </p:spPr>
+        <p:style>
+          <a:lnRef idx="2">
+            <a:schemeClr val="accent1"/>
+          </a:lnRef>
+          <a:fillRef idx="0">
+            <a:srgbClr val="FFFFFF"/>
+          </a:fillRef>
+          <a:effectRef idx="0">
+            <a:srgbClr val="FFFFFF"/>
+          </a:effectRef>
+          <a:fontRef idx="minor">
+            <a:schemeClr val="tx1"/>
+          </a:fontRef>
+        </p:style>
+        <p:txBody>
+          <a:bodyPr rtlCol="0" anchor="ctr"/>
+          <a:p>
+            <a:pPr algn="ctr"/>
+            <a:endParaRPr lang="zh-CN" altLang="en-US"/>
+          </a:p>
+        </p:txBody>
+      </p:sp>
+      <p:sp>
+        <p:nvSpPr>
+          <p:cNvPr id="23" name="右大括号 22"/>
+          <p:cNvSpPr/>
+          <p:nvPr>
+            <p:custDataLst>
+              <p:tags r:id="rId11"/>
+            </p:custDataLst>
+          </p:nvPr>
+        </p:nvSpPr>
+        <p:spPr>
+          <a:xfrm rot="16200000">
+            <a:off x="5027930" y="567690"/>
+            <a:ext cx="470535" cy="1667510"/>
+          </a:xfrm>
+          <a:prstGeom prst="rightBrace">
+            <a:avLst/>
+          </a:prstGeom>
+          <a:ln>
+            <a:solidFill>
+              <a:schemeClr val="accent6"/>
+            </a:solidFill>
+          </a:ln>
+        </p:spPr>
+        <p:style>
+          <a:lnRef idx="2">
+            <a:schemeClr val="accent1"/>
+          </a:lnRef>
+          <a:fillRef idx="0">
+            <a:srgbClr val="FFFFFF"/>
+          </a:fillRef>
+          <a:effectRef idx="0">
+            <a:srgbClr val="FFFFFF"/>
+          </a:effectRef>
+          <a:fontRef idx="minor">
+            <a:schemeClr val="tx1"/>
+          </a:fontRef>
+        </p:style>
+        <p:txBody>
+          <a:bodyPr rtlCol="0" anchor="ctr"/>
+          <a:p>
+            <a:pPr algn="ctr"/>
+            <a:endParaRPr lang="zh-CN" altLang="en-US"/>
+          </a:p>
+        </p:txBody>
+      </p:sp>
+    </p:spTree>
+  </p:cSld>
+  <p:clrMapOvr>
+    <a:masterClrMapping/>
+  </p:clrMapOvr>
+</p:sld>
+</file>
+
+<file path=ppt/slides/slide5.xml><?xml version="1.0" encoding="utf-8"?>
+<p:sld xmlns:a="http://schemas.openxmlformats.org/drawingml/2006/main" xmlns:r="http://schemas.openxmlformats.org/officeDocument/2006/relationships" xmlns:p="http://schemas.openxmlformats.org/presentationml/2006/main">
+  <p:cSld>
+    <p:spTree>
+      <p:nvGrpSpPr>
+        <p:cNvPr id="1" name=""/>
+        <p:cNvGrpSpPr/>
+        <p:nvPr/>
+      </p:nvGrpSpPr>
+      <p:grpSpPr/>
+      <p:pic>
+        <p:nvPicPr>
+          <p:cNvPr id="4" name="图片 3"/>
+          <p:cNvPicPr>
+            <a:picLocks noChangeAspect="1"/>
+          </p:cNvPicPr>
+          <p:nvPr>
+            <p:custDataLst>
+              <p:tags r:id="rId1"/>
+            </p:custDataLst>
+          </p:nvPr>
+        </p:nvPicPr>
+        <p:blipFill>
+          <a:blip r:embed="rId2"/>
+          <a:stretch>
+            <a:fillRect/>
+          </a:stretch>
+        </p:blipFill>
+        <p:spPr>
+          <a:xfrm>
+            <a:off x="5934075" y="101600"/>
+            <a:ext cx="1021080" cy="1097915"/>
+          </a:xfrm>
+          <a:prstGeom prst="rect">
+            <a:avLst/>
+          </a:prstGeom>
+          <a:ln w="12700" cmpd="sng">
+            <a:solidFill>
+              <a:srgbClr val="202020"/>
+            </a:solidFill>
+            <a:prstDash val="solid"/>
+          </a:ln>
+        </p:spPr>
+      </p:pic>
+      <p:pic>
+        <p:nvPicPr>
+          <p:cNvPr id="7" name="图片 6"/>
+          <p:cNvPicPr>
+            <a:picLocks noChangeAspect="1"/>
+          </p:cNvPicPr>
+          <p:nvPr>
+            <p:custDataLst>
+              <p:tags r:id="rId3"/>
+            </p:custDataLst>
+          </p:nvPr>
+        </p:nvPicPr>
+        <p:blipFill>
+          <a:blip r:embed="rId2"/>
+          <a:stretch>
+            <a:fillRect/>
+          </a:stretch>
+        </p:blipFill>
+        <p:spPr>
+          <a:xfrm>
+            <a:off x="6403975" y="1323975"/>
+            <a:ext cx="1021080" cy="1097915"/>
+          </a:xfrm>
+          <a:prstGeom prst="rect">
+            <a:avLst/>
+          </a:prstGeom>
+          <a:ln w="12700" cmpd="sng">
+            <a:solidFill>
+              <a:srgbClr val="202020"/>
+            </a:solidFill>
+            <a:prstDash val="solid"/>
+          </a:ln>
+        </p:spPr>
+      </p:pic>
+      <p:pic>
+        <p:nvPicPr>
+          <p:cNvPr id="8" name="图片 7"/>
+          <p:cNvPicPr>
+            <a:picLocks noChangeAspect="1"/>
+          </p:cNvPicPr>
+          <p:nvPr>
+            <p:custDataLst>
+              <p:tags r:id="rId4"/>
+            </p:custDataLst>
+          </p:nvPr>
+        </p:nvPicPr>
+        <p:blipFill>
+          <a:blip r:embed="rId2"/>
+          <a:stretch>
+            <a:fillRect/>
+          </a:stretch>
+        </p:blipFill>
+        <p:spPr>
+          <a:xfrm>
+            <a:off x="805180" y="3007360"/>
+            <a:ext cx="1021080" cy="1097915"/>
+          </a:xfrm>
+          <a:prstGeom prst="rect">
+            <a:avLst/>
+          </a:prstGeom>
+          <a:ln w="12700" cmpd="sng">
+            <a:solidFill>
+              <a:srgbClr val="202020"/>
+            </a:solidFill>
+            <a:prstDash val="solid"/>
+          </a:ln>
+        </p:spPr>
+      </p:pic>
+      <p:pic>
+        <p:nvPicPr>
+          <p:cNvPr id="9" name="图片 8"/>
+          <p:cNvPicPr>
+            <a:picLocks noChangeAspect="1"/>
+          </p:cNvPicPr>
+          <p:nvPr>
+            <p:custDataLst>
+              <p:tags r:id="rId5"/>
+            </p:custDataLst>
+          </p:nvPr>
+        </p:nvPicPr>
+        <p:blipFill>
+          <a:blip r:embed="rId2"/>
+          <a:stretch>
+            <a:fillRect/>
+          </a:stretch>
+        </p:blipFill>
+        <p:spPr>
+          <a:xfrm>
+            <a:off x="1962150" y="3007360"/>
+            <a:ext cx="1021080" cy="1097915"/>
+          </a:xfrm>
+          <a:prstGeom prst="rect">
+            <a:avLst/>
+          </a:prstGeom>
+          <a:ln w="12700" cmpd="sng">
+            <a:solidFill>
+              <a:srgbClr val="202020"/>
+            </a:solidFill>
+            <a:prstDash val="solid"/>
+          </a:ln>
+        </p:spPr>
+      </p:pic>
+      <p:pic>
+        <p:nvPicPr>
+          <p:cNvPr id="10" name="图片 9"/>
+          <p:cNvPicPr>
+            <a:picLocks noChangeAspect="1"/>
+          </p:cNvPicPr>
+          <p:nvPr>
+            <p:custDataLst>
+              <p:tags r:id="rId6"/>
+            </p:custDataLst>
+          </p:nvPr>
+        </p:nvPicPr>
+        <p:blipFill>
+          <a:blip r:embed="rId2"/>
+          <a:stretch>
+            <a:fillRect/>
+          </a:stretch>
+        </p:blipFill>
+        <p:spPr>
+          <a:xfrm>
+            <a:off x="7947025" y="1330325"/>
+            <a:ext cx="1021080" cy="1097915"/>
+          </a:xfrm>
+          <a:prstGeom prst="rect">
+            <a:avLst/>
+          </a:prstGeom>
+          <a:ln w="12700" cmpd="sng">
+            <a:solidFill>
+              <a:srgbClr val="202020"/>
+            </a:solidFill>
+            <a:prstDash val="solid"/>
+          </a:ln>
+        </p:spPr>
+      </p:pic>
+      <p:pic>
+        <p:nvPicPr>
+          <p:cNvPr id="11" name="图片 10"/>
+          <p:cNvPicPr>
+            <a:picLocks noChangeAspect="1"/>
+          </p:cNvPicPr>
+          <p:nvPr>
+            <p:custDataLst>
+              <p:tags r:id="rId7"/>
+            </p:custDataLst>
+          </p:nvPr>
+        </p:nvPicPr>
+        <p:blipFill>
+          <a:blip r:embed="rId2"/>
+          <a:stretch>
+            <a:fillRect/>
+          </a:stretch>
+        </p:blipFill>
+        <p:spPr>
+          <a:xfrm>
+            <a:off x="9623425" y="1330325"/>
+            <a:ext cx="1021080" cy="1097915"/>
+          </a:xfrm>
+          <a:prstGeom prst="rect">
+            <a:avLst/>
+          </a:prstGeom>
+          <a:ln w="12700" cmpd="sng">
+            <a:solidFill>
+              <a:srgbClr val="202020"/>
+            </a:solidFill>
+            <a:prstDash val="solid"/>
+          </a:ln>
+        </p:spPr>
+      </p:pic>
+      <p:pic>
+        <p:nvPicPr>
+          <p:cNvPr id="12" name="图片 11"/>
+          <p:cNvPicPr>
+            <a:picLocks noChangeAspect="1"/>
+          </p:cNvPicPr>
+          <p:nvPr>
+            <p:custDataLst>
+              <p:tags r:id="rId8"/>
+            </p:custDataLst>
+          </p:nvPr>
+        </p:nvPicPr>
+        <p:blipFill>
+          <a:blip r:embed="rId2"/>
+          <a:stretch>
+            <a:fillRect/>
+          </a:stretch>
+        </p:blipFill>
+        <p:spPr>
+          <a:xfrm>
+            <a:off x="10981055" y="1330325"/>
+            <a:ext cx="1021080" cy="1097915"/>
+          </a:xfrm>
+          <a:prstGeom prst="rect">
+            <a:avLst/>
+          </a:prstGeom>
+          <a:ln w="12700" cmpd="sng">
+            <a:solidFill>
+              <a:srgbClr val="202020"/>
+            </a:solidFill>
+            <a:prstDash val="solid"/>
+          </a:ln>
+        </p:spPr>
+      </p:pic>
+      <p:pic>
+        <p:nvPicPr>
+          <p:cNvPr id="13" name="图片 12"/>
+          <p:cNvPicPr>
+            <a:picLocks noChangeAspect="1"/>
+          </p:cNvPicPr>
+          <p:nvPr>
+            <p:custDataLst>
+              <p:tags r:id="rId9"/>
+            </p:custDataLst>
+          </p:nvPr>
+        </p:nvPicPr>
+        <p:blipFill>
+          <a:blip r:embed="rId2"/>
+          <a:stretch>
+            <a:fillRect/>
+          </a:stretch>
+        </p:blipFill>
+        <p:spPr>
+          <a:xfrm>
+            <a:off x="2451735" y="1324610"/>
+            <a:ext cx="1021080" cy="1097915"/>
+          </a:xfrm>
+          <a:prstGeom prst="rect">
+            <a:avLst/>
+          </a:prstGeom>
+          <a:ln w="12700" cmpd="sng">
+            <a:solidFill>
+              <a:srgbClr val="202020"/>
+            </a:solidFill>
+            <a:prstDash val="solid"/>
+          </a:ln>
+        </p:spPr>
+      </p:pic>
+      <p:pic>
+        <p:nvPicPr>
+          <p:cNvPr id="14" name="图片 13"/>
+          <p:cNvPicPr>
+            <a:picLocks noChangeAspect="1"/>
+          </p:cNvPicPr>
+          <p:nvPr>
+            <p:custDataLst>
+              <p:tags r:id="rId10"/>
+            </p:custDataLst>
+          </p:nvPr>
+        </p:nvPicPr>
+        <p:blipFill>
+          <a:blip r:embed="rId2"/>
+          <a:stretch>
+            <a:fillRect/>
+          </a:stretch>
+        </p:blipFill>
+        <p:spPr>
+          <a:xfrm>
+            <a:off x="3119120" y="3007360"/>
+            <a:ext cx="1021080" cy="1097915"/>
+          </a:xfrm>
+          <a:prstGeom prst="rect">
+            <a:avLst/>
+          </a:prstGeom>
+          <a:ln w="12700" cmpd="sng">
+            <a:solidFill>
+              <a:srgbClr val="202020"/>
+            </a:solidFill>
+            <a:prstDash val="solid"/>
+          </a:ln>
+        </p:spPr>
+      </p:pic>
+      <p:pic>
+        <p:nvPicPr>
+          <p:cNvPr id="15" name="图片 14"/>
+          <p:cNvPicPr>
+            <a:picLocks noChangeAspect="1"/>
+          </p:cNvPicPr>
+          <p:nvPr>
+            <p:custDataLst>
+              <p:tags r:id="rId11"/>
+            </p:custDataLst>
+          </p:nvPr>
+        </p:nvPicPr>
+        <p:blipFill>
+          <a:blip r:embed="rId2"/>
+          <a:stretch>
+            <a:fillRect/>
+          </a:stretch>
+        </p:blipFill>
+        <p:spPr>
+          <a:xfrm>
+            <a:off x="4276090" y="3007360"/>
+            <a:ext cx="1021080" cy="1097915"/>
+          </a:xfrm>
+          <a:prstGeom prst="rect">
+            <a:avLst/>
+          </a:prstGeom>
+          <a:ln w="12700" cmpd="sng">
+            <a:solidFill>
+              <a:srgbClr val="202020"/>
+            </a:solidFill>
+            <a:prstDash val="solid"/>
+          </a:ln>
+        </p:spPr>
+      </p:pic>
+      <p:pic>
+        <p:nvPicPr>
+          <p:cNvPr id="16" name="图片 15"/>
+          <p:cNvPicPr>
+            <a:picLocks noChangeAspect="1"/>
+          </p:cNvPicPr>
+          <p:nvPr>
+            <p:custDataLst>
+              <p:tags r:id="rId12"/>
+            </p:custDataLst>
+          </p:nvPr>
+        </p:nvPicPr>
+        <p:blipFill>
+          <a:blip r:embed="rId2"/>
+          <a:stretch>
+            <a:fillRect/>
+          </a:stretch>
+        </p:blipFill>
+        <p:spPr>
+          <a:xfrm>
+            <a:off x="5433060" y="3007360"/>
+            <a:ext cx="1021080" cy="1097915"/>
+          </a:xfrm>
+          <a:prstGeom prst="rect">
+            <a:avLst/>
+          </a:prstGeom>
+          <a:ln w="12700" cmpd="sng">
+            <a:solidFill>
+              <a:srgbClr val="202020"/>
+            </a:solidFill>
+            <a:prstDash val="solid"/>
+          </a:ln>
+        </p:spPr>
+      </p:pic>
+      <p:pic>
+        <p:nvPicPr>
+          <p:cNvPr id="17" name="图片 16"/>
+          <p:cNvPicPr>
+            <a:picLocks noChangeAspect="1"/>
+          </p:cNvPicPr>
+          <p:nvPr>
+            <p:custDataLst>
+              <p:tags r:id="rId13"/>
+            </p:custDataLst>
+          </p:nvPr>
+        </p:nvPicPr>
+        <p:blipFill>
+          <a:blip r:embed="rId2"/>
+          <a:stretch>
+            <a:fillRect/>
+          </a:stretch>
+        </p:blipFill>
+        <p:spPr>
+          <a:xfrm>
+            <a:off x="227965" y="4369435"/>
+            <a:ext cx="1021080" cy="1097915"/>
+          </a:xfrm>
+          <a:prstGeom prst="rect">
+            <a:avLst/>
+          </a:prstGeom>
+          <a:ln w="12700" cmpd="sng">
+            <a:solidFill>
+              <a:srgbClr val="202020"/>
+            </a:solidFill>
+            <a:prstDash val="solid"/>
+          </a:ln>
+        </p:spPr>
+      </p:pic>
+      <p:pic>
+        <p:nvPicPr>
+          <p:cNvPr id="18" name="图片 17"/>
+          <p:cNvPicPr>
+            <a:picLocks noChangeAspect="1"/>
+          </p:cNvPicPr>
+          <p:nvPr>
+            <p:custDataLst>
+              <p:tags r:id="rId14"/>
+            </p:custDataLst>
+          </p:nvPr>
+        </p:nvPicPr>
+        <p:blipFill>
+          <a:blip r:embed="rId2"/>
+          <a:stretch>
+            <a:fillRect/>
+          </a:stretch>
+        </p:blipFill>
+        <p:spPr>
+          <a:xfrm>
+            <a:off x="1602105" y="4369435"/>
+            <a:ext cx="1021080" cy="1097915"/>
+          </a:xfrm>
+          <a:prstGeom prst="rect">
+            <a:avLst/>
+          </a:prstGeom>
+          <a:ln w="12700" cmpd="sng">
+            <a:solidFill>
+              <a:srgbClr val="202020"/>
+            </a:solidFill>
+            <a:prstDash val="solid"/>
+          </a:ln>
+        </p:spPr>
+      </p:pic>
+      <p:cxnSp>
+        <p:nvCxnSpPr>
+          <p:cNvPr id="21" name="曲线连接符 20"/>
+          <p:cNvCxnSpPr>
+            <a:stCxn id="4" idx="1"/>
+            <a:endCxn id="13" idx="0"/>
+          </p:cNvCxnSpPr>
+          <p:nvPr/>
+        </p:nvCxnSpPr>
+        <p:spPr>
+          <a:xfrm rot="10800000" flipV="1">
+            <a:off x="2962275" y="650875"/>
+            <a:ext cx="2971800" cy="673735"/>
+          </a:xfrm>
+          <a:prstGeom prst="curvedConnector2">
+            <a:avLst/>
+          </a:prstGeom>
+          <a:ln w="12700" cmpd="sng">
+            <a:solidFill>
+              <a:srgbClr val="202020"/>
+            </a:solidFill>
+            <a:prstDash val="solid"/>
+            <a:tailEnd type="arrow"/>
+          </a:ln>
+        </p:spPr>
+        <p:style>
+          <a:lnRef idx="2">
+            <a:schemeClr val="accent1"/>
+          </a:lnRef>
+          <a:fillRef idx="0">
+            <a:srgbClr val="FFFFFF"/>
+          </a:fillRef>
+          <a:effectRef idx="0">
+            <a:srgbClr val="FFFFFF"/>
+          </a:effectRef>
+          <a:fontRef idx="minor">
+            <a:schemeClr val="tx1"/>
+          </a:fontRef>
+        </p:style>
+      </p:cxnSp>
+      <p:cxnSp>
+        <p:nvCxnSpPr>
+          <p:cNvPr id="22" name="曲线连接符 21"/>
+          <p:cNvCxnSpPr>
+            <a:stCxn id="13" idx="2"/>
+            <a:endCxn id="8" idx="0"/>
+          </p:cNvCxnSpPr>
+          <p:nvPr/>
+        </p:nvCxnSpPr>
+        <p:spPr>
+          <a:xfrm rot="5400000">
+            <a:off x="1846580" y="1891030"/>
+            <a:ext cx="584835" cy="1646555"/>
+          </a:xfrm>
+          <a:prstGeom prst="curvedConnector3">
+            <a:avLst>
+              <a:gd name="adj1" fmla="val 50054"/>
+            </a:avLst>
+          </a:prstGeom>
+          <a:ln w="12700" cmpd="sng">
+            <a:solidFill>
+              <a:srgbClr val="202020"/>
+            </a:solidFill>
+            <a:prstDash val="solid"/>
+            <a:tailEnd type="arrow"/>
+          </a:ln>
+        </p:spPr>
+        <p:style>
+          <a:lnRef idx="2">
+            <a:schemeClr val="accent1"/>
+          </a:lnRef>
+          <a:fillRef idx="0">
+            <a:srgbClr val="FFFFFF"/>
+          </a:fillRef>
+          <a:effectRef idx="0">
+            <a:srgbClr val="FFFFFF"/>
+          </a:effectRef>
+          <a:fontRef idx="minor">
+            <a:schemeClr val="tx1"/>
+          </a:fontRef>
+        </p:style>
+      </p:cxnSp>
+      <p:cxnSp>
+        <p:nvCxnSpPr>
+          <p:cNvPr id="23" name="曲线连接符 22"/>
+          <p:cNvCxnSpPr>
+            <a:stCxn id="13" idx="2"/>
+            <a:endCxn id="9" idx="0"/>
+          </p:cNvCxnSpPr>
+          <p:nvPr/>
+        </p:nvCxnSpPr>
+        <p:spPr>
+          <a:xfrm rot="5400000">
+            <a:off x="2425065" y="2469515"/>
+            <a:ext cx="584835" cy="489585"/>
+          </a:xfrm>
+          <a:prstGeom prst="curvedConnector3">
+            <a:avLst>
+              <a:gd name="adj1" fmla="val 50054"/>
+            </a:avLst>
+          </a:prstGeom>
+          <a:ln w="12700" cmpd="sng">
+            <a:solidFill>
+              <a:srgbClr val="202020"/>
+            </a:solidFill>
+            <a:prstDash val="solid"/>
+            <a:tailEnd type="arrow"/>
+          </a:ln>
+        </p:spPr>
+        <p:style>
+          <a:lnRef idx="2">
+            <a:schemeClr val="accent1"/>
+          </a:lnRef>
+          <a:fillRef idx="0">
+            <a:srgbClr val="FFFFFF"/>
+          </a:fillRef>
+          <a:effectRef idx="0">
+            <a:srgbClr val="FFFFFF"/>
+          </a:effectRef>
+          <a:fontRef idx="minor">
+            <a:schemeClr val="tx1"/>
+          </a:fontRef>
+        </p:style>
+      </p:cxnSp>
+      <p:cxnSp>
+        <p:nvCxnSpPr>
+          <p:cNvPr id="24" name="曲线连接符 23"/>
+          <p:cNvCxnSpPr>
+            <a:stCxn id="13" idx="2"/>
+            <a:endCxn id="14" idx="0"/>
+          </p:cNvCxnSpPr>
+          <p:nvPr>
+            <p:custDataLst>
+              <p:tags r:id="rId15"/>
+            </p:custDataLst>
+          </p:nvPr>
+        </p:nvCxnSpPr>
+        <p:spPr>
+          <a:xfrm rot="5400000" flipV="1">
+            <a:off x="3003550" y="2380615"/>
+            <a:ext cx="584835" cy="667385"/>
+          </a:xfrm>
+          <a:prstGeom prst="curvedConnector3">
+            <a:avLst>
+              <a:gd name="adj1" fmla="val 50054"/>
+            </a:avLst>
+          </a:prstGeom>
+          <a:ln w="12700" cmpd="sng">
+            <a:solidFill>
+              <a:srgbClr val="202020"/>
+            </a:solidFill>
+            <a:prstDash val="solid"/>
+            <a:tailEnd type="arrow"/>
+          </a:ln>
+        </p:spPr>
+        <p:style>
+          <a:lnRef idx="2">
+            <a:schemeClr val="accent1"/>
+          </a:lnRef>
+          <a:fillRef idx="0">
+            <a:srgbClr val="FFFFFF"/>
+          </a:fillRef>
+          <a:effectRef idx="0">
+            <a:srgbClr val="FFFFFF"/>
+          </a:effectRef>
+          <a:fontRef idx="minor">
+            <a:schemeClr val="tx1"/>
+          </a:fontRef>
+        </p:style>
+      </p:cxnSp>
+      <p:cxnSp>
+        <p:nvCxnSpPr>
+          <p:cNvPr id="25" name="曲线连接符 24"/>
+          <p:cNvCxnSpPr>
+            <a:endCxn id="15" idx="0"/>
+          </p:cNvCxnSpPr>
+          <p:nvPr/>
+        </p:nvCxnSpPr>
+        <p:spPr>
+          <a:xfrm>
+            <a:off x="2965450" y="2471420"/>
+            <a:ext cx="1821180" cy="535940"/>
+          </a:xfrm>
+          <a:prstGeom prst="curvedConnector2">
+            <a:avLst/>
+          </a:prstGeom>
+          <a:ln w="12700" cmpd="sng">
+            <a:solidFill>
+              <a:srgbClr val="202020"/>
+            </a:solidFill>
+            <a:prstDash val="solid"/>
+            <a:tailEnd type="arrow"/>
+          </a:ln>
+        </p:spPr>
+        <p:style>
+          <a:lnRef idx="2">
+            <a:schemeClr val="accent1"/>
+          </a:lnRef>
+          <a:fillRef idx="0">
+            <a:srgbClr val="FFFFFF"/>
+          </a:fillRef>
+          <a:effectRef idx="0">
+            <a:srgbClr val="FFFFFF"/>
+          </a:effectRef>
+          <a:fontRef idx="minor">
+            <a:schemeClr val="tx1"/>
+          </a:fontRef>
+        </p:style>
+      </p:cxnSp>
+      <p:cxnSp>
+        <p:nvCxnSpPr>
+          <p:cNvPr id="26" name="曲线连接符 25"/>
+          <p:cNvCxnSpPr>
+            <a:endCxn id="16" idx="0"/>
+          </p:cNvCxnSpPr>
+          <p:nvPr/>
+        </p:nvCxnSpPr>
+        <p:spPr>
+          <a:xfrm>
+            <a:off x="2952750" y="2428240"/>
+            <a:ext cx="2990850" cy="579120"/>
+          </a:xfrm>
+          <a:prstGeom prst="curvedConnector2">
+            <a:avLst/>
+          </a:prstGeom>
+          <a:ln w="12700" cmpd="sng">
+            <a:solidFill>
+              <a:srgbClr val="202020"/>
+            </a:solidFill>
+            <a:prstDash val="solid"/>
+            <a:tailEnd type="arrow"/>
+          </a:ln>
+        </p:spPr>
+        <p:style>
+          <a:lnRef idx="2">
+            <a:schemeClr val="accent1"/>
+          </a:lnRef>
+          <a:fillRef idx="0">
+            <a:srgbClr val="FFFFFF"/>
+          </a:fillRef>
+          <a:effectRef idx="0">
+            <a:srgbClr val="FFFFFF"/>
+          </a:effectRef>
+          <a:fontRef idx="minor">
+            <a:schemeClr val="tx1"/>
+          </a:fontRef>
+        </p:style>
+      </p:cxnSp>
+      <p:cxnSp>
+        <p:nvCxnSpPr>
+          <p:cNvPr id="27" name="曲线连接符 26"/>
+          <p:cNvCxnSpPr>
+            <a:stCxn id="8" idx="2"/>
+            <a:endCxn id="17" idx="0"/>
+          </p:cNvCxnSpPr>
+          <p:nvPr/>
+        </p:nvCxnSpPr>
+        <p:spPr>
+          <a:xfrm rot="5400000">
+            <a:off x="894715" y="3948430"/>
+            <a:ext cx="264160" cy="577215"/>
+          </a:xfrm>
+          <a:prstGeom prst="curvedConnector3">
+            <a:avLst>
+              <a:gd name="adj1" fmla="val 49880"/>
+            </a:avLst>
+          </a:prstGeom>
+          <a:ln w="12700" cmpd="sng">
+            <a:solidFill>
+              <a:srgbClr val="202020"/>
+            </a:solidFill>
+            <a:prstDash val="solid"/>
+            <a:tailEnd type="arrow"/>
+          </a:ln>
+        </p:spPr>
+        <p:style>
+          <a:lnRef idx="2">
+            <a:schemeClr val="accent1"/>
+          </a:lnRef>
+          <a:fillRef idx="0">
+            <a:srgbClr val="FFFFFF"/>
+          </a:fillRef>
+          <a:effectRef idx="0">
+            <a:srgbClr val="FFFFFF"/>
+          </a:effectRef>
+          <a:fontRef idx="minor">
+            <a:schemeClr val="tx1"/>
+          </a:fontRef>
+        </p:style>
+      </p:cxnSp>
+      <p:cxnSp>
+        <p:nvCxnSpPr>
+          <p:cNvPr id="28" name="曲线连接符 27"/>
+          <p:cNvCxnSpPr>
+            <a:stCxn id="8" idx="2"/>
+            <a:endCxn id="18" idx="0"/>
+          </p:cNvCxnSpPr>
+          <p:nvPr/>
+        </p:nvCxnSpPr>
+        <p:spPr>
+          <a:xfrm rot="5400000" flipV="1">
+            <a:off x="1581785" y="3838575"/>
+            <a:ext cx="264160" cy="796925"/>
+          </a:xfrm>
+          <a:prstGeom prst="curvedConnector3">
+            <a:avLst>
+              <a:gd name="adj1" fmla="val 49880"/>
+            </a:avLst>
+          </a:prstGeom>
+          <a:ln w="12700" cmpd="sng">
+            <a:solidFill>
+              <a:srgbClr val="202020"/>
+            </a:solidFill>
+            <a:prstDash val="solid"/>
+            <a:tailEnd type="arrow"/>
+          </a:ln>
+        </p:spPr>
+        <p:style>
+          <a:lnRef idx="2">
+            <a:schemeClr val="accent1"/>
+          </a:lnRef>
+          <a:fillRef idx="0">
+            <a:srgbClr val="FFFFFF"/>
+          </a:fillRef>
+          <a:effectRef idx="0">
+            <a:srgbClr val="FFFFFF"/>
+          </a:effectRef>
+          <a:fontRef idx="minor">
+            <a:schemeClr val="tx1"/>
+          </a:fontRef>
+        </p:style>
+      </p:cxnSp>
+      <p:sp>
+        <p:nvSpPr>
+          <p:cNvPr id="30" name="文本框 29"/>
+          <p:cNvSpPr txBox="1"/>
+          <p:nvPr/>
+        </p:nvSpPr>
+        <p:spPr>
+          <a:xfrm>
+            <a:off x="6639560" y="6188075"/>
+            <a:ext cx="404495" cy="368300"/>
+          </a:xfrm>
+          <a:prstGeom prst="rect">
+            <a:avLst/>
+          </a:prstGeom>
+          <a:noFill/>
+          <a:ln>
+            <a:noFill/>
+          </a:ln>
+        </p:spPr>
+        <p:txBody>
+          <a:bodyPr wrap="square" rtlCol="0">
+            <a:spAutoFit/>
+          </a:bodyPr>
+          <a:p>
+            <a:r>
+              <a:rPr lang="zh-CN" altLang="en-US">
+                <a:solidFill>
+                  <a:srgbClr val="FF0000"/>
+                </a:solidFill>
+              </a:rPr>
+              <a:t>✔</a:t>
+            </a:r>
+            <a:endParaRPr lang="zh-CN" altLang="en-US">
+              <a:solidFill>
+                <a:srgbClr val="FF0000"/>
+              </a:solidFill>
+            </a:endParaRPr>
+          </a:p>
+        </p:txBody>
+      </p:sp>
+      <p:cxnSp>
+        <p:nvCxnSpPr>
+          <p:cNvPr id="31" name="曲线连接符 30"/>
+          <p:cNvCxnSpPr>
+            <a:stCxn id="35" idx="3"/>
+            <a:endCxn id="43" idx="3"/>
+          </p:cNvCxnSpPr>
+          <p:nvPr/>
+        </p:nvCxnSpPr>
+        <p:spPr>
+          <a:xfrm flipV="1">
+            <a:off x="6454140" y="4918710"/>
+            <a:ext cx="3175" cy="1333500"/>
+          </a:xfrm>
+          <a:prstGeom prst="curvedConnector3">
+            <a:avLst>
+              <a:gd name="adj1" fmla="val 7500000"/>
+            </a:avLst>
+          </a:prstGeom>
+          <a:ln>
+            <a:solidFill>
+              <a:srgbClr val="CC3300"/>
+            </a:solidFill>
+            <a:tailEnd type="arrow"/>
+          </a:ln>
+        </p:spPr>
+        <p:style>
+          <a:lnRef idx="2">
+            <a:schemeClr val="accent1"/>
+          </a:lnRef>
+          <a:fillRef idx="0">
+            <a:srgbClr val="FFFFFF"/>
+          </a:fillRef>
+          <a:effectRef idx="0">
+            <a:srgbClr val="FFFFFF"/>
+          </a:effectRef>
+          <a:fontRef idx="minor">
+            <a:schemeClr val="tx1"/>
+          </a:fontRef>
+        </p:style>
+      </p:cxnSp>
+      <p:cxnSp>
+        <p:nvCxnSpPr>
+          <p:cNvPr id="33" name="曲线连接符 32"/>
+          <p:cNvCxnSpPr>
+            <a:stCxn id="16" idx="3"/>
+            <a:endCxn id="13" idx="3"/>
+          </p:cNvCxnSpPr>
+          <p:nvPr/>
+        </p:nvCxnSpPr>
+        <p:spPr>
+          <a:xfrm flipH="1" flipV="1">
+            <a:off x="3472815" y="1873885"/>
+            <a:ext cx="2981325" cy="1682750"/>
+          </a:xfrm>
+          <a:prstGeom prst="curvedConnector3">
+            <a:avLst>
+              <a:gd name="adj1" fmla="val -3578"/>
+            </a:avLst>
+          </a:prstGeom>
+          <a:ln>
+            <a:solidFill>
+              <a:srgbClr val="CC3300"/>
+            </a:solidFill>
+            <a:tailEnd type="arrow"/>
+          </a:ln>
+        </p:spPr>
+        <p:style>
+          <a:lnRef idx="2">
+            <a:schemeClr val="accent1"/>
+          </a:lnRef>
+          <a:fillRef idx="0">
+            <a:srgbClr val="FFFFFF"/>
+          </a:fillRef>
+          <a:effectRef idx="0">
+            <a:srgbClr val="FFFFFF"/>
+          </a:effectRef>
+          <a:fontRef idx="minor">
+            <a:schemeClr val="tx1"/>
+          </a:fontRef>
+        </p:style>
+      </p:cxnSp>
+      <p:cxnSp>
+        <p:nvCxnSpPr>
+          <p:cNvPr id="34" name="曲线连接符 33"/>
+          <p:cNvCxnSpPr>
+            <a:endCxn id="4" idx="1"/>
+          </p:cNvCxnSpPr>
+          <p:nvPr/>
+        </p:nvCxnSpPr>
+        <p:spPr>
+          <a:xfrm flipV="1">
+            <a:off x="3472815" y="650875"/>
+            <a:ext cx="2461260" cy="1223010"/>
+          </a:xfrm>
+          <a:prstGeom prst="curvedConnector3">
+            <a:avLst>
+              <a:gd name="adj1" fmla="val 50026"/>
+            </a:avLst>
+          </a:prstGeom>
+          <a:ln>
+            <a:solidFill>
+              <a:srgbClr val="CC3300"/>
+            </a:solidFill>
+            <a:tailEnd type="arrow"/>
+          </a:ln>
+        </p:spPr>
+        <p:style>
+          <a:lnRef idx="2">
+            <a:schemeClr val="accent1"/>
+          </a:lnRef>
+          <a:fillRef idx="0">
+            <a:srgbClr val="FFFFFF"/>
+          </a:fillRef>
+          <a:effectRef idx="0">
+            <a:srgbClr val="FFFFFF"/>
+          </a:effectRef>
+          <a:fontRef idx="minor">
+            <a:schemeClr val="tx1"/>
+          </a:fontRef>
+        </p:style>
+      </p:cxnSp>
+      <p:pic>
+        <p:nvPicPr>
+          <p:cNvPr id="35" name="图片 34"/>
+          <p:cNvPicPr>
+            <a:picLocks noChangeAspect="1"/>
+          </p:cNvPicPr>
+          <p:nvPr>
+            <p:custDataLst>
+              <p:tags r:id="rId16"/>
+            </p:custDataLst>
+          </p:nvPr>
+        </p:nvPicPr>
+        <p:blipFill>
+          <a:blip r:embed="rId2"/>
+          <a:stretch>
+            <a:fillRect/>
+          </a:stretch>
+        </p:blipFill>
+        <p:spPr>
+          <a:xfrm>
+            <a:off x="5433060" y="5702935"/>
+            <a:ext cx="1021080" cy="1097915"/>
+          </a:xfrm>
+          <a:prstGeom prst="rect">
+            <a:avLst/>
+          </a:prstGeom>
+          <a:ln w="12700" cmpd="sng">
+            <a:solidFill>
+              <a:srgbClr val="202020"/>
+            </a:solidFill>
+            <a:prstDash val="solid"/>
+          </a:ln>
+        </p:spPr>
+      </p:pic>
+      <p:sp>
+        <p:nvSpPr>
+          <p:cNvPr id="36" name="文本框 35"/>
+          <p:cNvSpPr txBox="1"/>
+          <p:nvPr>
+            <p:custDataLst>
+              <p:tags r:id="rId17"/>
+            </p:custDataLst>
+          </p:nvPr>
+        </p:nvSpPr>
+        <p:spPr>
+          <a:xfrm>
+            <a:off x="536575" y="6003290"/>
+            <a:ext cx="404495" cy="368300"/>
+          </a:xfrm>
+          <a:prstGeom prst="rect">
+            <a:avLst/>
+          </a:prstGeom>
+          <a:noFill/>
+          <a:ln>
+            <a:noFill/>
+          </a:ln>
+        </p:spPr>
+        <p:txBody>
+          <a:bodyPr wrap="square" rtlCol="0">
+            <a:spAutoFit/>
+          </a:bodyPr>
+          <a:p>
+            <a:r>
+              <a:rPr lang="zh-CN" altLang="en-US">
+                <a:solidFill>
+                  <a:srgbClr val="FF0000"/>
+                </a:solidFill>
+              </a:rPr>
+              <a:t>✖</a:t>
+            </a:r>
+            <a:endParaRPr lang="zh-CN" altLang="en-US">
+              <a:solidFill>
+                <a:srgbClr val="FF0000"/>
+              </a:solidFill>
+            </a:endParaRPr>
+          </a:p>
+        </p:txBody>
+      </p:sp>
+      <p:pic>
+        <p:nvPicPr>
+          <p:cNvPr id="37" name="图片 36"/>
+          <p:cNvPicPr>
+            <a:picLocks noChangeAspect="1"/>
+          </p:cNvPicPr>
+          <p:nvPr>
+            <p:custDataLst>
+              <p:tags r:id="rId18"/>
+            </p:custDataLst>
+          </p:nvPr>
+        </p:nvPicPr>
+        <p:blipFill>
+          <a:blip r:embed="rId2"/>
+          <a:stretch>
+            <a:fillRect/>
+          </a:stretch>
+        </p:blipFill>
+        <p:spPr>
+          <a:xfrm>
+            <a:off x="2909570" y="4369435"/>
+            <a:ext cx="1021080" cy="1097915"/>
+          </a:xfrm>
+          <a:prstGeom prst="rect">
+            <a:avLst/>
+          </a:prstGeom>
+          <a:ln w="12700" cmpd="sng">
+            <a:solidFill>
+              <a:srgbClr val="202020"/>
+            </a:solidFill>
+            <a:prstDash val="solid"/>
+          </a:ln>
+        </p:spPr>
+      </p:pic>
+      <p:cxnSp>
+        <p:nvCxnSpPr>
+          <p:cNvPr id="38" name="曲线连接符 37"/>
+          <p:cNvCxnSpPr>
+            <a:endCxn id="37" idx="0"/>
+          </p:cNvCxnSpPr>
+          <p:nvPr/>
+        </p:nvCxnSpPr>
+        <p:spPr>
+          <a:xfrm>
+            <a:off x="1358265" y="4157345"/>
+            <a:ext cx="2061845" cy="212090"/>
+          </a:xfrm>
+          <a:prstGeom prst="curvedConnector2">
+            <a:avLst/>
+          </a:prstGeom>
+          <a:ln>
+            <a:solidFill>
+              <a:srgbClr val="202020"/>
+            </a:solidFill>
+            <a:tailEnd type="arrow"/>
+          </a:ln>
+        </p:spPr>
+        <p:style>
+          <a:lnRef idx="2">
+            <a:schemeClr val="accent1"/>
+          </a:lnRef>
+          <a:fillRef idx="0">
+            <a:srgbClr val="FFFFFF"/>
+          </a:fillRef>
+          <a:effectRef idx="0">
+            <a:srgbClr val="FFFFFF"/>
+          </a:effectRef>
+          <a:fontRef idx="minor">
+            <a:schemeClr val="tx1"/>
+          </a:fontRef>
+        </p:style>
+      </p:cxnSp>
+      <p:pic>
+        <p:nvPicPr>
+          <p:cNvPr id="42" name="图片 41"/>
+          <p:cNvPicPr>
+            <a:picLocks noChangeAspect="1"/>
+          </p:cNvPicPr>
+          <p:nvPr>
+            <p:custDataLst>
+              <p:tags r:id="rId19"/>
+            </p:custDataLst>
+          </p:nvPr>
+        </p:nvPicPr>
+        <p:blipFill>
+          <a:blip r:embed="rId2"/>
+          <a:stretch>
+            <a:fillRect/>
+          </a:stretch>
+        </p:blipFill>
+        <p:spPr>
+          <a:xfrm>
+            <a:off x="227965" y="5702935"/>
+            <a:ext cx="1021080" cy="1097915"/>
+          </a:xfrm>
+          <a:prstGeom prst="rect">
+            <a:avLst/>
+          </a:prstGeom>
+          <a:ln w="12700" cmpd="sng">
+            <a:solidFill>
+              <a:srgbClr val="202020"/>
+            </a:solidFill>
+            <a:prstDash val="solid"/>
+          </a:ln>
+        </p:spPr>
+      </p:pic>
+      <p:pic>
+        <p:nvPicPr>
+          <p:cNvPr id="43" name="图片 42"/>
+          <p:cNvPicPr>
+            <a:picLocks noChangeAspect="1"/>
+          </p:cNvPicPr>
+          <p:nvPr>
+            <p:custDataLst>
+              <p:tags r:id="rId20"/>
+            </p:custDataLst>
+          </p:nvPr>
+        </p:nvPicPr>
+        <p:blipFill>
+          <a:blip r:embed="rId2"/>
+          <a:stretch>
+            <a:fillRect/>
+          </a:stretch>
+        </p:blipFill>
+        <p:spPr>
+          <a:xfrm>
+            <a:off x="5433060" y="4369435"/>
+            <a:ext cx="1021080" cy="1097915"/>
+          </a:xfrm>
+          <a:prstGeom prst="rect">
+            <a:avLst/>
+          </a:prstGeom>
+          <a:ln w="12700" cmpd="sng">
+            <a:solidFill>
+              <a:srgbClr val="202020"/>
+            </a:solidFill>
+            <a:prstDash val="solid"/>
+          </a:ln>
+        </p:spPr>
+      </p:pic>
+      <p:cxnSp>
+        <p:nvCxnSpPr>
+          <p:cNvPr id="44" name="曲线连接符 43"/>
+          <p:cNvCxnSpPr>
+            <a:stCxn id="43" idx="3"/>
+            <a:endCxn id="16" idx="3"/>
+          </p:cNvCxnSpPr>
+          <p:nvPr/>
+        </p:nvCxnSpPr>
+        <p:spPr>
+          <a:xfrm flipV="1">
+            <a:off x="6454140" y="3556635"/>
+            <a:ext cx="3175" cy="1362075"/>
+          </a:xfrm>
+          <a:prstGeom prst="curvedConnector3">
+            <a:avLst>
+              <a:gd name="adj1" fmla="val 17080000"/>
+            </a:avLst>
+          </a:prstGeom>
+          <a:ln>
+            <a:solidFill>
+              <a:srgbClr val="CC3300"/>
+            </a:solidFill>
+            <a:tailEnd type="arrow"/>
+          </a:ln>
+        </p:spPr>
+        <p:style>
+          <a:lnRef idx="2">
+            <a:schemeClr val="accent1"/>
+          </a:lnRef>
+          <a:fillRef idx="0">
+            <a:srgbClr val="FFFFFF"/>
+          </a:fillRef>
+          <a:effectRef idx="0">
+            <a:srgbClr val="FFFFFF"/>
+          </a:effectRef>
+          <a:fontRef idx="minor">
+            <a:schemeClr val="tx1"/>
+          </a:fontRef>
+        </p:style>
+      </p:cxnSp>
+      <p:sp>
+        <p:nvSpPr>
+          <p:cNvPr id="45" name="文本框 44"/>
+          <p:cNvSpPr txBox="1"/>
+          <p:nvPr>
+            <p:custDataLst>
+              <p:tags r:id="rId21"/>
+            </p:custDataLst>
+          </p:nvPr>
+        </p:nvSpPr>
+        <p:spPr>
+          <a:xfrm>
+            <a:off x="536575" y="6188075"/>
+            <a:ext cx="404495" cy="368300"/>
+          </a:xfrm>
+          <a:prstGeom prst="rect">
+            <a:avLst/>
+          </a:prstGeom>
+          <a:noFill/>
+          <a:ln>
+            <a:noFill/>
+          </a:ln>
+        </p:spPr>
+        <p:txBody>
+          <a:bodyPr wrap="square" rtlCol="0">
+            <a:spAutoFit/>
+          </a:bodyPr>
+          <a:p>
+            <a:r>
+              <a:rPr lang="zh-CN" altLang="en-US">
+                <a:solidFill>
+                  <a:srgbClr val="FF0000"/>
+                </a:solidFill>
+              </a:rPr>
+              <a:t>✖</a:t>
+            </a:r>
+            <a:endParaRPr lang="zh-CN" altLang="en-US">
+              <a:solidFill>
+                <a:srgbClr val="FF0000"/>
+              </a:solidFill>
+            </a:endParaRPr>
+          </a:p>
+        </p:txBody>
+      </p:sp>
+      <p:cxnSp>
+        <p:nvCxnSpPr>
+          <p:cNvPr id="46" name="曲线连接符 45"/>
+          <p:cNvCxnSpPr>
+            <a:stCxn id="17" idx="2"/>
+            <a:endCxn id="42" idx="0"/>
+          </p:cNvCxnSpPr>
+          <p:nvPr/>
+        </p:nvCxnSpPr>
+        <p:spPr>
+          <a:xfrm rot="5400000" flipV="1">
+            <a:off x="620713" y="5585143"/>
+            <a:ext cx="235585" cy="3175"/>
+          </a:xfrm>
+          <a:prstGeom prst="curvedConnector2">
+            <a:avLst/>
+          </a:prstGeom>
+          <a:ln>
+            <a:solidFill>
+              <a:srgbClr val="202020"/>
+            </a:solidFill>
+            <a:tailEnd type="arrow"/>
+          </a:ln>
+        </p:spPr>
+        <p:style>
+          <a:lnRef idx="2">
+            <a:schemeClr val="accent1"/>
+          </a:lnRef>
+          <a:fillRef idx="0">
+            <a:srgbClr val="FFFFFF"/>
+          </a:fillRef>
+          <a:effectRef idx="0">
+            <a:srgbClr val="FFFFFF"/>
+          </a:effectRef>
+          <a:fontRef idx="minor">
+            <a:schemeClr val="tx1"/>
+          </a:fontRef>
+        </p:style>
+      </p:cxnSp>
+      <p:cxnSp>
+        <p:nvCxnSpPr>
+          <p:cNvPr id="47" name="曲线连接符 46"/>
+          <p:cNvCxnSpPr>
+            <a:stCxn id="16" idx="2"/>
+            <a:endCxn id="43" idx="0"/>
+          </p:cNvCxnSpPr>
+          <p:nvPr/>
+        </p:nvCxnSpPr>
+        <p:spPr>
+          <a:xfrm rot="5400000" flipV="1">
+            <a:off x="5811520" y="4237355"/>
+            <a:ext cx="264160" cy="3175"/>
+          </a:xfrm>
+          <a:prstGeom prst="curvedConnector2">
+            <a:avLst/>
+          </a:prstGeom>
+          <a:ln>
+            <a:solidFill>
+              <a:srgbClr val="202020"/>
+            </a:solidFill>
+            <a:tailEnd type="arrow"/>
+          </a:ln>
+        </p:spPr>
+        <p:style>
+          <a:lnRef idx="2">
+            <a:schemeClr val="accent1"/>
+          </a:lnRef>
+          <a:fillRef idx="0">
+            <a:srgbClr val="FFFFFF"/>
+          </a:fillRef>
+          <a:effectRef idx="0">
+            <a:srgbClr val="FFFFFF"/>
+          </a:effectRef>
+          <a:fontRef idx="minor">
+            <a:schemeClr val="tx1"/>
+          </a:fontRef>
+        </p:style>
+      </p:cxnSp>
+      <p:cxnSp>
+        <p:nvCxnSpPr>
+          <p:cNvPr id="48" name="曲线连接符 47"/>
+          <p:cNvCxnSpPr/>
+          <p:nvPr/>
+        </p:nvCxnSpPr>
+        <p:spPr>
+          <a:xfrm rot="16200000">
+            <a:off x="359410" y="5578475"/>
+            <a:ext cx="314325" cy="3175"/>
+          </a:xfrm>
+          <a:prstGeom prst="curvedConnector2">
+            <a:avLst/>
+          </a:prstGeom>
+          <a:ln>
+            <a:solidFill>
+              <a:schemeClr val="bg2">
+                <a:lumMod val="50000"/>
+              </a:schemeClr>
+            </a:solidFill>
+            <a:tailEnd type="arrow"/>
+          </a:ln>
+        </p:spPr>
+        <p:style>
+          <a:lnRef idx="2">
+            <a:schemeClr val="accent1"/>
+          </a:lnRef>
+          <a:fillRef idx="0">
+            <a:srgbClr val="FFFFFF"/>
+          </a:fillRef>
+          <a:effectRef idx="0">
+            <a:srgbClr val="FFFFFF"/>
+          </a:effectRef>
+          <a:fontRef idx="minor">
+            <a:schemeClr val="tx1"/>
+          </a:fontRef>
+        </p:style>
+      </p:cxnSp>
+      <p:cxnSp>
+        <p:nvCxnSpPr>
+          <p:cNvPr id="49" name="曲线连接符 48"/>
+          <p:cNvCxnSpPr>
+            <a:stCxn id="4" idx="2"/>
+            <a:endCxn id="7" idx="0"/>
+          </p:cNvCxnSpPr>
+          <p:nvPr/>
+        </p:nvCxnSpPr>
+        <p:spPr>
+          <a:xfrm rot="5400000" flipV="1">
+            <a:off x="6617335" y="1026795"/>
+            <a:ext cx="124460" cy="469900"/>
+          </a:xfrm>
+          <a:prstGeom prst="curvedConnector3">
+            <a:avLst>
+              <a:gd name="adj1" fmla="val 50000"/>
+            </a:avLst>
+          </a:prstGeom>
+          <a:ln>
+            <a:solidFill>
+              <a:schemeClr val="tx1"/>
+            </a:solidFill>
+            <a:tailEnd type="arrow"/>
+          </a:ln>
+        </p:spPr>
+        <p:style>
+          <a:lnRef idx="2">
+            <a:schemeClr val="accent1"/>
+          </a:lnRef>
+          <a:fillRef idx="0">
+            <a:srgbClr val="FFFFFF"/>
+          </a:fillRef>
+          <a:effectRef idx="0">
+            <a:srgbClr val="FFFFFF"/>
+          </a:effectRef>
+          <a:fontRef idx="minor">
+            <a:schemeClr val="tx1"/>
+          </a:fontRef>
+        </p:style>
+      </p:cxnSp>
+      <p:cxnSp>
+        <p:nvCxnSpPr>
+          <p:cNvPr id="50" name="曲线连接符 49"/>
+          <p:cNvCxnSpPr>
+            <a:stCxn id="4" idx="3"/>
+            <a:endCxn id="10" idx="0"/>
+          </p:cNvCxnSpPr>
+          <p:nvPr/>
+        </p:nvCxnSpPr>
+        <p:spPr>
+          <a:xfrm>
+            <a:off x="6955155" y="650875"/>
+            <a:ext cx="1502410" cy="679450"/>
+          </a:xfrm>
+          <a:prstGeom prst="curvedConnector2">
+            <a:avLst/>
+          </a:prstGeom>
+          <a:ln>
+            <a:solidFill>
+              <a:srgbClr val="202020"/>
+            </a:solidFill>
+            <a:tailEnd type="arrow"/>
+          </a:ln>
+        </p:spPr>
+        <p:style>
+          <a:lnRef idx="2">
+            <a:schemeClr val="accent1"/>
+          </a:lnRef>
+          <a:fillRef idx="0">
+            <a:srgbClr val="FFFFFF"/>
+          </a:fillRef>
+          <a:effectRef idx="0">
+            <a:srgbClr val="FFFFFF"/>
+          </a:effectRef>
+          <a:fontRef idx="minor">
+            <a:schemeClr val="tx1"/>
+          </a:fontRef>
+        </p:style>
+      </p:cxnSp>
+      <p:cxnSp>
+        <p:nvCxnSpPr>
+          <p:cNvPr id="51" name="曲线连接符 50"/>
+          <p:cNvCxnSpPr>
+            <a:endCxn id="11" idx="0"/>
+          </p:cNvCxnSpPr>
+          <p:nvPr/>
+        </p:nvCxnSpPr>
+        <p:spPr>
+          <a:xfrm>
+            <a:off x="6997700" y="654050"/>
+            <a:ext cx="3136265" cy="676275"/>
+          </a:xfrm>
+          <a:prstGeom prst="curvedConnector2">
+            <a:avLst/>
+          </a:prstGeom>
+          <a:ln>
+            <a:solidFill>
+              <a:srgbClr val="202020"/>
+            </a:solidFill>
+            <a:tailEnd type="arrow"/>
+          </a:ln>
+        </p:spPr>
+        <p:style>
+          <a:lnRef idx="2">
+            <a:schemeClr val="accent1"/>
+          </a:lnRef>
+          <a:fillRef idx="0">
+            <a:srgbClr val="FFFFFF"/>
+          </a:fillRef>
+          <a:effectRef idx="0">
+            <a:srgbClr val="FFFFFF"/>
+          </a:effectRef>
+          <a:fontRef idx="minor">
+            <a:schemeClr val="tx1"/>
+          </a:fontRef>
+        </p:style>
+      </p:cxnSp>
+      <p:cxnSp>
+        <p:nvCxnSpPr>
+          <p:cNvPr id="52" name="曲线连接符 51"/>
+          <p:cNvCxnSpPr>
+            <a:stCxn id="4" idx="3"/>
+            <a:endCxn id="12" idx="0"/>
+          </p:cNvCxnSpPr>
+          <p:nvPr/>
+        </p:nvCxnSpPr>
+        <p:spPr>
+          <a:xfrm>
+            <a:off x="6955155" y="650875"/>
+            <a:ext cx="4536440" cy="679450"/>
+          </a:xfrm>
+          <a:prstGeom prst="curvedConnector2">
+            <a:avLst/>
+          </a:prstGeom>
+          <a:ln>
+            <a:solidFill>
+              <a:srgbClr val="202020"/>
+            </a:solidFill>
+            <a:tailEnd type="arrow"/>
+          </a:ln>
+        </p:spPr>
+        <p:style>
+          <a:lnRef idx="2">
+            <a:schemeClr val="accent1"/>
+          </a:lnRef>
+          <a:fillRef idx="0">
+            <a:srgbClr val="FFFFFF"/>
+          </a:fillRef>
+          <a:effectRef idx="0">
+            <a:srgbClr val="FFFFFF"/>
+          </a:effectRef>
+          <a:fontRef idx="minor">
+            <a:schemeClr val="tx1"/>
+          </a:fontRef>
+        </p:style>
+      </p:cxnSp>
+      <p:sp>
+        <p:nvSpPr>
+          <p:cNvPr id="53" name="文本框 52"/>
+          <p:cNvSpPr txBox="1"/>
+          <p:nvPr/>
+        </p:nvSpPr>
+        <p:spPr>
+          <a:xfrm>
+            <a:off x="307975" y="285750"/>
+            <a:ext cx="6096000" cy="368300"/>
+          </a:xfrm>
+          <a:prstGeom prst="rect">
+            <a:avLst/>
+          </a:prstGeom>
+          <a:noFill/>
+        </p:spPr>
+        <p:txBody>
+          <a:bodyPr wrap="square" rtlCol="0" anchor="t">
+            <a:spAutoFit/>
+          </a:bodyPr>
+          <a:p>
+            <a:r>
+              <a:rPr lang="zh-CN" altLang="en-US"/>
+              <a:t>37. 解数独</a:t>
+            </a:r>
+            <a:endParaRPr lang="zh-CN" altLang="en-US"/>
+          </a:p>
+        </p:txBody>
+      </p:sp>
+    </p:spTree>
+  </p:cSld>
+  <p:clrMapOvr>
+    <a:masterClrMapping/>
+  </p:clrMapOvr>
+</p:sld>
+</file>
+
+<file path=ppt/slides/slide6.xml><?xml version="1.0" encoding="utf-8"?>
+<p:sld xmlns:a="http://schemas.openxmlformats.org/drawingml/2006/main" xmlns:r="http://schemas.openxmlformats.org/officeDocument/2006/relationships" xmlns:p="http://schemas.openxmlformats.org/presentationml/2006/main">
+  <p:cSld>
+    <p:spTree>
+      <p:nvGrpSpPr>
+        <p:cNvPr id="1" name=""/>
+        <p:cNvGrpSpPr/>
+        <p:nvPr/>
+      </p:nvGrpSpPr>
+      <p:grpSpPr/>
+      <p:sp>
+        <p:nvSpPr>
           <p:cNvPr id="7" name="矩形 6"/>
           <p:cNvSpPr/>
           <p:nvPr/>
@@ -7722,515 +10011,6 @@
 </p:sld>
 </file>
 
-<file path=ppt/slides/slide5.xml><?xml version="1.0" encoding="utf-8"?>
-<p:sld xmlns:a="http://schemas.openxmlformats.org/drawingml/2006/main" xmlns:r="http://schemas.openxmlformats.org/officeDocument/2006/relationships" xmlns:p="http://schemas.openxmlformats.org/presentationml/2006/main">
-  <p:cSld>
-    <p:spTree>
-      <p:nvGrpSpPr>
-        <p:cNvPr id="1" name=""/>
-        <p:cNvGrpSpPr/>
-        <p:nvPr/>
-      </p:nvGrpSpPr>
-      <p:grpSpPr/>
-      <p:sp>
-        <p:nvSpPr>
-          <p:cNvPr id="4" name="文本框 3"/>
-          <p:cNvSpPr txBox="1"/>
-          <p:nvPr/>
-        </p:nvSpPr>
-        <p:spPr>
-          <a:xfrm>
-            <a:off x="318135" y="324485"/>
-            <a:ext cx="6096000" cy="306705"/>
-          </a:xfrm>
-          <a:prstGeom prst="rect">
-            <a:avLst/>
-          </a:prstGeom>
-          <a:noFill/>
-        </p:spPr>
-        <p:txBody>
-          <a:bodyPr wrap="square" rtlCol="0" anchor="t">
-            <a:spAutoFit/>
-          </a:bodyPr>
-          <a:p>
-            <a:r>
-              <a:rPr lang="zh-CN" altLang="en-US" sz="1400"/>
-              <a:t>32. 最长有效括号</a:t>
-            </a:r>
-            <a:endParaRPr lang="zh-CN" altLang="en-US" sz="1400"/>
-          </a:p>
-        </p:txBody>
-      </p:sp>
-      <p:sp>
-        <p:nvSpPr>
-          <p:cNvPr id="6" name="文本框 5"/>
-          <p:cNvSpPr txBox="1"/>
-          <p:nvPr/>
-        </p:nvSpPr>
-        <p:spPr>
-          <a:xfrm>
-            <a:off x="5495925" y="1329690"/>
-            <a:ext cx="332105" cy="306705"/>
-          </a:xfrm>
-          <a:prstGeom prst="rect">
-            <a:avLst/>
-          </a:prstGeom>
-          <a:noFill/>
-        </p:spPr>
-        <p:txBody>
-          <a:bodyPr wrap="square" rtlCol="0">
-            <a:spAutoFit/>
-          </a:bodyPr>
-          <a:p>
-            <a:r>
-              <a:rPr lang="en-US" altLang="zh-CN" sz="1400"/>
-              <a:t>i</a:t>
-            </a:r>
-            <a:endParaRPr lang="en-US" altLang="zh-CN" sz="1400"/>
-          </a:p>
-        </p:txBody>
-      </p:sp>
-      <p:pic>
-        <p:nvPicPr>
-          <p:cNvPr id="10" name="图片 9"/>
-          <p:cNvPicPr>
-            <a:picLocks noChangeAspect="1"/>
-          </p:cNvPicPr>
-          <p:nvPr>
-            <p:custDataLst>
-              <p:tags r:id="rId1"/>
-            </p:custDataLst>
-          </p:nvPr>
-        </p:nvPicPr>
-        <p:blipFill>
-          <a:blip r:embed="rId2"/>
-          <a:stretch>
-            <a:fillRect/>
-          </a:stretch>
-        </p:blipFill>
-        <p:spPr>
-          <a:xfrm>
-            <a:off x="869950" y="1636395"/>
-            <a:ext cx="10452100" cy="1115695"/>
-          </a:xfrm>
-          <a:prstGeom prst="rect">
-            <a:avLst/>
-          </a:prstGeom>
-        </p:spPr>
-      </p:pic>
-      <p:sp>
-        <p:nvSpPr>
-          <p:cNvPr id="11" name="文本框 10"/>
-          <p:cNvSpPr txBox="1"/>
-          <p:nvPr/>
-        </p:nvSpPr>
-        <p:spPr>
-          <a:xfrm>
-            <a:off x="3629660" y="2859405"/>
-            <a:ext cx="799465" cy="306705"/>
-          </a:xfrm>
-          <a:prstGeom prst="rect">
-            <a:avLst/>
-          </a:prstGeom>
-          <a:noFill/>
-        </p:spPr>
-        <p:txBody>
-          <a:bodyPr wrap="square" rtlCol="0">
-            <a:spAutoFit/>
-          </a:bodyPr>
-          <a:p>
-            <a:r>
-              <a:rPr lang="en-US" altLang="zh-CN" sz="1400"/>
-              <a:t>dp[i-2]</a:t>
-            </a:r>
-            <a:endParaRPr lang="en-US" altLang="zh-CN" sz="1400"/>
-          </a:p>
-        </p:txBody>
-      </p:sp>
-      <p:sp>
-        <p:nvSpPr>
-          <p:cNvPr id="12" name="文本框 11"/>
-          <p:cNvSpPr txBox="1"/>
-          <p:nvPr>
-            <p:custDataLst>
-              <p:tags r:id="rId3"/>
-            </p:custDataLst>
-          </p:nvPr>
-        </p:nvSpPr>
-        <p:spPr>
-          <a:xfrm>
-            <a:off x="10635615" y="4171950"/>
-            <a:ext cx="332105" cy="306705"/>
-          </a:xfrm>
-          <a:prstGeom prst="rect">
-            <a:avLst/>
-          </a:prstGeom>
-          <a:noFill/>
-        </p:spPr>
-        <p:txBody>
-          <a:bodyPr wrap="square" rtlCol="0">
-            <a:spAutoFit/>
-          </a:bodyPr>
-          <a:p>
-            <a:r>
-              <a:rPr lang="en-US" altLang="zh-CN" sz="1400"/>
-              <a:t>i</a:t>
-            </a:r>
-            <a:endParaRPr lang="en-US" altLang="zh-CN" sz="1400"/>
-          </a:p>
-        </p:txBody>
-      </p:sp>
-      <p:pic>
-        <p:nvPicPr>
-          <p:cNvPr id="13" name="图片 12"/>
-          <p:cNvPicPr>
-            <a:picLocks noChangeAspect="1"/>
-          </p:cNvPicPr>
-          <p:nvPr>
-            <p:custDataLst>
-              <p:tags r:id="rId4"/>
-            </p:custDataLst>
-          </p:nvPr>
-        </p:nvPicPr>
-        <p:blipFill>
-          <a:blip r:embed="rId2"/>
-          <a:stretch>
-            <a:fillRect/>
-          </a:stretch>
-        </p:blipFill>
-        <p:spPr>
-          <a:xfrm>
-            <a:off x="869950" y="4683760"/>
-            <a:ext cx="10452100" cy="1115695"/>
-          </a:xfrm>
-          <a:prstGeom prst="rect">
-            <a:avLst/>
-          </a:prstGeom>
-        </p:spPr>
-      </p:pic>
-      <p:sp>
-        <p:nvSpPr>
-          <p:cNvPr id="14" name="文本框 13"/>
-          <p:cNvSpPr txBox="1"/>
-          <p:nvPr>
-            <p:custDataLst>
-              <p:tags r:id="rId5"/>
-            </p:custDataLst>
-          </p:nvPr>
-        </p:nvSpPr>
-        <p:spPr>
-          <a:xfrm>
-            <a:off x="9589135" y="5989320"/>
-            <a:ext cx="799465" cy="306705"/>
-          </a:xfrm>
-          <a:prstGeom prst="rect">
-            <a:avLst/>
-          </a:prstGeom>
-          <a:noFill/>
-        </p:spPr>
-        <p:txBody>
-          <a:bodyPr wrap="square" rtlCol="0">
-            <a:spAutoFit/>
-          </a:bodyPr>
-          <a:p>
-            <a:r>
-              <a:rPr lang="en-US" altLang="zh-CN" sz="1400"/>
-              <a:t>dp[i-1]</a:t>
-            </a:r>
-            <a:endParaRPr lang="en-US" altLang="zh-CN" sz="1400"/>
-          </a:p>
-        </p:txBody>
-      </p:sp>
-      <p:sp>
-        <p:nvSpPr>
-          <p:cNvPr id="15" name="文本框 14"/>
-          <p:cNvSpPr txBox="1"/>
-          <p:nvPr>
-            <p:custDataLst>
-              <p:tags r:id="rId6"/>
-            </p:custDataLst>
-          </p:nvPr>
-        </p:nvSpPr>
-        <p:spPr>
-          <a:xfrm>
-            <a:off x="6096000" y="4377055"/>
-            <a:ext cx="979170" cy="306705"/>
-          </a:xfrm>
-          <a:prstGeom prst="rect">
-            <a:avLst/>
-          </a:prstGeom>
-          <a:noFill/>
-        </p:spPr>
-        <p:txBody>
-          <a:bodyPr wrap="square" rtlCol="0">
-            <a:spAutoFit/>
-          </a:bodyPr>
-          <a:p>
-            <a:r>
-              <a:rPr lang="en-US" altLang="zh-CN" sz="1400"/>
-              <a:t>i-dp[i-1]-1</a:t>
-            </a:r>
-            <a:endParaRPr lang="en-US" altLang="zh-CN" sz="1400"/>
-          </a:p>
-        </p:txBody>
-      </p:sp>
-      <p:sp>
-        <p:nvSpPr>
-          <p:cNvPr id="16" name="文本框 15"/>
-          <p:cNvSpPr txBox="1"/>
-          <p:nvPr>
-            <p:custDataLst>
-              <p:tags r:id="rId7"/>
-            </p:custDataLst>
-          </p:nvPr>
-        </p:nvSpPr>
-        <p:spPr>
-          <a:xfrm>
-            <a:off x="4914900" y="5845810"/>
-            <a:ext cx="1688465" cy="306705"/>
-          </a:xfrm>
-          <a:prstGeom prst="rect">
-            <a:avLst/>
-          </a:prstGeom>
-          <a:noFill/>
-        </p:spPr>
-        <p:txBody>
-          <a:bodyPr wrap="square" rtlCol="0">
-            <a:spAutoFit/>
-          </a:bodyPr>
-          <a:p>
-            <a:r>
-              <a:rPr lang="en-US" altLang="zh-CN" sz="1400"/>
-              <a:t>dp[i-dp[i-1]-2]</a:t>
-            </a:r>
-            <a:endParaRPr lang="en-US" altLang="zh-CN" sz="1400"/>
-          </a:p>
-        </p:txBody>
-      </p:sp>
-      <p:sp>
-        <p:nvSpPr>
-          <p:cNvPr id="17" name="文本框 16"/>
-          <p:cNvSpPr txBox="1"/>
-          <p:nvPr>
-            <p:custDataLst>
-              <p:tags r:id="rId8"/>
-            </p:custDataLst>
-          </p:nvPr>
-        </p:nvSpPr>
-        <p:spPr>
-          <a:xfrm>
-            <a:off x="5116830" y="4377055"/>
-            <a:ext cx="979170" cy="306705"/>
-          </a:xfrm>
-          <a:prstGeom prst="rect">
-            <a:avLst/>
-          </a:prstGeom>
-          <a:noFill/>
-        </p:spPr>
-        <p:txBody>
-          <a:bodyPr wrap="square" rtlCol="0">
-            <a:spAutoFit/>
-          </a:bodyPr>
-          <a:p>
-            <a:r>
-              <a:rPr lang="en-US" altLang="zh-CN" sz="1400"/>
-              <a:t>i-dp[i-1]-2</a:t>
-            </a:r>
-            <a:endParaRPr lang="en-US" altLang="zh-CN" sz="1400"/>
-          </a:p>
-        </p:txBody>
-      </p:sp>
-      <p:sp>
-        <p:nvSpPr>
-          <p:cNvPr id="20" name="右大括号 19"/>
-          <p:cNvSpPr/>
-          <p:nvPr/>
-        </p:nvSpPr>
-        <p:spPr>
-          <a:xfrm rot="5400000">
-            <a:off x="3321050" y="3653155"/>
-            <a:ext cx="469900" cy="5081905"/>
-          </a:xfrm>
-          <a:prstGeom prst="rightBrace">
-            <a:avLst/>
-          </a:prstGeom>
-          <a:ln>
-            <a:solidFill>
-              <a:schemeClr val="accent6"/>
-            </a:solidFill>
-          </a:ln>
-        </p:spPr>
-        <p:style>
-          <a:lnRef idx="2">
-            <a:schemeClr val="accent1"/>
-          </a:lnRef>
-          <a:fillRef idx="0">
-            <a:srgbClr val="FFFFFF"/>
-          </a:fillRef>
-          <a:effectRef idx="0">
-            <a:srgbClr val="FFFFFF"/>
-          </a:effectRef>
-          <a:fontRef idx="minor">
-            <a:schemeClr val="tx1"/>
-          </a:fontRef>
-        </p:style>
-        <p:txBody>
-          <a:bodyPr rtlCol="0" anchor="ctr"/>
-          <a:p>
-            <a:pPr algn="ctr"/>
-            <a:endParaRPr lang="zh-CN" altLang="en-US"/>
-          </a:p>
-        </p:txBody>
-      </p:sp>
-      <p:sp>
-        <p:nvSpPr>
-          <p:cNvPr id="21" name="右大括号 20"/>
-          <p:cNvSpPr/>
-          <p:nvPr>
-            <p:custDataLst>
-              <p:tags r:id="rId9"/>
-            </p:custDataLst>
-          </p:nvPr>
-        </p:nvSpPr>
-        <p:spPr>
-          <a:xfrm rot="16200000">
-            <a:off x="8403590" y="1787525"/>
-            <a:ext cx="469900" cy="5081905"/>
-          </a:xfrm>
-          <a:prstGeom prst="rightBrace">
-            <a:avLst/>
-          </a:prstGeom>
-          <a:ln>
-            <a:solidFill>
-              <a:schemeClr val="accent6"/>
-            </a:solidFill>
-          </a:ln>
-        </p:spPr>
-        <p:style>
-          <a:lnRef idx="2">
-            <a:schemeClr val="accent1"/>
-          </a:lnRef>
-          <a:fillRef idx="0">
-            <a:srgbClr val="FFFFFF"/>
-          </a:fillRef>
-          <a:effectRef idx="0">
-            <a:srgbClr val="FFFFFF"/>
-          </a:effectRef>
-          <a:fontRef idx="minor">
-            <a:schemeClr val="tx1"/>
-          </a:fontRef>
-        </p:style>
-        <p:txBody>
-          <a:bodyPr rtlCol="0" anchor="ctr"/>
-          <a:p>
-            <a:pPr algn="ctr"/>
-            <a:endParaRPr lang="zh-CN" altLang="en-US"/>
-          </a:p>
-        </p:txBody>
-      </p:sp>
-      <p:sp>
-        <p:nvSpPr>
-          <p:cNvPr id="22" name="右大括号 21"/>
-          <p:cNvSpPr/>
-          <p:nvPr>
-            <p:custDataLst>
-              <p:tags r:id="rId10"/>
-            </p:custDataLst>
-          </p:nvPr>
-        </p:nvSpPr>
-        <p:spPr>
-          <a:xfrm rot="5400000">
-            <a:off x="2414270" y="1312545"/>
-            <a:ext cx="471170" cy="3559175"/>
-          </a:xfrm>
-          <a:prstGeom prst="rightBrace">
-            <a:avLst>
-              <a:gd name="adj1" fmla="val 8333"/>
-              <a:gd name="adj2" fmla="val 50008"/>
-            </a:avLst>
-          </a:prstGeom>
-          <a:ln>
-            <a:solidFill>
-              <a:schemeClr val="accent6"/>
-            </a:solidFill>
-          </a:ln>
-        </p:spPr>
-        <p:style>
-          <a:lnRef idx="2">
-            <a:schemeClr val="accent1"/>
-          </a:lnRef>
-          <a:fillRef idx="0">
-            <a:srgbClr val="FFFFFF"/>
-          </a:fillRef>
-          <a:effectRef idx="0">
-            <a:srgbClr val="FFFFFF"/>
-          </a:effectRef>
-          <a:fontRef idx="minor">
-            <a:schemeClr val="tx1"/>
-          </a:fontRef>
-        </p:style>
-        <p:txBody>
-          <a:bodyPr rtlCol="0" anchor="ctr"/>
-          <a:p>
-            <a:pPr algn="ctr"/>
-            <a:endParaRPr lang="zh-CN" altLang="en-US"/>
-          </a:p>
-        </p:txBody>
-      </p:sp>
-      <p:sp>
-        <p:nvSpPr>
-          <p:cNvPr id="23" name="右大括号 22"/>
-          <p:cNvSpPr/>
-          <p:nvPr>
-            <p:custDataLst>
-              <p:tags r:id="rId11"/>
-            </p:custDataLst>
-          </p:nvPr>
-        </p:nvSpPr>
-        <p:spPr>
-          <a:xfrm rot="16200000">
-            <a:off x="5027930" y="567690"/>
-            <a:ext cx="470535" cy="1667510"/>
-          </a:xfrm>
-          <a:prstGeom prst="rightBrace">
-            <a:avLst/>
-          </a:prstGeom>
-          <a:ln>
-            <a:solidFill>
-              <a:schemeClr val="accent6"/>
-            </a:solidFill>
-          </a:ln>
-        </p:spPr>
-        <p:style>
-          <a:lnRef idx="2">
-            <a:schemeClr val="accent1"/>
-          </a:lnRef>
-          <a:fillRef idx="0">
-            <a:srgbClr val="FFFFFF"/>
-          </a:fillRef>
-          <a:effectRef idx="0">
-            <a:srgbClr val="FFFFFF"/>
-          </a:effectRef>
-          <a:fontRef idx="minor">
-            <a:schemeClr val="tx1"/>
-          </a:fontRef>
-        </p:style>
-        <p:txBody>
-          <a:bodyPr rtlCol="0" anchor="ctr"/>
-          <a:p>
-            <a:pPr algn="ctr"/>
-            <a:endParaRPr lang="zh-CN" altLang="en-US"/>
-          </a:p>
-        </p:txBody>
-      </p:sp>
-    </p:spTree>
-  </p:cSld>
-  <p:clrMapOvr>
-    <a:masterClrMapping/>
-  </p:clrMapOvr>
-</p:sld>
-</file>
-
 <file path=ppt/tags/tag1.xml><?xml version="1.0" encoding="utf-8"?>
 <p:tagLst xmlns:p="http://schemas.openxmlformats.org/presentationml/2006/main">
   <p:tag name="KSO_WM_BEAUTIFY_FLAG" val=""/>
@@ -8243,6 +10023,42 @@
 </p:tagLst>
 </file>
 
+<file path=ppt/tags/tag100.xml><?xml version="1.0" encoding="utf-8"?>
+<p:tagLst xmlns:p="http://schemas.openxmlformats.org/presentationml/2006/main">
+  <p:tag name="KSO_WM_BEAUTIFY_FLAG" val=""/>
+</p:tagLst>
+</file>
+
+<file path=ppt/tags/tag101.xml><?xml version="1.0" encoding="utf-8"?>
+<p:tagLst xmlns:p="http://schemas.openxmlformats.org/presentationml/2006/main">
+  <p:tag name="KSO_WM_BEAUTIFY_FLAG" val=""/>
+</p:tagLst>
+</file>
+
+<file path=ppt/tags/tag102.xml><?xml version="1.0" encoding="utf-8"?>
+<p:tagLst xmlns:p="http://schemas.openxmlformats.org/presentationml/2006/main">
+  <p:tag name="KSO_WM_BEAUTIFY_FLAG" val=""/>
+</p:tagLst>
+</file>
+
+<file path=ppt/tags/tag103.xml><?xml version="1.0" encoding="utf-8"?>
+<p:tagLst xmlns:p="http://schemas.openxmlformats.org/presentationml/2006/main">
+  <p:tag name="KSO_WM_BEAUTIFY_FLAG" val=""/>
+</p:tagLst>
+</file>
+
+<file path=ppt/tags/tag104.xml><?xml version="1.0" encoding="utf-8"?>
+<p:tagLst xmlns:p="http://schemas.openxmlformats.org/presentationml/2006/main">
+  <p:tag name="KSO_WM_BEAUTIFY_FLAG" val=""/>
+</p:tagLst>
+</file>
+
+<file path=ppt/tags/tag105.xml><?xml version="1.0" encoding="utf-8"?>
+<p:tagLst xmlns:p="http://schemas.openxmlformats.org/presentationml/2006/main">
+  <p:tag name="KSO_WM_BEAUTIFY_FLAG" val=""/>
+</p:tagLst>
+</file>
+
 <file path=ppt/tags/tag11.xml><?xml version="1.0" encoding="utf-8"?>
 <p:tagLst xmlns:p="http://schemas.openxmlformats.org/presentationml/2006/main">
   <p:tag name="KSO_WM_BEAUTIFY_FLAG" val=""/>
@@ -8735,7 +10551,91 @@
 </p:tagLst>
 </file>
 
+<file path=ppt/tags/tag86.xml><?xml version="1.0" encoding="utf-8"?>
+<p:tagLst xmlns:p="http://schemas.openxmlformats.org/presentationml/2006/main">
+  <p:tag name="KSO_WM_BEAUTIFY_FLAG" val=""/>
+</p:tagLst>
+</file>
+
+<file path=ppt/tags/tag87.xml><?xml version="1.0" encoding="utf-8"?>
+<p:tagLst xmlns:p="http://schemas.openxmlformats.org/presentationml/2006/main">
+  <p:tag name="KSO_WM_BEAUTIFY_FLAG" val=""/>
+</p:tagLst>
+</file>
+
+<file path=ppt/tags/tag88.xml><?xml version="1.0" encoding="utf-8"?>
+<p:tagLst xmlns:p="http://schemas.openxmlformats.org/presentationml/2006/main">
+  <p:tag name="KSO_WM_BEAUTIFY_FLAG" val=""/>
+</p:tagLst>
+</file>
+
+<file path=ppt/tags/tag89.xml><?xml version="1.0" encoding="utf-8"?>
+<p:tagLst xmlns:p="http://schemas.openxmlformats.org/presentationml/2006/main">
+  <p:tag name="KSO_WM_BEAUTIFY_FLAG" val=""/>
+</p:tagLst>
+</file>
+
 <file path=ppt/tags/tag9.xml><?xml version="1.0" encoding="utf-8"?>
+<p:tagLst xmlns:p="http://schemas.openxmlformats.org/presentationml/2006/main">
+  <p:tag name="KSO_WM_BEAUTIFY_FLAG" val=""/>
+</p:tagLst>
+</file>
+
+<file path=ppt/tags/tag90.xml><?xml version="1.0" encoding="utf-8"?>
+<p:tagLst xmlns:p="http://schemas.openxmlformats.org/presentationml/2006/main">
+  <p:tag name="KSO_WM_BEAUTIFY_FLAG" val=""/>
+</p:tagLst>
+</file>
+
+<file path=ppt/tags/tag91.xml><?xml version="1.0" encoding="utf-8"?>
+<p:tagLst xmlns:p="http://schemas.openxmlformats.org/presentationml/2006/main">
+  <p:tag name="KSO_WM_BEAUTIFY_FLAG" val=""/>
+</p:tagLst>
+</file>
+
+<file path=ppt/tags/tag92.xml><?xml version="1.0" encoding="utf-8"?>
+<p:tagLst xmlns:p="http://schemas.openxmlformats.org/presentationml/2006/main">
+  <p:tag name="KSO_WM_BEAUTIFY_FLAG" val=""/>
+</p:tagLst>
+</file>
+
+<file path=ppt/tags/tag93.xml><?xml version="1.0" encoding="utf-8"?>
+<p:tagLst xmlns:p="http://schemas.openxmlformats.org/presentationml/2006/main">
+  <p:tag name="KSO_WM_BEAUTIFY_FLAG" val=""/>
+</p:tagLst>
+</file>
+
+<file path=ppt/tags/tag94.xml><?xml version="1.0" encoding="utf-8"?>
+<p:tagLst xmlns:p="http://schemas.openxmlformats.org/presentationml/2006/main">
+  <p:tag name="KSO_WM_BEAUTIFY_FLAG" val=""/>
+</p:tagLst>
+</file>
+
+<file path=ppt/tags/tag95.xml><?xml version="1.0" encoding="utf-8"?>
+<p:tagLst xmlns:p="http://schemas.openxmlformats.org/presentationml/2006/main">
+  <p:tag name="KSO_WM_BEAUTIFY_FLAG" val=""/>
+</p:tagLst>
+</file>
+
+<file path=ppt/tags/tag96.xml><?xml version="1.0" encoding="utf-8"?>
+<p:tagLst xmlns:p="http://schemas.openxmlformats.org/presentationml/2006/main">
+  <p:tag name="KSO_WM_BEAUTIFY_FLAG" val=""/>
+</p:tagLst>
+</file>
+
+<file path=ppt/tags/tag97.xml><?xml version="1.0" encoding="utf-8"?>
+<p:tagLst xmlns:p="http://schemas.openxmlformats.org/presentationml/2006/main">
+  <p:tag name="KSO_WM_BEAUTIFY_FLAG" val=""/>
+</p:tagLst>
+</file>
+
+<file path=ppt/tags/tag98.xml><?xml version="1.0" encoding="utf-8"?>
+<p:tagLst xmlns:p="http://schemas.openxmlformats.org/presentationml/2006/main">
+  <p:tag name="KSO_WM_BEAUTIFY_FLAG" val=""/>
+</p:tagLst>
+</file>
+
+<file path=ppt/tags/tag99.xml><?xml version="1.0" encoding="utf-8"?>
 <p:tagLst xmlns:p="http://schemas.openxmlformats.org/presentationml/2006/main">
   <p:tag name="KSO_WM_BEAUTIFY_FLAG" val=""/>
 </p:tagLst>

--- a/java/src/leetcode/solution/pic/pics.pptx
+++ b/java/src/leetcode/solution/pic/pics.pptx
@@ -8,7 +8,7 @@
     <p:notesMasterId r:id="rId4"/>
   </p:notesMasterIdLst>
   <p:handoutMasterIdLst>
-    <p:handoutMasterId r:id="rId10"/>
+    <p:handoutMasterId r:id="rId11"/>
   </p:handoutMasterIdLst>
   <p:sldIdLst>
     <p:sldId id="256" r:id="rId3"/>
@@ -17,6 +17,7 @@
     <p:sldId id="263" r:id="rId7"/>
     <p:sldId id="264" r:id="rId8"/>
     <p:sldId id="257" r:id="rId9"/>
+    <p:sldId id="266" r:id="rId10"/>
   </p:sldIdLst>
   <p:sldSz cx="12192000" cy="6858000"/>
   <p:notesSz cx="7103745" cy="10234295"/>
@@ -925,6 +926,84 @@
         <p:txBody>
           <a:bodyPr/>
           <a:p>
+            <a:endParaRPr lang="zh-CN" altLang="en-US"/>
+          </a:p>
+        </p:txBody>
+      </p:sp>
+    </p:spTree>
+  </p:cSld>
+  <p:clrMapOvr>
+    <a:masterClrMapping/>
+  </p:clrMapOvr>
+</p:notes>
+</file>
+
+<file path=ppt/notesSlides/notesSlide7.xml><?xml version="1.0" encoding="utf-8"?>
+<p:notes xmlns:a="http://schemas.openxmlformats.org/drawingml/2006/main" xmlns:r="http://schemas.openxmlformats.org/officeDocument/2006/relationships" xmlns:p="http://schemas.openxmlformats.org/presentationml/2006/main">
+  <p:cSld>
+    <p:spTree>
+      <p:nvGrpSpPr>
+        <p:cNvPr id="1" name=""/>
+        <p:cNvGrpSpPr/>
+        <p:nvPr/>
+      </p:nvGrpSpPr>
+      <p:grpSpPr>
+        <a:xfrm>
+          <a:off x="0" y="0"/>
+          <a:ext cx="0" cy="0"/>
+          <a:chOff x="0" y="0"/>
+          <a:chExt cx="0" cy="0"/>
+        </a:xfrm>
+      </p:grpSpPr>
+      <p:sp>
+        <p:nvSpPr>
+          <p:cNvPr id="2" name="幻灯片图像占位符 1"/>
+          <p:cNvSpPr>
+            <a:spLocks noGrp="1" noRot="1" noChangeAspect="1"/>
+          </p:cNvSpPr>
+          <p:nvPr>
+            <p:ph type="sldImg"/>
+          </p:nvPr>
+        </p:nvSpPr>
+        <p:spPr/>
+      </p:sp>
+      <p:sp>
+        <p:nvSpPr>
+          <p:cNvPr id="3" name="备注占位符 2"/>
+          <p:cNvSpPr>
+            <a:spLocks noGrp="1"/>
+          </p:cNvSpPr>
+          <p:nvPr>
+            <p:ph type="body" idx="1"/>
+          </p:nvPr>
+        </p:nvSpPr>
+        <p:spPr/>
+        <p:txBody>
+          <a:bodyPr/>
+          <a:lstStyle/>
+          <a:p>
+            <a:endParaRPr kumimoji="1" lang="zh-CN" altLang="en-US"/>
+          </a:p>
+        </p:txBody>
+      </p:sp>
+      <p:sp>
+        <p:nvSpPr>
+          <p:cNvPr id="4" name="灯片编号占位符 3"/>
+          <p:cNvSpPr>
+            <a:spLocks noGrp="1"/>
+          </p:cNvSpPr>
+          <p:nvPr>
+            <p:ph type="sldNum" sz="quarter" idx="5"/>
+          </p:nvPr>
+        </p:nvSpPr>
+        <p:spPr/>
+        <p:txBody>
+          <a:bodyPr/>
+          <a:lstStyle/>
+          <a:p>
+            <a:fld id="{85D0DACE-38E0-42D2-9336-2B707D34BC6D}" type="slidenum">
+              <a:rPr lang="zh-CN" altLang="en-US" smtClean="0"/>
+            </a:fld>
             <a:endParaRPr lang="zh-CN" altLang="en-US"/>
           </a:p>
         </p:txBody>
@@ -10011,6 +10090,7833 @@
 </p:sld>
 </file>
 
+<file path=ppt/slides/slide7.xml><?xml version="1.0" encoding="utf-8"?>
+<p:sld xmlns:a="http://schemas.openxmlformats.org/drawingml/2006/main" xmlns:r="http://schemas.openxmlformats.org/officeDocument/2006/relationships" xmlns:p="http://schemas.openxmlformats.org/presentationml/2006/main">
+  <p:cSld>
+    <p:spTree>
+      <p:nvGrpSpPr>
+        <p:cNvPr id="1" name=""/>
+        <p:cNvGrpSpPr/>
+        <p:nvPr/>
+      </p:nvGrpSpPr>
+      <p:grpSpPr>
+        <a:xfrm>
+          <a:off x="0" y="0"/>
+          <a:ext cx="0" cy="0"/>
+          <a:chOff x="0" y="0"/>
+          <a:chExt cx="0" cy="0"/>
+        </a:xfrm>
+      </p:grpSpPr>
+      <p:sp>
+        <p:nvSpPr>
+          <p:cNvPr id="8" name="矩形 7"/>
+          <p:cNvSpPr/>
+          <p:nvPr/>
+        </p:nvSpPr>
+        <p:spPr>
+          <a:xfrm>
+            <a:off x="4471035" y="946785"/>
+            <a:ext cx="460375" cy="471170"/>
+          </a:xfrm>
+          <a:prstGeom prst="rect">
+            <a:avLst/>
+          </a:prstGeom>
+          <a:solidFill>
+            <a:schemeClr val="bg1"/>
+          </a:solidFill>
+          <a:ln>
+            <a:solidFill>
+              <a:schemeClr val="tx1"/>
+            </a:solidFill>
+          </a:ln>
+        </p:spPr>
+        <p:style>
+          <a:lnRef idx="2">
+            <a:schemeClr val="accent1">
+              <a:lumMod val="75000"/>
+            </a:schemeClr>
+          </a:lnRef>
+          <a:fillRef idx="1">
+            <a:schemeClr val="accent1"/>
+          </a:fillRef>
+          <a:effectRef idx="0">
+            <a:srgbClr val="FFFFFF"/>
+          </a:effectRef>
+          <a:fontRef idx="minor">
+            <a:schemeClr val="lt1"/>
+          </a:fontRef>
+        </p:style>
+        <p:txBody>
+          <a:bodyPr rtlCol="0" anchor="ctr"/>
+          <a:p>
+            <a:pPr algn="ctr"/>
+            <a:r>
+              <a:rPr lang="en-US" altLang="zh-CN">
+                <a:solidFill>
+                  <a:schemeClr val="tx1"/>
+                </a:solidFill>
+              </a:rPr>
+              <a:t>1</a:t>
+            </a:r>
+            <a:endParaRPr lang="en-US" altLang="zh-CN">
+              <a:solidFill>
+                <a:schemeClr val="tx1"/>
+              </a:solidFill>
+            </a:endParaRPr>
+          </a:p>
+        </p:txBody>
+      </p:sp>
+      <p:sp>
+        <p:nvSpPr>
+          <p:cNvPr id="9" name="矩形 8"/>
+          <p:cNvSpPr/>
+          <p:nvPr>
+            <p:custDataLst>
+              <p:tags r:id="rId1"/>
+            </p:custDataLst>
+          </p:nvPr>
+        </p:nvSpPr>
+        <p:spPr>
+          <a:xfrm>
+            <a:off x="4931410" y="946785"/>
+            <a:ext cx="460375" cy="471170"/>
+          </a:xfrm>
+          <a:prstGeom prst="rect">
+            <a:avLst/>
+          </a:prstGeom>
+          <a:solidFill>
+            <a:schemeClr val="bg1"/>
+          </a:solidFill>
+          <a:ln>
+            <a:solidFill>
+              <a:schemeClr val="tx1"/>
+            </a:solidFill>
+          </a:ln>
+        </p:spPr>
+        <p:style>
+          <a:lnRef idx="2">
+            <a:schemeClr val="accent1">
+              <a:lumMod val="75000"/>
+            </a:schemeClr>
+          </a:lnRef>
+          <a:fillRef idx="1">
+            <a:schemeClr val="accent1"/>
+          </a:fillRef>
+          <a:effectRef idx="0">
+            <a:srgbClr val="FFFFFF"/>
+          </a:effectRef>
+          <a:fontRef idx="minor">
+            <a:schemeClr val="lt1"/>
+          </a:fontRef>
+        </p:style>
+        <p:txBody>
+          <a:bodyPr rtlCol="0" anchor="ctr"/>
+          <a:p>
+            <a:pPr algn="ctr"/>
+            <a:r>
+              <a:rPr lang="en-US" altLang="zh-CN">
+                <a:solidFill>
+                  <a:schemeClr val="tx1"/>
+                </a:solidFill>
+              </a:rPr>
+              <a:t>3</a:t>
+            </a:r>
+            <a:endParaRPr lang="en-US" altLang="zh-CN">
+              <a:solidFill>
+                <a:schemeClr val="tx1"/>
+              </a:solidFill>
+            </a:endParaRPr>
+          </a:p>
+        </p:txBody>
+      </p:sp>
+      <p:sp>
+        <p:nvSpPr>
+          <p:cNvPr id="10" name="矩形 9"/>
+          <p:cNvSpPr/>
+          <p:nvPr>
+            <p:custDataLst>
+              <p:tags r:id="rId2"/>
+            </p:custDataLst>
+          </p:nvPr>
+        </p:nvSpPr>
+        <p:spPr>
+          <a:xfrm>
+            <a:off x="5391785" y="946785"/>
+            <a:ext cx="460375" cy="471170"/>
+          </a:xfrm>
+          <a:prstGeom prst="rect">
+            <a:avLst/>
+          </a:prstGeom>
+          <a:solidFill>
+            <a:schemeClr val="bg1"/>
+          </a:solidFill>
+          <a:ln>
+            <a:solidFill>
+              <a:schemeClr val="tx1"/>
+            </a:solidFill>
+          </a:ln>
+        </p:spPr>
+        <p:style>
+          <a:lnRef idx="2">
+            <a:schemeClr val="accent1">
+              <a:lumMod val="75000"/>
+            </a:schemeClr>
+          </a:lnRef>
+          <a:fillRef idx="1">
+            <a:schemeClr val="accent1"/>
+          </a:fillRef>
+          <a:effectRef idx="0">
+            <a:srgbClr val="FFFFFF"/>
+          </a:effectRef>
+          <a:fontRef idx="minor">
+            <a:schemeClr val="lt1"/>
+          </a:fontRef>
+        </p:style>
+        <p:txBody>
+          <a:bodyPr rtlCol="0" anchor="ctr"/>
+          <a:p>
+            <a:pPr algn="ctr"/>
+            <a:r>
+              <a:rPr lang="en-US" altLang="zh-CN">
+                <a:solidFill>
+                  <a:schemeClr val="tx1"/>
+                </a:solidFill>
+              </a:rPr>
+              <a:t>6</a:t>
+            </a:r>
+            <a:endParaRPr lang="en-US" altLang="zh-CN">
+              <a:solidFill>
+                <a:schemeClr val="tx1"/>
+              </a:solidFill>
+            </a:endParaRPr>
+          </a:p>
+        </p:txBody>
+      </p:sp>
+      <p:sp>
+        <p:nvSpPr>
+          <p:cNvPr id="11" name="矩形 10"/>
+          <p:cNvSpPr/>
+          <p:nvPr>
+            <p:custDataLst>
+              <p:tags r:id="rId3"/>
+            </p:custDataLst>
+          </p:nvPr>
+        </p:nvSpPr>
+        <p:spPr>
+          <a:xfrm>
+            <a:off x="5852160" y="946785"/>
+            <a:ext cx="460375" cy="471170"/>
+          </a:xfrm>
+          <a:prstGeom prst="rect">
+            <a:avLst/>
+          </a:prstGeom>
+          <a:solidFill>
+            <a:schemeClr val="bg1"/>
+          </a:solidFill>
+          <a:ln>
+            <a:solidFill>
+              <a:schemeClr val="tx1"/>
+            </a:solidFill>
+          </a:ln>
+        </p:spPr>
+        <p:style>
+          <a:lnRef idx="2">
+            <a:schemeClr val="accent1">
+              <a:lumMod val="75000"/>
+            </a:schemeClr>
+          </a:lnRef>
+          <a:fillRef idx="1">
+            <a:schemeClr val="accent1"/>
+          </a:fillRef>
+          <a:effectRef idx="0">
+            <a:srgbClr val="FFFFFF"/>
+          </a:effectRef>
+          <a:fontRef idx="minor">
+            <a:schemeClr val="lt1"/>
+          </a:fontRef>
+        </p:style>
+        <p:txBody>
+          <a:bodyPr rtlCol="0" anchor="ctr"/>
+          <a:p>
+            <a:pPr algn="ctr"/>
+            <a:r>
+              <a:rPr lang="en-US" altLang="zh-CN">
+                <a:solidFill>
+                  <a:schemeClr val="tx1"/>
+                </a:solidFill>
+              </a:rPr>
+              <a:t>4</a:t>
+            </a:r>
+            <a:endParaRPr lang="en-US" altLang="zh-CN">
+              <a:solidFill>
+                <a:schemeClr val="tx1"/>
+              </a:solidFill>
+            </a:endParaRPr>
+          </a:p>
+        </p:txBody>
+      </p:sp>
+      <p:sp>
+        <p:nvSpPr>
+          <p:cNvPr id="12" name="矩形 11"/>
+          <p:cNvSpPr/>
+          <p:nvPr>
+            <p:custDataLst>
+              <p:tags r:id="rId4"/>
+            </p:custDataLst>
+          </p:nvPr>
+        </p:nvSpPr>
+        <p:spPr>
+          <a:xfrm>
+            <a:off x="6312535" y="946785"/>
+            <a:ext cx="460375" cy="471170"/>
+          </a:xfrm>
+          <a:prstGeom prst="rect">
+            <a:avLst/>
+          </a:prstGeom>
+          <a:solidFill>
+            <a:schemeClr val="bg1"/>
+          </a:solidFill>
+          <a:ln>
+            <a:solidFill>
+              <a:schemeClr val="tx1"/>
+            </a:solidFill>
+          </a:ln>
+        </p:spPr>
+        <p:style>
+          <a:lnRef idx="2">
+            <a:schemeClr val="accent1">
+              <a:lumMod val="75000"/>
+            </a:schemeClr>
+          </a:lnRef>
+          <a:fillRef idx="1">
+            <a:schemeClr val="accent1"/>
+          </a:fillRef>
+          <a:effectRef idx="0">
+            <a:srgbClr val="FFFFFF"/>
+          </a:effectRef>
+          <a:fontRef idx="minor">
+            <a:schemeClr val="lt1"/>
+          </a:fontRef>
+        </p:style>
+        <p:txBody>
+          <a:bodyPr rtlCol="0" anchor="ctr"/>
+          <a:p>
+            <a:pPr algn="ctr"/>
+            <a:r>
+              <a:rPr lang="en-US" altLang="zh-CN">
+                <a:solidFill>
+                  <a:schemeClr val="tx1"/>
+                </a:solidFill>
+              </a:rPr>
+              <a:t>2</a:t>
+            </a:r>
+            <a:endParaRPr lang="en-US" altLang="zh-CN">
+              <a:solidFill>
+                <a:schemeClr val="tx1"/>
+              </a:solidFill>
+            </a:endParaRPr>
+          </a:p>
+        </p:txBody>
+      </p:sp>
+      <p:sp>
+        <p:nvSpPr>
+          <p:cNvPr id="13" name="矩形 12"/>
+          <p:cNvSpPr/>
+          <p:nvPr>
+            <p:custDataLst>
+              <p:tags r:id="rId5"/>
+            </p:custDataLst>
+          </p:nvPr>
+        </p:nvSpPr>
+        <p:spPr>
+          <a:xfrm>
+            <a:off x="6772910" y="946785"/>
+            <a:ext cx="460375" cy="471170"/>
+          </a:xfrm>
+          <a:prstGeom prst="rect">
+            <a:avLst/>
+          </a:prstGeom>
+          <a:solidFill>
+            <a:schemeClr val="bg1"/>
+          </a:solidFill>
+          <a:ln>
+            <a:solidFill>
+              <a:schemeClr val="tx1"/>
+            </a:solidFill>
+          </a:ln>
+        </p:spPr>
+        <p:style>
+          <a:lnRef idx="2">
+            <a:schemeClr val="accent1">
+              <a:lumMod val="75000"/>
+            </a:schemeClr>
+          </a:lnRef>
+          <a:fillRef idx="1">
+            <a:schemeClr val="accent1"/>
+          </a:fillRef>
+          <a:effectRef idx="0">
+            <a:srgbClr val="FFFFFF"/>
+          </a:effectRef>
+          <a:fontRef idx="minor">
+            <a:schemeClr val="lt1"/>
+          </a:fontRef>
+        </p:style>
+        <p:txBody>
+          <a:bodyPr rtlCol="0" anchor="ctr"/>
+          <a:p>
+            <a:pPr algn="ctr"/>
+            <a:r>
+              <a:rPr lang="en-US" altLang="zh-CN">
+                <a:solidFill>
+                  <a:schemeClr val="tx1"/>
+                </a:solidFill>
+              </a:rPr>
+              <a:t>1</a:t>
+            </a:r>
+            <a:endParaRPr lang="en-US" altLang="zh-CN">
+              <a:solidFill>
+                <a:schemeClr val="tx1"/>
+              </a:solidFill>
+            </a:endParaRPr>
+          </a:p>
+        </p:txBody>
+      </p:sp>
+      <p:sp>
+        <p:nvSpPr>
+          <p:cNvPr id="14" name="矩形 13"/>
+          <p:cNvSpPr/>
+          <p:nvPr>
+            <p:custDataLst>
+              <p:tags r:id="rId6"/>
+            </p:custDataLst>
+          </p:nvPr>
+        </p:nvSpPr>
+        <p:spPr>
+          <a:xfrm>
+            <a:off x="7233285" y="946785"/>
+            <a:ext cx="460375" cy="471170"/>
+          </a:xfrm>
+          <a:prstGeom prst="rect">
+            <a:avLst/>
+          </a:prstGeom>
+          <a:solidFill>
+            <a:schemeClr val="bg1"/>
+          </a:solidFill>
+          <a:ln>
+            <a:solidFill>
+              <a:schemeClr val="tx1"/>
+            </a:solidFill>
+          </a:ln>
+        </p:spPr>
+        <p:style>
+          <a:lnRef idx="2">
+            <a:schemeClr val="accent1">
+              <a:lumMod val="75000"/>
+            </a:schemeClr>
+          </a:lnRef>
+          <a:fillRef idx="1">
+            <a:schemeClr val="accent1"/>
+          </a:fillRef>
+          <a:effectRef idx="0">
+            <a:srgbClr val="FFFFFF"/>
+          </a:effectRef>
+          <a:fontRef idx="minor">
+            <a:schemeClr val="lt1"/>
+          </a:fontRef>
+        </p:style>
+        <p:txBody>
+          <a:bodyPr rtlCol="0" anchor="ctr"/>
+          <a:p>
+            <a:pPr algn="ctr"/>
+            <a:r>
+              <a:rPr lang="en-US" altLang="zh-CN">
+                <a:solidFill>
+                  <a:schemeClr val="tx1"/>
+                </a:solidFill>
+              </a:rPr>
+              <a:t>3</a:t>
+            </a:r>
+            <a:endParaRPr lang="en-US" altLang="zh-CN">
+              <a:solidFill>
+                <a:schemeClr val="tx1"/>
+              </a:solidFill>
+            </a:endParaRPr>
+          </a:p>
+        </p:txBody>
+      </p:sp>
+      <p:sp>
+        <p:nvSpPr>
+          <p:cNvPr id="23" name="矩形 22"/>
+          <p:cNvSpPr/>
+          <p:nvPr>
+            <p:custDataLst>
+              <p:tags r:id="rId7"/>
+            </p:custDataLst>
+          </p:nvPr>
+        </p:nvSpPr>
+        <p:spPr>
+          <a:xfrm>
+            <a:off x="4471035" y="2038985"/>
+            <a:ext cx="460375" cy="471170"/>
+          </a:xfrm>
+          <a:prstGeom prst="rect">
+            <a:avLst/>
+          </a:prstGeom>
+          <a:solidFill>
+            <a:schemeClr val="bg1"/>
+          </a:solidFill>
+          <a:ln>
+            <a:solidFill>
+              <a:schemeClr val="tx1"/>
+            </a:solidFill>
+          </a:ln>
+        </p:spPr>
+        <p:style>
+          <a:lnRef idx="2">
+            <a:schemeClr val="accent1">
+              <a:lumMod val="75000"/>
+            </a:schemeClr>
+          </a:lnRef>
+          <a:fillRef idx="1">
+            <a:schemeClr val="accent1"/>
+          </a:fillRef>
+          <a:effectRef idx="0">
+            <a:srgbClr val="FFFFFF"/>
+          </a:effectRef>
+          <a:fontRef idx="minor">
+            <a:schemeClr val="lt1"/>
+          </a:fontRef>
+        </p:style>
+        <p:txBody>
+          <a:bodyPr rtlCol="0" anchor="ctr"/>
+          <a:p>
+            <a:pPr algn="ctr"/>
+            <a:r>
+              <a:rPr lang="en-US" altLang="zh-CN">
+                <a:solidFill>
+                  <a:schemeClr val="tx1"/>
+                </a:solidFill>
+              </a:rPr>
+              <a:t>1</a:t>
+            </a:r>
+            <a:endParaRPr lang="en-US" altLang="zh-CN">
+              <a:solidFill>
+                <a:schemeClr val="tx1"/>
+              </a:solidFill>
+            </a:endParaRPr>
+          </a:p>
+        </p:txBody>
+      </p:sp>
+      <p:sp>
+        <p:nvSpPr>
+          <p:cNvPr id="24" name="矩形 23"/>
+          <p:cNvSpPr/>
+          <p:nvPr>
+            <p:custDataLst>
+              <p:tags r:id="rId8"/>
+            </p:custDataLst>
+          </p:nvPr>
+        </p:nvSpPr>
+        <p:spPr>
+          <a:xfrm>
+            <a:off x="4931410" y="2038985"/>
+            <a:ext cx="460375" cy="471170"/>
+          </a:xfrm>
+          <a:prstGeom prst="rect">
+            <a:avLst/>
+          </a:prstGeom>
+          <a:solidFill>
+            <a:schemeClr val="bg1"/>
+          </a:solidFill>
+          <a:ln>
+            <a:solidFill>
+              <a:schemeClr val="tx1"/>
+            </a:solidFill>
+          </a:ln>
+        </p:spPr>
+        <p:style>
+          <a:lnRef idx="2">
+            <a:schemeClr val="accent1">
+              <a:lumMod val="75000"/>
+            </a:schemeClr>
+          </a:lnRef>
+          <a:fillRef idx="1">
+            <a:schemeClr val="accent1"/>
+          </a:fillRef>
+          <a:effectRef idx="0">
+            <a:srgbClr val="FFFFFF"/>
+          </a:effectRef>
+          <a:fontRef idx="minor">
+            <a:schemeClr val="lt1"/>
+          </a:fontRef>
+        </p:style>
+        <p:txBody>
+          <a:bodyPr rtlCol="0" anchor="ctr"/>
+          <a:p>
+            <a:pPr algn="ctr"/>
+            <a:r>
+              <a:rPr lang="en-US" altLang="zh-CN">
+                <a:solidFill>
+                  <a:schemeClr val="tx1"/>
+                </a:solidFill>
+              </a:rPr>
+              <a:t>4</a:t>
+            </a:r>
+            <a:endParaRPr lang="en-US" altLang="zh-CN">
+              <a:solidFill>
+                <a:schemeClr val="tx1"/>
+              </a:solidFill>
+            </a:endParaRPr>
+          </a:p>
+        </p:txBody>
+      </p:sp>
+      <p:sp>
+        <p:nvSpPr>
+          <p:cNvPr id="25" name="矩形 24"/>
+          <p:cNvSpPr/>
+          <p:nvPr>
+            <p:custDataLst>
+              <p:tags r:id="rId9"/>
+            </p:custDataLst>
+          </p:nvPr>
+        </p:nvSpPr>
+        <p:spPr>
+          <a:xfrm>
+            <a:off x="5391785" y="2038985"/>
+            <a:ext cx="460375" cy="471170"/>
+          </a:xfrm>
+          <a:prstGeom prst="rect">
+            <a:avLst/>
+          </a:prstGeom>
+          <a:solidFill>
+            <a:schemeClr val="bg1"/>
+          </a:solidFill>
+          <a:ln>
+            <a:solidFill>
+              <a:schemeClr val="tx1"/>
+            </a:solidFill>
+          </a:ln>
+        </p:spPr>
+        <p:style>
+          <a:lnRef idx="2">
+            <a:schemeClr val="accent1">
+              <a:lumMod val="75000"/>
+            </a:schemeClr>
+          </a:lnRef>
+          <a:fillRef idx="1">
+            <a:schemeClr val="accent1"/>
+          </a:fillRef>
+          <a:effectRef idx="0">
+            <a:srgbClr val="FFFFFF"/>
+          </a:effectRef>
+          <a:fontRef idx="minor">
+            <a:schemeClr val="lt1"/>
+          </a:fontRef>
+        </p:style>
+        <p:txBody>
+          <a:bodyPr rtlCol="0" anchor="ctr"/>
+          <a:p>
+            <a:pPr algn="ctr"/>
+            <a:r>
+              <a:rPr lang="en-US" altLang="zh-CN">
+                <a:solidFill>
+                  <a:schemeClr val="tx1"/>
+                </a:solidFill>
+              </a:rPr>
+              <a:t>10</a:t>
+            </a:r>
+            <a:endParaRPr lang="en-US" altLang="zh-CN">
+              <a:solidFill>
+                <a:schemeClr val="tx1"/>
+              </a:solidFill>
+            </a:endParaRPr>
+          </a:p>
+        </p:txBody>
+      </p:sp>
+      <p:sp>
+        <p:nvSpPr>
+          <p:cNvPr id="26" name="矩形 25"/>
+          <p:cNvSpPr/>
+          <p:nvPr>
+            <p:custDataLst>
+              <p:tags r:id="rId10"/>
+            </p:custDataLst>
+          </p:nvPr>
+        </p:nvSpPr>
+        <p:spPr>
+          <a:xfrm>
+            <a:off x="5852160" y="2038985"/>
+            <a:ext cx="460375" cy="471170"/>
+          </a:xfrm>
+          <a:prstGeom prst="rect">
+            <a:avLst/>
+          </a:prstGeom>
+          <a:solidFill>
+            <a:schemeClr val="bg1"/>
+          </a:solidFill>
+          <a:ln>
+            <a:solidFill>
+              <a:schemeClr val="tx1"/>
+            </a:solidFill>
+          </a:ln>
+        </p:spPr>
+        <p:style>
+          <a:lnRef idx="2">
+            <a:schemeClr val="accent1">
+              <a:lumMod val="75000"/>
+            </a:schemeClr>
+          </a:lnRef>
+          <a:fillRef idx="1">
+            <a:schemeClr val="accent1"/>
+          </a:fillRef>
+          <a:effectRef idx="0">
+            <a:srgbClr val="FFFFFF"/>
+          </a:effectRef>
+          <a:fontRef idx="minor">
+            <a:schemeClr val="lt1"/>
+          </a:fontRef>
+        </p:style>
+        <p:txBody>
+          <a:bodyPr rtlCol="0" anchor="ctr"/>
+          <a:p>
+            <a:pPr algn="ctr"/>
+            <a:r>
+              <a:rPr lang="en-US" altLang="zh-CN">
+                <a:solidFill>
+                  <a:schemeClr val="tx1"/>
+                </a:solidFill>
+              </a:rPr>
+              <a:t>14</a:t>
+            </a:r>
+            <a:endParaRPr lang="en-US" altLang="zh-CN">
+              <a:solidFill>
+                <a:schemeClr val="tx1"/>
+              </a:solidFill>
+            </a:endParaRPr>
+          </a:p>
+        </p:txBody>
+      </p:sp>
+      <p:sp>
+        <p:nvSpPr>
+          <p:cNvPr id="27" name="矩形 26"/>
+          <p:cNvSpPr/>
+          <p:nvPr>
+            <p:custDataLst>
+              <p:tags r:id="rId11"/>
+            </p:custDataLst>
+          </p:nvPr>
+        </p:nvSpPr>
+        <p:spPr>
+          <a:xfrm>
+            <a:off x="6312535" y="2038985"/>
+            <a:ext cx="460375" cy="471170"/>
+          </a:xfrm>
+          <a:prstGeom prst="rect">
+            <a:avLst/>
+          </a:prstGeom>
+          <a:solidFill>
+            <a:schemeClr val="bg1"/>
+          </a:solidFill>
+          <a:ln>
+            <a:solidFill>
+              <a:schemeClr val="tx1"/>
+            </a:solidFill>
+          </a:ln>
+        </p:spPr>
+        <p:style>
+          <a:lnRef idx="2">
+            <a:schemeClr val="accent1">
+              <a:lumMod val="75000"/>
+            </a:schemeClr>
+          </a:lnRef>
+          <a:fillRef idx="1">
+            <a:schemeClr val="accent1"/>
+          </a:fillRef>
+          <a:effectRef idx="0">
+            <a:srgbClr val="FFFFFF"/>
+          </a:effectRef>
+          <a:fontRef idx="minor">
+            <a:schemeClr val="lt1"/>
+          </a:fontRef>
+        </p:style>
+        <p:txBody>
+          <a:bodyPr rtlCol="0" anchor="ctr"/>
+          <a:p>
+            <a:pPr algn="ctr"/>
+            <a:r>
+              <a:rPr lang="en-US" altLang="zh-CN">
+                <a:solidFill>
+                  <a:schemeClr val="tx1"/>
+                </a:solidFill>
+              </a:rPr>
+              <a:t>16</a:t>
+            </a:r>
+            <a:endParaRPr lang="en-US" altLang="zh-CN">
+              <a:solidFill>
+                <a:schemeClr val="tx1"/>
+              </a:solidFill>
+            </a:endParaRPr>
+          </a:p>
+        </p:txBody>
+      </p:sp>
+      <p:sp>
+        <p:nvSpPr>
+          <p:cNvPr id="28" name="矩形 27"/>
+          <p:cNvSpPr/>
+          <p:nvPr>
+            <p:custDataLst>
+              <p:tags r:id="rId12"/>
+            </p:custDataLst>
+          </p:nvPr>
+        </p:nvSpPr>
+        <p:spPr>
+          <a:xfrm>
+            <a:off x="6772910" y="2038985"/>
+            <a:ext cx="460375" cy="471170"/>
+          </a:xfrm>
+          <a:prstGeom prst="rect">
+            <a:avLst/>
+          </a:prstGeom>
+          <a:solidFill>
+            <a:schemeClr val="bg1"/>
+          </a:solidFill>
+          <a:ln>
+            <a:solidFill>
+              <a:schemeClr val="tx1"/>
+            </a:solidFill>
+          </a:ln>
+        </p:spPr>
+        <p:style>
+          <a:lnRef idx="2">
+            <a:schemeClr val="accent1">
+              <a:lumMod val="75000"/>
+            </a:schemeClr>
+          </a:lnRef>
+          <a:fillRef idx="1">
+            <a:schemeClr val="accent1"/>
+          </a:fillRef>
+          <a:effectRef idx="0">
+            <a:srgbClr val="FFFFFF"/>
+          </a:effectRef>
+          <a:fontRef idx="minor">
+            <a:schemeClr val="lt1"/>
+          </a:fontRef>
+        </p:style>
+        <p:txBody>
+          <a:bodyPr rtlCol="0" anchor="ctr"/>
+          <a:p>
+            <a:pPr algn="ctr"/>
+            <a:r>
+              <a:rPr lang="en-US" altLang="zh-CN">
+                <a:solidFill>
+                  <a:schemeClr val="tx1"/>
+                </a:solidFill>
+              </a:rPr>
+              <a:t>17</a:t>
+            </a:r>
+            <a:endParaRPr lang="en-US" altLang="zh-CN">
+              <a:solidFill>
+                <a:schemeClr val="tx1"/>
+              </a:solidFill>
+            </a:endParaRPr>
+          </a:p>
+        </p:txBody>
+      </p:sp>
+      <p:sp>
+        <p:nvSpPr>
+          <p:cNvPr id="29" name="矩形 28"/>
+          <p:cNvSpPr/>
+          <p:nvPr>
+            <p:custDataLst>
+              <p:tags r:id="rId13"/>
+            </p:custDataLst>
+          </p:nvPr>
+        </p:nvSpPr>
+        <p:spPr>
+          <a:xfrm>
+            <a:off x="7233285" y="2038985"/>
+            <a:ext cx="460375" cy="471170"/>
+          </a:xfrm>
+          <a:prstGeom prst="rect">
+            <a:avLst/>
+          </a:prstGeom>
+          <a:solidFill>
+            <a:schemeClr val="bg1"/>
+          </a:solidFill>
+          <a:ln>
+            <a:solidFill>
+              <a:schemeClr val="tx1"/>
+            </a:solidFill>
+          </a:ln>
+        </p:spPr>
+        <p:style>
+          <a:lnRef idx="2">
+            <a:schemeClr val="accent1">
+              <a:lumMod val="75000"/>
+            </a:schemeClr>
+          </a:lnRef>
+          <a:fillRef idx="1">
+            <a:schemeClr val="accent1"/>
+          </a:fillRef>
+          <a:effectRef idx="0">
+            <a:srgbClr val="FFFFFF"/>
+          </a:effectRef>
+          <a:fontRef idx="minor">
+            <a:schemeClr val="lt1"/>
+          </a:fontRef>
+        </p:style>
+        <p:txBody>
+          <a:bodyPr rtlCol="0" anchor="ctr"/>
+          <a:p>
+            <a:pPr algn="ctr"/>
+            <a:r>
+              <a:rPr lang="en-US" altLang="zh-CN">
+                <a:solidFill>
+                  <a:schemeClr val="tx1"/>
+                </a:solidFill>
+              </a:rPr>
+              <a:t>20</a:t>
+            </a:r>
+            <a:endParaRPr lang="en-US" altLang="zh-CN">
+              <a:solidFill>
+                <a:schemeClr val="tx1"/>
+              </a:solidFill>
+            </a:endParaRPr>
+          </a:p>
+        </p:txBody>
+      </p:sp>
+      <p:sp>
+        <p:nvSpPr>
+          <p:cNvPr id="30" name="矩形 29"/>
+          <p:cNvSpPr/>
+          <p:nvPr>
+            <p:custDataLst>
+              <p:tags r:id="rId14"/>
+            </p:custDataLst>
+          </p:nvPr>
+        </p:nvSpPr>
+        <p:spPr>
+          <a:xfrm>
+            <a:off x="1108075" y="4291330"/>
+            <a:ext cx="460375" cy="471170"/>
+          </a:xfrm>
+          <a:prstGeom prst="rect">
+            <a:avLst/>
+          </a:prstGeom>
+          <a:solidFill>
+            <a:schemeClr val="tx2">
+              <a:lumMod val="50000"/>
+              <a:lumOff val="50000"/>
+            </a:schemeClr>
+          </a:solidFill>
+          <a:ln>
+            <a:solidFill>
+              <a:schemeClr val="tx1"/>
+            </a:solidFill>
+          </a:ln>
+        </p:spPr>
+        <p:style>
+          <a:lnRef idx="2">
+            <a:schemeClr val="accent1">
+              <a:lumMod val="75000"/>
+            </a:schemeClr>
+          </a:lnRef>
+          <a:fillRef idx="1">
+            <a:schemeClr val="accent1"/>
+          </a:fillRef>
+          <a:effectRef idx="0">
+            <a:srgbClr val="FFFFFF"/>
+          </a:effectRef>
+          <a:fontRef idx="minor">
+            <a:schemeClr val="lt1"/>
+          </a:fontRef>
+        </p:style>
+        <p:txBody>
+          <a:bodyPr rtlCol="0" anchor="ctr"/>
+          <a:p>
+            <a:pPr algn="ctr"/>
+            <a:endParaRPr lang="en-US" altLang="zh-CN">
+              <a:solidFill>
+                <a:schemeClr val="tx1"/>
+              </a:solidFill>
+            </a:endParaRPr>
+          </a:p>
+        </p:txBody>
+      </p:sp>
+      <p:sp>
+        <p:nvSpPr>
+          <p:cNvPr id="31" name="矩形 30"/>
+          <p:cNvSpPr/>
+          <p:nvPr>
+            <p:custDataLst>
+              <p:tags r:id="rId15"/>
+            </p:custDataLst>
+          </p:nvPr>
+        </p:nvSpPr>
+        <p:spPr>
+          <a:xfrm>
+            <a:off x="1568450" y="4291330"/>
+            <a:ext cx="460375" cy="471170"/>
+          </a:xfrm>
+          <a:prstGeom prst="rect">
+            <a:avLst/>
+          </a:prstGeom>
+          <a:solidFill>
+            <a:schemeClr val="accent2">
+              <a:lumMod val="40000"/>
+              <a:lumOff val="60000"/>
+            </a:schemeClr>
+          </a:solidFill>
+          <a:ln>
+            <a:solidFill>
+              <a:schemeClr val="tx1"/>
+            </a:solidFill>
+          </a:ln>
+        </p:spPr>
+        <p:style>
+          <a:lnRef idx="2">
+            <a:schemeClr val="accent1">
+              <a:lumMod val="75000"/>
+            </a:schemeClr>
+          </a:lnRef>
+          <a:fillRef idx="1">
+            <a:schemeClr val="accent1"/>
+          </a:fillRef>
+          <a:effectRef idx="0">
+            <a:srgbClr val="FFFFFF"/>
+          </a:effectRef>
+          <a:fontRef idx="minor">
+            <a:schemeClr val="lt1"/>
+          </a:fontRef>
+        </p:style>
+        <p:txBody>
+          <a:bodyPr rtlCol="0" anchor="ctr"/>
+          <a:p>
+            <a:pPr algn="ctr"/>
+            <a:endParaRPr lang="en-US" altLang="zh-CN">
+              <a:solidFill>
+                <a:schemeClr val="tx1"/>
+              </a:solidFill>
+            </a:endParaRPr>
+          </a:p>
+        </p:txBody>
+      </p:sp>
+      <p:sp>
+        <p:nvSpPr>
+          <p:cNvPr id="32" name="矩形 31"/>
+          <p:cNvSpPr/>
+          <p:nvPr>
+            <p:custDataLst>
+              <p:tags r:id="rId16"/>
+            </p:custDataLst>
+          </p:nvPr>
+        </p:nvSpPr>
+        <p:spPr>
+          <a:xfrm>
+            <a:off x="2028825" y="4291330"/>
+            <a:ext cx="460375" cy="471170"/>
+          </a:xfrm>
+          <a:prstGeom prst="rect">
+            <a:avLst/>
+          </a:prstGeom>
+          <a:solidFill>
+            <a:schemeClr val="accent2">
+              <a:lumMod val="40000"/>
+              <a:lumOff val="60000"/>
+            </a:schemeClr>
+          </a:solidFill>
+          <a:ln>
+            <a:solidFill>
+              <a:schemeClr val="tx1"/>
+            </a:solidFill>
+          </a:ln>
+        </p:spPr>
+        <p:style>
+          <a:lnRef idx="2">
+            <a:schemeClr val="accent1">
+              <a:lumMod val="75000"/>
+            </a:schemeClr>
+          </a:lnRef>
+          <a:fillRef idx="1">
+            <a:schemeClr val="accent1"/>
+          </a:fillRef>
+          <a:effectRef idx="0">
+            <a:srgbClr val="FFFFFF"/>
+          </a:effectRef>
+          <a:fontRef idx="minor">
+            <a:schemeClr val="lt1"/>
+          </a:fontRef>
+        </p:style>
+        <p:txBody>
+          <a:bodyPr rtlCol="0" anchor="ctr"/>
+          <a:p>
+            <a:pPr algn="ctr"/>
+            <a:endParaRPr lang="en-US" altLang="zh-CN">
+              <a:solidFill>
+                <a:schemeClr val="tx1"/>
+              </a:solidFill>
+            </a:endParaRPr>
+          </a:p>
+        </p:txBody>
+      </p:sp>
+      <p:sp>
+        <p:nvSpPr>
+          <p:cNvPr id="33" name="矩形 32"/>
+          <p:cNvSpPr/>
+          <p:nvPr>
+            <p:custDataLst>
+              <p:tags r:id="rId17"/>
+            </p:custDataLst>
+          </p:nvPr>
+        </p:nvSpPr>
+        <p:spPr>
+          <a:xfrm>
+            <a:off x="2489200" y="4291330"/>
+            <a:ext cx="460375" cy="471170"/>
+          </a:xfrm>
+          <a:prstGeom prst="rect">
+            <a:avLst/>
+          </a:prstGeom>
+          <a:solidFill>
+            <a:schemeClr val="accent2">
+              <a:lumMod val="40000"/>
+              <a:lumOff val="60000"/>
+            </a:schemeClr>
+          </a:solidFill>
+          <a:ln>
+            <a:solidFill>
+              <a:schemeClr val="tx1"/>
+            </a:solidFill>
+          </a:ln>
+        </p:spPr>
+        <p:style>
+          <a:lnRef idx="2">
+            <a:schemeClr val="accent1">
+              <a:lumMod val="75000"/>
+            </a:schemeClr>
+          </a:lnRef>
+          <a:fillRef idx="1">
+            <a:schemeClr val="accent1"/>
+          </a:fillRef>
+          <a:effectRef idx="0">
+            <a:srgbClr val="FFFFFF"/>
+          </a:effectRef>
+          <a:fontRef idx="minor">
+            <a:schemeClr val="lt1"/>
+          </a:fontRef>
+        </p:style>
+        <p:txBody>
+          <a:bodyPr rtlCol="0" anchor="ctr"/>
+          <a:p>
+            <a:pPr algn="ctr"/>
+            <a:endParaRPr lang="en-US" altLang="zh-CN">
+              <a:solidFill>
+                <a:schemeClr val="tx1"/>
+              </a:solidFill>
+            </a:endParaRPr>
+          </a:p>
+        </p:txBody>
+      </p:sp>
+      <p:sp>
+        <p:nvSpPr>
+          <p:cNvPr id="34" name="矩形 33"/>
+          <p:cNvSpPr/>
+          <p:nvPr>
+            <p:custDataLst>
+              <p:tags r:id="rId18"/>
+            </p:custDataLst>
+          </p:nvPr>
+        </p:nvSpPr>
+        <p:spPr>
+          <a:xfrm>
+            <a:off x="2949575" y="4291330"/>
+            <a:ext cx="460375" cy="471170"/>
+          </a:xfrm>
+          <a:prstGeom prst="rect">
+            <a:avLst/>
+          </a:prstGeom>
+          <a:solidFill>
+            <a:schemeClr val="accent3">
+              <a:lumMod val="75000"/>
+            </a:schemeClr>
+          </a:solidFill>
+          <a:ln>
+            <a:solidFill>
+              <a:schemeClr val="tx1"/>
+            </a:solidFill>
+          </a:ln>
+        </p:spPr>
+        <p:style>
+          <a:lnRef idx="2">
+            <a:schemeClr val="accent1">
+              <a:lumMod val="75000"/>
+            </a:schemeClr>
+          </a:lnRef>
+          <a:fillRef idx="1">
+            <a:schemeClr val="accent1"/>
+          </a:fillRef>
+          <a:effectRef idx="0">
+            <a:srgbClr val="FFFFFF"/>
+          </a:effectRef>
+          <a:fontRef idx="minor">
+            <a:schemeClr val="lt1"/>
+          </a:fontRef>
+        </p:style>
+        <p:txBody>
+          <a:bodyPr rtlCol="0" anchor="ctr"/>
+          <a:p>
+            <a:pPr algn="ctr"/>
+            <a:endParaRPr lang="en-US" altLang="zh-CN">
+              <a:solidFill>
+                <a:schemeClr val="tx1"/>
+              </a:solidFill>
+            </a:endParaRPr>
+          </a:p>
+        </p:txBody>
+      </p:sp>
+      <p:sp>
+        <p:nvSpPr>
+          <p:cNvPr id="35" name="矩形 34"/>
+          <p:cNvSpPr/>
+          <p:nvPr>
+            <p:custDataLst>
+              <p:tags r:id="rId19"/>
+            </p:custDataLst>
+          </p:nvPr>
+        </p:nvSpPr>
+        <p:spPr>
+          <a:xfrm>
+            <a:off x="3409950" y="4291330"/>
+            <a:ext cx="460375" cy="471170"/>
+          </a:xfrm>
+          <a:prstGeom prst="rect">
+            <a:avLst/>
+          </a:prstGeom>
+          <a:solidFill>
+            <a:schemeClr val="accent3">
+              <a:lumMod val="75000"/>
+            </a:schemeClr>
+          </a:solidFill>
+          <a:ln>
+            <a:solidFill>
+              <a:schemeClr val="tx1"/>
+            </a:solidFill>
+          </a:ln>
+        </p:spPr>
+        <p:style>
+          <a:lnRef idx="2">
+            <a:schemeClr val="accent1">
+              <a:lumMod val="75000"/>
+            </a:schemeClr>
+          </a:lnRef>
+          <a:fillRef idx="1">
+            <a:schemeClr val="accent1"/>
+          </a:fillRef>
+          <a:effectRef idx="0">
+            <a:srgbClr val="FFFFFF"/>
+          </a:effectRef>
+          <a:fontRef idx="minor">
+            <a:schemeClr val="lt1"/>
+          </a:fontRef>
+        </p:style>
+        <p:txBody>
+          <a:bodyPr rtlCol="0" anchor="ctr"/>
+          <a:p>
+            <a:pPr algn="ctr"/>
+            <a:endParaRPr lang="en-US" altLang="zh-CN">
+              <a:solidFill>
+                <a:schemeClr val="tx1"/>
+              </a:solidFill>
+            </a:endParaRPr>
+          </a:p>
+        </p:txBody>
+      </p:sp>
+      <p:sp>
+        <p:nvSpPr>
+          <p:cNvPr id="36" name="矩形 35"/>
+          <p:cNvSpPr/>
+          <p:nvPr>
+            <p:custDataLst>
+              <p:tags r:id="rId20"/>
+            </p:custDataLst>
+          </p:nvPr>
+        </p:nvSpPr>
+        <p:spPr>
+          <a:xfrm>
+            <a:off x="3870325" y="4291330"/>
+            <a:ext cx="460375" cy="471170"/>
+          </a:xfrm>
+          <a:prstGeom prst="rect">
+            <a:avLst/>
+          </a:prstGeom>
+          <a:solidFill>
+            <a:schemeClr val="accent3">
+              <a:lumMod val="75000"/>
+            </a:schemeClr>
+          </a:solidFill>
+          <a:ln>
+            <a:solidFill>
+              <a:schemeClr val="tx1"/>
+            </a:solidFill>
+          </a:ln>
+        </p:spPr>
+        <p:style>
+          <a:lnRef idx="2">
+            <a:schemeClr val="accent1">
+              <a:lumMod val="75000"/>
+            </a:schemeClr>
+          </a:lnRef>
+          <a:fillRef idx="1">
+            <a:schemeClr val="accent1"/>
+          </a:fillRef>
+          <a:effectRef idx="0">
+            <a:srgbClr val="FFFFFF"/>
+          </a:effectRef>
+          <a:fontRef idx="minor">
+            <a:schemeClr val="lt1"/>
+          </a:fontRef>
+        </p:style>
+        <p:txBody>
+          <a:bodyPr rtlCol="0" anchor="ctr"/>
+          <a:p>
+            <a:pPr algn="ctr"/>
+            <a:endParaRPr lang="en-US" altLang="zh-CN">
+              <a:solidFill>
+                <a:schemeClr val="tx1"/>
+              </a:solidFill>
+            </a:endParaRPr>
+          </a:p>
+        </p:txBody>
+      </p:sp>
+      <p:sp>
+        <p:nvSpPr>
+          <p:cNvPr id="37" name="矩形 36"/>
+          <p:cNvSpPr/>
+          <p:nvPr>
+            <p:custDataLst>
+              <p:tags r:id="rId21"/>
+            </p:custDataLst>
+          </p:nvPr>
+        </p:nvSpPr>
+        <p:spPr>
+          <a:xfrm>
+            <a:off x="4330700" y="4291330"/>
+            <a:ext cx="460375" cy="471170"/>
+          </a:xfrm>
+          <a:prstGeom prst="rect">
+            <a:avLst/>
+          </a:prstGeom>
+          <a:solidFill>
+            <a:schemeClr val="accent3">
+              <a:lumMod val="75000"/>
+            </a:schemeClr>
+          </a:solidFill>
+          <a:ln>
+            <a:solidFill>
+              <a:schemeClr val="tx1"/>
+            </a:solidFill>
+          </a:ln>
+        </p:spPr>
+        <p:style>
+          <a:lnRef idx="2">
+            <a:schemeClr val="accent1">
+              <a:lumMod val="75000"/>
+            </a:schemeClr>
+          </a:lnRef>
+          <a:fillRef idx="1">
+            <a:schemeClr val="accent1"/>
+          </a:fillRef>
+          <a:effectRef idx="0">
+            <a:srgbClr val="FFFFFF"/>
+          </a:effectRef>
+          <a:fontRef idx="minor">
+            <a:schemeClr val="lt1"/>
+          </a:fontRef>
+        </p:style>
+        <p:txBody>
+          <a:bodyPr rtlCol="0" anchor="ctr"/>
+          <a:p>
+            <a:pPr algn="ctr"/>
+            <a:endParaRPr lang="en-US" altLang="zh-CN">
+              <a:solidFill>
+                <a:schemeClr val="tx1"/>
+              </a:solidFill>
+            </a:endParaRPr>
+          </a:p>
+        </p:txBody>
+      </p:sp>
+      <p:sp>
+        <p:nvSpPr>
+          <p:cNvPr id="38" name="矩形 37"/>
+          <p:cNvSpPr/>
+          <p:nvPr>
+            <p:custDataLst>
+              <p:tags r:id="rId22"/>
+            </p:custDataLst>
+          </p:nvPr>
+        </p:nvSpPr>
+        <p:spPr>
+          <a:xfrm>
+            <a:off x="4791075" y="4291330"/>
+            <a:ext cx="460375" cy="471170"/>
+          </a:xfrm>
+          <a:prstGeom prst="rect">
+            <a:avLst/>
+          </a:prstGeom>
+          <a:solidFill>
+            <a:schemeClr val="accent3">
+              <a:lumMod val="75000"/>
+            </a:schemeClr>
+          </a:solidFill>
+          <a:ln>
+            <a:solidFill>
+              <a:schemeClr val="tx1"/>
+            </a:solidFill>
+          </a:ln>
+        </p:spPr>
+        <p:style>
+          <a:lnRef idx="2">
+            <a:schemeClr val="accent1">
+              <a:lumMod val="75000"/>
+            </a:schemeClr>
+          </a:lnRef>
+          <a:fillRef idx="1">
+            <a:schemeClr val="accent1"/>
+          </a:fillRef>
+          <a:effectRef idx="0">
+            <a:srgbClr val="FFFFFF"/>
+          </a:effectRef>
+          <a:fontRef idx="minor">
+            <a:schemeClr val="lt1"/>
+          </a:fontRef>
+        </p:style>
+        <p:txBody>
+          <a:bodyPr rtlCol="0" anchor="ctr"/>
+          <a:p>
+            <a:pPr algn="ctr"/>
+            <a:endParaRPr lang="en-US" altLang="zh-CN">
+              <a:solidFill>
+                <a:schemeClr val="tx1"/>
+              </a:solidFill>
+            </a:endParaRPr>
+          </a:p>
+        </p:txBody>
+      </p:sp>
+      <p:sp>
+        <p:nvSpPr>
+          <p:cNvPr id="39" name="矩形 38"/>
+          <p:cNvSpPr/>
+          <p:nvPr>
+            <p:custDataLst>
+              <p:tags r:id="rId23"/>
+            </p:custDataLst>
+          </p:nvPr>
+        </p:nvSpPr>
+        <p:spPr>
+          <a:xfrm>
+            <a:off x="5251450" y="4291330"/>
+            <a:ext cx="460375" cy="471170"/>
+          </a:xfrm>
+          <a:prstGeom prst="rect">
+            <a:avLst/>
+          </a:prstGeom>
+          <a:solidFill>
+            <a:schemeClr val="accent3">
+              <a:lumMod val="75000"/>
+            </a:schemeClr>
+          </a:solidFill>
+          <a:ln>
+            <a:solidFill>
+              <a:schemeClr val="tx1"/>
+            </a:solidFill>
+          </a:ln>
+        </p:spPr>
+        <p:style>
+          <a:lnRef idx="2">
+            <a:schemeClr val="accent1">
+              <a:lumMod val="75000"/>
+            </a:schemeClr>
+          </a:lnRef>
+          <a:fillRef idx="1">
+            <a:schemeClr val="accent1"/>
+          </a:fillRef>
+          <a:effectRef idx="0">
+            <a:srgbClr val="FFFFFF"/>
+          </a:effectRef>
+          <a:fontRef idx="minor">
+            <a:schemeClr val="lt1"/>
+          </a:fontRef>
+        </p:style>
+        <p:txBody>
+          <a:bodyPr rtlCol="0" anchor="ctr"/>
+          <a:p>
+            <a:pPr algn="ctr"/>
+            <a:endParaRPr lang="en-US" altLang="zh-CN">
+              <a:solidFill>
+                <a:schemeClr val="tx1"/>
+              </a:solidFill>
+            </a:endParaRPr>
+          </a:p>
+        </p:txBody>
+      </p:sp>
+      <p:sp>
+        <p:nvSpPr>
+          <p:cNvPr id="40" name="矩形 39"/>
+          <p:cNvSpPr/>
+          <p:nvPr>
+            <p:custDataLst>
+              <p:tags r:id="rId24"/>
+            </p:custDataLst>
+          </p:nvPr>
+        </p:nvSpPr>
+        <p:spPr>
+          <a:xfrm>
+            <a:off x="5711825" y="4291330"/>
+            <a:ext cx="460375" cy="471170"/>
+          </a:xfrm>
+          <a:prstGeom prst="rect">
+            <a:avLst/>
+          </a:prstGeom>
+          <a:solidFill>
+            <a:schemeClr val="accent5">
+              <a:lumMod val="20000"/>
+              <a:lumOff val="80000"/>
+            </a:schemeClr>
+          </a:solidFill>
+          <a:ln>
+            <a:solidFill>
+              <a:schemeClr val="tx1"/>
+            </a:solidFill>
+          </a:ln>
+        </p:spPr>
+        <p:style>
+          <a:lnRef idx="2">
+            <a:schemeClr val="accent1">
+              <a:lumMod val="75000"/>
+            </a:schemeClr>
+          </a:lnRef>
+          <a:fillRef idx="1">
+            <a:schemeClr val="accent1"/>
+          </a:fillRef>
+          <a:effectRef idx="0">
+            <a:srgbClr val="FFFFFF"/>
+          </a:effectRef>
+          <a:fontRef idx="minor">
+            <a:schemeClr val="lt1"/>
+          </a:fontRef>
+        </p:style>
+        <p:txBody>
+          <a:bodyPr rtlCol="0" anchor="ctr"/>
+          <a:p>
+            <a:pPr algn="ctr"/>
+            <a:endParaRPr lang="en-US" altLang="zh-CN">
+              <a:solidFill>
+                <a:schemeClr val="tx1"/>
+              </a:solidFill>
+            </a:endParaRPr>
+          </a:p>
+        </p:txBody>
+      </p:sp>
+      <p:sp>
+        <p:nvSpPr>
+          <p:cNvPr id="41" name="矩形 40"/>
+          <p:cNvSpPr/>
+          <p:nvPr>
+            <p:custDataLst>
+              <p:tags r:id="rId25"/>
+            </p:custDataLst>
+          </p:nvPr>
+        </p:nvSpPr>
+        <p:spPr>
+          <a:xfrm>
+            <a:off x="6172200" y="4291330"/>
+            <a:ext cx="460375" cy="471170"/>
+          </a:xfrm>
+          <a:prstGeom prst="rect">
+            <a:avLst/>
+          </a:prstGeom>
+          <a:solidFill>
+            <a:schemeClr val="accent5">
+              <a:lumMod val="20000"/>
+              <a:lumOff val="80000"/>
+            </a:schemeClr>
+          </a:solidFill>
+          <a:ln>
+            <a:solidFill>
+              <a:schemeClr val="tx1"/>
+            </a:solidFill>
+          </a:ln>
+        </p:spPr>
+        <p:style>
+          <a:lnRef idx="2">
+            <a:schemeClr val="accent1">
+              <a:lumMod val="75000"/>
+            </a:schemeClr>
+          </a:lnRef>
+          <a:fillRef idx="1">
+            <a:schemeClr val="accent1"/>
+          </a:fillRef>
+          <a:effectRef idx="0">
+            <a:srgbClr val="FFFFFF"/>
+          </a:effectRef>
+          <a:fontRef idx="minor">
+            <a:schemeClr val="lt1"/>
+          </a:fontRef>
+        </p:style>
+        <p:txBody>
+          <a:bodyPr rtlCol="0" anchor="ctr"/>
+          <a:p>
+            <a:pPr algn="ctr"/>
+            <a:endParaRPr lang="en-US" altLang="zh-CN">
+              <a:solidFill>
+                <a:schemeClr val="tx1"/>
+              </a:solidFill>
+            </a:endParaRPr>
+          </a:p>
+        </p:txBody>
+      </p:sp>
+      <p:sp>
+        <p:nvSpPr>
+          <p:cNvPr id="42" name="矩形 41"/>
+          <p:cNvSpPr/>
+          <p:nvPr>
+            <p:custDataLst>
+              <p:tags r:id="rId26"/>
+            </p:custDataLst>
+          </p:nvPr>
+        </p:nvSpPr>
+        <p:spPr>
+          <a:xfrm>
+            <a:off x="6632575" y="4291330"/>
+            <a:ext cx="460375" cy="471170"/>
+          </a:xfrm>
+          <a:prstGeom prst="rect">
+            <a:avLst/>
+          </a:prstGeom>
+          <a:solidFill>
+            <a:schemeClr val="accent5">
+              <a:lumMod val="20000"/>
+              <a:lumOff val="80000"/>
+            </a:schemeClr>
+          </a:solidFill>
+          <a:ln>
+            <a:solidFill>
+              <a:schemeClr val="tx1"/>
+            </a:solidFill>
+          </a:ln>
+        </p:spPr>
+        <p:style>
+          <a:lnRef idx="2">
+            <a:schemeClr val="accent1">
+              <a:lumMod val="75000"/>
+            </a:schemeClr>
+          </a:lnRef>
+          <a:fillRef idx="1">
+            <a:schemeClr val="accent1"/>
+          </a:fillRef>
+          <a:effectRef idx="0">
+            <a:srgbClr val="FFFFFF"/>
+          </a:effectRef>
+          <a:fontRef idx="minor">
+            <a:schemeClr val="lt1"/>
+          </a:fontRef>
+        </p:style>
+        <p:txBody>
+          <a:bodyPr rtlCol="0" anchor="ctr"/>
+          <a:p>
+            <a:pPr algn="ctr"/>
+            <a:endParaRPr lang="en-US" altLang="zh-CN">
+              <a:solidFill>
+                <a:schemeClr val="tx1"/>
+              </a:solidFill>
+            </a:endParaRPr>
+          </a:p>
+        </p:txBody>
+      </p:sp>
+      <p:sp>
+        <p:nvSpPr>
+          <p:cNvPr id="43" name="矩形 42"/>
+          <p:cNvSpPr/>
+          <p:nvPr>
+            <p:custDataLst>
+              <p:tags r:id="rId27"/>
+            </p:custDataLst>
+          </p:nvPr>
+        </p:nvSpPr>
+        <p:spPr>
+          <a:xfrm>
+            <a:off x="7092950" y="4291330"/>
+            <a:ext cx="460375" cy="471170"/>
+          </a:xfrm>
+          <a:prstGeom prst="rect">
+            <a:avLst/>
+          </a:prstGeom>
+          <a:solidFill>
+            <a:schemeClr val="accent5">
+              <a:lumMod val="20000"/>
+              <a:lumOff val="80000"/>
+            </a:schemeClr>
+          </a:solidFill>
+          <a:ln>
+            <a:solidFill>
+              <a:schemeClr val="tx1"/>
+            </a:solidFill>
+          </a:ln>
+        </p:spPr>
+        <p:style>
+          <a:lnRef idx="2">
+            <a:schemeClr val="accent1">
+              <a:lumMod val="75000"/>
+            </a:schemeClr>
+          </a:lnRef>
+          <a:fillRef idx="1">
+            <a:schemeClr val="accent1"/>
+          </a:fillRef>
+          <a:effectRef idx="0">
+            <a:srgbClr val="FFFFFF"/>
+          </a:effectRef>
+          <a:fontRef idx="minor">
+            <a:schemeClr val="lt1"/>
+          </a:fontRef>
+        </p:style>
+        <p:txBody>
+          <a:bodyPr rtlCol="0" anchor="ctr"/>
+          <a:p>
+            <a:pPr algn="ctr"/>
+            <a:endParaRPr lang="en-US" altLang="zh-CN">
+              <a:solidFill>
+                <a:schemeClr val="tx1"/>
+              </a:solidFill>
+            </a:endParaRPr>
+          </a:p>
+        </p:txBody>
+      </p:sp>
+      <p:sp>
+        <p:nvSpPr>
+          <p:cNvPr id="44" name="矩形 43"/>
+          <p:cNvSpPr/>
+          <p:nvPr>
+            <p:custDataLst>
+              <p:tags r:id="rId28"/>
+            </p:custDataLst>
+          </p:nvPr>
+        </p:nvSpPr>
+        <p:spPr>
+          <a:xfrm>
+            <a:off x="7553325" y="4291330"/>
+            <a:ext cx="460375" cy="471170"/>
+          </a:xfrm>
+          <a:prstGeom prst="rect">
+            <a:avLst/>
+          </a:prstGeom>
+          <a:solidFill>
+            <a:schemeClr val="accent1">
+              <a:lumMod val="20000"/>
+              <a:lumOff val="80000"/>
+            </a:schemeClr>
+          </a:solidFill>
+          <a:ln>
+            <a:solidFill>
+              <a:schemeClr val="tx1"/>
+            </a:solidFill>
+          </a:ln>
+        </p:spPr>
+        <p:style>
+          <a:lnRef idx="2">
+            <a:schemeClr val="accent1">
+              <a:lumMod val="75000"/>
+            </a:schemeClr>
+          </a:lnRef>
+          <a:fillRef idx="1">
+            <a:schemeClr val="accent1"/>
+          </a:fillRef>
+          <a:effectRef idx="0">
+            <a:srgbClr val="FFFFFF"/>
+          </a:effectRef>
+          <a:fontRef idx="minor">
+            <a:schemeClr val="lt1"/>
+          </a:fontRef>
+        </p:style>
+        <p:txBody>
+          <a:bodyPr rtlCol="0" anchor="ctr"/>
+          <a:p>
+            <a:pPr algn="ctr"/>
+            <a:endParaRPr lang="en-US" altLang="zh-CN">
+              <a:solidFill>
+                <a:schemeClr val="tx1"/>
+              </a:solidFill>
+            </a:endParaRPr>
+          </a:p>
+        </p:txBody>
+      </p:sp>
+      <p:sp>
+        <p:nvSpPr>
+          <p:cNvPr id="45" name="矩形 44"/>
+          <p:cNvSpPr/>
+          <p:nvPr>
+            <p:custDataLst>
+              <p:tags r:id="rId29"/>
+            </p:custDataLst>
+          </p:nvPr>
+        </p:nvSpPr>
+        <p:spPr>
+          <a:xfrm>
+            <a:off x="8013700" y="4291330"/>
+            <a:ext cx="460375" cy="471170"/>
+          </a:xfrm>
+          <a:prstGeom prst="rect">
+            <a:avLst/>
+          </a:prstGeom>
+          <a:solidFill>
+            <a:schemeClr val="accent1">
+              <a:lumMod val="20000"/>
+              <a:lumOff val="80000"/>
+            </a:schemeClr>
+          </a:solidFill>
+          <a:ln>
+            <a:solidFill>
+              <a:schemeClr val="tx1"/>
+            </a:solidFill>
+          </a:ln>
+        </p:spPr>
+        <p:style>
+          <a:lnRef idx="2">
+            <a:schemeClr val="accent1">
+              <a:lumMod val="75000"/>
+            </a:schemeClr>
+          </a:lnRef>
+          <a:fillRef idx="1">
+            <a:schemeClr val="accent1"/>
+          </a:fillRef>
+          <a:effectRef idx="0">
+            <a:srgbClr val="FFFFFF"/>
+          </a:effectRef>
+          <a:fontRef idx="minor">
+            <a:schemeClr val="lt1"/>
+          </a:fontRef>
+        </p:style>
+        <p:txBody>
+          <a:bodyPr rtlCol="0" anchor="ctr"/>
+          <a:p>
+            <a:pPr algn="ctr"/>
+            <a:endParaRPr lang="en-US" altLang="zh-CN">
+              <a:solidFill>
+                <a:schemeClr val="tx1"/>
+              </a:solidFill>
+            </a:endParaRPr>
+          </a:p>
+        </p:txBody>
+      </p:sp>
+      <p:sp>
+        <p:nvSpPr>
+          <p:cNvPr id="46" name="矩形 45"/>
+          <p:cNvSpPr/>
+          <p:nvPr>
+            <p:custDataLst>
+              <p:tags r:id="rId30"/>
+            </p:custDataLst>
+          </p:nvPr>
+        </p:nvSpPr>
+        <p:spPr>
+          <a:xfrm>
+            <a:off x="8474075" y="4291330"/>
+            <a:ext cx="460375" cy="471170"/>
+          </a:xfrm>
+          <a:prstGeom prst="rect">
+            <a:avLst/>
+          </a:prstGeom>
+          <a:solidFill>
+            <a:schemeClr val="accent4">
+              <a:lumMod val="50000"/>
+            </a:schemeClr>
+          </a:solidFill>
+          <a:ln>
+            <a:solidFill>
+              <a:schemeClr val="tx1"/>
+            </a:solidFill>
+          </a:ln>
+        </p:spPr>
+        <p:style>
+          <a:lnRef idx="2">
+            <a:schemeClr val="accent1">
+              <a:lumMod val="75000"/>
+            </a:schemeClr>
+          </a:lnRef>
+          <a:fillRef idx="1">
+            <a:schemeClr val="accent1"/>
+          </a:fillRef>
+          <a:effectRef idx="0">
+            <a:srgbClr val="FFFFFF"/>
+          </a:effectRef>
+          <a:fontRef idx="minor">
+            <a:schemeClr val="lt1"/>
+          </a:fontRef>
+        </p:style>
+        <p:txBody>
+          <a:bodyPr rtlCol="0" anchor="ctr"/>
+          <a:p>
+            <a:pPr algn="ctr"/>
+            <a:endParaRPr lang="en-US" altLang="zh-CN">
+              <a:solidFill>
+                <a:schemeClr val="tx1"/>
+              </a:solidFill>
+            </a:endParaRPr>
+          </a:p>
+        </p:txBody>
+      </p:sp>
+      <p:sp>
+        <p:nvSpPr>
+          <p:cNvPr id="47" name="矩形 46"/>
+          <p:cNvSpPr/>
+          <p:nvPr>
+            <p:custDataLst>
+              <p:tags r:id="rId31"/>
+            </p:custDataLst>
+          </p:nvPr>
+        </p:nvSpPr>
+        <p:spPr>
+          <a:xfrm>
+            <a:off x="8934450" y="4291330"/>
+            <a:ext cx="460375" cy="471170"/>
+          </a:xfrm>
+          <a:prstGeom prst="rect">
+            <a:avLst/>
+          </a:prstGeom>
+          <a:solidFill>
+            <a:schemeClr val="accent6">
+              <a:lumMod val="60000"/>
+              <a:lumOff val="40000"/>
+            </a:schemeClr>
+          </a:solidFill>
+          <a:ln>
+            <a:solidFill>
+              <a:schemeClr val="tx1"/>
+            </a:solidFill>
+          </a:ln>
+        </p:spPr>
+        <p:style>
+          <a:lnRef idx="2">
+            <a:schemeClr val="accent1">
+              <a:lumMod val="75000"/>
+            </a:schemeClr>
+          </a:lnRef>
+          <a:fillRef idx="1">
+            <a:schemeClr val="accent1"/>
+          </a:fillRef>
+          <a:effectRef idx="0">
+            <a:srgbClr val="FFFFFF"/>
+          </a:effectRef>
+          <a:fontRef idx="minor">
+            <a:schemeClr val="lt1"/>
+          </a:fontRef>
+        </p:style>
+        <p:txBody>
+          <a:bodyPr rtlCol="0" anchor="ctr"/>
+          <a:p>
+            <a:pPr algn="ctr"/>
+            <a:endParaRPr lang="en-US" altLang="zh-CN">
+              <a:solidFill>
+                <a:schemeClr val="tx1"/>
+              </a:solidFill>
+            </a:endParaRPr>
+          </a:p>
+        </p:txBody>
+      </p:sp>
+      <p:sp>
+        <p:nvSpPr>
+          <p:cNvPr id="48" name="矩形 47"/>
+          <p:cNvSpPr/>
+          <p:nvPr>
+            <p:custDataLst>
+              <p:tags r:id="rId32"/>
+            </p:custDataLst>
+          </p:nvPr>
+        </p:nvSpPr>
+        <p:spPr>
+          <a:xfrm>
+            <a:off x="9394825" y="4291330"/>
+            <a:ext cx="460375" cy="471170"/>
+          </a:xfrm>
+          <a:prstGeom prst="rect">
+            <a:avLst/>
+          </a:prstGeom>
+          <a:solidFill>
+            <a:schemeClr val="accent6">
+              <a:lumMod val="60000"/>
+              <a:lumOff val="40000"/>
+            </a:schemeClr>
+          </a:solidFill>
+          <a:ln>
+            <a:solidFill>
+              <a:schemeClr val="tx1"/>
+            </a:solidFill>
+          </a:ln>
+        </p:spPr>
+        <p:style>
+          <a:lnRef idx="2">
+            <a:schemeClr val="accent1">
+              <a:lumMod val="75000"/>
+            </a:schemeClr>
+          </a:lnRef>
+          <a:fillRef idx="1">
+            <a:schemeClr val="accent1"/>
+          </a:fillRef>
+          <a:effectRef idx="0">
+            <a:srgbClr val="FFFFFF"/>
+          </a:effectRef>
+          <a:fontRef idx="minor">
+            <a:schemeClr val="lt1"/>
+          </a:fontRef>
+        </p:style>
+        <p:txBody>
+          <a:bodyPr rtlCol="0" anchor="ctr"/>
+          <a:p>
+            <a:pPr algn="ctr"/>
+            <a:endParaRPr lang="en-US" altLang="zh-CN">
+              <a:solidFill>
+                <a:schemeClr val="tx1"/>
+              </a:solidFill>
+            </a:endParaRPr>
+          </a:p>
+        </p:txBody>
+      </p:sp>
+      <p:sp>
+        <p:nvSpPr>
+          <p:cNvPr id="49" name="矩形 48"/>
+          <p:cNvSpPr/>
+          <p:nvPr>
+            <p:custDataLst>
+              <p:tags r:id="rId33"/>
+            </p:custDataLst>
+          </p:nvPr>
+        </p:nvSpPr>
+        <p:spPr>
+          <a:xfrm>
+            <a:off x="9855200" y="4291330"/>
+            <a:ext cx="483870" cy="471170"/>
+          </a:xfrm>
+          <a:prstGeom prst="rect">
+            <a:avLst/>
+          </a:prstGeom>
+          <a:solidFill>
+            <a:schemeClr val="accent6">
+              <a:lumMod val="60000"/>
+              <a:lumOff val="40000"/>
+            </a:schemeClr>
+          </a:solidFill>
+          <a:ln>
+            <a:solidFill>
+              <a:schemeClr val="tx1"/>
+            </a:solidFill>
+          </a:ln>
+        </p:spPr>
+        <p:style>
+          <a:lnRef idx="2">
+            <a:schemeClr val="accent1">
+              <a:lumMod val="75000"/>
+            </a:schemeClr>
+          </a:lnRef>
+          <a:fillRef idx="1">
+            <a:schemeClr val="accent1"/>
+          </a:fillRef>
+          <a:effectRef idx="0">
+            <a:srgbClr val="FFFFFF"/>
+          </a:effectRef>
+          <a:fontRef idx="minor">
+            <a:schemeClr val="lt1"/>
+          </a:fontRef>
+        </p:style>
+        <p:txBody>
+          <a:bodyPr rtlCol="0" anchor="ctr"/>
+          <a:p>
+            <a:pPr algn="ctr"/>
+            <a:endParaRPr lang="en-US" altLang="zh-CN">
+              <a:solidFill>
+                <a:schemeClr val="tx1"/>
+              </a:solidFill>
+            </a:endParaRPr>
+          </a:p>
+        </p:txBody>
+      </p:sp>
+      <p:sp>
+        <p:nvSpPr>
+          <p:cNvPr id="50" name="矩形 49"/>
+          <p:cNvSpPr/>
+          <p:nvPr>
+            <p:custDataLst>
+              <p:tags r:id="rId34"/>
+            </p:custDataLst>
+          </p:nvPr>
+        </p:nvSpPr>
+        <p:spPr>
+          <a:xfrm>
+            <a:off x="1108075" y="3820160"/>
+            <a:ext cx="460375" cy="471170"/>
+          </a:xfrm>
+          <a:prstGeom prst="rect">
+            <a:avLst/>
+          </a:prstGeom>
+          <a:solidFill>
+            <a:schemeClr val="bg1"/>
+          </a:solidFill>
+          <a:ln>
+            <a:solidFill>
+              <a:schemeClr val="tx1"/>
+            </a:solidFill>
+          </a:ln>
+        </p:spPr>
+        <p:style>
+          <a:lnRef idx="2">
+            <a:schemeClr val="accent1">
+              <a:lumMod val="75000"/>
+            </a:schemeClr>
+          </a:lnRef>
+          <a:fillRef idx="1">
+            <a:schemeClr val="accent1"/>
+          </a:fillRef>
+          <a:effectRef idx="0">
+            <a:srgbClr val="FFFFFF"/>
+          </a:effectRef>
+          <a:fontRef idx="minor">
+            <a:schemeClr val="lt1"/>
+          </a:fontRef>
+        </p:style>
+        <p:txBody>
+          <a:bodyPr rtlCol="0" anchor="ctr"/>
+          <a:p>
+            <a:pPr algn="ctr"/>
+            <a:r>
+              <a:rPr lang="en-US" altLang="zh-CN">
+                <a:solidFill>
+                  <a:schemeClr val="tx1"/>
+                </a:solidFill>
+              </a:rPr>
+              <a:t>0</a:t>
+            </a:r>
+            <a:endParaRPr lang="en-US" altLang="zh-CN">
+              <a:solidFill>
+                <a:schemeClr val="tx1"/>
+              </a:solidFill>
+            </a:endParaRPr>
+          </a:p>
+        </p:txBody>
+      </p:sp>
+      <p:sp>
+        <p:nvSpPr>
+          <p:cNvPr id="51" name="矩形 50"/>
+          <p:cNvSpPr/>
+          <p:nvPr>
+            <p:custDataLst>
+              <p:tags r:id="rId35"/>
+            </p:custDataLst>
+          </p:nvPr>
+        </p:nvSpPr>
+        <p:spPr>
+          <a:xfrm>
+            <a:off x="1569720" y="3820160"/>
+            <a:ext cx="460375" cy="471170"/>
+          </a:xfrm>
+          <a:prstGeom prst="rect">
+            <a:avLst/>
+          </a:prstGeom>
+          <a:solidFill>
+            <a:schemeClr val="bg1"/>
+          </a:solidFill>
+          <a:ln>
+            <a:solidFill>
+              <a:schemeClr val="tx1"/>
+            </a:solidFill>
+          </a:ln>
+        </p:spPr>
+        <p:style>
+          <a:lnRef idx="2">
+            <a:schemeClr val="accent1">
+              <a:lumMod val="75000"/>
+            </a:schemeClr>
+          </a:lnRef>
+          <a:fillRef idx="1">
+            <a:schemeClr val="accent1"/>
+          </a:fillRef>
+          <a:effectRef idx="0">
+            <a:srgbClr val="FFFFFF"/>
+          </a:effectRef>
+          <a:fontRef idx="minor">
+            <a:schemeClr val="lt1"/>
+          </a:fontRef>
+        </p:style>
+        <p:txBody>
+          <a:bodyPr rtlCol="0" anchor="ctr"/>
+          <a:p>
+            <a:pPr algn="ctr"/>
+            <a:r>
+              <a:rPr lang="en-US" altLang="zh-CN">
+                <a:solidFill>
+                  <a:schemeClr val="tx1"/>
+                </a:solidFill>
+              </a:rPr>
+              <a:t>1</a:t>
+            </a:r>
+            <a:endParaRPr lang="en-US" altLang="zh-CN">
+              <a:solidFill>
+                <a:schemeClr val="tx1"/>
+              </a:solidFill>
+            </a:endParaRPr>
+          </a:p>
+        </p:txBody>
+      </p:sp>
+      <p:sp>
+        <p:nvSpPr>
+          <p:cNvPr id="52" name="矩形 51"/>
+          <p:cNvSpPr/>
+          <p:nvPr>
+            <p:custDataLst>
+              <p:tags r:id="rId36"/>
+            </p:custDataLst>
+          </p:nvPr>
+        </p:nvSpPr>
+        <p:spPr>
+          <a:xfrm>
+            <a:off x="2031365" y="3820160"/>
+            <a:ext cx="460375" cy="471170"/>
+          </a:xfrm>
+          <a:prstGeom prst="rect">
+            <a:avLst/>
+          </a:prstGeom>
+          <a:solidFill>
+            <a:schemeClr val="bg1"/>
+          </a:solidFill>
+          <a:ln>
+            <a:solidFill>
+              <a:schemeClr val="tx1"/>
+            </a:solidFill>
+          </a:ln>
+        </p:spPr>
+        <p:style>
+          <a:lnRef idx="2">
+            <a:schemeClr val="accent1">
+              <a:lumMod val="75000"/>
+            </a:schemeClr>
+          </a:lnRef>
+          <a:fillRef idx="1">
+            <a:schemeClr val="accent1"/>
+          </a:fillRef>
+          <a:effectRef idx="0">
+            <a:srgbClr val="FFFFFF"/>
+          </a:effectRef>
+          <a:fontRef idx="minor">
+            <a:schemeClr val="lt1"/>
+          </a:fontRef>
+        </p:style>
+        <p:txBody>
+          <a:bodyPr rtlCol="0" anchor="ctr"/>
+          <a:p>
+            <a:pPr algn="ctr"/>
+            <a:r>
+              <a:rPr lang="en-US" altLang="zh-CN">
+                <a:solidFill>
+                  <a:schemeClr val="tx1"/>
+                </a:solidFill>
+              </a:rPr>
+              <a:t>2</a:t>
+            </a:r>
+            <a:endParaRPr lang="en-US" altLang="zh-CN">
+              <a:solidFill>
+                <a:schemeClr val="tx1"/>
+              </a:solidFill>
+            </a:endParaRPr>
+          </a:p>
+        </p:txBody>
+      </p:sp>
+      <p:sp>
+        <p:nvSpPr>
+          <p:cNvPr id="53" name="矩形 52"/>
+          <p:cNvSpPr/>
+          <p:nvPr>
+            <p:custDataLst>
+              <p:tags r:id="rId37"/>
+            </p:custDataLst>
+          </p:nvPr>
+        </p:nvSpPr>
+        <p:spPr>
+          <a:xfrm>
+            <a:off x="2493010" y="3820160"/>
+            <a:ext cx="460375" cy="471170"/>
+          </a:xfrm>
+          <a:prstGeom prst="rect">
+            <a:avLst/>
+          </a:prstGeom>
+          <a:solidFill>
+            <a:schemeClr val="bg1"/>
+          </a:solidFill>
+          <a:ln>
+            <a:solidFill>
+              <a:schemeClr val="tx1"/>
+            </a:solidFill>
+          </a:ln>
+        </p:spPr>
+        <p:style>
+          <a:lnRef idx="2">
+            <a:schemeClr val="accent1">
+              <a:lumMod val="75000"/>
+            </a:schemeClr>
+          </a:lnRef>
+          <a:fillRef idx="1">
+            <a:schemeClr val="accent1"/>
+          </a:fillRef>
+          <a:effectRef idx="0">
+            <a:srgbClr val="FFFFFF"/>
+          </a:effectRef>
+          <a:fontRef idx="minor">
+            <a:schemeClr val="lt1"/>
+          </a:fontRef>
+        </p:style>
+        <p:txBody>
+          <a:bodyPr rtlCol="0" anchor="ctr"/>
+          <a:p>
+            <a:pPr algn="ctr"/>
+            <a:r>
+              <a:rPr lang="en-US" altLang="zh-CN">
+                <a:solidFill>
+                  <a:schemeClr val="tx1"/>
+                </a:solidFill>
+              </a:rPr>
+              <a:t>3</a:t>
+            </a:r>
+            <a:endParaRPr lang="en-US" altLang="zh-CN">
+              <a:solidFill>
+                <a:schemeClr val="tx1"/>
+              </a:solidFill>
+            </a:endParaRPr>
+          </a:p>
+        </p:txBody>
+      </p:sp>
+      <p:sp>
+        <p:nvSpPr>
+          <p:cNvPr id="54" name="矩形 53"/>
+          <p:cNvSpPr/>
+          <p:nvPr>
+            <p:custDataLst>
+              <p:tags r:id="rId38"/>
+            </p:custDataLst>
+          </p:nvPr>
+        </p:nvSpPr>
+        <p:spPr>
+          <a:xfrm>
+            <a:off x="2954655" y="3820160"/>
+            <a:ext cx="460375" cy="471170"/>
+          </a:xfrm>
+          <a:prstGeom prst="rect">
+            <a:avLst/>
+          </a:prstGeom>
+          <a:solidFill>
+            <a:schemeClr val="bg1"/>
+          </a:solidFill>
+          <a:ln>
+            <a:solidFill>
+              <a:schemeClr val="tx1"/>
+            </a:solidFill>
+          </a:ln>
+        </p:spPr>
+        <p:style>
+          <a:lnRef idx="2">
+            <a:schemeClr val="accent1">
+              <a:lumMod val="75000"/>
+            </a:schemeClr>
+          </a:lnRef>
+          <a:fillRef idx="1">
+            <a:schemeClr val="accent1"/>
+          </a:fillRef>
+          <a:effectRef idx="0">
+            <a:srgbClr val="FFFFFF"/>
+          </a:effectRef>
+          <a:fontRef idx="minor">
+            <a:schemeClr val="lt1"/>
+          </a:fontRef>
+        </p:style>
+        <p:txBody>
+          <a:bodyPr rtlCol="0" anchor="ctr"/>
+          <a:p>
+            <a:pPr algn="ctr"/>
+            <a:r>
+              <a:rPr lang="en-US" altLang="zh-CN">
+                <a:solidFill>
+                  <a:schemeClr val="tx1"/>
+                </a:solidFill>
+              </a:rPr>
+              <a:t>4</a:t>
+            </a:r>
+            <a:endParaRPr lang="en-US" altLang="zh-CN">
+              <a:solidFill>
+                <a:schemeClr val="tx1"/>
+              </a:solidFill>
+            </a:endParaRPr>
+          </a:p>
+        </p:txBody>
+      </p:sp>
+      <p:sp>
+        <p:nvSpPr>
+          <p:cNvPr id="55" name="矩形 54"/>
+          <p:cNvSpPr/>
+          <p:nvPr>
+            <p:custDataLst>
+              <p:tags r:id="rId39"/>
+            </p:custDataLst>
+          </p:nvPr>
+        </p:nvSpPr>
+        <p:spPr>
+          <a:xfrm>
+            <a:off x="3416300" y="3820160"/>
+            <a:ext cx="460375" cy="471170"/>
+          </a:xfrm>
+          <a:prstGeom prst="rect">
+            <a:avLst/>
+          </a:prstGeom>
+          <a:solidFill>
+            <a:schemeClr val="bg1"/>
+          </a:solidFill>
+          <a:ln>
+            <a:solidFill>
+              <a:schemeClr val="tx1"/>
+            </a:solidFill>
+          </a:ln>
+        </p:spPr>
+        <p:style>
+          <a:lnRef idx="2">
+            <a:schemeClr val="accent1">
+              <a:lumMod val="75000"/>
+            </a:schemeClr>
+          </a:lnRef>
+          <a:fillRef idx="1">
+            <a:schemeClr val="accent1"/>
+          </a:fillRef>
+          <a:effectRef idx="0">
+            <a:srgbClr val="FFFFFF"/>
+          </a:effectRef>
+          <a:fontRef idx="minor">
+            <a:schemeClr val="lt1"/>
+          </a:fontRef>
+        </p:style>
+        <p:txBody>
+          <a:bodyPr rtlCol="0" anchor="ctr"/>
+          <a:p>
+            <a:pPr algn="ctr"/>
+            <a:r>
+              <a:rPr lang="en-US" altLang="zh-CN">
+                <a:solidFill>
+                  <a:schemeClr val="tx1"/>
+                </a:solidFill>
+              </a:rPr>
+              <a:t>5</a:t>
+            </a:r>
+            <a:endParaRPr lang="en-US" altLang="zh-CN">
+              <a:solidFill>
+                <a:schemeClr val="tx1"/>
+              </a:solidFill>
+            </a:endParaRPr>
+          </a:p>
+        </p:txBody>
+      </p:sp>
+      <p:sp>
+        <p:nvSpPr>
+          <p:cNvPr id="56" name="矩形 55"/>
+          <p:cNvSpPr/>
+          <p:nvPr>
+            <p:custDataLst>
+              <p:tags r:id="rId40"/>
+            </p:custDataLst>
+          </p:nvPr>
+        </p:nvSpPr>
+        <p:spPr>
+          <a:xfrm>
+            <a:off x="3877945" y="3820160"/>
+            <a:ext cx="460375" cy="471170"/>
+          </a:xfrm>
+          <a:prstGeom prst="rect">
+            <a:avLst/>
+          </a:prstGeom>
+          <a:solidFill>
+            <a:schemeClr val="bg1"/>
+          </a:solidFill>
+          <a:ln>
+            <a:solidFill>
+              <a:schemeClr val="tx1"/>
+            </a:solidFill>
+          </a:ln>
+        </p:spPr>
+        <p:style>
+          <a:lnRef idx="2">
+            <a:schemeClr val="accent1">
+              <a:lumMod val="75000"/>
+            </a:schemeClr>
+          </a:lnRef>
+          <a:fillRef idx="1">
+            <a:schemeClr val="accent1"/>
+          </a:fillRef>
+          <a:effectRef idx="0">
+            <a:srgbClr val="FFFFFF"/>
+          </a:effectRef>
+          <a:fontRef idx="minor">
+            <a:schemeClr val="lt1"/>
+          </a:fontRef>
+        </p:style>
+        <p:txBody>
+          <a:bodyPr rtlCol="0" anchor="ctr"/>
+          <a:p>
+            <a:pPr algn="ctr"/>
+            <a:r>
+              <a:rPr lang="en-US" altLang="zh-CN">
+                <a:solidFill>
+                  <a:schemeClr val="tx1"/>
+                </a:solidFill>
+              </a:rPr>
+              <a:t>6</a:t>
+            </a:r>
+            <a:endParaRPr lang="en-US" altLang="zh-CN">
+              <a:solidFill>
+                <a:schemeClr val="tx1"/>
+              </a:solidFill>
+            </a:endParaRPr>
+          </a:p>
+        </p:txBody>
+      </p:sp>
+      <p:sp>
+        <p:nvSpPr>
+          <p:cNvPr id="57" name="矩形 56"/>
+          <p:cNvSpPr/>
+          <p:nvPr>
+            <p:custDataLst>
+              <p:tags r:id="rId41"/>
+            </p:custDataLst>
+          </p:nvPr>
+        </p:nvSpPr>
+        <p:spPr>
+          <a:xfrm>
+            <a:off x="4339590" y="3820160"/>
+            <a:ext cx="460375" cy="471170"/>
+          </a:xfrm>
+          <a:prstGeom prst="rect">
+            <a:avLst/>
+          </a:prstGeom>
+          <a:solidFill>
+            <a:schemeClr val="bg1"/>
+          </a:solidFill>
+          <a:ln>
+            <a:solidFill>
+              <a:schemeClr val="tx1"/>
+            </a:solidFill>
+          </a:ln>
+        </p:spPr>
+        <p:style>
+          <a:lnRef idx="2">
+            <a:schemeClr val="accent1">
+              <a:lumMod val="75000"/>
+            </a:schemeClr>
+          </a:lnRef>
+          <a:fillRef idx="1">
+            <a:schemeClr val="accent1"/>
+          </a:fillRef>
+          <a:effectRef idx="0">
+            <a:srgbClr val="FFFFFF"/>
+          </a:effectRef>
+          <a:fontRef idx="minor">
+            <a:schemeClr val="lt1"/>
+          </a:fontRef>
+        </p:style>
+        <p:txBody>
+          <a:bodyPr rtlCol="0" anchor="ctr"/>
+          <a:p>
+            <a:pPr algn="ctr"/>
+            <a:r>
+              <a:rPr lang="en-US" altLang="zh-CN">
+                <a:solidFill>
+                  <a:schemeClr val="tx1"/>
+                </a:solidFill>
+              </a:rPr>
+              <a:t>7</a:t>
+            </a:r>
+            <a:endParaRPr lang="en-US" altLang="zh-CN">
+              <a:solidFill>
+                <a:schemeClr val="tx1"/>
+              </a:solidFill>
+            </a:endParaRPr>
+          </a:p>
+        </p:txBody>
+      </p:sp>
+      <p:sp>
+        <p:nvSpPr>
+          <p:cNvPr id="58" name="矩形 57"/>
+          <p:cNvSpPr/>
+          <p:nvPr>
+            <p:custDataLst>
+              <p:tags r:id="rId42"/>
+            </p:custDataLst>
+          </p:nvPr>
+        </p:nvSpPr>
+        <p:spPr>
+          <a:xfrm>
+            <a:off x="4801235" y="3820160"/>
+            <a:ext cx="460375" cy="471170"/>
+          </a:xfrm>
+          <a:prstGeom prst="rect">
+            <a:avLst/>
+          </a:prstGeom>
+          <a:solidFill>
+            <a:schemeClr val="bg1"/>
+          </a:solidFill>
+          <a:ln>
+            <a:solidFill>
+              <a:schemeClr val="tx1"/>
+            </a:solidFill>
+          </a:ln>
+        </p:spPr>
+        <p:style>
+          <a:lnRef idx="2">
+            <a:schemeClr val="accent1">
+              <a:lumMod val="75000"/>
+            </a:schemeClr>
+          </a:lnRef>
+          <a:fillRef idx="1">
+            <a:schemeClr val="accent1"/>
+          </a:fillRef>
+          <a:effectRef idx="0">
+            <a:srgbClr val="FFFFFF"/>
+          </a:effectRef>
+          <a:fontRef idx="minor">
+            <a:schemeClr val="lt1"/>
+          </a:fontRef>
+        </p:style>
+        <p:txBody>
+          <a:bodyPr rtlCol="0" anchor="ctr"/>
+          <a:p>
+            <a:pPr algn="ctr"/>
+            <a:r>
+              <a:rPr lang="en-US" altLang="zh-CN">
+                <a:solidFill>
+                  <a:schemeClr val="tx1"/>
+                </a:solidFill>
+              </a:rPr>
+              <a:t>8</a:t>
+            </a:r>
+            <a:endParaRPr lang="en-US" altLang="zh-CN">
+              <a:solidFill>
+                <a:schemeClr val="tx1"/>
+              </a:solidFill>
+            </a:endParaRPr>
+          </a:p>
+        </p:txBody>
+      </p:sp>
+      <p:sp>
+        <p:nvSpPr>
+          <p:cNvPr id="59" name="矩形 58"/>
+          <p:cNvSpPr/>
+          <p:nvPr>
+            <p:custDataLst>
+              <p:tags r:id="rId43"/>
+            </p:custDataLst>
+          </p:nvPr>
+        </p:nvSpPr>
+        <p:spPr>
+          <a:xfrm>
+            <a:off x="5262880" y="3820160"/>
+            <a:ext cx="460375" cy="471170"/>
+          </a:xfrm>
+          <a:prstGeom prst="rect">
+            <a:avLst/>
+          </a:prstGeom>
+          <a:solidFill>
+            <a:schemeClr val="bg1"/>
+          </a:solidFill>
+          <a:ln>
+            <a:solidFill>
+              <a:schemeClr val="tx1"/>
+            </a:solidFill>
+          </a:ln>
+        </p:spPr>
+        <p:style>
+          <a:lnRef idx="2">
+            <a:schemeClr val="accent1">
+              <a:lumMod val="75000"/>
+            </a:schemeClr>
+          </a:lnRef>
+          <a:fillRef idx="1">
+            <a:schemeClr val="accent1"/>
+          </a:fillRef>
+          <a:effectRef idx="0">
+            <a:srgbClr val="FFFFFF"/>
+          </a:effectRef>
+          <a:fontRef idx="minor">
+            <a:schemeClr val="lt1"/>
+          </a:fontRef>
+        </p:style>
+        <p:txBody>
+          <a:bodyPr rtlCol="0" anchor="ctr"/>
+          <a:p>
+            <a:pPr algn="ctr"/>
+            <a:r>
+              <a:rPr lang="en-US" altLang="zh-CN">
+                <a:solidFill>
+                  <a:schemeClr val="tx1"/>
+                </a:solidFill>
+              </a:rPr>
+              <a:t>9</a:t>
+            </a:r>
+            <a:endParaRPr lang="en-US" altLang="zh-CN">
+              <a:solidFill>
+                <a:schemeClr val="tx1"/>
+              </a:solidFill>
+            </a:endParaRPr>
+          </a:p>
+        </p:txBody>
+      </p:sp>
+      <p:sp>
+        <p:nvSpPr>
+          <p:cNvPr id="60" name="矩形 59"/>
+          <p:cNvSpPr/>
+          <p:nvPr>
+            <p:custDataLst>
+              <p:tags r:id="rId44"/>
+            </p:custDataLst>
+          </p:nvPr>
+        </p:nvSpPr>
+        <p:spPr>
+          <a:xfrm>
+            <a:off x="5724525" y="3820160"/>
+            <a:ext cx="460375" cy="471170"/>
+          </a:xfrm>
+          <a:prstGeom prst="rect">
+            <a:avLst/>
+          </a:prstGeom>
+          <a:solidFill>
+            <a:schemeClr val="bg1"/>
+          </a:solidFill>
+          <a:ln>
+            <a:solidFill>
+              <a:schemeClr val="tx1"/>
+            </a:solidFill>
+          </a:ln>
+        </p:spPr>
+        <p:style>
+          <a:lnRef idx="2">
+            <a:schemeClr val="accent1">
+              <a:lumMod val="75000"/>
+            </a:schemeClr>
+          </a:lnRef>
+          <a:fillRef idx="1">
+            <a:schemeClr val="accent1"/>
+          </a:fillRef>
+          <a:effectRef idx="0">
+            <a:srgbClr val="FFFFFF"/>
+          </a:effectRef>
+          <a:fontRef idx="minor">
+            <a:schemeClr val="lt1"/>
+          </a:fontRef>
+        </p:style>
+        <p:txBody>
+          <a:bodyPr rtlCol="0" anchor="ctr"/>
+          <a:p>
+            <a:pPr algn="ctr"/>
+            <a:r>
+              <a:rPr lang="en-US" altLang="zh-CN">
+                <a:solidFill>
+                  <a:schemeClr val="tx1"/>
+                </a:solidFill>
+              </a:rPr>
+              <a:t>10</a:t>
+            </a:r>
+            <a:endParaRPr lang="en-US" altLang="zh-CN">
+              <a:solidFill>
+                <a:schemeClr val="tx1"/>
+              </a:solidFill>
+            </a:endParaRPr>
+          </a:p>
+        </p:txBody>
+      </p:sp>
+      <p:sp>
+        <p:nvSpPr>
+          <p:cNvPr id="61" name="矩形 60"/>
+          <p:cNvSpPr/>
+          <p:nvPr>
+            <p:custDataLst>
+              <p:tags r:id="rId45"/>
+            </p:custDataLst>
+          </p:nvPr>
+        </p:nvSpPr>
+        <p:spPr>
+          <a:xfrm>
+            <a:off x="6186170" y="3820160"/>
+            <a:ext cx="460375" cy="471170"/>
+          </a:xfrm>
+          <a:prstGeom prst="rect">
+            <a:avLst/>
+          </a:prstGeom>
+          <a:solidFill>
+            <a:schemeClr val="bg1"/>
+          </a:solidFill>
+          <a:ln>
+            <a:solidFill>
+              <a:schemeClr val="tx1"/>
+            </a:solidFill>
+          </a:ln>
+        </p:spPr>
+        <p:style>
+          <a:lnRef idx="2">
+            <a:schemeClr val="accent1">
+              <a:lumMod val="75000"/>
+            </a:schemeClr>
+          </a:lnRef>
+          <a:fillRef idx="1">
+            <a:schemeClr val="accent1"/>
+          </a:fillRef>
+          <a:effectRef idx="0">
+            <a:srgbClr val="FFFFFF"/>
+          </a:effectRef>
+          <a:fontRef idx="minor">
+            <a:schemeClr val="lt1"/>
+          </a:fontRef>
+        </p:style>
+        <p:txBody>
+          <a:bodyPr rtlCol="0" anchor="ctr"/>
+          <a:p>
+            <a:pPr algn="ctr"/>
+            <a:r>
+              <a:rPr lang="en-US" altLang="zh-CN">
+                <a:solidFill>
+                  <a:schemeClr val="tx1"/>
+                </a:solidFill>
+              </a:rPr>
+              <a:t>11</a:t>
+            </a:r>
+            <a:endParaRPr lang="en-US" altLang="zh-CN">
+              <a:solidFill>
+                <a:schemeClr val="tx1"/>
+              </a:solidFill>
+            </a:endParaRPr>
+          </a:p>
+        </p:txBody>
+      </p:sp>
+      <p:sp>
+        <p:nvSpPr>
+          <p:cNvPr id="62" name="矩形 61"/>
+          <p:cNvSpPr/>
+          <p:nvPr>
+            <p:custDataLst>
+              <p:tags r:id="rId46"/>
+            </p:custDataLst>
+          </p:nvPr>
+        </p:nvSpPr>
+        <p:spPr>
+          <a:xfrm>
+            <a:off x="6647815" y="3820160"/>
+            <a:ext cx="460375" cy="471170"/>
+          </a:xfrm>
+          <a:prstGeom prst="rect">
+            <a:avLst/>
+          </a:prstGeom>
+          <a:solidFill>
+            <a:schemeClr val="bg1"/>
+          </a:solidFill>
+          <a:ln>
+            <a:solidFill>
+              <a:schemeClr val="tx1"/>
+            </a:solidFill>
+          </a:ln>
+        </p:spPr>
+        <p:style>
+          <a:lnRef idx="2">
+            <a:schemeClr val="accent1">
+              <a:lumMod val="75000"/>
+            </a:schemeClr>
+          </a:lnRef>
+          <a:fillRef idx="1">
+            <a:schemeClr val="accent1"/>
+          </a:fillRef>
+          <a:effectRef idx="0">
+            <a:srgbClr val="FFFFFF"/>
+          </a:effectRef>
+          <a:fontRef idx="minor">
+            <a:schemeClr val="lt1"/>
+          </a:fontRef>
+        </p:style>
+        <p:txBody>
+          <a:bodyPr rtlCol="0" anchor="ctr"/>
+          <a:p>
+            <a:pPr algn="ctr"/>
+            <a:r>
+              <a:rPr lang="en-US" altLang="zh-CN">
+                <a:solidFill>
+                  <a:schemeClr val="tx1"/>
+                </a:solidFill>
+              </a:rPr>
+              <a:t>12</a:t>
+            </a:r>
+            <a:endParaRPr lang="en-US" altLang="zh-CN">
+              <a:solidFill>
+                <a:schemeClr val="tx1"/>
+              </a:solidFill>
+            </a:endParaRPr>
+          </a:p>
+        </p:txBody>
+      </p:sp>
+      <p:sp>
+        <p:nvSpPr>
+          <p:cNvPr id="63" name="矩形 62"/>
+          <p:cNvSpPr/>
+          <p:nvPr>
+            <p:custDataLst>
+              <p:tags r:id="rId47"/>
+            </p:custDataLst>
+          </p:nvPr>
+        </p:nvSpPr>
+        <p:spPr>
+          <a:xfrm>
+            <a:off x="7109460" y="3820160"/>
+            <a:ext cx="460375" cy="471170"/>
+          </a:xfrm>
+          <a:prstGeom prst="rect">
+            <a:avLst/>
+          </a:prstGeom>
+          <a:solidFill>
+            <a:schemeClr val="bg1"/>
+          </a:solidFill>
+          <a:ln>
+            <a:solidFill>
+              <a:schemeClr val="tx1"/>
+            </a:solidFill>
+          </a:ln>
+        </p:spPr>
+        <p:style>
+          <a:lnRef idx="2">
+            <a:schemeClr val="accent1">
+              <a:lumMod val="75000"/>
+            </a:schemeClr>
+          </a:lnRef>
+          <a:fillRef idx="1">
+            <a:schemeClr val="accent1"/>
+          </a:fillRef>
+          <a:effectRef idx="0">
+            <a:srgbClr val="FFFFFF"/>
+          </a:effectRef>
+          <a:fontRef idx="minor">
+            <a:schemeClr val="lt1"/>
+          </a:fontRef>
+        </p:style>
+        <p:txBody>
+          <a:bodyPr rtlCol="0" anchor="ctr"/>
+          <a:p>
+            <a:pPr algn="ctr"/>
+            <a:r>
+              <a:rPr lang="en-US" altLang="zh-CN">
+                <a:solidFill>
+                  <a:schemeClr val="tx1"/>
+                </a:solidFill>
+              </a:rPr>
+              <a:t>13</a:t>
+            </a:r>
+            <a:endParaRPr lang="en-US" altLang="zh-CN">
+              <a:solidFill>
+                <a:schemeClr val="tx1"/>
+              </a:solidFill>
+            </a:endParaRPr>
+          </a:p>
+        </p:txBody>
+      </p:sp>
+      <p:sp>
+        <p:nvSpPr>
+          <p:cNvPr id="64" name="矩形 63"/>
+          <p:cNvSpPr/>
+          <p:nvPr>
+            <p:custDataLst>
+              <p:tags r:id="rId48"/>
+            </p:custDataLst>
+          </p:nvPr>
+        </p:nvSpPr>
+        <p:spPr>
+          <a:xfrm>
+            <a:off x="7571105" y="3820160"/>
+            <a:ext cx="460375" cy="471170"/>
+          </a:xfrm>
+          <a:prstGeom prst="rect">
+            <a:avLst/>
+          </a:prstGeom>
+          <a:solidFill>
+            <a:schemeClr val="bg1"/>
+          </a:solidFill>
+          <a:ln>
+            <a:solidFill>
+              <a:schemeClr val="tx1"/>
+            </a:solidFill>
+          </a:ln>
+        </p:spPr>
+        <p:style>
+          <a:lnRef idx="2">
+            <a:schemeClr val="accent1">
+              <a:lumMod val="75000"/>
+            </a:schemeClr>
+          </a:lnRef>
+          <a:fillRef idx="1">
+            <a:schemeClr val="accent1"/>
+          </a:fillRef>
+          <a:effectRef idx="0">
+            <a:srgbClr val="FFFFFF"/>
+          </a:effectRef>
+          <a:fontRef idx="minor">
+            <a:schemeClr val="lt1"/>
+          </a:fontRef>
+        </p:style>
+        <p:txBody>
+          <a:bodyPr rtlCol="0" anchor="ctr"/>
+          <a:p>
+            <a:pPr algn="ctr"/>
+            <a:r>
+              <a:rPr lang="en-US" altLang="zh-CN">
+                <a:solidFill>
+                  <a:schemeClr val="tx1"/>
+                </a:solidFill>
+              </a:rPr>
+              <a:t>14</a:t>
+            </a:r>
+            <a:endParaRPr lang="en-US" altLang="zh-CN">
+              <a:solidFill>
+                <a:schemeClr val="tx1"/>
+              </a:solidFill>
+            </a:endParaRPr>
+          </a:p>
+        </p:txBody>
+      </p:sp>
+      <p:sp>
+        <p:nvSpPr>
+          <p:cNvPr id="65" name="矩形 64"/>
+          <p:cNvSpPr/>
+          <p:nvPr>
+            <p:custDataLst>
+              <p:tags r:id="rId49"/>
+            </p:custDataLst>
+          </p:nvPr>
+        </p:nvSpPr>
+        <p:spPr>
+          <a:xfrm>
+            <a:off x="8032750" y="3820160"/>
+            <a:ext cx="460375" cy="471170"/>
+          </a:xfrm>
+          <a:prstGeom prst="rect">
+            <a:avLst/>
+          </a:prstGeom>
+          <a:solidFill>
+            <a:schemeClr val="bg1"/>
+          </a:solidFill>
+          <a:ln>
+            <a:solidFill>
+              <a:schemeClr val="tx1"/>
+            </a:solidFill>
+          </a:ln>
+        </p:spPr>
+        <p:style>
+          <a:lnRef idx="2">
+            <a:schemeClr val="accent1">
+              <a:lumMod val="75000"/>
+            </a:schemeClr>
+          </a:lnRef>
+          <a:fillRef idx="1">
+            <a:schemeClr val="accent1"/>
+          </a:fillRef>
+          <a:effectRef idx="0">
+            <a:srgbClr val="FFFFFF"/>
+          </a:effectRef>
+          <a:fontRef idx="minor">
+            <a:schemeClr val="lt1"/>
+          </a:fontRef>
+        </p:style>
+        <p:txBody>
+          <a:bodyPr rtlCol="0" anchor="ctr"/>
+          <a:p>
+            <a:pPr algn="ctr"/>
+            <a:r>
+              <a:rPr lang="en-US" altLang="zh-CN">
+                <a:solidFill>
+                  <a:schemeClr val="tx1"/>
+                </a:solidFill>
+              </a:rPr>
+              <a:t>15</a:t>
+            </a:r>
+            <a:endParaRPr lang="en-US" altLang="zh-CN">
+              <a:solidFill>
+                <a:schemeClr val="tx1"/>
+              </a:solidFill>
+            </a:endParaRPr>
+          </a:p>
+        </p:txBody>
+      </p:sp>
+      <p:sp>
+        <p:nvSpPr>
+          <p:cNvPr id="66" name="矩形 65"/>
+          <p:cNvSpPr/>
+          <p:nvPr>
+            <p:custDataLst>
+              <p:tags r:id="rId50"/>
+            </p:custDataLst>
+          </p:nvPr>
+        </p:nvSpPr>
+        <p:spPr>
+          <a:xfrm>
+            <a:off x="8494395" y="3820160"/>
+            <a:ext cx="460375" cy="471170"/>
+          </a:xfrm>
+          <a:prstGeom prst="rect">
+            <a:avLst/>
+          </a:prstGeom>
+          <a:solidFill>
+            <a:schemeClr val="bg1"/>
+          </a:solidFill>
+          <a:ln>
+            <a:solidFill>
+              <a:schemeClr val="tx1"/>
+            </a:solidFill>
+          </a:ln>
+        </p:spPr>
+        <p:style>
+          <a:lnRef idx="2">
+            <a:schemeClr val="accent1">
+              <a:lumMod val="75000"/>
+            </a:schemeClr>
+          </a:lnRef>
+          <a:fillRef idx="1">
+            <a:schemeClr val="accent1"/>
+          </a:fillRef>
+          <a:effectRef idx="0">
+            <a:srgbClr val="FFFFFF"/>
+          </a:effectRef>
+          <a:fontRef idx="minor">
+            <a:schemeClr val="lt1"/>
+          </a:fontRef>
+        </p:style>
+        <p:txBody>
+          <a:bodyPr rtlCol="0" anchor="ctr"/>
+          <a:p>
+            <a:pPr algn="ctr"/>
+            <a:r>
+              <a:rPr lang="en-US" altLang="zh-CN">
+                <a:solidFill>
+                  <a:schemeClr val="tx1"/>
+                </a:solidFill>
+              </a:rPr>
+              <a:t>16</a:t>
+            </a:r>
+            <a:endParaRPr lang="en-US" altLang="zh-CN">
+              <a:solidFill>
+                <a:schemeClr val="tx1"/>
+              </a:solidFill>
+            </a:endParaRPr>
+          </a:p>
+        </p:txBody>
+      </p:sp>
+      <p:sp>
+        <p:nvSpPr>
+          <p:cNvPr id="67" name="矩形 66"/>
+          <p:cNvSpPr/>
+          <p:nvPr>
+            <p:custDataLst>
+              <p:tags r:id="rId51"/>
+            </p:custDataLst>
+          </p:nvPr>
+        </p:nvSpPr>
+        <p:spPr>
+          <a:xfrm>
+            <a:off x="8956040" y="3820160"/>
+            <a:ext cx="460375" cy="471170"/>
+          </a:xfrm>
+          <a:prstGeom prst="rect">
+            <a:avLst/>
+          </a:prstGeom>
+          <a:solidFill>
+            <a:schemeClr val="bg1"/>
+          </a:solidFill>
+          <a:ln>
+            <a:solidFill>
+              <a:schemeClr val="tx1"/>
+            </a:solidFill>
+          </a:ln>
+        </p:spPr>
+        <p:style>
+          <a:lnRef idx="2">
+            <a:schemeClr val="accent1">
+              <a:lumMod val="75000"/>
+            </a:schemeClr>
+          </a:lnRef>
+          <a:fillRef idx="1">
+            <a:schemeClr val="accent1"/>
+          </a:fillRef>
+          <a:effectRef idx="0">
+            <a:srgbClr val="FFFFFF"/>
+          </a:effectRef>
+          <a:fontRef idx="minor">
+            <a:schemeClr val="lt1"/>
+          </a:fontRef>
+        </p:style>
+        <p:txBody>
+          <a:bodyPr rtlCol="0" anchor="ctr"/>
+          <a:p>
+            <a:pPr algn="ctr"/>
+            <a:r>
+              <a:rPr lang="en-US" altLang="zh-CN">
+                <a:solidFill>
+                  <a:schemeClr val="tx1"/>
+                </a:solidFill>
+              </a:rPr>
+              <a:t>17</a:t>
+            </a:r>
+            <a:endParaRPr lang="en-US" altLang="zh-CN">
+              <a:solidFill>
+                <a:schemeClr val="tx1"/>
+              </a:solidFill>
+            </a:endParaRPr>
+          </a:p>
+        </p:txBody>
+      </p:sp>
+      <p:sp>
+        <p:nvSpPr>
+          <p:cNvPr id="68" name="矩形 67"/>
+          <p:cNvSpPr/>
+          <p:nvPr>
+            <p:custDataLst>
+              <p:tags r:id="rId52"/>
+            </p:custDataLst>
+          </p:nvPr>
+        </p:nvSpPr>
+        <p:spPr>
+          <a:xfrm>
+            <a:off x="9417685" y="3820160"/>
+            <a:ext cx="460375" cy="471170"/>
+          </a:xfrm>
+          <a:prstGeom prst="rect">
+            <a:avLst/>
+          </a:prstGeom>
+          <a:solidFill>
+            <a:schemeClr val="bg1"/>
+          </a:solidFill>
+          <a:ln>
+            <a:solidFill>
+              <a:schemeClr val="tx1"/>
+            </a:solidFill>
+          </a:ln>
+        </p:spPr>
+        <p:style>
+          <a:lnRef idx="2">
+            <a:schemeClr val="accent1">
+              <a:lumMod val="75000"/>
+            </a:schemeClr>
+          </a:lnRef>
+          <a:fillRef idx="1">
+            <a:schemeClr val="accent1"/>
+          </a:fillRef>
+          <a:effectRef idx="0">
+            <a:srgbClr val="FFFFFF"/>
+          </a:effectRef>
+          <a:fontRef idx="minor">
+            <a:schemeClr val="lt1"/>
+          </a:fontRef>
+        </p:style>
+        <p:txBody>
+          <a:bodyPr rtlCol="0" anchor="ctr"/>
+          <a:p>
+            <a:pPr algn="ctr"/>
+            <a:r>
+              <a:rPr lang="en-US" altLang="zh-CN">
+                <a:solidFill>
+                  <a:schemeClr val="tx1"/>
+                </a:solidFill>
+              </a:rPr>
+              <a:t>18</a:t>
+            </a:r>
+            <a:endParaRPr lang="en-US" altLang="zh-CN">
+              <a:solidFill>
+                <a:schemeClr val="tx1"/>
+              </a:solidFill>
+            </a:endParaRPr>
+          </a:p>
+        </p:txBody>
+      </p:sp>
+      <p:sp>
+        <p:nvSpPr>
+          <p:cNvPr id="69" name="矩形 68"/>
+          <p:cNvSpPr/>
+          <p:nvPr>
+            <p:custDataLst>
+              <p:tags r:id="rId53"/>
+            </p:custDataLst>
+          </p:nvPr>
+        </p:nvSpPr>
+        <p:spPr>
+          <a:xfrm>
+            <a:off x="9879330" y="3820160"/>
+            <a:ext cx="460375" cy="471170"/>
+          </a:xfrm>
+          <a:prstGeom prst="rect">
+            <a:avLst/>
+          </a:prstGeom>
+          <a:solidFill>
+            <a:schemeClr val="bg1"/>
+          </a:solidFill>
+          <a:ln>
+            <a:solidFill>
+              <a:schemeClr val="tx1"/>
+            </a:solidFill>
+          </a:ln>
+        </p:spPr>
+        <p:style>
+          <a:lnRef idx="2">
+            <a:schemeClr val="accent1">
+              <a:lumMod val="75000"/>
+            </a:schemeClr>
+          </a:lnRef>
+          <a:fillRef idx="1">
+            <a:schemeClr val="accent1"/>
+          </a:fillRef>
+          <a:effectRef idx="0">
+            <a:srgbClr val="FFFFFF"/>
+          </a:effectRef>
+          <a:fontRef idx="minor">
+            <a:schemeClr val="lt1"/>
+          </a:fontRef>
+        </p:style>
+        <p:txBody>
+          <a:bodyPr rtlCol="0" anchor="ctr"/>
+          <a:p>
+            <a:pPr algn="ctr"/>
+            <a:r>
+              <a:rPr lang="en-US" altLang="zh-CN">
+                <a:solidFill>
+                  <a:schemeClr val="tx1"/>
+                </a:solidFill>
+              </a:rPr>
+              <a:t>19</a:t>
+            </a:r>
+            <a:endParaRPr lang="en-US" altLang="zh-CN">
+              <a:solidFill>
+                <a:schemeClr val="tx1"/>
+              </a:solidFill>
+            </a:endParaRPr>
+          </a:p>
+        </p:txBody>
+      </p:sp>
+      <p:sp>
+        <p:nvSpPr>
+          <p:cNvPr id="71" name="文本框 70"/>
+          <p:cNvSpPr txBox="1"/>
+          <p:nvPr/>
+        </p:nvSpPr>
+        <p:spPr>
+          <a:xfrm>
+            <a:off x="637540" y="946785"/>
+            <a:ext cx="3923030" cy="953135"/>
+          </a:xfrm>
+          <a:prstGeom prst="rect">
+            <a:avLst/>
+          </a:prstGeom>
+          <a:noFill/>
+        </p:spPr>
+        <p:txBody>
+          <a:bodyPr wrap="square" rtlCol="0">
+            <a:spAutoFit/>
+          </a:bodyPr>
+          <a:p>
+            <a:r>
+              <a:rPr lang="en-US" altLang="zh-CN" sz="1400"/>
+              <a:t>//</a:t>
+            </a:r>
+            <a:r>
+              <a:rPr lang="zh-CN" altLang="en-US" sz="1400"/>
+              <a:t>按位统计个数</a:t>
+            </a:r>
+            <a:endParaRPr lang="en-US" altLang="zh-CN" sz="1400"/>
+          </a:p>
+          <a:p>
+            <a:r>
+              <a:rPr lang="en-US" altLang="zh-CN" sz="1400"/>
+              <a:t>for (int num : nums) {</a:t>
+            </a:r>
+            <a:endParaRPr lang="en-US" altLang="zh-CN" sz="1400"/>
+          </a:p>
+          <a:p>
+            <a:r>
+              <a:rPr lang="en-US" altLang="zh-CN" sz="1400"/>
+              <a:t>    count[(num / exp) % 10]++;</a:t>
+            </a:r>
+            <a:endParaRPr lang="en-US" altLang="zh-CN" sz="1400"/>
+          </a:p>
+          <a:p>
+            <a:r>
+              <a:rPr lang="en-US" altLang="zh-CN" sz="1400"/>
+              <a:t>}</a:t>
+            </a:r>
+            <a:endParaRPr lang="en-US" altLang="zh-CN" sz="1400"/>
+          </a:p>
+        </p:txBody>
+      </p:sp>
+      <p:sp>
+        <p:nvSpPr>
+          <p:cNvPr id="72" name="矩形 71"/>
+          <p:cNvSpPr/>
+          <p:nvPr>
+            <p:custDataLst>
+              <p:tags r:id="rId54"/>
+            </p:custDataLst>
+          </p:nvPr>
+        </p:nvSpPr>
+        <p:spPr>
+          <a:xfrm>
+            <a:off x="7693660" y="946785"/>
+            <a:ext cx="460375" cy="471170"/>
+          </a:xfrm>
+          <a:prstGeom prst="rect">
+            <a:avLst/>
+          </a:prstGeom>
+          <a:solidFill>
+            <a:schemeClr val="bg1"/>
+          </a:solidFill>
+          <a:ln>
+            <a:solidFill>
+              <a:schemeClr val="tx1"/>
+            </a:solidFill>
+          </a:ln>
+        </p:spPr>
+        <p:style>
+          <a:lnRef idx="2">
+            <a:schemeClr val="accent1">
+              <a:lumMod val="75000"/>
+            </a:schemeClr>
+          </a:lnRef>
+          <a:fillRef idx="1">
+            <a:schemeClr val="accent1"/>
+          </a:fillRef>
+          <a:effectRef idx="0">
+            <a:srgbClr val="FFFFFF"/>
+          </a:effectRef>
+          <a:fontRef idx="minor">
+            <a:schemeClr val="lt1"/>
+          </a:fontRef>
+        </p:style>
+        <p:txBody>
+          <a:bodyPr rtlCol="0" anchor="ctr"/>
+          <a:p>
+            <a:pPr algn="ctr"/>
+            <a:r>
+              <a:rPr lang="en-US" altLang="zh-CN">
+                <a:solidFill>
+                  <a:schemeClr val="tx1"/>
+                </a:solidFill>
+              </a:rPr>
+              <a:t>1</a:t>
+            </a:r>
+            <a:endParaRPr lang="en-US" altLang="zh-CN">
+              <a:solidFill>
+                <a:schemeClr val="tx1"/>
+              </a:solidFill>
+            </a:endParaRPr>
+          </a:p>
+        </p:txBody>
+      </p:sp>
+      <p:sp>
+        <p:nvSpPr>
+          <p:cNvPr id="73" name="矩形 72"/>
+          <p:cNvSpPr/>
+          <p:nvPr>
+            <p:custDataLst>
+              <p:tags r:id="rId55"/>
+            </p:custDataLst>
+          </p:nvPr>
+        </p:nvSpPr>
+        <p:spPr>
+          <a:xfrm>
+            <a:off x="8154035" y="946785"/>
+            <a:ext cx="460375" cy="471170"/>
+          </a:xfrm>
+          <a:prstGeom prst="rect">
+            <a:avLst/>
+          </a:prstGeom>
+          <a:solidFill>
+            <a:schemeClr val="bg1"/>
+          </a:solidFill>
+          <a:ln>
+            <a:solidFill>
+              <a:schemeClr val="tx1"/>
+            </a:solidFill>
+          </a:ln>
+        </p:spPr>
+        <p:style>
+          <a:lnRef idx="2">
+            <a:schemeClr val="accent1">
+              <a:lumMod val="75000"/>
+            </a:schemeClr>
+          </a:lnRef>
+          <a:fillRef idx="1">
+            <a:schemeClr val="accent1"/>
+          </a:fillRef>
+          <a:effectRef idx="0">
+            <a:srgbClr val="FFFFFF"/>
+          </a:effectRef>
+          <a:fontRef idx="minor">
+            <a:schemeClr val="lt1"/>
+          </a:fontRef>
+        </p:style>
+        <p:txBody>
+          <a:bodyPr rtlCol="0" anchor="ctr"/>
+          <a:p>
+            <a:pPr algn="ctr"/>
+            <a:r>
+              <a:rPr lang="en-US" altLang="zh-CN">
+                <a:solidFill>
+                  <a:schemeClr val="tx1"/>
+                </a:solidFill>
+              </a:rPr>
+              <a:t>0</a:t>
+            </a:r>
+            <a:endParaRPr lang="en-US" altLang="zh-CN">
+              <a:solidFill>
+                <a:schemeClr val="tx1"/>
+              </a:solidFill>
+            </a:endParaRPr>
+          </a:p>
+        </p:txBody>
+      </p:sp>
+      <p:sp>
+        <p:nvSpPr>
+          <p:cNvPr id="74" name="矩形 73"/>
+          <p:cNvSpPr/>
+          <p:nvPr>
+            <p:custDataLst>
+              <p:tags r:id="rId56"/>
+            </p:custDataLst>
+          </p:nvPr>
+        </p:nvSpPr>
+        <p:spPr>
+          <a:xfrm>
+            <a:off x="8614410" y="946785"/>
+            <a:ext cx="460375" cy="471170"/>
+          </a:xfrm>
+          <a:prstGeom prst="rect">
+            <a:avLst/>
+          </a:prstGeom>
+          <a:solidFill>
+            <a:schemeClr val="bg1"/>
+          </a:solidFill>
+          <a:ln>
+            <a:solidFill>
+              <a:schemeClr val="tx1"/>
+            </a:solidFill>
+          </a:ln>
+        </p:spPr>
+        <p:style>
+          <a:lnRef idx="2">
+            <a:schemeClr val="accent1">
+              <a:lumMod val="75000"/>
+            </a:schemeClr>
+          </a:lnRef>
+          <a:fillRef idx="1">
+            <a:schemeClr val="accent1"/>
+          </a:fillRef>
+          <a:effectRef idx="0">
+            <a:srgbClr val="FFFFFF"/>
+          </a:effectRef>
+          <a:fontRef idx="minor">
+            <a:schemeClr val="lt1"/>
+          </a:fontRef>
+        </p:style>
+        <p:txBody>
+          <a:bodyPr rtlCol="0" anchor="ctr"/>
+          <a:p>
+            <a:pPr algn="ctr"/>
+            <a:r>
+              <a:rPr lang="en-US" altLang="zh-CN">
+                <a:solidFill>
+                  <a:schemeClr val="tx1"/>
+                </a:solidFill>
+              </a:rPr>
+              <a:t>3</a:t>
+            </a:r>
+            <a:endParaRPr lang="en-US" altLang="zh-CN">
+              <a:solidFill>
+                <a:schemeClr val="tx1"/>
+              </a:solidFill>
+            </a:endParaRPr>
+          </a:p>
+        </p:txBody>
+      </p:sp>
+      <p:sp>
+        <p:nvSpPr>
+          <p:cNvPr id="75" name="矩形 74"/>
+          <p:cNvSpPr/>
+          <p:nvPr>
+            <p:custDataLst>
+              <p:tags r:id="rId57"/>
+            </p:custDataLst>
+          </p:nvPr>
+        </p:nvSpPr>
+        <p:spPr>
+          <a:xfrm>
+            <a:off x="7693660" y="2038985"/>
+            <a:ext cx="460375" cy="471170"/>
+          </a:xfrm>
+          <a:prstGeom prst="rect">
+            <a:avLst/>
+          </a:prstGeom>
+          <a:solidFill>
+            <a:schemeClr val="bg1"/>
+          </a:solidFill>
+          <a:ln>
+            <a:solidFill>
+              <a:schemeClr val="tx1"/>
+            </a:solidFill>
+          </a:ln>
+        </p:spPr>
+        <p:style>
+          <a:lnRef idx="2">
+            <a:schemeClr val="accent1">
+              <a:lumMod val="75000"/>
+            </a:schemeClr>
+          </a:lnRef>
+          <a:fillRef idx="1">
+            <a:schemeClr val="accent1"/>
+          </a:fillRef>
+          <a:effectRef idx="0">
+            <a:srgbClr val="FFFFFF"/>
+          </a:effectRef>
+          <a:fontRef idx="minor">
+            <a:schemeClr val="lt1"/>
+          </a:fontRef>
+        </p:style>
+        <p:txBody>
+          <a:bodyPr rtlCol="0" anchor="ctr"/>
+          <a:p>
+            <a:pPr algn="ctr"/>
+            <a:r>
+              <a:rPr lang="en-US" altLang="zh-CN">
+                <a:solidFill>
+                  <a:schemeClr val="tx1"/>
+                </a:solidFill>
+              </a:rPr>
+              <a:t>21</a:t>
+            </a:r>
+            <a:endParaRPr lang="en-US" altLang="zh-CN">
+              <a:solidFill>
+                <a:schemeClr val="tx1"/>
+              </a:solidFill>
+            </a:endParaRPr>
+          </a:p>
+        </p:txBody>
+      </p:sp>
+      <p:sp>
+        <p:nvSpPr>
+          <p:cNvPr id="76" name="矩形 75"/>
+          <p:cNvSpPr/>
+          <p:nvPr>
+            <p:custDataLst>
+              <p:tags r:id="rId58"/>
+            </p:custDataLst>
+          </p:nvPr>
+        </p:nvSpPr>
+        <p:spPr>
+          <a:xfrm>
+            <a:off x="8154035" y="2038985"/>
+            <a:ext cx="460375" cy="471170"/>
+          </a:xfrm>
+          <a:prstGeom prst="rect">
+            <a:avLst/>
+          </a:prstGeom>
+          <a:solidFill>
+            <a:schemeClr val="bg1"/>
+          </a:solidFill>
+          <a:ln>
+            <a:solidFill>
+              <a:schemeClr val="tx1"/>
+            </a:solidFill>
+          </a:ln>
+        </p:spPr>
+        <p:style>
+          <a:lnRef idx="2">
+            <a:schemeClr val="accent1">
+              <a:lumMod val="75000"/>
+            </a:schemeClr>
+          </a:lnRef>
+          <a:fillRef idx="1">
+            <a:schemeClr val="accent1"/>
+          </a:fillRef>
+          <a:effectRef idx="0">
+            <a:srgbClr val="FFFFFF"/>
+          </a:effectRef>
+          <a:fontRef idx="minor">
+            <a:schemeClr val="lt1"/>
+          </a:fontRef>
+        </p:style>
+        <p:txBody>
+          <a:bodyPr rtlCol="0" anchor="ctr"/>
+          <a:p>
+            <a:pPr algn="ctr"/>
+            <a:r>
+              <a:rPr lang="en-US" altLang="zh-CN">
+                <a:solidFill>
+                  <a:schemeClr val="tx1"/>
+                </a:solidFill>
+              </a:rPr>
+              <a:t>21</a:t>
+            </a:r>
+            <a:endParaRPr lang="en-US" altLang="zh-CN">
+              <a:solidFill>
+                <a:schemeClr val="tx1"/>
+              </a:solidFill>
+            </a:endParaRPr>
+          </a:p>
+        </p:txBody>
+      </p:sp>
+      <p:sp>
+        <p:nvSpPr>
+          <p:cNvPr id="77" name="矩形 76"/>
+          <p:cNvSpPr/>
+          <p:nvPr>
+            <p:custDataLst>
+              <p:tags r:id="rId59"/>
+            </p:custDataLst>
+          </p:nvPr>
+        </p:nvSpPr>
+        <p:spPr>
+          <a:xfrm>
+            <a:off x="8614410" y="2038985"/>
+            <a:ext cx="460375" cy="471170"/>
+          </a:xfrm>
+          <a:prstGeom prst="rect">
+            <a:avLst/>
+          </a:prstGeom>
+          <a:solidFill>
+            <a:schemeClr val="bg1"/>
+          </a:solidFill>
+          <a:ln>
+            <a:solidFill>
+              <a:schemeClr val="tx1"/>
+            </a:solidFill>
+          </a:ln>
+        </p:spPr>
+        <p:style>
+          <a:lnRef idx="2">
+            <a:schemeClr val="accent1">
+              <a:lumMod val="75000"/>
+            </a:schemeClr>
+          </a:lnRef>
+          <a:fillRef idx="1">
+            <a:schemeClr val="accent1"/>
+          </a:fillRef>
+          <a:effectRef idx="0">
+            <a:srgbClr val="FFFFFF"/>
+          </a:effectRef>
+          <a:fontRef idx="minor">
+            <a:schemeClr val="lt1"/>
+          </a:fontRef>
+        </p:style>
+        <p:txBody>
+          <a:bodyPr rtlCol="0" anchor="ctr"/>
+          <a:p>
+            <a:pPr algn="ctr"/>
+            <a:r>
+              <a:rPr lang="en-US" altLang="zh-CN">
+                <a:solidFill>
+                  <a:schemeClr val="tx1"/>
+                </a:solidFill>
+              </a:rPr>
+              <a:t>24</a:t>
+            </a:r>
+            <a:endParaRPr lang="en-US" altLang="zh-CN">
+              <a:solidFill>
+                <a:schemeClr val="tx1"/>
+              </a:solidFill>
+            </a:endParaRPr>
+          </a:p>
+        </p:txBody>
+      </p:sp>
+      <p:sp>
+        <p:nvSpPr>
+          <p:cNvPr id="78" name="矩形 77"/>
+          <p:cNvSpPr/>
+          <p:nvPr>
+            <p:custDataLst>
+              <p:tags r:id="rId60"/>
+            </p:custDataLst>
+          </p:nvPr>
+        </p:nvSpPr>
+        <p:spPr>
+          <a:xfrm>
+            <a:off x="10315575" y="4291330"/>
+            <a:ext cx="483870" cy="471170"/>
+          </a:xfrm>
+          <a:prstGeom prst="rect">
+            <a:avLst/>
+          </a:prstGeom>
+          <a:solidFill>
+            <a:schemeClr val="bg1"/>
+          </a:solidFill>
+          <a:ln>
+            <a:solidFill>
+              <a:schemeClr val="tx1"/>
+            </a:solidFill>
+          </a:ln>
+        </p:spPr>
+        <p:style>
+          <a:lnRef idx="2">
+            <a:schemeClr val="accent1">
+              <a:lumMod val="75000"/>
+            </a:schemeClr>
+          </a:lnRef>
+          <a:fillRef idx="1">
+            <a:schemeClr val="accent1"/>
+          </a:fillRef>
+          <a:effectRef idx="0">
+            <a:srgbClr val="FFFFFF"/>
+          </a:effectRef>
+          <a:fontRef idx="minor">
+            <a:schemeClr val="lt1"/>
+          </a:fontRef>
+        </p:style>
+        <p:txBody>
+          <a:bodyPr rtlCol="0" anchor="ctr"/>
+          <a:p>
+            <a:pPr algn="ctr"/>
+            <a:endParaRPr lang="en-US" altLang="zh-CN">
+              <a:solidFill>
+                <a:schemeClr val="tx1"/>
+              </a:solidFill>
+            </a:endParaRPr>
+          </a:p>
+        </p:txBody>
+      </p:sp>
+      <p:sp>
+        <p:nvSpPr>
+          <p:cNvPr id="79" name="矩形 78"/>
+          <p:cNvSpPr/>
+          <p:nvPr>
+            <p:custDataLst>
+              <p:tags r:id="rId61"/>
+            </p:custDataLst>
+          </p:nvPr>
+        </p:nvSpPr>
+        <p:spPr>
+          <a:xfrm>
+            <a:off x="10339705" y="3820160"/>
+            <a:ext cx="460375" cy="471170"/>
+          </a:xfrm>
+          <a:prstGeom prst="rect">
+            <a:avLst/>
+          </a:prstGeom>
+          <a:solidFill>
+            <a:schemeClr val="bg1"/>
+          </a:solidFill>
+          <a:ln>
+            <a:solidFill>
+              <a:schemeClr val="tx1"/>
+            </a:solidFill>
+          </a:ln>
+        </p:spPr>
+        <p:style>
+          <a:lnRef idx="2">
+            <a:schemeClr val="accent1">
+              <a:lumMod val="75000"/>
+            </a:schemeClr>
+          </a:lnRef>
+          <a:fillRef idx="1">
+            <a:schemeClr val="accent1"/>
+          </a:fillRef>
+          <a:effectRef idx="0">
+            <a:srgbClr val="FFFFFF"/>
+          </a:effectRef>
+          <a:fontRef idx="minor">
+            <a:schemeClr val="lt1"/>
+          </a:fontRef>
+        </p:style>
+        <p:txBody>
+          <a:bodyPr rtlCol="0" anchor="ctr"/>
+          <a:p>
+            <a:pPr algn="ctr"/>
+            <a:r>
+              <a:rPr lang="en-US" altLang="zh-CN">
+                <a:solidFill>
+                  <a:schemeClr val="tx1"/>
+                </a:solidFill>
+              </a:rPr>
+              <a:t>20</a:t>
+            </a:r>
+            <a:endParaRPr lang="en-US" altLang="zh-CN">
+              <a:solidFill>
+                <a:schemeClr val="tx1"/>
+              </a:solidFill>
+            </a:endParaRPr>
+          </a:p>
+        </p:txBody>
+      </p:sp>
+      <p:sp>
+        <p:nvSpPr>
+          <p:cNvPr id="80" name="矩形 79"/>
+          <p:cNvSpPr/>
+          <p:nvPr>
+            <p:custDataLst>
+              <p:tags r:id="rId62"/>
+            </p:custDataLst>
+          </p:nvPr>
+        </p:nvSpPr>
+        <p:spPr>
+          <a:xfrm>
+            <a:off x="10775315" y="4291330"/>
+            <a:ext cx="483870" cy="471170"/>
+          </a:xfrm>
+          <a:prstGeom prst="rect">
+            <a:avLst/>
+          </a:prstGeom>
+          <a:solidFill>
+            <a:schemeClr val="accent4">
+              <a:lumMod val="20000"/>
+              <a:lumOff val="80000"/>
+            </a:schemeClr>
+          </a:solidFill>
+          <a:ln>
+            <a:solidFill>
+              <a:schemeClr val="tx1"/>
+            </a:solidFill>
+          </a:ln>
+        </p:spPr>
+        <p:style>
+          <a:lnRef idx="2">
+            <a:schemeClr val="accent1">
+              <a:lumMod val="75000"/>
+            </a:schemeClr>
+          </a:lnRef>
+          <a:fillRef idx="1">
+            <a:schemeClr val="accent1"/>
+          </a:fillRef>
+          <a:effectRef idx="0">
+            <a:srgbClr val="FFFFFF"/>
+          </a:effectRef>
+          <a:fontRef idx="minor">
+            <a:schemeClr val="lt1"/>
+          </a:fontRef>
+        </p:style>
+        <p:txBody>
+          <a:bodyPr rtlCol="0" anchor="ctr"/>
+          <a:p>
+            <a:pPr algn="ctr"/>
+            <a:endParaRPr lang="en-US" altLang="zh-CN">
+              <a:solidFill>
+                <a:schemeClr val="tx1"/>
+              </a:solidFill>
+            </a:endParaRPr>
+          </a:p>
+        </p:txBody>
+      </p:sp>
+      <p:sp>
+        <p:nvSpPr>
+          <p:cNvPr id="81" name="矩形 80"/>
+          <p:cNvSpPr/>
+          <p:nvPr>
+            <p:custDataLst>
+              <p:tags r:id="rId63"/>
+            </p:custDataLst>
+          </p:nvPr>
+        </p:nvSpPr>
+        <p:spPr>
+          <a:xfrm>
+            <a:off x="10799445" y="3820160"/>
+            <a:ext cx="460375" cy="471170"/>
+          </a:xfrm>
+          <a:prstGeom prst="rect">
+            <a:avLst/>
+          </a:prstGeom>
+          <a:solidFill>
+            <a:schemeClr val="bg1"/>
+          </a:solidFill>
+          <a:ln>
+            <a:solidFill>
+              <a:schemeClr val="tx1"/>
+            </a:solidFill>
+          </a:ln>
+        </p:spPr>
+        <p:style>
+          <a:lnRef idx="2">
+            <a:schemeClr val="accent1">
+              <a:lumMod val="75000"/>
+            </a:schemeClr>
+          </a:lnRef>
+          <a:fillRef idx="1">
+            <a:schemeClr val="accent1"/>
+          </a:fillRef>
+          <a:effectRef idx="0">
+            <a:srgbClr val="FFFFFF"/>
+          </a:effectRef>
+          <a:fontRef idx="minor">
+            <a:schemeClr val="lt1"/>
+          </a:fontRef>
+        </p:style>
+        <p:txBody>
+          <a:bodyPr rtlCol="0" anchor="ctr"/>
+          <a:p>
+            <a:pPr algn="ctr"/>
+            <a:r>
+              <a:rPr lang="en-US" altLang="zh-CN">
+                <a:solidFill>
+                  <a:schemeClr val="tx1"/>
+                </a:solidFill>
+              </a:rPr>
+              <a:t>21</a:t>
+            </a:r>
+            <a:endParaRPr lang="en-US" altLang="zh-CN">
+              <a:solidFill>
+                <a:schemeClr val="tx1"/>
+              </a:solidFill>
+            </a:endParaRPr>
+          </a:p>
+        </p:txBody>
+      </p:sp>
+      <p:sp>
+        <p:nvSpPr>
+          <p:cNvPr id="82" name="矩形 81"/>
+          <p:cNvSpPr/>
+          <p:nvPr>
+            <p:custDataLst>
+              <p:tags r:id="rId64"/>
+            </p:custDataLst>
+          </p:nvPr>
+        </p:nvSpPr>
+        <p:spPr>
+          <a:xfrm>
+            <a:off x="11235690" y="4291330"/>
+            <a:ext cx="483870" cy="471170"/>
+          </a:xfrm>
+          <a:prstGeom prst="rect">
+            <a:avLst/>
+          </a:prstGeom>
+          <a:solidFill>
+            <a:schemeClr val="accent4">
+              <a:lumMod val="20000"/>
+              <a:lumOff val="80000"/>
+            </a:schemeClr>
+          </a:solidFill>
+          <a:ln>
+            <a:solidFill>
+              <a:schemeClr val="tx1"/>
+            </a:solidFill>
+          </a:ln>
+        </p:spPr>
+        <p:style>
+          <a:lnRef idx="2">
+            <a:schemeClr val="accent1">
+              <a:lumMod val="75000"/>
+            </a:schemeClr>
+          </a:lnRef>
+          <a:fillRef idx="1">
+            <a:schemeClr val="accent1"/>
+          </a:fillRef>
+          <a:effectRef idx="0">
+            <a:srgbClr val="FFFFFF"/>
+          </a:effectRef>
+          <a:fontRef idx="minor">
+            <a:schemeClr val="lt1"/>
+          </a:fontRef>
+        </p:style>
+        <p:txBody>
+          <a:bodyPr rtlCol="0" anchor="ctr"/>
+          <a:p>
+            <a:pPr algn="ctr"/>
+            <a:endParaRPr lang="en-US" altLang="zh-CN">
+              <a:solidFill>
+                <a:schemeClr val="tx1"/>
+              </a:solidFill>
+            </a:endParaRPr>
+          </a:p>
+        </p:txBody>
+      </p:sp>
+      <p:sp>
+        <p:nvSpPr>
+          <p:cNvPr id="83" name="矩形 82"/>
+          <p:cNvSpPr/>
+          <p:nvPr>
+            <p:custDataLst>
+              <p:tags r:id="rId65"/>
+            </p:custDataLst>
+          </p:nvPr>
+        </p:nvSpPr>
+        <p:spPr>
+          <a:xfrm>
+            <a:off x="11259820" y="3820160"/>
+            <a:ext cx="460375" cy="471170"/>
+          </a:xfrm>
+          <a:prstGeom prst="rect">
+            <a:avLst/>
+          </a:prstGeom>
+          <a:solidFill>
+            <a:schemeClr val="bg1"/>
+          </a:solidFill>
+          <a:ln>
+            <a:solidFill>
+              <a:schemeClr val="tx1"/>
+            </a:solidFill>
+          </a:ln>
+        </p:spPr>
+        <p:style>
+          <a:lnRef idx="2">
+            <a:schemeClr val="accent1">
+              <a:lumMod val="75000"/>
+            </a:schemeClr>
+          </a:lnRef>
+          <a:fillRef idx="1">
+            <a:schemeClr val="accent1"/>
+          </a:fillRef>
+          <a:effectRef idx="0">
+            <a:srgbClr val="FFFFFF"/>
+          </a:effectRef>
+          <a:fontRef idx="minor">
+            <a:schemeClr val="lt1"/>
+          </a:fontRef>
+        </p:style>
+        <p:txBody>
+          <a:bodyPr rtlCol="0" anchor="ctr"/>
+          <a:p>
+            <a:pPr algn="ctr"/>
+            <a:r>
+              <a:rPr lang="en-US" altLang="zh-CN">
+                <a:solidFill>
+                  <a:schemeClr val="tx1"/>
+                </a:solidFill>
+              </a:rPr>
+              <a:t>22</a:t>
+            </a:r>
+            <a:endParaRPr lang="en-US" altLang="zh-CN">
+              <a:solidFill>
+                <a:schemeClr val="tx1"/>
+              </a:solidFill>
+            </a:endParaRPr>
+          </a:p>
+        </p:txBody>
+      </p:sp>
+      <p:sp>
+        <p:nvSpPr>
+          <p:cNvPr id="84" name="矩形 83"/>
+          <p:cNvSpPr/>
+          <p:nvPr>
+            <p:custDataLst>
+              <p:tags r:id="rId66"/>
+            </p:custDataLst>
+          </p:nvPr>
+        </p:nvSpPr>
+        <p:spPr>
+          <a:xfrm>
+            <a:off x="11708130" y="4291330"/>
+            <a:ext cx="483870" cy="471170"/>
+          </a:xfrm>
+          <a:prstGeom prst="rect">
+            <a:avLst/>
+          </a:prstGeom>
+          <a:solidFill>
+            <a:schemeClr val="accent4">
+              <a:lumMod val="20000"/>
+              <a:lumOff val="80000"/>
+            </a:schemeClr>
+          </a:solidFill>
+          <a:ln>
+            <a:solidFill>
+              <a:schemeClr val="tx1"/>
+            </a:solidFill>
+          </a:ln>
+        </p:spPr>
+        <p:style>
+          <a:lnRef idx="2">
+            <a:schemeClr val="accent1">
+              <a:lumMod val="75000"/>
+            </a:schemeClr>
+          </a:lnRef>
+          <a:fillRef idx="1">
+            <a:schemeClr val="accent1"/>
+          </a:fillRef>
+          <a:effectRef idx="0">
+            <a:srgbClr val="FFFFFF"/>
+          </a:effectRef>
+          <a:fontRef idx="minor">
+            <a:schemeClr val="lt1"/>
+          </a:fontRef>
+        </p:style>
+        <p:txBody>
+          <a:bodyPr rtlCol="0" anchor="ctr"/>
+          <a:p>
+            <a:pPr algn="ctr"/>
+            <a:endParaRPr lang="en-US" altLang="zh-CN">
+              <a:solidFill>
+                <a:schemeClr val="tx1"/>
+              </a:solidFill>
+            </a:endParaRPr>
+          </a:p>
+        </p:txBody>
+      </p:sp>
+      <p:sp>
+        <p:nvSpPr>
+          <p:cNvPr id="85" name="矩形 84"/>
+          <p:cNvSpPr/>
+          <p:nvPr>
+            <p:custDataLst>
+              <p:tags r:id="rId67"/>
+            </p:custDataLst>
+          </p:nvPr>
+        </p:nvSpPr>
+        <p:spPr>
+          <a:xfrm>
+            <a:off x="11720830" y="3820160"/>
+            <a:ext cx="460375" cy="471170"/>
+          </a:xfrm>
+          <a:prstGeom prst="rect">
+            <a:avLst/>
+          </a:prstGeom>
+          <a:solidFill>
+            <a:schemeClr val="bg1"/>
+          </a:solidFill>
+          <a:ln>
+            <a:solidFill>
+              <a:schemeClr val="tx1"/>
+            </a:solidFill>
+          </a:ln>
+        </p:spPr>
+        <p:style>
+          <a:lnRef idx="2">
+            <a:schemeClr val="accent1">
+              <a:lumMod val="75000"/>
+            </a:schemeClr>
+          </a:lnRef>
+          <a:fillRef idx="1">
+            <a:schemeClr val="accent1"/>
+          </a:fillRef>
+          <a:effectRef idx="0">
+            <a:srgbClr val="FFFFFF"/>
+          </a:effectRef>
+          <a:fontRef idx="minor">
+            <a:schemeClr val="lt1"/>
+          </a:fontRef>
+        </p:style>
+        <p:txBody>
+          <a:bodyPr rtlCol="0" anchor="ctr"/>
+          <a:p>
+            <a:pPr algn="ctr"/>
+            <a:r>
+              <a:rPr lang="en-US" altLang="zh-CN">
+                <a:solidFill>
+                  <a:schemeClr val="tx1"/>
+                </a:solidFill>
+              </a:rPr>
+              <a:t>23</a:t>
+            </a:r>
+            <a:endParaRPr lang="en-US" altLang="zh-CN">
+              <a:solidFill>
+                <a:schemeClr val="tx1"/>
+              </a:solidFill>
+            </a:endParaRPr>
+          </a:p>
+        </p:txBody>
+      </p:sp>
+      <p:cxnSp>
+        <p:nvCxnSpPr>
+          <p:cNvPr id="86" name="直接箭头连接符 85"/>
+          <p:cNvCxnSpPr>
+            <a:stCxn id="23" idx="2"/>
+            <a:endCxn id="50" idx="0"/>
+          </p:cNvCxnSpPr>
+          <p:nvPr/>
+        </p:nvCxnSpPr>
+        <p:spPr>
+          <a:xfrm flipH="1">
+            <a:off x="1338580" y="2510155"/>
+            <a:ext cx="3362960" cy="1310005"/>
+          </a:xfrm>
+          <a:prstGeom prst="straightConnector1">
+            <a:avLst/>
+          </a:prstGeom>
+          <a:ln>
+            <a:solidFill>
+              <a:schemeClr val="tx1"/>
+            </a:solidFill>
+            <a:tailEnd type="arrow"/>
+          </a:ln>
+        </p:spPr>
+        <p:style>
+          <a:lnRef idx="2">
+            <a:schemeClr val="accent1"/>
+          </a:lnRef>
+          <a:fillRef idx="0">
+            <a:srgbClr val="FFFFFF"/>
+          </a:fillRef>
+          <a:effectRef idx="0">
+            <a:srgbClr val="FFFFFF"/>
+          </a:effectRef>
+          <a:fontRef idx="minor">
+            <a:schemeClr val="tx1"/>
+          </a:fontRef>
+        </p:style>
+      </p:cxnSp>
+      <p:cxnSp>
+        <p:nvCxnSpPr>
+          <p:cNvPr id="87" name="直接箭头连接符 86"/>
+          <p:cNvCxnSpPr>
+            <a:stCxn id="24" idx="2"/>
+            <a:endCxn id="53" idx="0"/>
+          </p:cNvCxnSpPr>
+          <p:nvPr/>
+        </p:nvCxnSpPr>
+        <p:spPr>
+          <a:xfrm flipH="1">
+            <a:off x="2723515" y="2510155"/>
+            <a:ext cx="2438400" cy="1310005"/>
+          </a:xfrm>
+          <a:prstGeom prst="straightConnector1">
+            <a:avLst/>
+          </a:prstGeom>
+          <a:ln>
+            <a:solidFill>
+              <a:schemeClr val="tx1"/>
+            </a:solidFill>
+            <a:tailEnd type="arrow"/>
+          </a:ln>
+        </p:spPr>
+        <p:style>
+          <a:lnRef idx="2">
+            <a:schemeClr val="accent1"/>
+          </a:lnRef>
+          <a:fillRef idx="0">
+            <a:srgbClr val="FFFFFF"/>
+          </a:fillRef>
+          <a:effectRef idx="0">
+            <a:srgbClr val="FFFFFF"/>
+          </a:effectRef>
+          <a:fontRef idx="minor">
+            <a:schemeClr val="tx1"/>
+          </a:fontRef>
+        </p:style>
+      </p:cxnSp>
+      <p:cxnSp>
+        <p:nvCxnSpPr>
+          <p:cNvPr id="88" name="直接箭头连接符 87"/>
+          <p:cNvCxnSpPr>
+            <a:stCxn id="25" idx="2"/>
+            <a:endCxn id="59" idx="0"/>
+          </p:cNvCxnSpPr>
+          <p:nvPr/>
+        </p:nvCxnSpPr>
+        <p:spPr>
+          <a:xfrm flipH="1">
+            <a:off x="5493385" y="2510155"/>
+            <a:ext cx="128905" cy="1310005"/>
+          </a:xfrm>
+          <a:prstGeom prst="straightConnector1">
+            <a:avLst/>
+          </a:prstGeom>
+          <a:ln>
+            <a:solidFill>
+              <a:schemeClr val="tx1"/>
+            </a:solidFill>
+            <a:tailEnd type="arrow"/>
+          </a:ln>
+        </p:spPr>
+        <p:style>
+          <a:lnRef idx="2">
+            <a:schemeClr val="accent1"/>
+          </a:lnRef>
+          <a:fillRef idx="0">
+            <a:srgbClr val="FFFFFF"/>
+          </a:fillRef>
+          <a:effectRef idx="0">
+            <a:srgbClr val="FFFFFF"/>
+          </a:effectRef>
+          <a:fontRef idx="minor">
+            <a:schemeClr val="tx1"/>
+          </a:fontRef>
+        </p:style>
+      </p:cxnSp>
+      <p:cxnSp>
+        <p:nvCxnSpPr>
+          <p:cNvPr id="89" name="直接箭头连接符 88"/>
+          <p:cNvCxnSpPr>
+            <a:stCxn id="26" idx="2"/>
+            <a:endCxn id="63" idx="0"/>
+          </p:cNvCxnSpPr>
+          <p:nvPr/>
+        </p:nvCxnSpPr>
+        <p:spPr>
+          <a:xfrm>
+            <a:off x="6082665" y="2510155"/>
+            <a:ext cx="1257300" cy="1310005"/>
+          </a:xfrm>
+          <a:prstGeom prst="straightConnector1">
+            <a:avLst/>
+          </a:prstGeom>
+          <a:ln>
+            <a:solidFill>
+              <a:schemeClr val="tx1"/>
+            </a:solidFill>
+            <a:tailEnd type="arrow"/>
+          </a:ln>
+        </p:spPr>
+        <p:style>
+          <a:lnRef idx="2">
+            <a:schemeClr val="accent1"/>
+          </a:lnRef>
+          <a:fillRef idx="0">
+            <a:srgbClr val="FFFFFF"/>
+          </a:fillRef>
+          <a:effectRef idx="0">
+            <a:srgbClr val="FFFFFF"/>
+          </a:effectRef>
+          <a:fontRef idx="minor">
+            <a:schemeClr val="tx1"/>
+          </a:fontRef>
+        </p:style>
+      </p:cxnSp>
+      <p:cxnSp>
+        <p:nvCxnSpPr>
+          <p:cNvPr id="90" name="直接箭头连接符 89"/>
+          <p:cNvCxnSpPr>
+            <a:stCxn id="27" idx="2"/>
+            <a:endCxn id="65" idx="0"/>
+          </p:cNvCxnSpPr>
+          <p:nvPr/>
+        </p:nvCxnSpPr>
+        <p:spPr>
+          <a:xfrm>
+            <a:off x="6543040" y="2510155"/>
+            <a:ext cx="1720215" cy="1310005"/>
+          </a:xfrm>
+          <a:prstGeom prst="straightConnector1">
+            <a:avLst/>
+          </a:prstGeom>
+          <a:ln>
+            <a:solidFill>
+              <a:schemeClr val="tx1"/>
+            </a:solidFill>
+            <a:tailEnd type="arrow"/>
+          </a:ln>
+        </p:spPr>
+        <p:style>
+          <a:lnRef idx="2">
+            <a:schemeClr val="accent1"/>
+          </a:lnRef>
+          <a:fillRef idx="0">
+            <a:srgbClr val="FFFFFF"/>
+          </a:fillRef>
+          <a:effectRef idx="0">
+            <a:srgbClr val="FFFFFF"/>
+          </a:effectRef>
+          <a:fontRef idx="minor">
+            <a:schemeClr val="tx1"/>
+          </a:fontRef>
+        </p:style>
+      </p:cxnSp>
+      <p:cxnSp>
+        <p:nvCxnSpPr>
+          <p:cNvPr id="91" name="直接箭头连接符 90"/>
+          <p:cNvCxnSpPr>
+            <a:stCxn id="28" idx="2"/>
+            <a:endCxn id="66" idx="0"/>
+          </p:cNvCxnSpPr>
+          <p:nvPr/>
+        </p:nvCxnSpPr>
+        <p:spPr>
+          <a:xfrm>
+            <a:off x="7003415" y="2510155"/>
+            <a:ext cx="1721485" cy="1310005"/>
+          </a:xfrm>
+          <a:prstGeom prst="straightConnector1">
+            <a:avLst/>
+          </a:prstGeom>
+          <a:ln>
+            <a:solidFill>
+              <a:schemeClr val="tx1"/>
+            </a:solidFill>
+            <a:tailEnd type="arrow"/>
+          </a:ln>
+        </p:spPr>
+        <p:style>
+          <a:lnRef idx="2">
+            <a:schemeClr val="accent1"/>
+          </a:lnRef>
+          <a:fillRef idx="0">
+            <a:srgbClr val="FFFFFF"/>
+          </a:fillRef>
+          <a:effectRef idx="0">
+            <a:srgbClr val="FFFFFF"/>
+          </a:effectRef>
+          <a:fontRef idx="minor">
+            <a:schemeClr val="tx1"/>
+          </a:fontRef>
+        </p:style>
+      </p:cxnSp>
+      <p:cxnSp>
+        <p:nvCxnSpPr>
+          <p:cNvPr id="92" name="直接箭头连接符 91"/>
+          <p:cNvCxnSpPr>
+            <a:stCxn id="29" idx="2"/>
+            <a:endCxn id="69" idx="0"/>
+          </p:cNvCxnSpPr>
+          <p:nvPr/>
+        </p:nvCxnSpPr>
+        <p:spPr>
+          <a:xfrm>
+            <a:off x="7463790" y="2510155"/>
+            <a:ext cx="2646045" cy="1310005"/>
+          </a:xfrm>
+          <a:prstGeom prst="straightConnector1">
+            <a:avLst/>
+          </a:prstGeom>
+          <a:ln>
+            <a:solidFill>
+              <a:schemeClr val="tx1"/>
+            </a:solidFill>
+            <a:tailEnd type="arrow"/>
+          </a:ln>
+        </p:spPr>
+        <p:style>
+          <a:lnRef idx="2">
+            <a:schemeClr val="accent1"/>
+          </a:lnRef>
+          <a:fillRef idx="0">
+            <a:srgbClr val="FFFFFF"/>
+          </a:fillRef>
+          <a:effectRef idx="0">
+            <a:srgbClr val="FFFFFF"/>
+          </a:effectRef>
+          <a:fontRef idx="minor">
+            <a:schemeClr val="tx1"/>
+          </a:fontRef>
+        </p:style>
+      </p:cxnSp>
+      <p:cxnSp>
+        <p:nvCxnSpPr>
+          <p:cNvPr id="93" name="直接箭头连接符 92"/>
+          <p:cNvCxnSpPr>
+            <a:stCxn id="75" idx="2"/>
+            <a:endCxn id="79" idx="0"/>
+          </p:cNvCxnSpPr>
+          <p:nvPr/>
+        </p:nvCxnSpPr>
+        <p:spPr>
+          <a:xfrm>
+            <a:off x="7924165" y="2510155"/>
+            <a:ext cx="2646045" cy="1310005"/>
+          </a:xfrm>
+          <a:prstGeom prst="straightConnector1">
+            <a:avLst/>
+          </a:prstGeom>
+          <a:ln>
+            <a:solidFill>
+              <a:schemeClr val="tx1"/>
+            </a:solidFill>
+            <a:tailEnd type="arrow"/>
+          </a:ln>
+        </p:spPr>
+        <p:style>
+          <a:lnRef idx="2">
+            <a:schemeClr val="accent1"/>
+          </a:lnRef>
+          <a:fillRef idx="0">
+            <a:srgbClr val="FFFFFF"/>
+          </a:fillRef>
+          <a:effectRef idx="0">
+            <a:srgbClr val="FFFFFF"/>
+          </a:effectRef>
+          <a:fontRef idx="minor">
+            <a:schemeClr val="tx1"/>
+          </a:fontRef>
+        </p:style>
+      </p:cxnSp>
+      <p:cxnSp>
+        <p:nvCxnSpPr>
+          <p:cNvPr id="94" name="直接箭头连接符 93"/>
+          <p:cNvCxnSpPr>
+            <a:stCxn id="76" idx="2"/>
+            <a:endCxn id="79" idx="0"/>
+          </p:cNvCxnSpPr>
+          <p:nvPr/>
+        </p:nvCxnSpPr>
+        <p:spPr>
+          <a:xfrm>
+            <a:off x="8384540" y="2510155"/>
+            <a:ext cx="2185670" cy="1310005"/>
+          </a:xfrm>
+          <a:prstGeom prst="straightConnector1">
+            <a:avLst/>
+          </a:prstGeom>
+          <a:ln>
+            <a:solidFill>
+              <a:schemeClr val="tx1"/>
+            </a:solidFill>
+            <a:tailEnd type="arrow"/>
+          </a:ln>
+        </p:spPr>
+        <p:style>
+          <a:lnRef idx="2">
+            <a:schemeClr val="accent1"/>
+          </a:lnRef>
+          <a:fillRef idx="0">
+            <a:srgbClr val="FFFFFF"/>
+          </a:fillRef>
+          <a:effectRef idx="0">
+            <a:srgbClr val="FFFFFF"/>
+          </a:effectRef>
+          <a:fontRef idx="minor">
+            <a:schemeClr val="tx1"/>
+          </a:fontRef>
+        </p:style>
+      </p:cxnSp>
+      <p:cxnSp>
+        <p:nvCxnSpPr>
+          <p:cNvPr id="95" name="直接箭头连接符 94"/>
+          <p:cNvCxnSpPr>
+            <a:stCxn id="77" idx="2"/>
+            <a:endCxn id="85" idx="0"/>
+          </p:cNvCxnSpPr>
+          <p:nvPr/>
+        </p:nvCxnSpPr>
+        <p:spPr>
+          <a:xfrm>
+            <a:off x="8844915" y="2510155"/>
+            <a:ext cx="3106420" cy="1310005"/>
+          </a:xfrm>
+          <a:prstGeom prst="straightConnector1">
+            <a:avLst/>
+          </a:prstGeom>
+          <a:ln>
+            <a:solidFill>
+              <a:schemeClr val="tx1"/>
+            </a:solidFill>
+            <a:tailEnd type="arrow"/>
+          </a:ln>
+        </p:spPr>
+        <p:style>
+          <a:lnRef idx="2">
+            <a:schemeClr val="accent1"/>
+          </a:lnRef>
+          <a:fillRef idx="0">
+            <a:srgbClr val="FFFFFF"/>
+          </a:fillRef>
+          <a:effectRef idx="0">
+            <a:srgbClr val="FFFFFF"/>
+          </a:effectRef>
+          <a:fontRef idx="minor">
+            <a:schemeClr val="tx1"/>
+          </a:fontRef>
+        </p:style>
+      </p:cxnSp>
+      <p:sp>
+        <p:nvSpPr>
+          <p:cNvPr id="96" name="文本框 95"/>
+          <p:cNvSpPr txBox="1"/>
+          <p:nvPr/>
+        </p:nvSpPr>
+        <p:spPr>
+          <a:xfrm>
+            <a:off x="637540" y="2038985"/>
+            <a:ext cx="4064000" cy="953135"/>
+          </a:xfrm>
+          <a:prstGeom prst="rect">
+            <a:avLst/>
+          </a:prstGeom>
+          <a:noFill/>
+        </p:spPr>
+        <p:txBody>
+          <a:bodyPr wrap="square" rtlCol="0">
+            <a:spAutoFit/>
+          </a:bodyPr>
+          <a:p>
+            <a:r>
+              <a:rPr lang="en-US" altLang="zh-CN" sz="1400"/>
+              <a:t>// </a:t>
+            </a:r>
+            <a:r>
+              <a:rPr lang="zh-CN" altLang="en-US" sz="1400"/>
+              <a:t>前缀和，将“出现个数”转换为“数组索引”</a:t>
+            </a:r>
+            <a:endParaRPr lang="zh-CN" altLang="en-US" sz="1400"/>
+          </a:p>
+          <a:p>
+            <a:r>
+              <a:rPr lang="zh-CN" altLang="en-US" sz="1400"/>
+              <a:t>for (int i = 1; i &lt; count.length; i++) {</a:t>
+            </a:r>
+            <a:endParaRPr lang="zh-CN" altLang="en-US" sz="1400"/>
+          </a:p>
+          <a:p>
+            <a:r>
+              <a:rPr lang="zh-CN" altLang="en-US" sz="1400"/>
+              <a:t>     count[i] += count[i - 1];</a:t>
+            </a:r>
+            <a:endParaRPr lang="zh-CN" altLang="en-US" sz="1400"/>
+          </a:p>
+          <a:p>
+            <a:r>
+              <a:rPr lang="zh-CN" altLang="en-US" sz="1400"/>
+              <a:t>}</a:t>
+            </a:r>
+            <a:endParaRPr lang="zh-CN" altLang="en-US" sz="1400"/>
+          </a:p>
+        </p:txBody>
+      </p:sp>
+      <p:cxnSp>
+        <p:nvCxnSpPr>
+          <p:cNvPr id="98" name="直接箭头连接符 97"/>
+          <p:cNvCxnSpPr/>
+          <p:nvPr/>
+        </p:nvCxnSpPr>
+        <p:spPr>
+          <a:xfrm flipH="1">
+            <a:off x="11087735" y="3310255"/>
+            <a:ext cx="1046480" cy="0"/>
+          </a:xfrm>
+          <a:prstGeom prst="straightConnector1">
+            <a:avLst/>
+          </a:prstGeom>
+          <a:ln w="44450" cmpd="sng">
+            <a:solidFill>
+              <a:srgbClr val="CC0000"/>
+            </a:solidFill>
+            <a:prstDash val="solid"/>
+            <a:tailEnd type="arrow"/>
+          </a:ln>
+        </p:spPr>
+        <p:style>
+          <a:lnRef idx="2">
+            <a:schemeClr val="accent1"/>
+          </a:lnRef>
+          <a:fillRef idx="0">
+            <a:srgbClr val="FFFFFF"/>
+          </a:fillRef>
+          <a:effectRef idx="0">
+            <a:srgbClr val="FFFFFF"/>
+          </a:effectRef>
+          <a:fontRef idx="minor">
+            <a:schemeClr val="tx1"/>
+          </a:fontRef>
+        </p:style>
+      </p:cxnSp>
+      <p:sp>
+        <p:nvSpPr>
+          <p:cNvPr id="99" name="文本框 98"/>
+          <p:cNvSpPr txBox="1"/>
+          <p:nvPr/>
+        </p:nvSpPr>
+        <p:spPr>
+          <a:xfrm>
+            <a:off x="10377170" y="2406650"/>
+            <a:ext cx="1814830" cy="737235"/>
+          </a:xfrm>
+          <a:prstGeom prst="rect">
+            <a:avLst/>
+          </a:prstGeom>
+          <a:noFill/>
+        </p:spPr>
+        <p:txBody>
+          <a:bodyPr wrap="square" rtlCol="0">
+            <a:spAutoFit/>
+          </a:bodyPr>
+          <a:p>
+            <a:r>
+              <a:rPr lang="zh-CN" altLang="en-US" sz="1400"/>
+              <a:t>从后往前遍历原数组，根据位上的数字放入</a:t>
+            </a:r>
+            <a:r>
+              <a:rPr lang="zh-CN" altLang="en-US" sz="1400"/>
+              <a:t>临时数组中</a:t>
+            </a:r>
+            <a:endParaRPr lang="zh-CN" altLang="en-US" sz="1400"/>
+          </a:p>
+        </p:txBody>
+      </p:sp>
+      <p:sp>
+        <p:nvSpPr>
+          <p:cNvPr id="101" name="文本框 100"/>
+          <p:cNvSpPr txBox="1"/>
+          <p:nvPr/>
+        </p:nvSpPr>
+        <p:spPr>
+          <a:xfrm>
+            <a:off x="95250" y="4123055"/>
+            <a:ext cx="1257935" cy="337185"/>
+          </a:xfrm>
+          <a:prstGeom prst="rect">
+            <a:avLst/>
+          </a:prstGeom>
+          <a:noFill/>
+        </p:spPr>
+        <p:txBody>
+          <a:bodyPr wrap="square" rtlCol="0">
+            <a:spAutoFit/>
+          </a:bodyPr>
+          <a:p>
+            <a:r>
+              <a:rPr lang="en-US" altLang="zh-CN" sz="1600">
+                <a:latin typeface="Times New Roman Regular" panose="02020503050405090304" charset="0"/>
+                <a:cs typeface="Times New Roman Regular" panose="02020503050405090304" charset="0"/>
+              </a:rPr>
+              <a:t>int[] temp</a:t>
+            </a:r>
+            <a:endParaRPr lang="en-US" altLang="zh-CN" sz="1600">
+              <a:latin typeface="Times New Roman Regular" panose="02020503050405090304" charset="0"/>
+              <a:cs typeface="Times New Roman Regular" panose="02020503050405090304" charset="0"/>
+            </a:endParaRPr>
+          </a:p>
+        </p:txBody>
+      </p:sp>
+      <p:sp>
+        <p:nvSpPr>
+          <p:cNvPr id="102" name="矩形 101"/>
+          <p:cNvSpPr/>
+          <p:nvPr>
+            <p:custDataLst>
+              <p:tags r:id="rId68"/>
+            </p:custDataLst>
+          </p:nvPr>
+        </p:nvSpPr>
+        <p:spPr>
+          <a:xfrm>
+            <a:off x="1061085" y="6003925"/>
+            <a:ext cx="460375" cy="471170"/>
+          </a:xfrm>
+          <a:prstGeom prst="rect">
+            <a:avLst/>
+          </a:prstGeom>
+          <a:solidFill>
+            <a:schemeClr val="accent4">
+              <a:lumMod val="40000"/>
+              <a:lumOff val="60000"/>
+            </a:schemeClr>
+          </a:solidFill>
+          <a:ln>
+            <a:solidFill>
+              <a:schemeClr val="tx1"/>
+            </a:solidFill>
+          </a:ln>
+        </p:spPr>
+        <p:style>
+          <a:lnRef idx="2">
+            <a:schemeClr val="accent1">
+              <a:lumMod val="75000"/>
+            </a:schemeClr>
+          </a:lnRef>
+          <a:fillRef idx="1">
+            <a:schemeClr val="accent1"/>
+          </a:fillRef>
+          <a:effectRef idx="0">
+            <a:srgbClr val="FFFFFF"/>
+          </a:effectRef>
+          <a:fontRef idx="minor">
+            <a:schemeClr val="lt1"/>
+          </a:fontRef>
+        </p:style>
+        <p:txBody>
+          <a:bodyPr rtlCol="0" anchor="ctr"/>
+          <a:p>
+            <a:pPr algn="ctr"/>
+            <a:endParaRPr lang="en-US" altLang="zh-CN">
+              <a:solidFill>
+                <a:schemeClr val="tx1"/>
+              </a:solidFill>
+            </a:endParaRPr>
+          </a:p>
+        </p:txBody>
+      </p:sp>
+      <p:sp>
+        <p:nvSpPr>
+          <p:cNvPr id="103" name="矩形 102"/>
+          <p:cNvSpPr/>
+          <p:nvPr>
+            <p:custDataLst>
+              <p:tags r:id="rId69"/>
+            </p:custDataLst>
+          </p:nvPr>
+        </p:nvSpPr>
+        <p:spPr>
+          <a:xfrm>
+            <a:off x="1521460" y="6003925"/>
+            <a:ext cx="460375" cy="471170"/>
+          </a:xfrm>
+          <a:prstGeom prst="rect">
+            <a:avLst/>
+          </a:prstGeom>
+          <a:solidFill>
+            <a:schemeClr val="accent4">
+              <a:lumMod val="40000"/>
+              <a:lumOff val="60000"/>
+            </a:schemeClr>
+          </a:solidFill>
+          <a:ln>
+            <a:solidFill>
+              <a:schemeClr val="tx1"/>
+            </a:solidFill>
+          </a:ln>
+        </p:spPr>
+        <p:style>
+          <a:lnRef idx="2">
+            <a:schemeClr val="accent1">
+              <a:lumMod val="75000"/>
+            </a:schemeClr>
+          </a:lnRef>
+          <a:fillRef idx="1">
+            <a:schemeClr val="accent1"/>
+          </a:fillRef>
+          <a:effectRef idx="0">
+            <a:srgbClr val="FFFFFF"/>
+          </a:effectRef>
+          <a:fontRef idx="minor">
+            <a:schemeClr val="lt1"/>
+          </a:fontRef>
+        </p:style>
+        <p:txBody>
+          <a:bodyPr rtlCol="0" anchor="ctr"/>
+          <a:p>
+            <a:pPr algn="ctr"/>
+            <a:endParaRPr lang="en-US" altLang="zh-CN">
+              <a:solidFill>
+                <a:schemeClr val="tx1"/>
+              </a:solidFill>
+            </a:endParaRPr>
+          </a:p>
+        </p:txBody>
+      </p:sp>
+      <p:sp>
+        <p:nvSpPr>
+          <p:cNvPr id="104" name="矩形 103"/>
+          <p:cNvSpPr/>
+          <p:nvPr>
+            <p:custDataLst>
+              <p:tags r:id="rId70"/>
+            </p:custDataLst>
+          </p:nvPr>
+        </p:nvSpPr>
+        <p:spPr>
+          <a:xfrm>
+            <a:off x="1981835" y="6003925"/>
+            <a:ext cx="460375" cy="471170"/>
+          </a:xfrm>
+          <a:prstGeom prst="rect">
+            <a:avLst/>
+          </a:prstGeom>
+          <a:solidFill>
+            <a:schemeClr val="accent4">
+              <a:lumMod val="40000"/>
+              <a:lumOff val="60000"/>
+            </a:schemeClr>
+          </a:solidFill>
+          <a:ln>
+            <a:solidFill>
+              <a:schemeClr val="tx1"/>
+            </a:solidFill>
+          </a:ln>
+        </p:spPr>
+        <p:style>
+          <a:lnRef idx="2">
+            <a:schemeClr val="accent1">
+              <a:lumMod val="75000"/>
+            </a:schemeClr>
+          </a:lnRef>
+          <a:fillRef idx="1">
+            <a:schemeClr val="accent1"/>
+          </a:fillRef>
+          <a:effectRef idx="0">
+            <a:srgbClr val="FFFFFF"/>
+          </a:effectRef>
+          <a:fontRef idx="minor">
+            <a:schemeClr val="lt1"/>
+          </a:fontRef>
+        </p:style>
+        <p:txBody>
+          <a:bodyPr rtlCol="0" anchor="ctr"/>
+          <a:p>
+            <a:pPr algn="ctr"/>
+            <a:endParaRPr lang="en-US" altLang="zh-CN">
+              <a:solidFill>
+                <a:schemeClr val="tx1"/>
+              </a:solidFill>
+            </a:endParaRPr>
+          </a:p>
+        </p:txBody>
+      </p:sp>
+      <p:sp>
+        <p:nvSpPr>
+          <p:cNvPr id="105" name="矩形 104"/>
+          <p:cNvSpPr/>
+          <p:nvPr>
+            <p:custDataLst>
+              <p:tags r:id="rId71"/>
+            </p:custDataLst>
+          </p:nvPr>
+        </p:nvSpPr>
+        <p:spPr>
+          <a:xfrm>
+            <a:off x="2442210" y="6003925"/>
+            <a:ext cx="460375" cy="471170"/>
+          </a:xfrm>
+          <a:prstGeom prst="rect">
+            <a:avLst/>
+          </a:prstGeom>
+          <a:solidFill>
+            <a:schemeClr val="accent4">
+              <a:lumMod val="40000"/>
+              <a:lumOff val="60000"/>
+            </a:schemeClr>
+          </a:solidFill>
+          <a:ln>
+            <a:solidFill>
+              <a:schemeClr val="tx1"/>
+            </a:solidFill>
+          </a:ln>
+        </p:spPr>
+        <p:style>
+          <a:lnRef idx="2">
+            <a:schemeClr val="accent1">
+              <a:lumMod val="75000"/>
+            </a:schemeClr>
+          </a:lnRef>
+          <a:fillRef idx="1">
+            <a:schemeClr val="accent1"/>
+          </a:fillRef>
+          <a:effectRef idx="0">
+            <a:srgbClr val="FFFFFF"/>
+          </a:effectRef>
+          <a:fontRef idx="minor">
+            <a:schemeClr val="lt1"/>
+          </a:fontRef>
+        </p:style>
+        <p:txBody>
+          <a:bodyPr rtlCol="0" anchor="ctr"/>
+          <a:p>
+            <a:pPr algn="ctr"/>
+            <a:endParaRPr lang="en-US" altLang="zh-CN">
+              <a:solidFill>
+                <a:schemeClr val="tx1"/>
+              </a:solidFill>
+            </a:endParaRPr>
+          </a:p>
+        </p:txBody>
+      </p:sp>
+      <p:sp>
+        <p:nvSpPr>
+          <p:cNvPr id="106" name="矩形 105"/>
+          <p:cNvSpPr/>
+          <p:nvPr>
+            <p:custDataLst>
+              <p:tags r:id="rId72"/>
+            </p:custDataLst>
+          </p:nvPr>
+        </p:nvSpPr>
+        <p:spPr>
+          <a:xfrm>
+            <a:off x="2902585" y="6003925"/>
+            <a:ext cx="460375" cy="471170"/>
+          </a:xfrm>
+          <a:prstGeom prst="rect">
+            <a:avLst/>
+          </a:prstGeom>
+          <a:solidFill>
+            <a:schemeClr val="accent4">
+              <a:lumMod val="40000"/>
+              <a:lumOff val="60000"/>
+            </a:schemeClr>
+          </a:solidFill>
+          <a:ln>
+            <a:solidFill>
+              <a:schemeClr val="tx1"/>
+            </a:solidFill>
+          </a:ln>
+        </p:spPr>
+        <p:style>
+          <a:lnRef idx="2">
+            <a:schemeClr val="accent1">
+              <a:lumMod val="75000"/>
+            </a:schemeClr>
+          </a:lnRef>
+          <a:fillRef idx="1">
+            <a:schemeClr val="accent1"/>
+          </a:fillRef>
+          <a:effectRef idx="0">
+            <a:srgbClr val="FFFFFF"/>
+          </a:effectRef>
+          <a:fontRef idx="minor">
+            <a:schemeClr val="lt1"/>
+          </a:fontRef>
+        </p:style>
+        <p:txBody>
+          <a:bodyPr rtlCol="0" anchor="ctr"/>
+          <a:p>
+            <a:pPr algn="ctr"/>
+            <a:endParaRPr lang="en-US" altLang="zh-CN">
+              <a:solidFill>
+                <a:schemeClr val="tx1"/>
+              </a:solidFill>
+            </a:endParaRPr>
+          </a:p>
+        </p:txBody>
+      </p:sp>
+      <p:sp>
+        <p:nvSpPr>
+          <p:cNvPr id="107" name="矩形 106"/>
+          <p:cNvSpPr/>
+          <p:nvPr>
+            <p:custDataLst>
+              <p:tags r:id="rId73"/>
+            </p:custDataLst>
+          </p:nvPr>
+        </p:nvSpPr>
+        <p:spPr>
+          <a:xfrm>
+            <a:off x="3362960" y="6003925"/>
+            <a:ext cx="460375" cy="471170"/>
+          </a:xfrm>
+          <a:prstGeom prst="rect">
+            <a:avLst/>
+          </a:prstGeom>
+          <a:solidFill>
+            <a:schemeClr val="accent4">
+              <a:lumMod val="40000"/>
+              <a:lumOff val="60000"/>
+            </a:schemeClr>
+          </a:solidFill>
+          <a:ln>
+            <a:solidFill>
+              <a:schemeClr val="tx1"/>
+            </a:solidFill>
+          </a:ln>
+        </p:spPr>
+        <p:style>
+          <a:lnRef idx="2">
+            <a:schemeClr val="accent1">
+              <a:lumMod val="75000"/>
+            </a:schemeClr>
+          </a:lnRef>
+          <a:fillRef idx="1">
+            <a:schemeClr val="accent1"/>
+          </a:fillRef>
+          <a:effectRef idx="0">
+            <a:srgbClr val="FFFFFF"/>
+          </a:effectRef>
+          <a:fontRef idx="minor">
+            <a:schemeClr val="lt1"/>
+          </a:fontRef>
+        </p:style>
+        <p:txBody>
+          <a:bodyPr rtlCol="0" anchor="ctr"/>
+          <a:p>
+            <a:pPr algn="ctr"/>
+            <a:endParaRPr lang="en-US" altLang="zh-CN">
+              <a:solidFill>
+                <a:schemeClr val="tx1"/>
+              </a:solidFill>
+            </a:endParaRPr>
+          </a:p>
+        </p:txBody>
+      </p:sp>
+      <p:sp>
+        <p:nvSpPr>
+          <p:cNvPr id="108" name="矩形 107"/>
+          <p:cNvSpPr/>
+          <p:nvPr>
+            <p:custDataLst>
+              <p:tags r:id="rId74"/>
+            </p:custDataLst>
+          </p:nvPr>
+        </p:nvSpPr>
+        <p:spPr>
+          <a:xfrm>
+            <a:off x="3823335" y="6003925"/>
+            <a:ext cx="460375" cy="471170"/>
+          </a:xfrm>
+          <a:prstGeom prst="rect">
+            <a:avLst/>
+          </a:prstGeom>
+          <a:solidFill>
+            <a:schemeClr val="accent4">
+              <a:lumMod val="40000"/>
+              <a:lumOff val="60000"/>
+            </a:schemeClr>
+          </a:solidFill>
+          <a:ln>
+            <a:solidFill>
+              <a:schemeClr val="tx1"/>
+            </a:solidFill>
+          </a:ln>
+        </p:spPr>
+        <p:style>
+          <a:lnRef idx="2">
+            <a:schemeClr val="accent1">
+              <a:lumMod val="75000"/>
+            </a:schemeClr>
+          </a:lnRef>
+          <a:fillRef idx="1">
+            <a:schemeClr val="accent1"/>
+          </a:fillRef>
+          <a:effectRef idx="0">
+            <a:srgbClr val="FFFFFF"/>
+          </a:effectRef>
+          <a:fontRef idx="minor">
+            <a:schemeClr val="lt1"/>
+          </a:fontRef>
+        </p:style>
+        <p:txBody>
+          <a:bodyPr rtlCol="0" anchor="ctr"/>
+          <a:p>
+            <a:pPr algn="ctr"/>
+            <a:endParaRPr lang="en-US" altLang="zh-CN">
+              <a:solidFill>
+                <a:schemeClr val="tx1"/>
+              </a:solidFill>
+            </a:endParaRPr>
+          </a:p>
+        </p:txBody>
+      </p:sp>
+      <p:sp>
+        <p:nvSpPr>
+          <p:cNvPr id="109" name="矩形 108"/>
+          <p:cNvSpPr/>
+          <p:nvPr>
+            <p:custDataLst>
+              <p:tags r:id="rId75"/>
+            </p:custDataLst>
+          </p:nvPr>
+        </p:nvSpPr>
+        <p:spPr>
+          <a:xfrm>
+            <a:off x="4283710" y="6003925"/>
+            <a:ext cx="460375" cy="471170"/>
+          </a:xfrm>
+          <a:prstGeom prst="rect">
+            <a:avLst/>
+          </a:prstGeom>
+          <a:solidFill>
+            <a:schemeClr val="accent4">
+              <a:lumMod val="40000"/>
+              <a:lumOff val="60000"/>
+            </a:schemeClr>
+          </a:solidFill>
+          <a:ln>
+            <a:solidFill>
+              <a:schemeClr val="tx1"/>
+            </a:solidFill>
+          </a:ln>
+        </p:spPr>
+        <p:style>
+          <a:lnRef idx="2">
+            <a:schemeClr val="accent1">
+              <a:lumMod val="75000"/>
+            </a:schemeClr>
+          </a:lnRef>
+          <a:fillRef idx="1">
+            <a:schemeClr val="accent1"/>
+          </a:fillRef>
+          <a:effectRef idx="0">
+            <a:srgbClr val="FFFFFF"/>
+          </a:effectRef>
+          <a:fontRef idx="minor">
+            <a:schemeClr val="lt1"/>
+          </a:fontRef>
+        </p:style>
+        <p:txBody>
+          <a:bodyPr rtlCol="0" anchor="ctr"/>
+          <a:p>
+            <a:pPr algn="ctr"/>
+            <a:endParaRPr lang="en-US" altLang="zh-CN">
+              <a:solidFill>
+                <a:schemeClr val="tx1"/>
+              </a:solidFill>
+            </a:endParaRPr>
+          </a:p>
+        </p:txBody>
+      </p:sp>
+      <p:sp>
+        <p:nvSpPr>
+          <p:cNvPr id="110" name="矩形 109"/>
+          <p:cNvSpPr/>
+          <p:nvPr>
+            <p:custDataLst>
+              <p:tags r:id="rId76"/>
+            </p:custDataLst>
+          </p:nvPr>
+        </p:nvSpPr>
+        <p:spPr>
+          <a:xfrm>
+            <a:off x="4744085" y="6003925"/>
+            <a:ext cx="460375" cy="471170"/>
+          </a:xfrm>
+          <a:prstGeom prst="rect">
+            <a:avLst/>
+          </a:prstGeom>
+          <a:solidFill>
+            <a:schemeClr val="accent4">
+              <a:lumMod val="40000"/>
+              <a:lumOff val="60000"/>
+            </a:schemeClr>
+          </a:solidFill>
+          <a:ln>
+            <a:solidFill>
+              <a:schemeClr val="tx1"/>
+            </a:solidFill>
+          </a:ln>
+        </p:spPr>
+        <p:style>
+          <a:lnRef idx="2">
+            <a:schemeClr val="accent1">
+              <a:lumMod val="75000"/>
+            </a:schemeClr>
+          </a:lnRef>
+          <a:fillRef idx="1">
+            <a:schemeClr val="accent1"/>
+          </a:fillRef>
+          <a:effectRef idx="0">
+            <a:srgbClr val="FFFFFF"/>
+          </a:effectRef>
+          <a:fontRef idx="minor">
+            <a:schemeClr val="lt1"/>
+          </a:fontRef>
+        </p:style>
+        <p:txBody>
+          <a:bodyPr rtlCol="0" anchor="ctr"/>
+          <a:p>
+            <a:pPr algn="ctr"/>
+            <a:endParaRPr lang="en-US" altLang="zh-CN">
+              <a:solidFill>
+                <a:schemeClr val="tx1"/>
+              </a:solidFill>
+            </a:endParaRPr>
+          </a:p>
+        </p:txBody>
+      </p:sp>
+      <p:sp>
+        <p:nvSpPr>
+          <p:cNvPr id="111" name="矩形 110"/>
+          <p:cNvSpPr/>
+          <p:nvPr>
+            <p:custDataLst>
+              <p:tags r:id="rId77"/>
+            </p:custDataLst>
+          </p:nvPr>
+        </p:nvSpPr>
+        <p:spPr>
+          <a:xfrm>
+            <a:off x="5204460" y="6003925"/>
+            <a:ext cx="460375" cy="471170"/>
+          </a:xfrm>
+          <a:prstGeom prst="rect">
+            <a:avLst/>
+          </a:prstGeom>
+          <a:solidFill>
+            <a:schemeClr val="accent4">
+              <a:lumMod val="40000"/>
+              <a:lumOff val="60000"/>
+            </a:schemeClr>
+          </a:solidFill>
+          <a:ln>
+            <a:solidFill>
+              <a:schemeClr val="tx1"/>
+            </a:solidFill>
+          </a:ln>
+        </p:spPr>
+        <p:style>
+          <a:lnRef idx="2">
+            <a:schemeClr val="accent1">
+              <a:lumMod val="75000"/>
+            </a:schemeClr>
+          </a:lnRef>
+          <a:fillRef idx="1">
+            <a:schemeClr val="accent1"/>
+          </a:fillRef>
+          <a:effectRef idx="0">
+            <a:srgbClr val="FFFFFF"/>
+          </a:effectRef>
+          <a:fontRef idx="minor">
+            <a:schemeClr val="lt1"/>
+          </a:fontRef>
+        </p:style>
+        <p:txBody>
+          <a:bodyPr rtlCol="0" anchor="ctr"/>
+          <a:p>
+            <a:pPr algn="ctr"/>
+            <a:endParaRPr lang="en-US" altLang="zh-CN">
+              <a:solidFill>
+                <a:schemeClr val="tx1"/>
+              </a:solidFill>
+            </a:endParaRPr>
+          </a:p>
+        </p:txBody>
+      </p:sp>
+      <p:sp>
+        <p:nvSpPr>
+          <p:cNvPr id="112" name="矩形 111"/>
+          <p:cNvSpPr/>
+          <p:nvPr>
+            <p:custDataLst>
+              <p:tags r:id="rId78"/>
+            </p:custDataLst>
+          </p:nvPr>
+        </p:nvSpPr>
+        <p:spPr>
+          <a:xfrm>
+            <a:off x="5664835" y="6003925"/>
+            <a:ext cx="460375" cy="471170"/>
+          </a:xfrm>
+          <a:prstGeom prst="rect">
+            <a:avLst/>
+          </a:prstGeom>
+          <a:solidFill>
+            <a:schemeClr val="accent4">
+              <a:lumMod val="40000"/>
+              <a:lumOff val="60000"/>
+            </a:schemeClr>
+          </a:solidFill>
+          <a:ln>
+            <a:solidFill>
+              <a:schemeClr val="tx1"/>
+            </a:solidFill>
+          </a:ln>
+        </p:spPr>
+        <p:style>
+          <a:lnRef idx="2">
+            <a:schemeClr val="accent1">
+              <a:lumMod val="75000"/>
+            </a:schemeClr>
+          </a:lnRef>
+          <a:fillRef idx="1">
+            <a:schemeClr val="accent1"/>
+          </a:fillRef>
+          <a:effectRef idx="0">
+            <a:srgbClr val="FFFFFF"/>
+          </a:effectRef>
+          <a:fontRef idx="minor">
+            <a:schemeClr val="lt1"/>
+          </a:fontRef>
+        </p:style>
+        <p:txBody>
+          <a:bodyPr rtlCol="0" anchor="ctr"/>
+          <a:p>
+            <a:pPr algn="ctr"/>
+            <a:endParaRPr lang="en-US" altLang="zh-CN">
+              <a:solidFill>
+                <a:schemeClr val="tx1"/>
+              </a:solidFill>
+            </a:endParaRPr>
+          </a:p>
+        </p:txBody>
+      </p:sp>
+      <p:sp>
+        <p:nvSpPr>
+          <p:cNvPr id="113" name="矩形 112"/>
+          <p:cNvSpPr/>
+          <p:nvPr>
+            <p:custDataLst>
+              <p:tags r:id="rId79"/>
+            </p:custDataLst>
+          </p:nvPr>
+        </p:nvSpPr>
+        <p:spPr>
+          <a:xfrm>
+            <a:off x="6125210" y="6003925"/>
+            <a:ext cx="460375" cy="471170"/>
+          </a:xfrm>
+          <a:prstGeom prst="rect">
+            <a:avLst/>
+          </a:prstGeom>
+          <a:solidFill>
+            <a:schemeClr val="accent4">
+              <a:lumMod val="40000"/>
+              <a:lumOff val="60000"/>
+            </a:schemeClr>
+          </a:solidFill>
+          <a:ln>
+            <a:solidFill>
+              <a:schemeClr val="tx1"/>
+            </a:solidFill>
+          </a:ln>
+        </p:spPr>
+        <p:style>
+          <a:lnRef idx="2">
+            <a:schemeClr val="accent1">
+              <a:lumMod val="75000"/>
+            </a:schemeClr>
+          </a:lnRef>
+          <a:fillRef idx="1">
+            <a:schemeClr val="accent1"/>
+          </a:fillRef>
+          <a:effectRef idx="0">
+            <a:srgbClr val="FFFFFF"/>
+          </a:effectRef>
+          <a:fontRef idx="minor">
+            <a:schemeClr val="lt1"/>
+          </a:fontRef>
+        </p:style>
+        <p:txBody>
+          <a:bodyPr rtlCol="0" anchor="ctr"/>
+          <a:p>
+            <a:pPr algn="ctr"/>
+            <a:endParaRPr lang="en-US" altLang="zh-CN">
+              <a:solidFill>
+                <a:schemeClr val="tx1"/>
+              </a:solidFill>
+            </a:endParaRPr>
+          </a:p>
+        </p:txBody>
+      </p:sp>
+      <p:sp>
+        <p:nvSpPr>
+          <p:cNvPr id="114" name="矩形 113"/>
+          <p:cNvSpPr/>
+          <p:nvPr>
+            <p:custDataLst>
+              <p:tags r:id="rId80"/>
+            </p:custDataLst>
+          </p:nvPr>
+        </p:nvSpPr>
+        <p:spPr>
+          <a:xfrm>
+            <a:off x="6585585" y="6003925"/>
+            <a:ext cx="460375" cy="471170"/>
+          </a:xfrm>
+          <a:prstGeom prst="rect">
+            <a:avLst/>
+          </a:prstGeom>
+          <a:solidFill>
+            <a:schemeClr val="accent4">
+              <a:lumMod val="40000"/>
+              <a:lumOff val="60000"/>
+            </a:schemeClr>
+          </a:solidFill>
+          <a:ln>
+            <a:solidFill>
+              <a:schemeClr val="tx1"/>
+            </a:solidFill>
+          </a:ln>
+        </p:spPr>
+        <p:style>
+          <a:lnRef idx="2">
+            <a:schemeClr val="accent1">
+              <a:lumMod val="75000"/>
+            </a:schemeClr>
+          </a:lnRef>
+          <a:fillRef idx="1">
+            <a:schemeClr val="accent1"/>
+          </a:fillRef>
+          <a:effectRef idx="0">
+            <a:srgbClr val="FFFFFF"/>
+          </a:effectRef>
+          <a:fontRef idx="minor">
+            <a:schemeClr val="lt1"/>
+          </a:fontRef>
+        </p:style>
+        <p:txBody>
+          <a:bodyPr rtlCol="0" anchor="ctr"/>
+          <a:p>
+            <a:pPr algn="ctr"/>
+            <a:endParaRPr lang="en-US" altLang="zh-CN">
+              <a:solidFill>
+                <a:schemeClr val="tx1"/>
+              </a:solidFill>
+            </a:endParaRPr>
+          </a:p>
+        </p:txBody>
+      </p:sp>
+      <p:sp>
+        <p:nvSpPr>
+          <p:cNvPr id="115" name="矩形 114"/>
+          <p:cNvSpPr/>
+          <p:nvPr>
+            <p:custDataLst>
+              <p:tags r:id="rId81"/>
+            </p:custDataLst>
+          </p:nvPr>
+        </p:nvSpPr>
+        <p:spPr>
+          <a:xfrm>
+            <a:off x="7045960" y="6003925"/>
+            <a:ext cx="460375" cy="471170"/>
+          </a:xfrm>
+          <a:prstGeom prst="rect">
+            <a:avLst/>
+          </a:prstGeom>
+          <a:solidFill>
+            <a:schemeClr val="accent4">
+              <a:lumMod val="40000"/>
+              <a:lumOff val="60000"/>
+            </a:schemeClr>
+          </a:solidFill>
+          <a:ln>
+            <a:solidFill>
+              <a:schemeClr val="tx1"/>
+            </a:solidFill>
+          </a:ln>
+        </p:spPr>
+        <p:style>
+          <a:lnRef idx="2">
+            <a:schemeClr val="accent1">
+              <a:lumMod val="75000"/>
+            </a:schemeClr>
+          </a:lnRef>
+          <a:fillRef idx="1">
+            <a:schemeClr val="accent1"/>
+          </a:fillRef>
+          <a:effectRef idx="0">
+            <a:srgbClr val="FFFFFF"/>
+          </a:effectRef>
+          <a:fontRef idx="minor">
+            <a:schemeClr val="lt1"/>
+          </a:fontRef>
+        </p:style>
+        <p:txBody>
+          <a:bodyPr rtlCol="0" anchor="ctr"/>
+          <a:p>
+            <a:pPr algn="ctr"/>
+            <a:endParaRPr lang="en-US" altLang="zh-CN">
+              <a:solidFill>
+                <a:schemeClr val="tx1"/>
+              </a:solidFill>
+            </a:endParaRPr>
+          </a:p>
+        </p:txBody>
+      </p:sp>
+      <p:sp>
+        <p:nvSpPr>
+          <p:cNvPr id="116" name="矩形 115"/>
+          <p:cNvSpPr/>
+          <p:nvPr>
+            <p:custDataLst>
+              <p:tags r:id="rId82"/>
+            </p:custDataLst>
+          </p:nvPr>
+        </p:nvSpPr>
+        <p:spPr>
+          <a:xfrm>
+            <a:off x="7506335" y="6003925"/>
+            <a:ext cx="460375" cy="471170"/>
+          </a:xfrm>
+          <a:prstGeom prst="rect">
+            <a:avLst/>
+          </a:prstGeom>
+          <a:solidFill>
+            <a:schemeClr val="accent4">
+              <a:lumMod val="40000"/>
+              <a:lumOff val="60000"/>
+            </a:schemeClr>
+          </a:solidFill>
+          <a:ln>
+            <a:solidFill>
+              <a:schemeClr val="tx1"/>
+            </a:solidFill>
+          </a:ln>
+        </p:spPr>
+        <p:style>
+          <a:lnRef idx="2">
+            <a:schemeClr val="accent1">
+              <a:lumMod val="75000"/>
+            </a:schemeClr>
+          </a:lnRef>
+          <a:fillRef idx="1">
+            <a:schemeClr val="accent1"/>
+          </a:fillRef>
+          <a:effectRef idx="0">
+            <a:srgbClr val="FFFFFF"/>
+          </a:effectRef>
+          <a:fontRef idx="minor">
+            <a:schemeClr val="lt1"/>
+          </a:fontRef>
+        </p:style>
+        <p:txBody>
+          <a:bodyPr rtlCol="0" anchor="ctr"/>
+          <a:p>
+            <a:pPr algn="ctr"/>
+            <a:endParaRPr lang="en-US" altLang="zh-CN">
+              <a:solidFill>
+                <a:schemeClr val="tx1"/>
+              </a:solidFill>
+            </a:endParaRPr>
+          </a:p>
+        </p:txBody>
+      </p:sp>
+      <p:sp>
+        <p:nvSpPr>
+          <p:cNvPr id="117" name="矩形 116"/>
+          <p:cNvSpPr/>
+          <p:nvPr>
+            <p:custDataLst>
+              <p:tags r:id="rId83"/>
+            </p:custDataLst>
+          </p:nvPr>
+        </p:nvSpPr>
+        <p:spPr>
+          <a:xfrm>
+            <a:off x="7966710" y="6003925"/>
+            <a:ext cx="460375" cy="471170"/>
+          </a:xfrm>
+          <a:prstGeom prst="rect">
+            <a:avLst/>
+          </a:prstGeom>
+          <a:solidFill>
+            <a:schemeClr val="accent4">
+              <a:lumMod val="40000"/>
+              <a:lumOff val="60000"/>
+            </a:schemeClr>
+          </a:solidFill>
+          <a:ln>
+            <a:solidFill>
+              <a:schemeClr val="tx1"/>
+            </a:solidFill>
+          </a:ln>
+        </p:spPr>
+        <p:style>
+          <a:lnRef idx="2">
+            <a:schemeClr val="accent1">
+              <a:lumMod val="75000"/>
+            </a:schemeClr>
+          </a:lnRef>
+          <a:fillRef idx="1">
+            <a:schemeClr val="accent1"/>
+          </a:fillRef>
+          <a:effectRef idx="0">
+            <a:srgbClr val="FFFFFF"/>
+          </a:effectRef>
+          <a:fontRef idx="minor">
+            <a:schemeClr val="lt1"/>
+          </a:fontRef>
+        </p:style>
+        <p:txBody>
+          <a:bodyPr rtlCol="0" anchor="ctr"/>
+          <a:p>
+            <a:pPr algn="ctr"/>
+            <a:endParaRPr lang="en-US" altLang="zh-CN">
+              <a:solidFill>
+                <a:schemeClr val="tx1"/>
+              </a:solidFill>
+            </a:endParaRPr>
+          </a:p>
+        </p:txBody>
+      </p:sp>
+      <p:sp>
+        <p:nvSpPr>
+          <p:cNvPr id="118" name="矩形 117"/>
+          <p:cNvSpPr/>
+          <p:nvPr>
+            <p:custDataLst>
+              <p:tags r:id="rId84"/>
+            </p:custDataLst>
+          </p:nvPr>
+        </p:nvSpPr>
+        <p:spPr>
+          <a:xfrm>
+            <a:off x="8427085" y="6003925"/>
+            <a:ext cx="460375" cy="471170"/>
+          </a:xfrm>
+          <a:prstGeom prst="rect">
+            <a:avLst/>
+          </a:prstGeom>
+          <a:solidFill>
+            <a:schemeClr val="accent4">
+              <a:lumMod val="40000"/>
+              <a:lumOff val="60000"/>
+            </a:schemeClr>
+          </a:solidFill>
+          <a:ln>
+            <a:solidFill>
+              <a:schemeClr val="tx1"/>
+            </a:solidFill>
+          </a:ln>
+        </p:spPr>
+        <p:style>
+          <a:lnRef idx="2">
+            <a:schemeClr val="accent1">
+              <a:lumMod val="75000"/>
+            </a:schemeClr>
+          </a:lnRef>
+          <a:fillRef idx="1">
+            <a:schemeClr val="accent1"/>
+          </a:fillRef>
+          <a:effectRef idx="0">
+            <a:srgbClr val="FFFFFF"/>
+          </a:effectRef>
+          <a:fontRef idx="minor">
+            <a:schemeClr val="lt1"/>
+          </a:fontRef>
+        </p:style>
+        <p:txBody>
+          <a:bodyPr rtlCol="0" anchor="ctr"/>
+          <a:p>
+            <a:pPr algn="ctr"/>
+            <a:endParaRPr lang="en-US" altLang="zh-CN">
+              <a:solidFill>
+                <a:schemeClr val="tx1"/>
+              </a:solidFill>
+            </a:endParaRPr>
+          </a:p>
+        </p:txBody>
+      </p:sp>
+      <p:sp>
+        <p:nvSpPr>
+          <p:cNvPr id="119" name="矩形 118"/>
+          <p:cNvSpPr/>
+          <p:nvPr>
+            <p:custDataLst>
+              <p:tags r:id="rId85"/>
+            </p:custDataLst>
+          </p:nvPr>
+        </p:nvSpPr>
+        <p:spPr>
+          <a:xfrm>
+            <a:off x="8887460" y="6003925"/>
+            <a:ext cx="460375" cy="471170"/>
+          </a:xfrm>
+          <a:prstGeom prst="rect">
+            <a:avLst/>
+          </a:prstGeom>
+          <a:solidFill>
+            <a:schemeClr val="accent4">
+              <a:lumMod val="40000"/>
+              <a:lumOff val="60000"/>
+            </a:schemeClr>
+          </a:solidFill>
+          <a:ln>
+            <a:solidFill>
+              <a:schemeClr val="tx1"/>
+            </a:solidFill>
+          </a:ln>
+        </p:spPr>
+        <p:style>
+          <a:lnRef idx="2">
+            <a:schemeClr val="accent1">
+              <a:lumMod val="75000"/>
+            </a:schemeClr>
+          </a:lnRef>
+          <a:fillRef idx="1">
+            <a:schemeClr val="accent1"/>
+          </a:fillRef>
+          <a:effectRef idx="0">
+            <a:srgbClr val="FFFFFF"/>
+          </a:effectRef>
+          <a:fontRef idx="minor">
+            <a:schemeClr val="lt1"/>
+          </a:fontRef>
+        </p:style>
+        <p:txBody>
+          <a:bodyPr rtlCol="0" anchor="ctr"/>
+          <a:p>
+            <a:pPr algn="ctr"/>
+            <a:endParaRPr lang="en-US" altLang="zh-CN">
+              <a:solidFill>
+                <a:schemeClr val="tx1"/>
+              </a:solidFill>
+            </a:endParaRPr>
+          </a:p>
+        </p:txBody>
+      </p:sp>
+      <p:sp>
+        <p:nvSpPr>
+          <p:cNvPr id="120" name="矩形 119"/>
+          <p:cNvSpPr/>
+          <p:nvPr>
+            <p:custDataLst>
+              <p:tags r:id="rId86"/>
+            </p:custDataLst>
+          </p:nvPr>
+        </p:nvSpPr>
+        <p:spPr>
+          <a:xfrm>
+            <a:off x="9347835" y="6003925"/>
+            <a:ext cx="460375" cy="471170"/>
+          </a:xfrm>
+          <a:prstGeom prst="rect">
+            <a:avLst/>
+          </a:prstGeom>
+          <a:solidFill>
+            <a:schemeClr val="accent4">
+              <a:lumMod val="40000"/>
+              <a:lumOff val="60000"/>
+            </a:schemeClr>
+          </a:solidFill>
+          <a:ln>
+            <a:solidFill>
+              <a:schemeClr val="tx1"/>
+            </a:solidFill>
+          </a:ln>
+        </p:spPr>
+        <p:style>
+          <a:lnRef idx="2">
+            <a:schemeClr val="accent1">
+              <a:lumMod val="75000"/>
+            </a:schemeClr>
+          </a:lnRef>
+          <a:fillRef idx="1">
+            <a:schemeClr val="accent1"/>
+          </a:fillRef>
+          <a:effectRef idx="0">
+            <a:srgbClr val="FFFFFF"/>
+          </a:effectRef>
+          <a:fontRef idx="minor">
+            <a:schemeClr val="lt1"/>
+          </a:fontRef>
+        </p:style>
+        <p:txBody>
+          <a:bodyPr rtlCol="0" anchor="ctr"/>
+          <a:p>
+            <a:pPr algn="ctr"/>
+            <a:endParaRPr lang="en-US" altLang="zh-CN">
+              <a:solidFill>
+                <a:schemeClr val="tx1"/>
+              </a:solidFill>
+            </a:endParaRPr>
+          </a:p>
+        </p:txBody>
+      </p:sp>
+      <p:sp>
+        <p:nvSpPr>
+          <p:cNvPr id="121" name="矩形 120"/>
+          <p:cNvSpPr/>
+          <p:nvPr>
+            <p:custDataLst>
+              <p:tags r:id="rId87"/>
+            </p:custDataLst>
+          </p:nvPr>
+        </p:nvSpPr>
+        <p:spPr>
+          <a:xfrm>
+            <a:off x="9808210" y="6003925"/>
+            <a:ext cx="483870" cy="471170"/>
+          </a:xfrm>
+          <a:prstGeom prst="rect">
+            <a:avLst/>
+          </a:prstGeom>
+          <a:solidFill>
+            <a:schemeClr val="accent4">
+              <a:lumMod val="40000"/>
+              <a:lumOff val="60000"/>
+            </a:schemeClr>
+          </a:solidFill>
+          <a:ln>
+            <a:solidFill>
+              <a:schemeClr val="tx1"/>
+            </a:solidFill>
+          </a:ln>
+        </p:spPr>
+        <p:style>
+          <a:lnRef idx="2">
+            <a:schemeClr val="accent1">
+              <a:lumMod val="75000"/>
+            </a:schemeClr>
+          </a:lnRef>
+          <a:fillRef idx="1">
+            <a:schemeClr val="accent1"/>
+          </a:fillRef>
+          <a:effectRef idx="0">
+            <a:srgbClr val="FFFFFF"/>
+          </a:effectRef>
+          <a:fontRef idx="minor">
+            <a:schemeClr val="lt1"/>
+          </a:fontRef>
+        </p:style>
+        <p:txBody>
+          <a:bodyPr rtlCol="0" anchor="ctr"/>
+          <a:p>
+            <a:pPr algn="ctr"/>
+            <a:endParaRPr lang="en-US" altLang="zh-CN">
+              <a:solidFill>
+                <a:schemeClr val="tx1"/>
+              </a:solidFill>
+            </a:endParaRPr>
+          </a:p>
+        </p:txBody>
+      </p:sp>
+      <p:sp>
+        <p:nvSpPr>
+          <p:cNvPr id="122" name="矩形 121"/>
+          <p:cNvSpPr/>
+          <p:nvPr>
+            <p:custDataLst>
+              <p:tags r:id="rId88"/>
+            </p:custDataLst>
+          </p:nvPr>
+        </p:nvSpPr>
+        <p:spPr>
+          <a:xfrm>
+            <a:off x="1061085" y="5532755"/>
+            <a:ext cx="460375" cy="471170"/>
+          </a:xfrm>
+          <a:prstGeom prst="rect">
+            <a:avLst/>
+          </a:prstGeom>
+          <a:solidFill>
+            <a:schemeClr val="bg1"/>
+          </a:solidFill>
+          <a:ln>
+            <a:solidFill>
+              <a:schemeClr val="tx1"/>
+            </a:solidFill>
+          </a:ln>
+        </p:spPr>
+        <p:style>
+          <a:lnRef idx="2">
+            <a:schemeClr val="accent1">
+              <a:lumMod val="75000"/>
+            </a:schemeClr>
+          </a:lnRef>
+          <a:fillRef idx="1">
+            <a:schemeClr val="accent1"/>
+          </a:fillRef>
+          <a:effectRef idx="0">
+            <a:srgbClr val="FFFFFF"/>
+          </a:effectRef>
+          <a:fontRef idx="minor">
+            <a:schemeClr val="lt1"/>
+          </a:fontRef>
+        </p:style>
+        <p:txBody>
+          <a:bodyPr rtlCol="0" anchor="ctr"/>
+          <a:p>
+            <a:pPr algn="ctr"/>
+            <a:r>
+              <a:rPr lang="en-US" altLang="zh-CN">
+                <a:solidFill>
+                  <a:schemeClr val="tx1"/>
+                </a:solidFill>
+              </a:rPr>
+              <a:t>0</a:t>
+            </a:r>
+            <a:endParaRPr lang="en-US" altLang="zh-CN">
+              <a:solidFill>
+                <a:schemeClr val="tx1"/>
+              </a:solidFill>
+            </a:endParaRPr>
+          </a:p>
+        </p:txBody>
+      </p:sp>
+      <p:sp>
+        <p:nvSpPr>
+          <p:cNvPr id="123" name="矩形 122"/>
+          <p:cNvSpPr/>
+          <p:nvPr>
+            <p:custDataLst>
+              <p:tags r:id="rId89"/>
+            </p:custDataLst>
+          </p:nvPr>
+        </p:nvSpPr>
+        <p:spPr>
+          <a:xfrm>
+            <a:off x="1522730" y="5532755"/>
+            <a:ext cx="460375" cy="471170"/>
+          </a:xfrm>
+          <a:prstGeom prst="rect">
+            <a:avLst/>
+          </a:prstGeom>
+          <a:solidFill>
+            <a:schemeClr val="bg1"/>
+          </a:solidFill>
+          <a:ln>
+            <a:solidFill>
+              <a:schemeClr val="tx1"/>
+            </a:solidFill>
+          </a:ln>
+        </p:spPr>
+        <p:style>
+          <a:lnRef idx="2">
+            <a:schemeClr val="accent1">
+              <a:lumMod val="75000"/>
+            </a:schemeClr>
+          </a:lnRef>
+          <a:fillRef idx="1">
+            <a:schemeClr val="accent1"/>
+          </a:fillRef>
+          <a:effectRef idx="0">
+            <a:srgbClr val="FFFFFF"/>
+          </a:effectRef>
+          <a:fontRef idx="minor">
+            <a:schemeClr val="lt1"/>
+          </a:fontRef>
+        </p:style>
+        <p:txBody>
+          <a:bodyPr rtlCol="0" anchor="ctr"/>
+          <a:p>
+            <a:pPr algn="ctr"/>
+            <a:r>
+              <a:rPr lang="en-US" altLang="zh-CN">
+                <a:solidFill>
+                  <a:schemeClr val="tx1"/>
+                </a:solidFill>
+              </a:rPr>
+              <a:t>1</a:t>
+            </a:r>
+            <a:endParaRPr lang="en-US" altLang="zh-CN">
+              <a:solidFill>
+                <a:schemeClr val="tx1"/>
+              </a:solidFill>
+            </a:endParaRPr>
+          </a:p>
+        </p:txBody>
+      </p:sp>
+      <p:sp>
+        <p:nvSpPr>
+          <p:cNvPr id="124" name="矩形 123"/>
+          <p:cNvSpPr/>
+          <p:nvPr>
+            <p:custDataLst>
+              <p:tags r:id="rId90"/>
+            </p:custDataLst>
+          </p:nvPr>
+        </p:nvSpPr>
+        <p:spPr>
+          <a:xfrm>
+            <a:off x="1984375" y="5532755"/>
+            <a:ext cx="460375" cy="471170"/>
+          </a:xfrm>
+          <a:prstGeom prst="rect">
+            <a:avLst/>
+          </a:prstGeom>
+          <a:solidFill>
+            <a:schemeClr val="bg1"/>
+          </a:solidFill>
+          <a:ln>
+            <a:solidFill>
+              <a:schemeClr val="tx1"/>
+            </a:solidFill>
+          </a:ln>
+        </p:spPr>
+        <p:style>
+          <a:lnRef idx="2">
+            <a:schemeClr val="accent1">
+              <a:lumMod val="75000"/>
+            </a:schemeClr>
+          </a:lnRef>
+          <a:fillRef idx="1">
+            <a:schemeClr val="accent1"/>
+          </a:fillRef>
+          <a:effectRef idx="0">
+            <a:srgbClr val="FFFFFF"/>
+          </a:effectRef>
+          <a:fontRef idx="minor">
+            <a:schemeClr val="lt1"/>
+          </a:fontRef>
+        </p:style>
+        <p:txBody>
+          <a:bodyPr rtlCol="0" anchor="ctr"/>
+          <a:p>
+            <a:pPr algn="ctr"/>
+            <a:r>
+              <a:rPr lang="en-US" altLang="zh-CN">
+                <a:solidFill>
+                  <a:schemeClr val="tx1"/>
+                </a:solidFill>
+              </a:rPr>
+              <a:t>2</a:t>
+            </a:r>
+            <a:endParaRPr lang="en-US" altLang="zh-CN">
+              <a:solidFill>
+                <a:schemeClr val="tx1"/>
+              </a:solidFill>
+            </a:endParaRPr>
+          </a:p>
+        </p:txBody>
+      </p:sp>
+      <p:sp>
+        <p:nvSpPr>
+          <p:cNvPr id="125" name="矩形 124"/>
+          <p:cNvSpPr/>
+          <p:nvPr>
+            <p:custDataLst>
+              <p:tags r:id="rId91"/>
+            </p:custDataLst>
+          </p:nvPr>
+        </p:nvSpPr>
+        <p:spPr>
+          <a:xfrm>
+            <a:off x="2446020" y="5532755"/>
+            <a:ext cx="460375" cy="471170"/>
+          </a:xfrm>
+          <a:prstGeom prst="rect">
+            <a:avLst/>
+          </a:prstGeom>
+          <a:solidFill>
+            <a:schemeClr val="bg1"/>
+          </a:solidFill>
+          <a:ln>
+            <a:solidFill>
+              <a:schemeClr val="tx1"/>
+            </a:solidFill>
+          </a:ln>
+        </p:spPr>
+        <p:style>
+          <a:lnRef idx="2">
+            <a:schemeClr val="accent1">
+              <a:lumMod val="75000"/>
+            </a:schemeClr>
+          </a:lnRef>
+          <a:fillRef idx="1">
+            <a:schemeClr val="accent1"/>
+          </a:fillRef>
+          <a:effectRef idx="0">
+            <a:srgbClr val="FFFFFF"/>
+          </a:effectRef>
+          <a:fontRef idx="minor">
+            <a:schemeClr val="lt1"/>
+          </a:fontRef>
+        </p:style>
+        <p:txBody>
+          <a:bodyPr rtlCol="0" anchor="ctr"/>
+          <a:p>
+            <a:pPr algn="ctr"/>
+            <a:r>
+              <a:rPr lang="en-US" altLang="zh-CN">
+                <a:solidFill>
+                  <a:schemeClr val="tx1"/>
+                </a:solidFill>
+              </a:rPr>
+              <a:t>3</a:t>
+            </a:r>
+            <a:endParaRPr lang="en-US" altLang="zh-CN">
+              <a:solidFill>
+                <a:schemeClr val="tx1"/>
+              </a:solidFill>
+            </a:endParaRPr>
+          </a:p>
+        </p:txBody>
+      </p:sp>
+      <p:sp>
+        <p:nvSpPr>
+          <p:cNvPr id="126" name="矩形 125"/>
+          <p:cNvSpPr/>
+          <p:nvPr>
+            <p:custDataLst>
+              <p:tags r:id="rId92"/>
+            </p:custDataLst>
+          </p:nvPr>
+        </p:nvSpPr>
+        <p:spPr>
+          <a:xfrm>
+            <a:off x="2907665" y="5532755"/>
+            <a:ext cx="460375" cy="471170"/>
+          </a:xfrm>
+          <a:prstGeom prst="rect">
+            <a:avLst/>
+          </a:prstGeom>
+          <a:solidFill>
+            <a:schemeClr val="bg1"/>
+          </a:solidFill>
+          <a:ln>
+            <a:solidFill>
+              <a:schemeClr val="tx1"/>
+            </a:solidFill>
+          </a:ln>
+        </p:spPr>
+        <p:style>
+          <a:lnRef idx="2">
+            <a:schemeClr val="accent1">
+              <a:lumMod val="75000"/>
+            </a:schemeClr>
+          </a:lnRef>
+          <a:fillRef idx="1">
+            <a:schemeClr val="accent1"/>
+          </a:fillRef>
+          <a:effectRef idx="0">
+            <a:srgbClr val="FFFFFF"/>
+          </a:effectRef>
+          <a:fontRef idx="minor">
+            <a:schemeClr val="lt1"/>
+          </a:fontRef>
+        </p:style>
+        <p:txBody>
+          <a:bodyPr rtlCol="0" anchor="ctr"/>
+          <a:p>
+            <a:pPr algn="ctr"/>
+            <a:r>
+              <a:rPr lang="en-US" altLang="zh-CN">
+                <a:solidFill>
+                  <a:schemeClr val="tx1"/>
+                </a:solidFill>
+              </a:rPr>
+              <a:t>4</a:t>
+            </a:r>
+            <a:endParaRPr lang="en-US" altLang="zh-CN">
+              <a:solidFill>
+                <a:schemeClr val="tx1"/>
+              </a:solidFill>
+            </a:endParaRPr>
+          </a:p>
+        </p:txBody>
+      </p:sp>
+      <p:sp>
+        <p:nvSpPr>
+          <p:cNvPr id="127" name="矩形 126"/>
+          <p:cNvSpPr/>
+          <p:nvPr>
+            <p:custDataLst>
+              <p:tags r:id="rId93"/>
+            </p:custDataLst>
+          </p:nvPr>
+        </p:nvSpPr>
+        <p:spPr>
+          <a:xfrm>
+            <a:off x="3369310" y="5532755"/>
+            <a:ext cx="460375" cy="471170"/>
+          </a:xfrm>
+          <a:prstGeom prst="rect">
+            <a:avLst/>
+          </a:prstGeom>
+          <a:solidFill>
+            <a:schemeClr val="bg1"/>
+          </a:solidFill>
+          <a:ln>
+            <a:solidFill>
+              <a:schemeClr val="tx1"/>
+            </a:solidFill>
+          </a:ln>
+        </p:spPr>
+        <p:style>
+          <a:lnRef idx="2">
+            <a:schemeClr val="accent1">
+              <a:lumMod val="75000"/>
+            </a:schemeClr>
+          </a:lnRef>
+          <a:fillRef idx="1">
+            <a:schemeClr val="accent1"/>
+          </a:fillRef>
+          <a:effectRef idx="0">
+            <a:srgbClr val="FFFFFF"/>
+          </a:effectRef>
+          <a:fontRef idx="minor">
+            <a:schemeClr val="lt1"/>
+          </a:fontRef>
+        </p:style>
+        <p:txBody>
+          <a:bodyPr rtlCol="0" anchor="ctr"/>
+          <a:p>
+            <a:pPr algn="ctr"/>
+            <a:r>
+              <a:rPr lang="en-US" altLang="zh-CN">
+                <a:solidFill>
+                  <a:schemeClr val="tx1"/>
+                </a:solidFill>
+              </a:rPr>
+              <a:t>5</a:t>
+            </a:r>
+            <a:endParaRPr lang="en-US" altLang="zh-CN">
+              <a:solidFill>
+                <a:schemeClr val="tx1"/>
+              </a:solidFill>
+            </a:endParaRPr>
+          </a:p>
+        </p:txBody>
+      </p:sp>
+      <p:sp>
+        <p:nvSpPr>
+          <p:cNvPr id="128" name="矩形 127"/>
+          <p:cNvSpPr/>
+          <p:nvPr>
+            <p:custDataLst>
+              <p:tags r:id="rId94"/>
+            </p:custDataLst>
+          </p:nvPr>
+        </p:nvSpPr>
+        <p:spPr>
+          <a:xfrm>
+            <a:off x="3830955" y="5532755"/>
+            <a:ext cx="460375" cy="471170"/>
+          </a:xfrm>
+          <a:prstGeom prst="rect">
+            <a:avLst/>
+          </a:prstGeom>
+          <a:solidFill>
+            <a:schemeClr val="bg1"/>
+          </a:solidFill>
+          <a:ln>
+            <a:solidFill>
+              <a:schemeClr val="tx1"/>
+            </a:solidFill>
+          </a:ln>
+        </p:spPr>
+        <p:style>
+          <a:lnRef idx="2">
+            <a:schemeClr val="accent1">
+              <a:lumMod val="75000"/>
+            </a:schemeClr>
+          </a:lnRef>
+          <a:fillRef idx="1">
+            <a:schemeClr val="accent1"/>
+          </a:fillRef>
+          <a:effectRef idx="0">
+            <a:srgbClr val="FFFFFF"/>
+          </a:effectRef>
+          <a:fontRef idx="minor">
+            <a:schemeClr val="lt1"/>
+          </a:fontRef>
+        </p:style>
+        <p:txBody>
+          <a:bodyPr rtlCol="0" anchor="ctr"/>
+          <a:p>
+            <a:pPr algn="ctr"/>
+            <a:r>
+              <a:rPr lang="en-US" altLang="zh-CN">
+                <a:solidFill>
+                  <a:schemeClr val="tx1"/>
+                </a:solidFill>
+              </a:rPr>
+              <a:t>6</a:t>
+            </a:r>
+            <a:endParaRPr lang="en-US" altLang="zh-CN">
+              <a:solidFill>
+                <a:schemeClr val="tx1"/>
+              </a:solidFill>
+            </a:endParaRPr>
+          </a:p>
+        </p:txBody>
+      </p:sp>
+      <p:sp>
+        <p:nvSpPr>
+          <p:cNvPr id="129" name="矩形 128"/>
+          <p:cNvSpPr/>
+          <p:nvPr>
+            <p:custDataLst>
+              <p:tags r:id="rId95"/>
+            </p:custDataLst>
+          </p:nvPr>
+        </p:nvSpPr>
+        <p:spPr>
+          <a:xfrm>
+            <a:off x="4292600" y="5532755"/>
+            <a:ext cx="460375" cy="471170"/>
+          </a:xfrm>
+          <a:prstGeom prst="rect">
+            <a:avLst/>
+          </a:prstGeom>
+          <a:solidFill>
+            <a:schemeClr val="bg1"/>
+          </a:solidFill>
+          <a:ln>
+            <a:solidFill>
+              <a:schemeClr val="tx1"/>
+            </a:solidFill>
+          </a:ln>
+        </p:spPr>
+        <p:style>
+          <a:lnRef idx="2">
+            <a:schemeClr val="accent1">
+              <a:lumMod val="75000"/>
+            </a:schemeClr>
+          </a:lnRef>
+          <a:fillRef idx="1">
+            <a:schemeClr val="accent1"/>
+          </a:fillRef>
+          <a:effectRef idx="0">
+            <a:srgbClr val="FFFFFF"/>
+          </a:effectRef>
+          <a:fontRef idx="minor">
+            <a:schemeClr val="lt1"/>
+          </a:fontRef>
+        </p:style>
+        <p:txBody>
+          <a:bodyPr rtlCol="0" anchor="ctr"/>
+          <a:p>
+            <a:pPr algn="ctr"/>
+            <a:r>
+              <a:rPr lang="en-US" altLang="zh-CN">
+                <a:solidFill>
+                  <a:schemeClr val="tx1"/>
+                </a:solidFill>
+              </a:rPr>
+              <a:t>7</a:t>
+            </a:r>
+            <a:endParaRPr lang="en-US" altLang="zh-CN">
+              <a:solidFill>
+                <a:schemeClr val="tx1"/>
+              </a:solidFill>
+            </a:endParaRPr>
+          </a:p>
+        </p:txBody>
+      </p:sp>
+      <p:sp>
+        <p:nvSpPr>
+          <p:cNvPr id="130" name="矩形 129"/>
+          <p:cNvSpPr/>
+          <p:nvPr>
+            <p:custDataLst>
+              <p:tags r:id="rId96"/>
+            </p:custDataLst>
+          </p:nvPr>
+        </p:nvSpPr>
+        <p:spPr>
+          <a:xfrm>
+            <a:off x="4754245" y="5532755"/>
+            <a:ext cx="460375" cy="471170"/>
+          </a:xfrm>
+          <a:prstGeom prst="rect">
+            <a:avLst/>
+          </a:prstGeom>
+          <a:solidFill>
+            <a:schemeClr val="bg1"/>
+          </a:solidFill>
+          <a:ln>
+            <a:solidFill>
+              <a:schemeClr val="tx1"/>
+            </a:solidFill>
+          </a:ln>
+        </p:spPr>
+        <p:style>
+          <a:lnRef idx="2">
+            <a:schemeClr val="accent1">
+              <a:lumMod val="75000"/>
+            </a:schemeClr>
+          </a:lnRef>
+          <a:fillRef idx="1">
+            <a:schemeClr val="accent1"/>
+          </a:fillRef>
+          <a:effectRef idx="0">
+            <a:srgbClr val="FFFFFF"/>
+          </a:effectRef>
+          <a:fontRef idx="minor">
+            <a:schemeClr val="lt1"/>
+          </a:fontRef>
+        </p:style>
+        <p:txBody>
+          <a:bodyPr rtlCol="0" anchor="ctr"/>
+          <a:p>
+            <a:pPr algn="ctr"/>
+            <a:r>
+              <a:rPr lang="en-US" altLang="zh-CN">
+                <a:solidFill>
+                  <a:schemeClr val="tx1"/>
+                </a:solidFill>
+              </a:rPr>
+              <a:t>8</a:t>
+            </a:r>
+            <a:endParaRPr lang="en-US" altLang="zh-CN">
+              <a:solidFill>
+                <a:schemeClr val="tx1"/>
+              </a:solidFill>
+            </a:endParaRPr>
+          </a:p>
+        </p:txBody>
+      </p:sp>
+      <p:sp>
+        <p:nvSpPr>
+          <p:cNvPr id="131" name="矩形 130"/>
+          <p:cNvSpPr/>
+          <p:nvPr>
+            <p:custDataLst>
+              <p:tags r:id="rId97"/>
+            </p:custDataLst>
+          </p:nvPr>
+        </p:nvSpPr>
+        <p:spPr>
+          <a:xfrm>
+            <a:off x="5215890" y="5532755"/>
+            <a:ext cx="460375" cy="471170"/>
+          </a:xfrm>
+          <a:prstGeom prst="rect">
+            <a:avLst/>
+          </a:prstGeom>
+          <a:solidFill>
+            <a:schemeClr val="bg1"/>
+          </a:solidFill>
+          <a:ln>
+            <a:solidFill>
+              <a:schemeClr val="tx1"/>
+            </a:solidFill>
+          </a:ln>
+        </p:spPr>
+        <p:style>
+          <a:lnRef idx="2">
+            <a:schemeClr val="accent1">
+              <a:lumMod val="75000"/>
+            </a:schemeClr>
+          </a:lnRef>
+          <a:fillRef idx="1">
+            <a:schemeClr val="accent1"/>
+          </a:fillRef>
+          <a:effectRef idx="0">
+            <a:srgbClr val="FFFFFF"/>
+          </a:effectRef>
+          <a:fontRef idx="minor">
+            <a:schemeClr val="lt1"/>
+          </a:fontRef>
+        </p:style>
+        <p:txBody>
+          <a:bodyPr rtlCol="0" anchor="ctr"/>
+          <a:p>
+            <a:pPr algn="ctr"/>
+            <a:r>
+              <a:rPr lang="en-US" altLang="zh-CN">
+                <a:solidFill>
+                  <a:schemeClr val="tx1"/>
+                </a:solidFill>
+              </a:rPr>
+              <a:t>9</a:t>
+            </a:r>
+            <a:endParaRPr lang="en-US" altLang="zh-CN">
+              <a:solidFill>
+                <a:schemeClr val="tx1"/>
+              </a:solidFill>
+            </a:endParaRPr>
+          </a:p>
+        </p:txBody>
+      </p:sp>
+      <p:sp>
+        <p:nvSpPr>
+          <p:cNvPr id="132" name="矩形 131"/>
+          <p:cNvSpPr/>
+          <p:nvPr>
+            <p:custDataLst>
+              <p:tags r:id="rId98"/>
+            </p:custDataLst>
+          </p:nvPr>
+        </p:nvSpPr>
+        <p:spPr>
+          <a:xfrm>
+            <a:off x="5677535" y="5532755"/>
+            <a:ext cx="460375" cy="471170"/>
+          </a:xfrm>
+          <a:prstGeom prst="rect">
+            <a:avLst/>
+          </a:prstGeom>
+          <a:solidFill>
+            <a:schemeClr val="bg1"/>
+          </a:solidFill>
+          <a:ln>
+            <a:solidFill>
+              <a:schemeClr val="tx1"/>
+            </a:solidFill>
+          </a:ln>
+        </p:spPr>
+        <p:style>
+          <a:lnRef idx="2">
+            <a:schemeClr val="accent1">
+              <a:lumMod val="75000"/>
+            </a:schemeClr>
+          </a:lnRef>
+          <a:fillRef idx="1">
+            <a:schemeClr val="accent1"/>
+          </a:fillRef>
+          <a:effectRef idx="0">
+            <a:srgbClr val="FFFFFF"/>
+          </a:effectRef>
+          <a:fontRef idx="minor">
+            <a:schemeClr val="lt1"/>
+          </a:fontRef>
+        </p:style>
+        <p:txBody>
+          <a:bodyPr rtlCol="0" anchor="ctr"/>
+          <a:p>
+            <a:pPr algn="ctr"/>
+            <a:r>
+              <a:rPr lang="en-US" altLang="zh-CN">
+                <a:solidFill>
+                  <a:schemeClr val="tx1"/>
+                </a:solidFill>
+              </a:rPr>
+              <a:t>10</a:t>
+            </a:r>
+            <a:endParaRPr lang="en-US" altLang="zh-CN">
+              <a:solidFill>
+                <a:schemeClr val="tx1"/>
+              </a:solidFill>
+            </a:endParaRPr>
+          </a:p>
+        </p:txBody>
+      </p:sp>
+      <p:sp>
+        <p:nvSpPr>
+          <p:cNvPr id="133" name="矩形 132"/>
+          <p:cNvSpPr/>
+          <p:nvPr>
+            <p:custDataLst>
+              <p:tags r:id="rId99"/>
+            </p:custDataLst>
+          </p:nvPr>
+        </p:nvSpPr>
+        <p:spPr>
+          <a:xfrm>
+            <a:off x="6139180" y="5532755"/>
+            <a:ext cx="460375" cy="471170"/>
+          </a:xfrm>
+          <a:prstGeom prst="rect">
+            <a:avLst/>
+          </a:prstGeom>
+          <a:solidFill>
+            <a:schemeClr val="bg1"/>
+          </a:solidFill>
+          <a:ln>
+            <a:solidFill>
+              <a:schemeClr val="tx1"/>
+            </a:solidFill>
+          </a:ln>
+        </p:spPr>
+        <p:style>
+          <a:lnRef idx="2">
+            <a:schemeClr val="accent1">
+              <a:lumMod val="75000"/>
+            </a:schemeClr>
+          </a:lnRef>
+          <a:fillRef idx="1">
+            <a:schemeClr val="accent1"/>
+          </a:fillRef>
+          <a:effectRef idx="0">
+            <a:srgbClr val="FFFFFF"/>
+          </a:effectRef>
+          <a:fontRef idx="minor">
+            <a:schemeClr val="lt1"/>
+          </a:fontRef>
+        </p:style>
+        <p:txBody>
+          <a:bodyPr rtlCol="0" anchor="ctr"/>
+          <a:p>
+            <a:pPr algn="ctr"/>
+            <a:r>
+              <a:rPr lang="en-US" altLang="zh-CN">
+                <a:solidFill>
+                  <a:schemeClr val="tx1"/>
+                </a:solidFill>
+              </a:rPr>
+              <a:t>11</a:t>
+            </a:r>
+            <a:endParaRPr lang="en-US" altLang="zh-CN">
+              <a:solidFill>
+                <a:schemeClr val="tx1"/>
+              </a:solidFill>
+            </a:endParaRPr>
+          </a:p>
+        </p:txBody>
+      </p:sp>
+      <p:sp>
+        <p:nvSpPr>
+          <p:cNvPr id="134" name="矩形 133"/>
+          <p:cNvSpPr/>
+          <p:nvPr>
+            <p:custDataLst>
+              <p:tags r:id="rId100"/>
+            </p:custDataLst>
+          </p:nvPr>
+        </p:nvSpPr>
+        <p:spPr>
+          <a:xfrm>
+            <a:off x="6600825" y="5532755"/>
+            <a:ext cx="460375" cy="471170"/>
+          </a:xfrm>
+          <a:prstGeom prst="rect">
+            <a:avLst/>
+          </a:prstGeom>
+          <a:solidFill>
+            <a:schemeClr val="bg1"/>
+          </a:solidFill>
+          <a:ln>
+            <a:solidFill>
+              <a:schemeClr val="tx1"/>
+            </a:solidFill>
+          </a:ln>
+        </p:spPr>
+        <p:style>
+          <a:lnRef idx="2">
+            <a:schemeClr val="accent1">
+              <a:lumMod val="75000"/>
+            </a:schemeClr>
+          </a:lnRef>
+          <a:fillRef idx="1">
+            <a:schemeClr val="accent1"/>
+          </a:fillRef>
+          <a:effectRef idx="0">
+            <a:srgbClr val="FFFFFF"/>
+          </a:effectRef>
+          <a:fontRef idx="minor">
+            <a:schemeClr val="lt1"/>
+          </a:fontRef>
+        </p:style>
+        <p:txBody>
+          <a:bodyPr rtlCol="0" anchor="ctr"/>
+          <a:p>
+            <a:pPr algn="ctr"/>
+            <a:r>
+              <a:rPr lang="en-US" altLang="zh-CN">
+                <a:solidFill>
+                  <a:schemeClr val="tx1"/>
+                </a:solidFill>
+              </a:rPr>
+              <a:t>12</a:t>
+            </a:r>
+            <a:endParaRPr lang="en-US" altLang="zh-CN">
+              <a:solidFill>
+                <a:schemeClr val="tx1"/>
+              </a:solidFill>
+            </a:endParaRPr>
+          </a:p>
+        </p:txBody>
+      </p:sp>
+      <p:sp>
+        <p:nvSpPr>
+          <p:cNvPr id="135" name="矩形 134"/>
+          <p:cNvSpPr/>
+          <p:nvPr>
+            <p:custDataLst>
+              <p:tags r:id="rId101"/>
+            </p:custDataLst>
+          </p:nvPr>
+        </p:nvSpPr>
+        <p:spPr>
+          <a:xfrm>
+            <a:off x="7062470" y="5532755"/>
+            <a:ext cx="460375" cy="471170"/>
+          </a:xfrm>
+          <a:prstGeom prst="rect">
+            <a:avLst/>
+          </a:prstGeom>
+          <a:solidFill>
+            <a:schemeClr val="bg1"/>
+          </a:solidFill>
+          <a:ln>
+            <a:solidFill>
+              <a:schemeClr val="tx1"/>
+            </a:solidFill>
+          </a:ln>
+        </p:spPr>
+        <p:style>
+          <a:lnRef idx="2">
+            <a:schemeClr val="accent1">
+              <a:lumMod val="75000"/>
+            </a:schemeClr>
+          </a:lnRef>
+          <a:fillRef idx="1">
+            <a:schemeClr val="accent1"/>
+          </a:fillRef>
+          <a:effectRef idx="0">
+            <a:srgbClr val="FFFFFF"/>
+          </a:effectRef>
+          <a:fontRef idx="minor">
+            <a:schemeClr val="lt1"/>
+          </a:fontRef>
+        </p:style>
+        <p:txBody>
+          <a:bodyPr rtlCol="0" anchor="ctr"/>
+          <a:p>
+            <a:pPr algn="ctr"/>
+            <a:r>
+              <a:rPr lang="en-US" altLang="zh-CN">
+                <a:solidFill>
+                  <a:schemeClr val="tx1"/>
+                </a:solidFill>
+              </a:rPr>
+              <a:t>13</a:t>
+            </a:r>
+            <a:endParaRPr lang="en-US" altLang="zh-CN">
+              <a:solidFill>
+                <a:schemeClr val="tx1"/>
+              </a:solidFill>
+            </a:endParaRPr>
+          </a:p>
+        </p:txBody>
+      </p:sp>
+      <p:sp>
+        <p:nvSpPr>
+          <p:cNvPr id="136" name="矩形 135"/>
+          <p:cNvSpPr/>
+          <p:nvPr>
+            <p:custDataLst>
+              <p:tags r:id="rId102"/>
+            </p:custDataLst>
+          </p:nvPr>
+        </p:nvSpPr>
+        <p:spPr>
+          <a:xfrm>
+            <a:off x="7524115" y="5532755"/>
+            <a:ext cx="460375" cy="471170"/>
+          </a:xfrm>
+          <a:prstGeom prst="rect">
+            <a:avLst/>
+          </a:prstGeom>
+          <a:solidFill>
+            <a:schemeClr val="bg1"/>
+          </a:solidFill>
+          <a:ln>
+            <a:solidFill>
+              <a:schemeClr val="tx1"/>
+            </a:solidFill>
+          </a:ln>
+        </p:spPr>
+        <p:style>
+          <a:lnRef idx="2">
+            <a:schemeClr val="accent1">
+              <a:lumMod val="75000"/>
+            </a:schemeClr>
+          </a:lnRef>
+          <a:fillRef idx="1">
+            <a:schemeClr val="accent1"/>
+          </a:fillRef>
+          <a:effectRef idx="0">
+            <a:srgbClr val="FFFFFF"/>
+          </a:effectRef>
+          <a:fontRef idx="minor">
+            <a:schemeClr val="lt1"/>
+          </a:fontRef>
+        </p:style>
+        <p:txBody>
+          <a:bodyPr rtlCol="0" anchor="ctr"/>
+          <a:p>
+            <a:pPr algn="ctr"/>
+            <a:r>
+              <a:rPr lang="en-US" altLang="zh-CN">
+                <a:solidFill>
+                  <a:schemeClr val="tx1"/>
+                </a:solidFill>
+              </a:rPr>
+              <a:t>14</a:t>
+            </a:r>
+            <a:endParaRPr lang="en-US" altLang="zh-CN">
+              <a:solidFill>
+                <a:schemeClr val="tx1"/>
+              </a:solidFill>
+            </a:endParaRPr>
+          </a:p>
+        </p:txBody>
+      </p:sp>
+      <p:sp>
+        <p:nvSpPr>
+          <p:cNvPr id="137" name="矩形 136"/>
+          <p:cNvSpPr/>
+          <p:nvPr>
+            <p:custDataLst>
+              <p:tags r:id="rId103"/>
+            </p:custDataLst>
+          </p:nvPr>
+        </p:nvSpPr>
+        <p:spPr>
+          <a:xfrm>
+            <a:off x="7985760" y="5532755"/>
+            <a:ext cx="460375" cy="471170"/>
+          </a:xfrm>
+          <a:prstGeom prst="rect">
+            <a:avLst/>
+          </a:prstGeom>
+          <a:solidFill>
+            <a:schemeClr val="bg1"/>
+          </a:solidFill>
+          <a:ln>
+            <a:solidFill>
+              <a:schemeClr val="tx1"/>
+            </a:solidFill>
+          </a:ln>
+        </p:spPr>
+        <p:style>
+          <a:lnRef idx="2">
+            <a:schemeClr val="accent1">
+              <a:lumMod val="75000"/>
+            </a:schemeClr>
+          </a:lnRef>
+          <a:fillRef idx="1">
+            <a:schemeClr val="accent1"/>
+          </a:fillRef>
+          <a:effectRef idx="0">
+            <a:srgbClr val="FFFFFF"/>
+          </a:effectRef>
+          <a:fontRef idx="minor">
+            <a:schemeClr val="lt1"/>
+          </a:fontRef>
+        </p:style>
+        <p:txBody>
+          <a:bodyPr rtlCol="0" anchor="ctr"/>
+          <a:p>
+            <a:pPr algn="ctr"/>
+            <a:r>
+              <a:rPr lang="en-US" altLang="zh-CN">
+                <a:solidFill>
+                  <a:schemeClr val="tx1"/>
+                </a:solidFill>
+              </a:rPr>
+              <a:t>15</a:t>
+            </a:r>
+            <a:endParaRPr lang="en-US" altLang="zh-CN">
+              <a:solidFill>
+                <a:schemeClr val="tx1"/>
+              </a:solidFill>
+            </a:endParaRPr>
+          </a:p>
+        </p:txBody>
+      </p:sp>
+      <p:sp>
+        <p:nvSpPr>
+          <p:cNvPr id="138" name="矩形 137"/>
+          <p:cNvSpPr/>
+          <p:nvPr>
+            <p:custDataLst>
+              <p:tags r:id="rId104"/>
+            </p:custDataLst>
+          </p:nvPr>
+        </p:nvSpPr>
+        <p:spPr>
+          <a:xfrm>
+            <a:off x="8447405" y="5532755"/>
+            <a:ext cx="460375" cy="471170"/>
+          </a:xfrm>
+          <a:prstGeom prst="rect">
+            <a:avLst/>
+          </a:prstGeom>
+          <a:solidFill>
+            <a:schemeClr val="bg1"/>
+          </a:solidFill>
+          <a:ln>
+            <a:solidFill>
+              <a:schemeClr val="tx1"/>
+            </a:solidFill>
+          </a:ln>
+        </p:spPr>
+        <p:style>
+          <a:lnRef idx="2">
+            <a:schemeClr val="accent1">
+              <a:lumMod val="75000"/>
+            </a:schemeClr>
+          </a:lnRef>
+          <a:fillRef idx="1">
+            <a:schemeClr val="accent1"/>
+          </a:fillRef>
+          <a:effectRef idx="0">
+            <a:srgbClr val="FFFFFF"/>
+          </a:effectRef>
+          <a:fontRef idx="minor">
+            <a:schemeClr val="lt1"/>
+          </a:fontRef>
+        </p:style>
+        <p:txBody>
+          <a:bodyPr rtlCol="0" anchor="ctr"/>
+          <a:p>
+            <a:pPr algn="ctr"/>
+            <a:r>
+              <a:rPr lang="en-US" altLang="zh-CN">
+                <a:solidFill>
+                  <a:schemeClr val="tx1"/>
+                </a:solidFill>
+              </a:rPr>
+              <a:t>16</a:t>
+            </a:r>
+            <a:endParaRPr lang="en-US" altLang="zh-CN">
+              <a:solidFill>
+                <a:schemeClr val="tx1"/>
+              </a:solidFill>
+            </a:endParaRPr>
+          </a:p>
+        </p:txBody>
+      </p:sp>
+      <p:sp>
+        <p:nvSpPr>
+          <p:cNvPr id="139" name="矩形 138"/>
+          <p:cNvSpPr/>
+          <p:nvPr>
+            <p:custDataLst>
+              <p:tags r:id="rId105"/>
+            </p:custDataLst>
+          </p:nvPr>
+        </p:nvSpPr>
+        <p:spPr>
+          <a:xfrm>
+            <a:off x="8909050" y="5532755"/>
+            <a:ext cx="460375" cy="471170"/>
+          </a:xfrm>
+          <a:prstGeom prst="rect">
+            <a:avLst/>
+          </a:prstGeom>
+          <a:solidFill>
+            <a:schemeClr val="bg1"/>
+          </a:solidFill>
+          <a:ln>
+            <a:solidFill>
+              <a:schemeClr val="tx1"/>
+            </a:solidFill>
+          </a:ln>
+        </p:spPr>
+        <p:style>
+          <a:lnRef idx="2">
+            <a:schemeClr val="accent1">
+              <a:lumMod val="75000"/>
+            </a:schemeClr>
+          </a:lnRef>
+          <a:fillRef idx="1">
+            <a:schemeClr val="accent1"/>
+          </a:fillRef>
+          <a:effectRef idx="0">
+            <a:srgbClr val="FFFFFF"/>
+          </a:effectRef>
+          <a:fontRef idx="minor">
+            <a:schemeClr val="lt1"/>
+          </a:fontRef>
+        </p:style>
+        <p:txBody>
+          <a:bodyPr rtlCol="0" anchor="ctr"/>
+          <a:p>
+            <a:pPr algn="ctr"/>
+            <a:r>
+              <a:rPr lang="en-US" altLang="zh-CN">
+                <a:solidFill>
+                  <a:schemeClr val="tx1"/>
+                </a:solidFill>
+              </a:rPr>
+              <a:t>17</a:t>
+            </a:r>
+            <a:endParaRPr lang="en-US" altLang="zh-CN">
+              <a:solidFill>
+                <a:schemeClr val="tx1"/>
+              </a:solidFill>
+            </a:endParaRPr>
+          </a:p>
+        </p:txBody>
+      </p:sp>
+      <p:sp>
+        <p:nvSpPr>
+          <p:cNvPr id="140" name="矩形 139"/>
+          <p:cNvSpPr/>
+          <p:nvPr>
+            <p:custDataLst>
+              <p:tags r:id="rId106"/>
+            </p:custDataLst>
+          </p:nvPr>
+        </p:nvSpPr>
+        <p:spPr>
+          <a:xfrm>
+            <a:off x="9370695" y="5532755"/>
+            <a:ext cx="460375" cy="471170"/>
+          </a:xfrm>
+          <a:prstGeom prst="rect">
+            <a:avLst/>
+          </a:prstGeom>
+          <a:solidFill>
+            <a:schemeClr val="bg1"/>
+          </a:solidFill>
+          <a:ln>
+            <a:solidFill>
+              <a:schemeClr val="tx1"/>
+            </a:solidFill>
+          </a:ln>
+        </p:spPr>
+        <p:style>
+          <a:lnRef idx="2">
+            <a:schemeClr val="accent1">
+              <a:lumMod val="75000"/>
+            </a:schemeClr>
+          </a:lnRef>
+          <a:fillRef idx="1">
+            <a:schemeClr val="accent1"/>
+          </a:fillRef>
+          <a:effectRef idx="0">
+            <a:srgbClr val="FFFFFF"/>
+          </a:effectRef>
+          <a:fontRef idx="minor">
+            <a:schemeClr val="lt1"/>
+          </a:fontRef>
+        </p:style>
+        <p:txBody>
+          <a:bodyPr rtlCol="0" anchor="ctr"/>
+          <a:p>
+            <a:pPr algn="ctr"/>
+            <a:r>
+              <a:rPr lang="en-US" altLang="zh-CN">
+                <a:solidFill>
+                  <a:schemeClr val="tx1"/>
+                </a:solidFill>
+              </a:rPr>
+              <a:t>18</a:t>
+            </a:r>
+            <a:endParaRPr lang="en-US" altLang="zh-CN">
+              <a:solidFill>
+                <a:schemeClr val="tx1"/>
+              </a:solidFill>
+            </a:endParaRPr>
+          </a:p>
+        </p:txBody>
+      </p:sp>
+      <p:sp>
+        <p:nvSpPr>
+          <p:cNvPr id="141" name="矩形 140"/>
+          <p:cNvSpPr/>
+          <p:nvPr>
+            <p:custDataLst>
+              <p:tags r:id="rId107"/>
+            </p:custDataLst>
+          </p:nvPr>
+        </p:nvSpPr>
+        <p:spPr>
+          <a:xfrm>
+            <a:off x="9832340" y="5532755"/>
+            <a:ext cx="460375" cy="471170"/>
+          </a:xfrm>
+          <a:prstGeom prst="rect">
+            <a:avLst/>
+          </a:prstGeom>
+          <a:solidFill>
+            <a:schemeClr val="bg1"/>
+          </a:solidFill>
+          <a:ln>
+            <a:solidFill>
+              <a:schemeClr val="tx1"/>
+            </a:solidFill>
+          </a:ln>
+        </p:spPr>
+        <p:style>
+          <a:lnRef idx="2">
+            <a:schemeClr val="accent1">
+              <a:lumMod val="75000"/>
+            </a:schemeClr>
+          </a:lnRef>
+          <a:fillRef idx="1">
+            <a:schemeClr val="accent1"/>
+          </a:fillRef>
+          <a:effectRef idx="0">
+            <a:srgbClr val="FFFFFF"/>
+          </a:effectRef>
+          <a:fontRef idx="minor">
+            <a:schemeClr val="lt1"/>
+          </a:fontRef>
+        </p:style>
+        <p:txBody>
+          <a:bodyPr rtlCol="0" anchor="ctr"/>
+          <a:p>
+            <a:pPr algn="ctr"/>
+            <a:r>
+              <a:rPr lang="en-US" altLang="zh-CN">
+                <a:solidFill>
+                  <a:schemeClr val="tx1"/>
+                </a:solidFill>
+              </a:rPr>
+              <a:t>19</a:t>
+            </a:r>
+            <a:endParaRPr lang="en-US" altLang="zh-CN">
+              <a:solidFill>
+                <a:schemeClr val="tx1"/>
+              </a:solidFill>
+            </a:endParaRPr>
+          </a:p>
+        </p:txBody>
+      </p:sp>
+      <p:sp>
+        <p:nvSpPr>
+          <p:cNvPr id="142" name="矩形 141"/>
+          <p:cNvSpPr/>
+          <p:nvPr>
+            <p:custDataLst>
+              <p:tags r:id="rId108"/>
+            </p:custDataLst>
+          </p:nvPr>
+        </p:nvSpPr>
+        <p:spPr>
+          <a:xfrm>
+            <a:off x="10268585" y="6003925"/>
+            <a:ext cx="483870" cy="471170"/>
+          </a:xfrm>
+          <a:prstGeom prst="rect">
+            <a:avLst/>
+          </a:prstGeom>
+          <a:solidFill>
+            <a:schemeClr val="accent4">
+              <a:lumMod val="40000"/>
+              <a:lumOff val="60000"/>
+            </a:schemeClr>
+          </a:solidFill>
+          <a:ln>
+            <a:solidFill>
+              <a:schemeClr val="tx1"/>
+            </a:solidFill>
+          </a:ln>
+        </p:spPr>
+        <p:style>
+          <a:lnRef idx="2">
+            <a:schemeClr val="accent1">
+              <a:lumMod val="75000"/>
+            </a:schemeClr>
+          </a:lnRef>
+          <a:fillRef idx="1">
+            <a:schemeClr val="accent1"/>
+          </a:fillRef>
+          <a:effectRef idx="0">
+            <a:srgbClr val="FFFFFF"/>
+          </a:effectRef>
+          <a:fontRef idx="minor">
+            <a:schemeClr val="lt1"/>
+          </a:fontRef>
+        </p:style>
+        <p:txBody>
+          <a:bodyPr rtlCol="0" anchor="ctr"/>
+          <a:p>
+            <a:pPr algn="ctr"/>
+            <a:endParaRPr lang="en-US" altLang="zh-CN">
+              <a:solidFill>
+                <a:schemeClr val="tx1"/>
+              </a:solidFill>
+            </a:endParaRPr>
+          </a:p>
+        </p:txBody>
+      </p:sp>
+      <p:sp>
+        <p:nvSpPr>
+          <p:cNvPr id="143" name="矩形 142"/>
+          <p:cNvSpPr/>
+          <p:nvPr>
+            <p:custDataLst>
+              <p:tags r:id="rId109"/>
+            </p:custDataLst>
+          </p:nvPr>
+        </p:nvSpPr>
+        <p:spPr>
+          <a:xfrm>
+            <a:off x="10292715" y="5532755"/>
+            <a:ext cx="460375" cy="471170"/>
+          </a:xfrm>
+          <a:prstGeom prst="rect">
+            <a:avLst/>
+          </a:prstGeom>
+          <a:solidFill>
+            <a:schemeClr val="bg1"/>
+          </a:solidFill>
+          <a:ln>
+            <a:solidFill>
+              <a:schemeClr val="tx1"/>
+            </a:solidFill>
+          </a:ln>
+        </p:spPr>
+        <p:style>
+          <a:lnRef idx="2">
+            <a:schemeClr val="accent1">
+              <a:lumMod val="75000"/>
+            </a:schemeClr>
+          </a:lnRef>
+          <a:fillRef idx="1">
+            <a:schemeClr val="accent1"/>
+          </a:fillRef>
+          <a:effectRef idx="0">
+            <a:srgbClr val="FFFFFF"/>
+          </a:effectRef>
+          <a:fontRef idx="minor">
+            <a:schemeClr val="lt1"/>
+          </a:fontRef>
+        </p:style>
+        <p:txBody>
+          <a:bodyPr rtlCol="0" anchor="ctr"/>
+          <a:p>
+            <a:pPr algn="ctr"/>
+            <a:r>
+              <a:rPr lang="en-US" altLang="zh-CN">
+                <a:solidFill>
+                  <a:schemeClr val="tx1"/>
+                </a:solidFill>
+              </a:rPr>
+              <a:t>20</a:t>
+            </a:r>
+            <a:endParaRPr lang="en-US" altLang="zh-CN">
+              <a:solidFill>
+                <a:schemeClr val="tx1"/>
+              </a:solidFill>
+            </a:endParaRPr>
+          </a:p>
+        </p:txBody>
+      </p:sp>
+      <p:sp>
+        <p:nvSpPr>
+          <p:cNvPr id="144" name="矩形 143"/>
+          <p:cNvSpPr/>
+          <p:nvPr>
+            <p:custDataLst>
+              <p:tags r:id="rId110"/>
+            </p:custDataLst>
+          </p:nvPr>
+        </p:nvSpPr>
+        <p:spPr>
+          <a:xfrm>
+            <a:off x="10728325" y="6003925"/>
+            <a:ext cx="483870" cy="471170"/>
+          </a:xfrm>
+          <a:prstGeom prst="rect">
+            <a:avLst/>
+          </a:prstGeom>
+          <a:solidFill>
+            <a:schemeClr val="accent4">
+              <a:lumMod val="40000"/>
+              <a:lumOff val="60000"/>
+            </a:schemeClr>
+          </a:solidFill>
+          <a:ln>
+            <a:solidFill>
+              <a:schemeClr val="tx1"/>
+            </a:solidFill>
+          </a:ln>
+        </p:spPr>
+        <p:style>
+          <a:lnRef idx="2">
+            <a:schemeClr val="accent1">
+              <a:lumMod val="75000"/>
+            </a:schemeClr>
+          </a:lnRef>
+          <a:fillRef idx="1">
+            <a:schemeClr val="accent1"/>
+          </a:fillRef>
+          <a:effectRef idx="0">
+            <a:srgbClr val="FFFFFF"/>
+          </a:effectRef>
+          <a:fontRef idx="minor">
+            <a:schemeClr val="lt1"/>
+          </a:fontRef>
+        </p:style>
+        <p:txBody>
+          <a:bodyPr rtlCol="0" anchor="ctr"/>
+          <a:p>
+            <a:pPr algn="ctr"/>
+            <a:endParaRPr lang="en-US" altLang="zh-CN">
+              <a:solidFill>
+                <a:schemeClr val="tx1"/>
+              </a:solidFill>
+            </a:endParaRPr>
+          </a:p>
+        </p:txBody>
+      </p:sp>
+      <p:sp>
+        <p:nvSpPr>
+          <p:cNvPr id="145" name="矩形 144"/>
+          <p:cNvSpPr/>
+          <p:nvPr>
+            <p:custDataLst>
+              <p:tags r:id="rId111"/>
+            </p:custDataLst>
+          </p:nvPr>
+        </p:nvSpPr>
+        <p:spPr>
+          <a:xfrm>
+            <a:off x="10752455" y="5532755"/>
+            <a:ext cx="460375" cy="471170"/>
+          </a:xfrm>
+          <a:prstGeom prst="rect">
+            <a:avLst/>
+          </a:prstGeom>
+          <a:solidFill>
+            <a:schemeClr val="bg1"/>
+          </a:solidFill>
+          <a:ln>
+            <a:solidFill>
+              <a:schemeClr val="tx1"/>
+            </a:solidFill>
+          </a:ln>
+        </p:spPr>
+        <p:style>
+          <a:lnRef idx="2">
+            <a:schemeClr val="accent1">
+              <a:lumMod val="75000"/>
+            </a:schemeClr>
+          </a:lnRef>
+          <a:fillRef idx="1">
+            <a:schemeClr val="accent1"/>
+          </a:fillRef>
+          <a:effectRef idx="0">
+            <a:srgbClr val="FFFFFF"/>
+          </a:effectRef>
+          <a:fontRef idx="minor">
+            <a:schemeClr val="lt1"/>
+          </a:fontRef>
+        </p:style>
+        <p:txBody>
+          <a:bodyPr rtlCol="0" anchor="ctr"/>
+          <a:p>
+            <a:pPr algn="ctr"/>
+            <a:r>
+              <a:rPr lang="en-US" altLang="zh-CN">
+                <a:solidFill>
+                  <a:schemeClr val="tx1"/>
+                </a:solidFill>
+              </a:rPr>
+              <a:t>21</a:t>
+            </a:r>
+            <a:endParaRPr lang="en-US" altLang="zh-CN">
+              <a:solidFill>
+                <a:schemeClr val="tx1"/>
+              </a:solidFill>
+            </a:endParaRPr>
+          </a:p>
+        </p:txBody>
+      </p:sp>
+      <p:sp>
+        <p:nvSpPr>
+          <p:cNvPr id="146" name="矩形 145"/>
+          <p:cNvSpPr/>
+          <p:nvPr>
+            <p:custDataLst>
+              <p:tags r:id="rId112"/>
+            </p:custDataLst>
+          </p:nvPr>
+        </p:nvSpPr>
+        <p:spPr>
+          <a:xfrm>
+            <a:off x="11188700" y="6003925"/>
+            <a:ext cx="483870" cy="471170"/>
+          </a:xfrm>
+          <a:prstGeom prst="rect">
+            <a:avLst/>
+          </a:prstGeom>
+          <a:solidFill>
+            <a:schemeClr val="accent4">
+              <a:lumMod val="40000"/>
+              <a:lumOff val="60000"/>
+            </a:schemeClr>
+          </a:solidFill>
+          <a:ln>
+            <a:solidFill>
+              <a:schemeClr val="tx1"/>
+            </a:solidFill>
+          </a:ln>
+        </p:spPr>
+        <p:style>
+          <a:lnRef idx="2">
+            <a:schemeClr val="accent1">
+              <a:lumMod val="75000"/>
+            </a:schemeClr>
+          </a:lnRef>
+          <a:fillRef idx="1">
+            <a:schemeClr val="accent1"/>
+          </a:fillRef>
+          <a:effectRef idx="0">
+            <a:srgbClr val="FFFFFF"/>
+          </a:effectRef>
+          <a:fontRef idx="minor">
+            <a:schemeClr val="lt1"/>
+          </a:fontRef>
+        </p:style>
+        <p:txBody>
+          <a:bodyPr rtlCol="0" anchor="ctr"/>
+          <a:p>
+            <a:pPr algn="ctr"/>
+            <a:endParaRPr lang="en-US" altLang="zh-CN">
+              <a:solidFill>
+                <a:schemeClr val="tx1"/>
+              </a:solidFill>
+            </a:endParaRPr>
+          </a:p>
+        </p:txBody>
+      </p:sp>
+      <p:sp>
+        <p:nvSpPr>
+          <p:cNvPr id="147" name="矩形 146"/>
+          <p:cNvSpPr/>
+          <p:nvPr>
+            <p:custDataLst>
+              <p:tags r:id="rId113"/>
+            </p:custDataLst>
+          </p:nvPr>
+        </p:nvSpPr>
+        <p:spPr>
+          <a:xfrm>
+            <a:off x="11212830" y="5532755"/>
+            <a:ext cx="460375" cy="471170"/>
+          </a:xfrm>
+          <a:prstGeom prst="rect">
+            <a:avLst/>
+          </a:prstGeom>
+          <a:solidFill>
+            <a:schemeClr val="bg1"/>
+          </a:solidFill>
+          <a:ln>
+            <a:solidFill>
+              <a:schemeClr val="tx1"/>
+            </a:solidFill>
+          </a:ln>
+        </p:spPr>
+        <p:style>
+          <a:lnRef idx="2">
+            <a:schemeClr val="accent1">
+              <a:lumMod val="75000"/>
+            </a:schemeClr>
+          </a:lnRef>
+          <a:fillRef idx="1">
+            <a:schemeClr val="accent1"/>
+          </a:fillRef>
+          <a:effectRef idx="0">
+            <a:srgbClr val="FFFFFF"/>
+          </a:effectRef>
+          <a:fontRef idx="minor">
+            <a:schemeClr val="lt1"/>
+          </a:fontRef>
+        </p:style>
+        <p:txBody>
+          <a:bodyPr rtlCol="0" anchor="ctr"/>
+          <a:p>
+            <a:pPr algn="ctr"/>
+            <a:r>
+              <a:rPr lang="en-US" altLang="zh-CN">
+                <a:solidFill>
+                  <a:schemeClr val="tx1"/>
+                </a:solidFill>
+              </a:rPr>
+              <a:t>22</a:t>
+            </a:r>
+            <a:endParaRPr lang="en-US" altLang="zh-CN">
+              <a:solidFill>
+                <a:schemeClr val="tx1"/>
+              </a:solidFill>
+            </a:endParaRPr>
+          </a:p>
+        </p:txBody>
+      </p:sp>
+      <p:sp>
+        <p:nvSpPr>
+          <p:cNvPr id="148" name="矩形 147"/>
+          <p:cNvSpPr/>
+          <p:nvPr>
+            <p:custDataLst>
+              <p:tags r:id="rId114"/>
+            </p:custDataLst>
+          </p:nvPr>
+        </p:nvSpPr>
+        <p:spPr>
+          <a:xfrm>
+            <a:off x="11661140" y="6003925"/>
+            <a:ext cx="483870" cy="471170"/>
+          </a:xfrm>
+          <a:prstGeom prst="rect">
+            <a:avLst/>
+          </a:prstGeom>
+          <a:solidFill>
+            <a:schemeClr val="accent4">
+              <a:lumMod val="40000"/>
+              <a:lumOff val="60000"/>
+            </a:schemeClr>
+          </a:solidFill>
+          <a:ln>
+            <a:solidFill>
+              <a:schemeClr val="tx1"/>
+            </a:solidFill>
+          </a:ln>
+        </p:spPr>
+        <p:style>
+          <a:lnRef idx="2">
+            <a:schemeClr val="accent1">
+              <a:lumMod val="75000"/>
+            </a:schemeClr>
+          </a:lnRef>
+          <a:fillRef idx="1">
+            <a:schemeClr val="accent1"/>
+          </a:fillRef>
+          <a:effectRef idx="0">
+            <a:srgbClr val="FFFFFF"/>
+          </a:effectRef>
+          <a:fontRef idx="minor">
+            <a:schemeClr val="lt1"/>
+          </a:fontRef>
+        </p:style>
+        <p:txBody>
+          <a:bodyPr rtlCol="0" anchor="ctr"/>
+          <a:p>
+            <a:pPr algn="ctr"/>
+            <a:endParaRPr lang="en-US" altLang="zh-CN">
+              <a:solidFill>
+                <a:schemeClr val="tx1"/>
+              </a:solidFill>
+            </a:endParaRPr>
+          </a:p>
+        </p:txBody>
+      </p:sp>
+      <p:sp>
+        <p:nvSpPr>
+          <p:cNvPr id="149" name="矩形 148"/>
+          <p:cNvSpPr/>
+          <p:nvPr>
+            <p:custDataLst>
+              <p:tags r:id="rId115"/>
+            </p:custDataLst>
+          </p:nvPr>
+        </p:nvSpPr>
+        <p:spPr>
+          <a:xfrm>
+            <a:off x="11673840" y="5532755"/>
+            <a:ext cx="460375" cy="471170"/>
+          </a:xfrm>
+          <a:prstGeom prst="rect">
+            <a:avLst/>
+          </a:prstGeom>
+          <a:solidFill>
+            <a:schemeClr val="bg1"/>
+          </a:solidFill>
+          <a:ln>
+            <a:solidFill>
+              <a:schemeClr val="tx1"/>
+            </a:solidFill>
+          </a:ln>
+        </p:spPr>
+        <p:style>
+          <a:lnRef idx="2">
+            <a:schemeClr val="accent1">
+              <a:lumMod val="75000"/>
+            </a:schemeClr>
+          </a:lnRef>
+          <a:fillRef idx="1">
+            <a:schemeClr val="accent1"/>
+          </a:fillRef>
+          <a:effectRef idx="0">
+            <a:srgbClr val="FFFFFF"/>
+          </a:effectRef>
+          <a:fontRef idx="minor">
+            <a:schemeClr val="lt1"/>
+          </a:fontRef>
+        </p:style>
+        <p:txBody>
+          <a:bodyPr rtlCol="0" anchor="ctr"/>
+          <a:p>
+            <a:pPr algn="ctr"/>
+            <a:r>
+              <a:rPr lang="en-US" altLang="zh-CN">
+                <a:solidFill>
+                  <a:schemeClr val="tx1"/>
+                </a:solidFill>
+              </a:rPr>
+              <a:t>23</a:t>
+            </a:r>
+            <a:endParaRPr lang="en-US" altLang="zh-CN">
+              <a:solidFill>
+                <a:schemeClr val="tx1"/>
+              </a:solidFill>
+            </a:endParaRPr>
+          </a:p>
+        </p:txBody>
+      </p:sp>
+      <p:sp>
+        <p:nvSpPr>
+          <p:cNvPr id="150" name="文本框 149"/>
+          <p:cNvSpPr txBox="1"/>
+          <p:nvPr/>
+        </p:nvSpPr>
+        <p:spPr>
+          <a:xfrm>
+            <a:off x="219710" y="5858510"/>
+            <a:ext cx="1118870" cy="337185"/>
+          </a:xfrm>
+          <a:prstGeom prst="rect">
+            <a:avLst/>
+          </a:prstGeom>
+          <a:noFill/>
+        </p:spPr>
+        <p:txBody>
+          <a:bodyPr wrap="square" rtlCol="0">
+            <a:spAutoFit/>
+          </a:bodyPr>
+          <a:p>
+            <a:r>
+              <a:rPr lang="en-US" altLang="zh-CN" sz="1600">
+                <a:latin typeface="Times New Roman Regular" panose="02020503050405090304" charset="0"/>
+                <a:cs typeface="Times New Roman Regular" panose="02020503050405090304" charset="0"/>
+              </a:rPr>
+              <a:t>int[] nums</a:t>
+            </a:r>
+            <a:endParaRPr lang="en-US" altLang="zh-CN" sz="1600">
+              <a:latin typeface="Times New Roman Regular" panose="02020503050405090304" charset="0"/>
+              <a:cs typeface="Times New Roman Regular" panose="02020503050405090304" charset="0"/>
+            </a:endParaRPr>
+          </a:p>
+        </p:txBody>
+      </p:sp>
+      <p:sp>
+        <p:nvSpPr>
+          <p:cNvPr id="151" name="文本框 150"/>
+          <p:cNvSpPr txBox="1"/>
+          <p:nvPr>
+            <p:custDataLst>
+              <p:tags r:id="rId116"/>
+            </p:custDataLst>
+          </p:nvPr>
+        </p:nvSpPr>
+        <p:spPr>
+          <a:xfrm>
+            <a:off x="6407150" y="5161280"/>
+            <a:ext cx="2437765" cy="306705"/>
+          </a:xfrm>
+          <a:prstGeom prst="rect">
+            <a:avLst/>
+          </a:prstGeom>
+          <a:noFill/>
+        </p:spPr>
+        <p:txBody>
+          <a:bodyPr wrap="square" rtlCol="0">
+            <a:spAutoFit/>
+          </a:bodyPr>
+          <a:p>
+            <a:r>
+              <a:rPr lang="zh-CN" altLang="en-US" sz="1400"/>
+              <a:t>临时</a:t>
+            </a:r>
+            <a:r>
+              <a:rPr lang="zh-CN" altLang="en-US" sz="1400"/>
+              <a:t>数组拷贝到原数组</a:t>
+            </a:r>
+            <a:r>
+              <a:rPr lang="zh-CN" altLang="en-US" sz="1400"/>
+              <a:t>中</a:t>
+            </a:r>
+            <a:endParaRPr lang="zh-CN" altLang="en-US" sz="1400"/>
+          </a:p>
+        </p:txBody>
+      </p:sp>
+      <p:cxnSp>
+        <p:nvCxnSpPr>
+          <p:cNvPr id="152" name="直接箭头连接符 151"/>
+          <p:cNvCxnSpPr/>
+          <p:nvPr/>
+        </p:nvCxnSpPr>
+        <p:spPr>
+          <a:xfrm>
+            <a:off x="6330315" y="4904740"/>
+            <a:ext cx="0" cy="563245"/>
+          </a:xfrm>
+          <a:prstGeom prst="straightConnector1">
+            <a:avLst/>
+          </a:prstGeom>
+          <a:ln>
+            <a:solidFill>
+              <a:srgbClr val="202020"/>
+            </a:solidFill>
+            <a:tailEnd type="arrow"/>
+          </a:ln>
+        </p:spPr>
+        <p:style>
+          <a:lnRef idx="2">
+            <a:schemeClr val="accent1"/>
+          </a:lnRef>
+          <a:fillRef idx="0">
+            <a:srgbClr val="FFFFFF"/>
+          </a:fillRef>
+          <a:effectRef idx="0">
+            <a:srgbClr val="FFFFFF"/>
+          </a:effectRef>
+          <a:fontRef idx="minor">
+            <a:schemeClr val="tx1"/>
+          </a:fontRef>
+        </p:style>
+      </p:cxnSp>
+      <p:sp>
+        <p:nvSpPr>
+          <p:cNvPr id="2" name="文本框 1"/>
+          <p:cNvSpPr txBox="1"/>
+          <p:nvPr/>
+        </p:nvSpPr>
+        <p:spPr>
+          <a:xfrm>
+            <a:off x="676275" y="306070"/>
+            <a:ext cx="4064000" cy="368300"/>
+          </a:xfrm>
+          <a:prstGeom prst="rect">
+            <a:avLst/>
+          </a:prstGeom>
+          <a:noFill/>
+        </p:spPr>
+        <p:txBody>
+          <a:bodyPr wrap="square" rtlCol="0">
+            <a:spAutoFit/>
+          </a:bodyPr>
+          <a:p>
+            <a:r>
+              <a:rPr lang="zh-CN" altLang="en-US"/>
+              <a:t>基数</a:t>
+            </a:r>
+            <a:r>
+              <a:rPr lang="zh-CN" altLang="en-US"/>
+              <a:t>排序</a:t>
+            </a:r>
+            <a:endParaRPr lang="zh-CN" altLang="en-US"/>
+          </a:p>
+        </p:txBody>
+      </p:sp>
+    </p:spTree>
+  </p:cSld>
+  <p:clrMapOvr>
+    <a:masterClrMapping/>
+  </p:clrMapOvr>
+</p:sld>
+</file>
+
 <file path=ppt/tags/tag1.xml><?xml version="1.0" encoding="utf-8"?>
 <p:tagLst xmlns:p="http://schemas.openxmlformats.org/presentationml/2006/main">
   <p:tag name="KSO_WM_BEAUTIFY_FLAG" val=""/>
@@ -10059,60 +17965,624 @@
 </p:tagLst>
 </file>
 
+<file path=ppt/tags/tag106.xml><?xml version="1.0" encoding="utf-8"?>
+<p:tagLst xmlns:p="http://schemas.openxmlformats.org/presentationml/2006/main">
+  <p:tag name="KSO_WM_BEAUTIFY_FLAG" val=""/>
+</p:tagLst>
+</file>
+
+<file path=ppt/tags/tag107.xml><?xml version="1.0" encoding="utf-8"?>
+<p:tagLst xmlns:p="http://schemas.openxmlformats.org/presentationml/2006/main">
+  <p:tag name="KSO_WM_BEAUTIFY_FLAG" val=""/>
+</p:tagLst>
+</file>
+
+<file path=ppt/tags/tag108.xml><?xml version="1.0" encoding="utf-8"?>
+<p:tagLst xmlns:p="http://schemas.openxmlformats.org/presentationml/2006/main">
+  <p:tag name="KSO_WM_BEAUTIFY_FLAG" val=""/>
+</p:tagLst>
+</file>
+
+<file path=ppt/tags/tag109.xml><?xml version="1.0" encoding="utf-8"?>
+<p:tagLst xmlns:p="http://schemas.openxmlformats.org/presentationml/2006/main">
+  <p:tag name="KSO_WM_BEAUTIFY_FLAG" val=""/>
+</p:tagLst>
+</file>
+
 <file path=ppt/tags/tag11.xml><?xml version="1.0" encoding="utf-8"?>
 <p:tagLst xmlns:p="http://schemas.openxmlformats.org/presentationml/2006/main">
   <p:tag name="KSO_WM_BEAUTIFY_FLAG" val=""/>
 </p:tagLst>
 </file>
 
+<file path=ppt/tags/tag110.xml><?xml version="1.0" encoding="utf-8"?>
+<p:tagLst xmlns:p="http://schemas.openxmlformats.org/presentationml/2006/main">
+  <p:tag name="KSO_WM_BEAUTIFY_FLAG" val=""/>
+</p:tagLst>
+</file>
+
+<file path=ppt/tags/tag111.xml><?xml version="1.0" encoding="utf-8"?>
+<p:tagLst xmlns:p="http://schemas.openxmlformats.org/presentationml/2006/main">
+  <p:tag name="KSO_WM_BEAUTIFY_FLAG" val=""/>
+</p:tagLst>
+</file>
+
+<file path=ppt/tags/tag112.xml><?xml version="1.0" encoding="utf-8"?>
+<p:tagLst xmlns:p="http://schemas.openxmlformats.org/presentationml/2006/main">
+  <p:tag name="KSO_WM_BEAUTIFY_FLAG" val=""/>
+</p:tagLst>
+</file>
+
+<file path=ppt/tags/tag113.xml><?xml version="1.0" encoding="utf-8"?>
+<p:tagLst xmlns:p="http://schemas.openxmlformats.org/presentationml/2006/main">
+  <p:tag name="KSO_WM_BEAUTIFY_FLAG" val=""/>
+</p:tagLst>
+</file>
+
+<file path=ppt/tags/tag114.xml><?xml version="1.0" encoding="utf-8"?>
+<p:tagLst xmlns:p="http://schemas.openxmlformats.org/presentationml/2006/main">
+  <p:tag name="KSO_WM_BEAUTIFY_FLAG" val=""/>
+</p:tagLst>
+</file>
+
+<file path=ppt/tags/tag115.xml><?xml version="1.0" encoding="utf-8"?>
+<p:tagLst xmlns:p="http://schemas.openxmlformats.org/presentationml/2006/main">
+  <p:tag name="KSO_WM_BEAUTIFY_FLAG" val=""/>
+</p:tagLst>
+</file>
+
+<file path=ppt/tags/tag116.xml><?xml version="1.0" encoding="utf-8"?>
+<p:tagLst xmlns:p="http://schemas.openxmlformats.org/presentationml/2006/main">
+  <p:tag name="KSO_WM_BEAUTIFY_FLAG" val=""/>
+</p:tagLst>
+</file>
+
+<file path=ppt/tags/tag117.xml><?xml version="1.0" encoding="utf-8"?>
+<p:tagLst xmlns:p="http://schemas.openxmlformats.org/presentationml/2006/main">
+  <p:tag name="KSO_WM_BEAUTIFY_FLAG" val=""/>
+</p:tagLst>
+</file>
+
+<file path=ppt/tags/tag118.xml><?xml version="1.0" encoding="utf-8"?>
+<p:tagLst xmlns:p="http://schemas.openxmlformats.org/presentationml/2006/main">
+  <p:tag name="KSO_WM_BEAUTIFY_FLAG" val=""/>
+</p:tagLst>
+</file>
+
+<file path=ppt/tags/tag119.xml><?xml version="1.0" encoding="utf-8"?>
+<p:tagLst xmlns:p="http://schemas.openxmlformats.org/presentationml/2006/main">
+  <p:tag name="KSO_WM_BEAUTIFY_FLAG" val=""/>
+</p:tagLst>
+</file>
+
 <file path=ppt/tags/tag12.xml><?xml version="1.0" encoding="utf-8"?>
 <p:tagLst xmlns:p="http://schemas.openxmlformats.org/presentationml/2006/main">
   <p:tag name="KSO_WM_BEAUTIFY_FLAG" val=""/>
 </p:tagLst>
 </file>
 
+<file path=ppt/tags/tag120.xml><?xml version="1.0" encoding="utf-8"?>
+<p:tagLst xmlns:p="http://schemas.openxmlformats.org/presentationml/2006/main">
+  <p:tag name="KSO_WM_BEAUTIFY_FLAG" val=""/>
+</p:tagLst>
+</file>
+
+<file path=ppt/tags/tag121.xml><?xml version="1.0" encoding="utf-8"?>
+<p:tagLst xmlns:p="http://schemas.openxmlformats.org/presentationml/2006/main">
+  <p:tag name="KSO_WM_BEAUTIFY_FLAG" val=""/>
+</p:tagLst>
+</file>
+
+<file path=ppt/tags/tag122.xml><?xml version="1.0" encoding="utf-8"?>
+<p:tagLst xmlns:p="http://schemas.openxmlformats.org/presentationml/2006/main">
+  <p:tag name="KSO_WM_BEAUTIFY_FLAG" val=""/>
+</p:tagLst>
+</file>
+
+<file path=ppt/tags/tag123.xml><?xml version="1.0" encoding="utf-8"?>
+<p:tagLst xmlns:p="http://schemas.openxmlformats.org/presentationml/2006/main">
+  <p:tag name="KSO_WM_BEAUTIFY_FLAG" val=""/>
+</p:tagLst>
+</file>
+
+<file path=ppt/tags/tag124.xml><?xml version="1.0" encoding="utf-8"?>
+<p:tagLst xmlns:p="http://schemas.openxmlformats.org/presentationml/2006/main">
+  <p:tag name="KSO_WM_BEAUTIFY_FLAG" val=""/>
+</p:tagLst>
+</file>
+
+<file path=ppt/tags/tag125.xml><?xml version="1.0" encoding="utf-8"?>
+<p:tagLst xmlns:p="http://schemas.openxmlformats.org/presentationml/2006/main">
+  <p:tag name="KSO_WM_BEAUTIFY_FLAG" val=""/>
+</p:tagLst>
+</file>
+
+<file path=ppt/tags/tag126.xml><?xml version="1.0" encoding="utf-8"?>
+<p:tagLst xmlns:p="http://schemas.openxmlformats.org/presentationml/2006/main">
+  <p:tag name="KSO_WM_BEAUTIFY_FLAG" val=""/>
+</p:tagLst>
+</file>
+
+<file path=ppt/tags/tag127.xml><?xml version="1.0" encoding="utf-8"?>
+<p:tagLst xmlns:p="http://schemas.openxmlformats.org/presentationml/2006/main">
+  <p:tag name="KSO_WM_BEAUTIFY_FLAG" val=""/>
+</p:tagLst>
+</file>
+
+<file path=ppt/tags/tag128.xml><?xml version="1.0" encoding="utf-8"?>
+<p:tagLst xmlns:p="http://schemas.openxmlformats.org/presentationml/2006/main">
+  <p:tag name="KSO_WM_BEAUTIFY_FLAG" val=""/>
+</p:tagLst>
+</file>
+
+<file path=ppt/tags/tag129.xml><?xml version="1.0" encoding="utf-8"?>
+<p:tagLst xmlns:p="http://schemas.openxmlformats.org/presentationml/2006/main">
+  <p:tag name="KSO_WM_BEAUTIFY_FLAG" val=""/>
+</p:tagLst>
+</file>
+
 <file path=ppt/tags/tag13.xml><?xml version="1.0" encoding="utf-8"?>
 <p:tagLst xmlns:p="http://schemas.openxmlformats.org/presentationml/2006/main">
   <p:tag name="KSO_WM_BEAUTIFY_FLAG" val=""/>
 </p:tagLst>
 </file>
 
+<file path=ppt/tags/tag130.xml><?xml version="1.0" encoding="utf-8"?>
+<p:tagLst xmlns:p="http://schemas.openxmlformats.org/presentationml/2006/main">
+  <p:tag name="KSO_WM_BEAUTIFY_FLAG" val=""/>
+</p:tagLst>
+</file>
+
+<file path=ppt/tags/tag131.xml><?xml version="1.0" encoding="utf-8"?>
+<p:tagLst xmlns:p="http://schemas.openxmlformats.org/presentationml/2006/main">
+  <p:tag name="KSO_WM_BEAUTIFY_FLAG" val=""/>
+</p:tagLst>
+</file>
+
+<file path=ppt/tags/tag132.xml><?xml version="1.0" encoding="utf-8"?>
+<p:tagLst xmlns:p="http://schemas.openxmlformats.org/presentationml/2006/main">
+  <p:tag name="KSO_WM_BEAUTIFY_FLAG" val=""/>
+</p:tagLst>
+</file>
+
+<file path=ppt/tags/tag133.xml><?xml version="1.0" encoding="utf-8"?>
+<p:tagLst xmlns:p="http://schemas.openxmlformats.org/presentationml/2006/main">
+  <p:tag name="KSO_WM_BEAUTIFY_FLAG" val=""/>
+</p:tagLst>
+</file>
+
+<file path=ppt/tags/tag134.xml><?xml version="1.0" encoding="utf-8"?>
+<p:tagLst xmlns:p="http://schemas.openxmlformats.org/presentationml/2006/main">
+  <p:tag name="KSO_WM_BEAUTIFY_FLAG" val=""/>
+</p:tagLst>
+</file>
+
+<file path=ppt/tags/tag135.xml><?xml version="1.0" encoding="utf-8"?>
+<p:tagLst xmlns:p="http://schemas.openxmlformats.org/presentationml/2006/main">
+  <p:tag name="KSO_WM_BEAUTIFY_FLAG" val=""/>
+</p:tagLst>
+</file>
+
+<file path=ppt/tags/tag136.xml><?xml version="1.0" encoding="utf-8"?>
+<p:tagLst xmlns:p="http://schemas.openxmlformats.org/presentationml/2006/main">
+  <p:tag name="KSO_WM_BEAUTIFY_FLAG" val=""/>
+</p:tagLst>
+</file>
+
+<file path=ppt/tags/tag137.xml><?xml version="1.0" encoding="utf-8"?>
+<p:tagLst xmlns:p="http://schemas.openxmlformats.org/presentationml/2006/main">
+  <p:tag name="KSO_WM_BEAUTIFY_FLAG" val=""/>
+</p:tagLst>
+</file>
+
+<file path=ppt/tags/tag138.xml><?xml version="1.0" encoding="utf-8"?>
+<p:tagLst xmlns:p="http://schemas.openxmlformats.org/presentationml/2006/main">
+  <p:tag name="KSO_WM_BEAUTIFY_FLAG" val=""/>
+</p:tagLst>
+</file>
+
+<file path=ppt/tags/tag139.xml><?xml version="1.0" encoding="utf-8"?>
+<p:tagLst xmlns:p="http://schemas.openxmlformats.org/presentationml/2006/main">
+  <p:tag name="KSO_WM_BEAUTIFY_FLAG" val=""/>
+</p:tagLst>
+</file>
+
 <file path=ppt/tags/tag14.xml><?xml version="1.0" encoding="utf-8"?>
 <p:tagLst xmlns:p="http://schemas.openxmlformats.org/presentationml/2006/main">
   <p:tag name="KSO_WM_BEAUTIFY_FLAG" val=""/>
 </p:tagLst>
 </file>
 
+<file path=ppt/tags/tag140.xml><?xml version="1.0" encoding="utf-8"?>
+<p:tagLst xmlns:p="http://schemas.openxmlformats.org/presentationml/2006/main">
+  <p:tag name="KSO_WM_BEAUTIFY_FLAG" val=""/>
+</p:tagLst>
+</file>
+
+<file path=ppt/tags/tag141.xml><?xml version="1.0" encoding="utf-8"?>
+<p:tagLst xmlns:p="http://schemas.openxmlformats.org/presentationml/2006/main">
+  <p:tag name="KSO_WM_BEAUTIFY_FLAG" val=""/>
+</p:tagLst>
+</file>
+
+<file path=ppt/tags/tag142.xml><?xml version="1.0" encoding="utf-8"?>
+<p:tagLst xmlns:p="http://schemas.openxmlformats.org/presentationml/2006/main">
+  <p:tag name="KSO_WM_BEAUTIFY_FLAG" val=""/>
+</p:tagLst>
+</file>
+
+<file path=ppt/tags/tag143.xml><?xml version="1.0" encoding="utf-8"?>
+<p:tagLst xmlns:p="http://schemas.openxmlformats.org/presentationml/2006/main">
+  <p:tag name="KSO_WM_BEAUTIFY_FLAG" val=""/>
+</p:tagLst>
+</file>
+
+<file path=ppt/tags/tag144.xml><?xml version="1.0" encoding="utf-8"?>
+<p:tagLst xmlns:p="http://schemas.openxmlformats.org/presentationml/2006/main">
+  <p:tag name="KSO_WM_BEAUTIFY_FLAG" val=""/>
+</p:tagLst>
+</file>
+
+<file path=ppt/tags/tag145.xml><?xml version="1.0" encoding="utf-8"?>
+<p:tagLst xmlns:p="http://schemas.openxmlformats.org/presentationml/2006/main">
+  <p:tag name="KSO_WM_BEAUTIFY_FLAG" val=""/>
+</p:tagLst>
+</file>
+
+<file path=ppt/tags/tag146.xml><?xml version="1.0" encoding="utf-8"?>
+<p:tagLst xmlns:p="http://schemas.openxmlformats.org/presentationml/2006/main">
+  <p:tag name="KSO_WM_BEAUTIFY_FLAG" val=""/>
+</p:tagLst>
+</file>
+
+<file path=ppt/tags/tag147.xml><?xml version="1.0" encoding="utf-8"?>
+<p:tagLst xmlns:p="http://schemas.openxmlformats.org/presentationml/2006/main">
+  <p:tag name="KSO_WM_BEAUTIFY_FLAG" val=""/>
+</p:tagLst>
+</file>
+
+<file path=ppt/tags/tag148.xml><?xml version="1.0" encoding="utf-8"?>
+<p:tagLst xmlns:p="http://schemas.openxmlformats.org/presentationml/2006/main">
+  <p:tag name="KSO_WM_BEAUTIFY_FLAG" val=""/>
+</p:tagLst>
+</file>
+
+<file path=ppt/tags/tag149.xml><?xml version="1.0" encoding="utf-8"?>
+<p:tagLst xmlns:p="http://schemas.openxmlformats.org/presentationml/2006/main">
+  <p:tag name="KSO_WM_BEAUTIFY_FLAG" val=""/>
+</p:tagLst>
+</file>
+
 <file path=ppt/tags/tag15.xml><?xml version="1.0" encoding="utf-8"?>
 <p:tagLst xmlns:p="http://schemas.openxmlformats.org/presentationml/2006/main">
   <p:tag name="KSO_WM_BEAUTIFY_FLAG" val=""/>
 </p:tagLst>
 </file>
 
+<file path=ppt/tags/tag150.xml><?xml version="1.0" encoding="utf-8"?>
+<p:tagLst xmlns:p="http://schemas.openxmlformats.org/presentationml/2006/main">
+  <p:tag name="KSO_WM_BEAUTIFY_FLAG" val=""/>
+</p:tagLst>
+</file>
+
+<file path=ppt/tags/tag151.xml><?xml version="1.0" encoding="utf-8"?>
+<p:tagLst xmlns:p="http://schemas.openxmlformats.org/presentationml/2006/main">
+  <p:tag name="KSO_WM_BEAUTIFY_FLAG" val=""/>
+</p:tagLst>
+</file>
+
+<file path=ppt/tags/tag152.xml><?xml version="1.0" encoding="utf-8"?>
+<p:tagLst xmlns:p="http://schemas.openxmlformats.org/presentationml/2006/main">
+  <p:tag name="KSO_WM_BEAUTIFY_FLAG" val=""/>
+</p:tagLst>
+</file>
+
+<file path=ppt/tags/tag153.xml><?xml version="1.0" encoding="utf-8"?>
+<p:tagLst xmlns:p="http://schemas.openxmlformats.org/presentationml/2006/main">
+  <p:tag name="KSO_WM_BEAUTIFY_FLAG" val=""/>
+</p:tagLst>
+</file>
+
+<file path=ppt/tags/tag154.xml><?xml version="1.0" encoding="utf-8"?>
+<p:tagLst xmlns:p="http://schemas.openxmlformats.org/presentationml/2006/main">
+  <p:tag name="KSO_WM_BEAUTIFY_FLAG" val=""/>
+</p:tagLst>
+</file>
+
+<file path=ppt/tags/tag155.xml><?xml version="1.0" encoding="utf-8"?>
+<p:tagLst xmlns:p="http://schemas.openxmlformats.org/presentationml/2006/main">
+  <p:tag name="KSO_WM_BEAUTIFY_FLAG" val=""/>
+</p:tagLst>
+</file>
+
+<file path=ppt/tags/tag156.xml><?xml version="1.0" encoding="utf-8"?>
+<p:tagLst xmlns:p="http://schemas.openxmlformats.org/presentationml/2006/main">
+  <p:tag name="KSO_WM_BEAUTIFY_FLAG" val=""/>
+</p:tagLst>
+</file>
+
+<file path=ppt/tags/tag157.xml><?xml version="1.0" encoding="utf-8"?>
+<p:tagLst xmlns:p="http://schemas.openxmlformats.org/presentationml/2006/main">
+  <p:tag name="KSO_WM_BEAUTIFY_FLAG" val=""/>
+</p:tagLst>
+</file>
+
+<file path=ppt/tags/tag158.xml><?xml version="1.0" encoding="utf-8"?>
+<p:tagLst xmlns:p="http://schemas.openxmlformats.org/presentationml/2006/main">
+  <p:tag name="KSO_WM_BEAUTIFY_FLAG" val=""/>
+</p:tagLst>
+</file>
+
+<file path=ppt/tags/tag159.xml><?xml version="1.0" encoding="utf-8"?>
+<p:tagLst xmlns:p="http://schemas.openxmlformats.org/presentationml/2006/main">
+  <p:tag name="KSO_WM_BEAUTIFY_FLAG" val=""/>
+</p:tagLst>
+</file>
+
 <file path=ppt/tags/tag16.xml><?xml version="1.0" encoding="utf-8"?>
 <p:tagLst xmlns:p="http://schemas.openxmlformats.org/presentationml/2006/main">
   <p:tag name="KSO_WM_BEAUTIFY_FLAG" val=""/>
 </p:tagLst>
 </file>
 
+<file path=ppt/tags/tag160.xml><?xml version="1.0" encoding="utf-8"?>
+<p:tagLst xmlns:p="http://schemas.openxmlformats.org/presentationml/2006/main">
+  <p:tag name="KSO_WM_BEAUTIFY_FLAG" val=""/>
+</p:tagLst>
+</file>
+
+<file path=ppt/tags/tag161.xml><?xml version="1.0" encoding="utf-8"?>
+<p:tagLst xmlns:p="http://schemas.openxmlformats.org/presentationml/2006/main">
+  <p:tag name="KSO_WM_BEAUTIFY_FLAG" val=""/>
+</p:tagLst>
+</file>
+
+<file path=ppt/tags/tag162.xml><?xml version="1.0" encoding="utf-8"?>
+<p:tagLst xmlns:p="http://schemas.openxmlformats.org/presentationml/2006/main">
+  <p:tag name="KSO_WM_BEAUTIFY_FLAG" val=""/>
+</p:tagLst>
+</file>
+
+<file path=ppt/tags/tag163.xml><?xml version="1.0" encoding="utf-8"?>
+<p:tagLst xmlns:p="http://schemas.openxmlformats.org/presentationml/2006/main">
+  <p:tag name="KSO_WM_BEAUTIFY_FLAG" val=""/>
+</p:tagLst>
+</file>
+
+<file path=ppt/tags/tag164.xml><?xml version="1.0" encoding="utf-8"?>
+<p:tagLst xmlns:p="http://schemas.openxmlformats.org/presentationml/2006/main">
+  <p:tag name="KSO_WM_BEAUTIFY_FLAG" val=""/>
+</p:tagLst>
+</file>
+
+<file path=ppt/tags/tag165.xml><?xml version="1.0" encoding="utf-8"?>
+<p:tagLst xmlns:p="http://schemas.openxmlformats.org/presentationml/2006/main">
+  <p:tag name="KSO_WM_BEAUTIFY_FLAG" val=""/>
+</p:tagLst>
+</file>
+
+<file path=ppt/tags/tag166.xml><?xml version="1.0" encoding="utf-8"?>
+<p:tagLst xmlns:p="http://schemas.openxmlformats.org/presentationml/2006/main">
+  <p:tag name="KSO_WM_BEAUTIFY_FLAG" val=""/>
+</p:tagLst>
+</file>
+
+<file path=ppt/tags/tag167.xml><?xml version="1.0" encoding="utf-8"?>
+<p:tagLst xmlns:p="http://schemas.openxmlformats.org/presentationml/2006/main">
+  <p:tag name="KSO_WM_BEAUTIFY_FLAG" val=""/>
+</p:tagLst>
+</file>
+
+<file path=ppt/tags/tag168.xml><?xml version="1.0" encoding="utf-8"?>
+<p:tagLst xmlns:p="http://schemas.openxmlformats.org/presentationml/2006/main">
+  <p:tag name="KSO_WM_BEAUTIFY_FLAG" val=""/>
+</p:tagLst>
+</file>
+
+<file path=ppt/tags/tag169.xml><?xml version="1.0" encoding="utf-8"?>
+<p:tagLst xmlns:p="http://schemas.openxmlformats.org/presentationml/2006/main">
+  <p:tag name="KSO_WM_BEAUTIFY_FLAG" val=""/>
+</p:tagLst>
+</file>
+
 <file path=ppt/tags/tag17.xml><?xml version="1.0" encoding="utf-8"?>
 <p:tagLst xmlns:p="http://schemas.openxmlformats.org/presentationml/2006/main">
   <p:tag name="KSO_WM_BEAUTIFY_FLAG" val=""/>
 </p:tagLst>
 </file>
 
+<file path=ppt/tags/tag170.xml><?xml version="1.0" encoding="utf-8"?>
+<p:tagLst xmlns:p="http://schemas.openxmlformats.org/presentationml/2006/main">
+  <p:tag name="KSO_WM_BEAUTIFY_FLAG" val=""/>
+</p:tagLst>
+</file>
+
+<file path=ppt/tags/tag171.xml><?xml version="1.0" encoding="utf-8"?>
+<p:tagLst xmlns:p="http://schemas.openxmlformats.org/presentationml/2006/main">
+  <p:tag name="KSO_WM_BEAUTIFY_FLAG" val=""/>
+</p:tagLst>
+</file>
+
+<file path=ppt/tags/tag172.xml><?xml version="1.0" encoding="utf-8"?>
+<p:tagLst xmlns:p="http://schemas.openxmlformats.org/presentationml/2006/main">
+  <p:tag name="KSO_WM_BEAUTIFY_FLAG" val=""/>
+</p:tagLst>
+</file>
+
+<file path=ppt/tags/tag173.xml><?xml version="1.0" encoding="utf-8"?>
+<p:tagLst xmlns:p="http://schemas.openxmlformats.org/presentationml/2006/main">
+  <p:tag name="KSO_WM_BEAUTIFY_FLAG" val=""/>
+</p:tagLst>
+</file>
+
+<file path=ppt/tags/tag174.xml><?xml version="1.0" encoding="utf-8"?>
+<p:tagLst xmlns:p="http://schemas.openxmlformats.org/presentationml/2006/main">
+  <p:tag name="KSO_WM_BEAUTIFY_FLAG" val=""/>
+</p:tagLst>
+</file>
+
+<file path=ppt/tags/tag175.xml><?xml version="1.0" encoding="utf-8"?>
+<p:tagLst xmlns:p="http://schemas.openxmlformats.org/presentationml/2006/main">
+  <p:tag name="KSO_WM_BEAUTIFY_FLAG" val=""/>
+</p:tagLst>
+</file>
+
+<file path=ppt/tags/tag176.xml><?xml version="1.0" encoding="utf-8"?>
+<p:tagLst xmlns:p="http://schemas.openxmlformats.org/presentationml/2006/main">
+  <p:tag name="KSO_WM_BEAUTIFY_FLAG" val=""/>
+</p:tagLst>
+</file>
+
+<file path=ppt/tags/tag177.xml><?xml version="1.0" encoding="utf-8"?>
+<p:tagLst xmlns:p="http://schemas.openxmlformats.org/presentationml/2006/main">
+  <p:tag name="KSO_WM_BEAUTIFY_FLAG" val=""/>
+</p:tagLst>
+</file>
+
+<file path=ppt/tags/tag178.xml><?xml version="1.0" encoding="utf-8"?>
+<p:tagLst xmlns:p="http://schemas.openxmlformats.org/presentationml/2006/main">
+  <p:tag name="KSO_WM_BEAUTIFY_FLAG" val=""/>
+</p:tagLst>
+</file>
+
+<file path=ppt/tags/tag179.xml><?xml version="1.0" encoding="utf-8"?>
+<p:tagLst xmlns:p="http://schemas.openxmlformats.org/presentationml/2006/main">
+  <p:tag name="KSO_WM_BEAUTIFY_FLAG" val=""/>
+</p:tagLst>
+</file>
+
 <file path=ppt/tags/tag18.xml><?xml version="1.0" encoding="utf-8"?>
 <p:tagLst xmlns:p="http://schemas.openxmlformats.org/presentationml/2006/main">
   <p:tag name="KSO_WM_BEAUTIFY_FLAG" val=""/>
 </p:tagLst>
 </file>
 
+<file path=ppt/tags/tag180.xml><?xml version="1.0" encoding="utf-8"?>
+<p:tagLst xmlns:p="http://schemas.openxmlformats.org/presentationml/2006/main">
+  <p:tag name="KSO_WM_BEAUTIFY_FLAG" val=""/>
+</p:tagLst>
+</file>
+
+<file path=ppt/tags/tag181.xml><?xml version="1.0" encoding="utf-8"?>
+<p:tagLst xmlns:p="http://schemas.openxmlformats.org/presentationml/2006/main">
+  <p:tag name="KSO_WM_BEAUTIFY_FLAG" val=""/>
+</p:tagLst>
+</file>
+
+<file path=ppt/tags/tag182.xml><?xml version="1.0" encoding="utf-8"?>
+<p:tagLst xmlns:p="http://schemas.openxmlformats.org/presentationml/2006/main">
+  <p:tag name="KSO_WM_BEAUTIFY_FLAG" val=""/>
+</p:tagLst>
+</file>
+
+<file path=ppt/tags/tag183.xml><?xml version="1.0" encoding="utf-8"?>
+<p:tagLst xmlns:p="http://schemas.openxmlformats.org/presentationml/2006/main">
+  <p:tag name="KSO_WM_BEAUTIFY_FLAG" val=""/>
+</p:tagLst>
+</file>
+
+<file path=ppt/tags/tag184.xml><?xml version="1.0" encoding="utf-8"?>
+<p:tagLst xmlns:p="http://schemas.openxmlformats.org/presentationml/2006/main">
+  <p:tag name="KSO_WM_BEAUTIFY_FLAG" val=""/>
+</p:tagLst>
+</file>
+
+<file path=ppt/tags/tag185.xml><?xml version="1.0" encoding="utf-8"?>
+<p:tagLst xmlns:p="http://schemas.openxmlformats.org/presentationml/2006/main">
+  <p:tag name="KSO_WM_BEAUTIFY_FLAG" val=""/>
+</p:tagLst>
+</file>
+
+<file path=ppt/tags/tag186.xml><?xml version="1.0" encoding="utf-8"?>
+<p:tagLst xmlns:p="http://schemas.openxmlformats.org/presentationml/2006/main">
+  <p:tag name="KSO_WM_BEAUTIFY_FLAG" val=""/>
+</p:tagLst>
+</file>
+
+<file path=ppt/tags/tag187.xml><?xml version="1.0" encoding="utf-8"?>
+<p:tagLst xmlns:p="http://schemas.openxmlformats.org/presentationml/2006/main">
+  <p:tag name="KSO_WM_BEAUTIFY_FLAG" val=""/>
+</p:tagLst>
+</file>
+
+<file path=ppt/tags/tag188.xml><?xml version="1.0" encoding="utf-8"?>
+<p:tagLst xmlns:p="http://schemas.openxmlformats.org/presentationml/2006/main">
+  <p:tag name="KSO_WM_BEAUTIFY_FLAG" val=""/>
+</p:tagLst>
+</file>
+
+<file path=ppt/tags/tag189.xml><?xml version="1.0" encoding="utf-8"?>
+<p:tagLst xmlns:p="http://schemas.openxmlformats.org/presentationml/2006/main">
+  <p:tag name="KSO_WM_BEAUTIFY_FLAG" val=""/>
+</p:tagLst>
+</file>
+
 <file path=ppt/tags/tag19.xml><?xml version="1.0" encoding="utf-8"?>
 <p:tagLst xmlns:p="http://schemas.openxmlformats.org/presentationml/2006/main">
   <p:tag name="KSO_WM_BEAUTIFY_FLAG" val=""/>
 </p:tagLst>
 </file>
 
+<file path=ppt/tags/tag190.xml><?xml version="1.0" encoding="utf-8"?>
+<p:tagLst xmlns:p="http://schemas.openxmlformats.org/presentationml/2006/main">
+  <p:tag name="KSO_WM_BEAUTIFY_FLAG" val=""/>
+</p:tagLst>
+</file>
+
+<file path=ppt/tags/tag191.xml><?xml version="1.0" encoding="utf-8"?>
+<p:tagLst xmlns:p="http://schemas.openxmlformats.org/presentationml/2006/main">
+  <p:tag name="KSO_WM_BEAUTIFY_FLAG" val=""/>
+</p:tagLst>
+</file>
+
+<file path=ppt/tags/tag192.xml><?xml version="1.0" encoding="utf-8"?>
+<p:tagLst xmlns:p="http://schemas.openxmlformats.org/presentationml/2006/main">
+  <p:tag name="KSO_WM_BEAUTIFY_FLAG" val=""/>
+</p:tagLst>
+</file>
+
+<file path=ppt/tags/tag193.xml><?xml version="1.0" encoding="utf-8"?>
+<p:tagLst xmlns:p="http://schemas.openxmlformats.org/presentationml/2006/main">
+  <p:tag name="KSO_WM_BEAUTIFY_FLAG" val=""/>
+</p:tagLst>
+</file>
+
+<file path=ppt/tags/tag194.xml><?xml version="1.0" encoding="utf-8"?>
+<p:tagLst xmlns:p="http://schemas.openxmlformats.org/presentationml/2006/main">
+  <p:tag name="KSO_WM_BEAUTIFY_FLAG" val=""/>
+</p:tagLst>
+</file>
+
+<file path=ppt/tags/tag195.xml><?xml version="1.0" encoding="utf-8"?>
+<p:tagLst xmlns:p="http://schemas.openxmlformats.org/presentationml/2006/main">
+  <p:tag name="KSO_WM_BEAUTIFY_FLAG" val=""/>
+</p:tagLst>
+</file>
+
+<file path=ppt/tags/tag196.xml><?xml version="1.0" encoding="utf-8"?>
+<p:tagLst xmlns:p="http://schemas.openxmlformats.org/presentationml/2006/main">
+  <p:tag name="KSO_WM_BEAUTIFY_FLAG" val=""/>
+</p:tagLst>
+</file>
+
+<file path=ppt/tags/tag197.xml><?xml version="1.0" encoding="utf-8"?>
+<p:tagLst xmlns:p="http://schemas.openxmlformats.org/presentationml/2006/main">
+  <p:tag name="KSO_WM_BEAUTIFY_FLAG" val=""/>
+</p:tagLst>
+</file>
+
+<file path=ppt/tags/tag198.xml><?xml version="1.0" encoding="utf-8"?>
+<p:tagLst xmlns:p="http://schemas.openxmlformats.org/presentationml/2006/main">
+  <p:tag name="KSO_WM_BEAUTIFY_FLAG" val=""/>
+</p:tagLst>
+</file>
+
+<file path=ppt/tags/tag199.xml><?xml version="1.0" encoding="utf-8"?>
+<p:tagLst xmlns:p="http://schemas.openxmlformats.org/presentationml/2006/main">
+  <p:tag name="KSO_WM_BEAUTIFY_FLAG" val=""/>
+</p:tagLst>
+</file>
+
 <file path=ppt/tags/tag2.xml><?xml version="1.0" encoding="utf-8"?>
 <p:tagLst xmlns:p="http://schemas.openxmlformats.org/presentationml/2006/main">
   <p:tag name="KSO_WM_BEAUTIFY_FLAG" val=""/>
@@ -10125,13 +18595,145 @@
 </p:tagLst>
 </file>
 
+<file path=ppt/tags/tag200.xml><?xml version="1.0" encoding="utf-8"?>
+<p:tagLst xmlns:p="http://schemas.openxmlformats.org/presentationml/2006/main">
+  <p:tag name="KSO_WM_BEAUTIFY_FLAG" val=""/>
+</p:tagLst>
+</file>
+
+<file path=ppt/tags/tag201.xml><?xml version="1.0" encoding="utf-8"?>
+<p:tagLst xmlns:p="http://schemas.openxmlformats.org/presentationml/2006/main">
+  <p:tag name="KSO_WM_BEAUTIFY_FLAG" val=""/>
+</p:tagLst>
+</file>
+
+<file path=ppt/tags/tag202.xml><?xml version="1.0" encoding="utf-8"?>
+<p:tagLst xmlns:p="http://schemas.openxmlformats.org/presentationml/2006/main">
+  <p:tag name="KSO_WM_BEAUTIFY_FLAG" val=""/>
+</p:tagLst>
+</file>
+
+<file path=ppt/tags/tag203.xml><?xml version="1.0" encoding="utf-8"?>
+<p:tagLst xmlns:p="http://schemas.openxmlformats.org/presentationml/2006/main">
+  <p:tag name="KSO_WM_BEAUTIFY_FLAG" val=""/>
+</p:tagLst>
+</file>
+
+<file path=ppt/tags/tag204.xml><?xml version="1.0" encoding="utf-8"?>
+<p:tagLst xmlns:p="http://schemas.openxmlformats.org/presentationml/2006/main">
+  <p:tag name="KSO_WM_BEAUTIFY_FLAG" val=""/>
+</p:tagLst>
+</file>
+
+<file path=ppt/tags/tag205.xml><?xml version="1.0" encoding="utf-8"?>
+<p:tagLst xmlns:p="http://schemas.openxmlformats.org/presentationml/2006/main">
+  <p:tag name="KSO_WM_BEAUTIFY_FLAG" val=""/>
+</p:tagLst>
+</file>
+
+<file path=ppt/tags/tag206.xml><?xml version="1.0" encoding="utf-8"?>
+<p:tagLst xmlns:p="http://schemas.openxmlformats.org/presentationml/2006/main">
+  <p:tag name="KSO_WM_BEAUTIFY_FLAG" val=""/>
+</p:tagLst>
+</file>
+
+<file path=ppt/tags/tag207.xml><?xml version="1.0" encoding="utf-8"?>
+<p:tagLst xmlns:p="http://schemas.openxmlformats.org/presentationml/2006/main">
+  <p:tag name="KSO_WM_BEAUTIFY_FLAG" val=""/>
+</p:tagLst>
+</file>
+
+<file path=ppt/tags/tag208.xml><?xml version="1.0" encoding="utf-8"?>
+<p:tagLst xmlns:p="http://schemas.openxmlformats.org/presentationml/2006/main">
+  <p:tag name="KSO_WM_BEAUTIFY_FLAG" val=""/>
+</p:tagLst>
+</file>
+
+<file path=ppt/tags/tag209.xml><?xml version="1.0" encoding="utf-8"?>
+<p:tagLst xmlns:p="http://schemas.openxmlformats.org/presentationml/2006/main">
+  <p:tag name="KSO_WM_BEAUTIFY_FLAG" val=""/>
+</p:tagLst>
+</file>
+
 <file path=ppt/tags/tag21.xml><?xml version="1.0" encoding="utf-8"?>
 <p:tagLst xmlns:p="http://schemas.openxmlformats.org/presentationml/2006/main">
   <p:tag name="KSO_WM_BEAUTIFY_FLAG" val=""/>
 </p:tagLst>
 </file>
 
+<file path=ppt/tags/tag210.xml><?xml version="1.0" encoding="utf-8"?>
+<p:tagLst xmlns:p="http://schemas.openxmlformats.org/presentationml/2006/main">
+  <p:tag name="KSO_WM_BEAUTIFY_FLAG" val=""/>
+</p:tagLst>
+</file>
+
+<file path=ppt/tags/tag211.xml><?xml version="1.0" encoding="utf-8"?>
+<p:tagLst xmlns:p="http://schemas.openxmlformats.org/presentationml/2006/main">
+  <p:tag name="KSO_WM_BEAUTIFY_FLAG" val=""/>
+</p:tagLst>
+</file>
+
+<file path=ppt/tags/tag212.xml><?xml version="1.0" encoding="utf-8"?>
+<p:tagLst xmlns:p="http://schemas.openxmlformats.org/presentationml/2006/main">
+  <p:tag name="KSO_WM_BEAUTIFY_FLAG" val=""/>
+</p:tagLst>
+</file>
+
+<file path=ppt/tags/tag213.xml><?xml version="1.0" encoding="utf-8"?>
+<p:tagLst xmlns:p="http://schemas.openxmlformats.org/presentationml/2006/main">
+  <p:tag name="KSO_WM_BEAUTIFY_FLAG" val=""/>
+</p:tagLst>
+</file>
+
+<file path=ppt/tags/tag214.xml><?xml version="1.0" encoding="utf-8"?>
+<p:tagLst xmlns:p="http://schemas.openxmlformats.org/presentationml/2006/main">
+  <p:tag name="KSO_WM_BEAUTIFY_FLAG" val=""/>
+</p:tagLst>
+</file>
+
+<file path=ppt/tags/tag215.xml><?xml version="1.0" encoding="utf-8"?>
+<p:tagLst xmlns:p="http://schemas.openxmlformats.org/presentationml/2006/main">
+  <p:tag name="KSO_WM_BEAUTIFY_FLAG" val=""/>
+</p:tagLst>
+</file>
+
+<file path=ppt/tags/tag216.xml><?xml version="1.0" encoding="utf-8"?>
+<p:tagLst xmlns:p="http://schemas.openxmlformats.org/presentationml/2006/main">
+  <p:tag name="KSO_WM_BEAUTIFY_FLAG" val=""/>
+</p:tagLst>
+</file>
+
+<file path=ppt/tags/tag217.xml><?xml version="1.0" encoding="utf-8"?>
+<p:tagLst xmlns:p="http://schemas.openxmlformats.org/presentationml/2006/main">
+  <p:tag name="KSO_WM_BEAUTIFY_FLAG" val=""/>
+</p:tagLst>
+</file>
+
+<file path=ppt/tags/tag218.xml><?xml version="1.0" encoding="utf-8"?>
+<p:tagLst xmlns:p="http://schemas.openxmlformats.org/presentationml/2006/main">
+  <p:tag name="KSO_WM_BEAUTIFY_FLAG" val=""/>
+</p:tagLst>
+</file>
+
+<file path=ppt/tags/tag219.xml><?xml version="1.0" encoding="utf-8"?>
+<p:tagLst xmlns:p="http://schemas.openxmlformats.org/presentationml/2006/main">
+  <p:tag name="KSO_WM_BEAUTIFY_FLAG" val=""/>
+</p:tagLst>
+</file>
+
 <file path=ppt/tags/tag22.xml><?xml version="1.0" encoding="utf-8"?>
+<p:tagLst xmlns:p="http://schemas.openxmlformats.org/presentationml/2006/main">
+  <p:tag name="KSO_WM_BEAUTIFY_FLAG" val=""/>
+</p:tagLst>
+</file>
+
+<file path=ppt/tags/tag220.xml><?xml version="1.0" encoding="utf-8"?>
+<p:tagLst xmlns:p="http://schemas.openxmlformats.org/presentationml/2006/main">
+  <p:tag name="KSO_WM_BEAUTIFY_FLAG" val=""/>
+</p:tagLst>
+</file>
+
+<file path=ppt/tags/tag221.xml><?xml version="1.0" encoding="utf-8"?>
 <p:tagLst xmlns:p="http://schemas.openxmlformats.org/presentationml/2006/main">
   <p:tag name="KSO_WM_BEAUTIFY_FLAG" val=""/>
 </p:tagLst>

--- a/java/src/leetcode/solution/pic/pics.pptx
+++ b/java/src/leetcode/solution/pic/pics.pptx
@@ -124,7 +124,7 @@
             <a:srgbClr val="A4A3A4"/>
           </p15:clr>
         </p15:guide>
-        <p15:guide id="2" pos="3744" userDrawn="1">
+        <p15:guide id="2" pos="3781" userDrawn="1">
           <p15:clr>
             <a:srgbClr val="A4A3A4"/>
           </p15:clr>
@@ -4017,13 +4017,16 @@
       <p:cxnSp>
         <p:nvCxnSpPr>
           <p:cNvPr id="5" name="直接连接符 4"/>
-          <p:cNvCxnSpPr/>
+          <p:cNvCxnSpPr>
+            <a:stCxn id="9" idx="7"/>
+            <a:endCxn id="8" idx="2"/>
+          </p:cNvCxnSpPr>
           <p:nvPr/>
         </p:nvCxnSpPr>
         <p:spPr>
           <a:xfrm flipV="1">
-            <a:off x="1541145" y="2416810"/>
-            <a:ext cx="1560195" cy="1393190"/>
+            <a:off x="1614170" y="2918460"/>
+            <a:ext cx="2215515" cy="264795"/>
           </a:xfrm>
           <a:prstGeom prst="line">
             <a:avLst/>
@@ -4057,7 +4060,7 @@
         </p:nvSpPr>
         <p:spPr>
           <a:xfrm>
-            <a:off x="2972435" y="1856740"/>
+            <a:off x="3829685" y="2597785"/>
             <a:ext cx="726440" cy="641350"/>
           </a:xfrm>
           <a:prstGeom prst="ellipse">
@@ -4112,7 +4115,7 @@
         </p:nvSpPr>
         <p:spPr>
           <a:xfrm>
-            <a:off x="1054100" y="3720465"/>
+            <a:off x="994410" y="3081020"/>
             <a:ext cx="725805" cy="699135"/>
           </a:xfrm>
           <a:prstGeom prst="ellipse">
@@ -4145,7 +4148,7 @@
                   <a:schemeClr val="tx1"/>
                 </a:solidFill>
               </a:rPr>
-              <a:t>Head</a:t>
+              <a:t>head</a:t>
             </a:r>
             <a:endParaRPr lang="en-US" altLang="zh-CN" sz="900">
               <a:solidFill>
@@ -4158,7 +4161,10 @@
       <p:cxnSp>
         <p:nvCxnSpPr>
           <p:cNvPr id="13" name="直接连接符 12"/>
-          <p:cNvCxnSpPr/>
+          <p:cNvCxnSpPr>
+            <a:stCxn id="15" idx="7"/>
+            <a:endCxn id="14" idx="3"/>
+          </p:cNvCxnSpPr>
           <p:nvPr>
             <p:custDataLst>
               <p:tags r:id="rId2"/>
@@ -4167,8 +4173,8 @@
         </p:nvCxnSpPr>
         <p:spPr>
           <a:xfrm flipV="1">
-            <a:off x="4771390" y="2498090"/>
-            <a:ext cx="1560195" cy="1393190"/>
+            <a:off x="6014720" y="3051175"/>
+            <a:ext cx="2146300" cy="132080"/>
           </a:xfrm>
           <a:prstGeom prst="line">
             <a:avLst/>
@@ -4206,7 +4212,7 @@
         </p:nvSpPr>
         <p:spPr>
           <a:xfrm>
-            <a:off x="6202680" y="1938020"/>
+            <a:off x="8054340" y="2503805"/>
             <a:ext cx="726440" cy="641350"/>
           </a:xfrm>
           <a:prstGeom prst="ellipse">
@@ -4261,7 +4267,7 @@
         </p:nvSpPr>
         <p:spPr>
           <a:xfrm>
-            <a:off x="4284345" y="3801745"/>
+            <a:off x="5394960" y="3081020"/>
             <a:ext cx="725805" cy="699135"/>
           </a:xfrm>
           <a:prstGeom prst="ellipse">
@@ -4294,7 +4300,7 @@
                   <a:schemeClr val="tx1"/>
                 </a:solidFill>
               </a:rPr>
-              <a:t>Head</a:t>
+              <a:t>head</a:t>
             </a:r>
             <a:endParaRPr lang="en-US" altLang="zh-CN" sz="900">
               <a:solidFill>
@@ -4315,14 +4321,14 @@
         </p:nvCxnSpPr>
         <p:spPr>
           <a:xfrm rot="5400000" flipH="1" flipV="1">
-            <a:off x="2849245" y="856615"/>
-            <a:ext cx="2285365" cy="4635500"/>
+            <a:off x="4347528" y="-135572"/>
+            <a:ext cx="1080135" cy="6546850"/>
           </a:xfrm>
           <a:prstGeom prst="curvedConnector5">
             <a:avLst>
-              <a:gd name="adj1" fmla="val -14879"/>
-              <a:gd name="adj2" fmla="val 49993"/>
-              <a:gd name="adj3" fmla="val 114546"/>
+              <a:gd name="adj1" fmla="val -31481"/>
+              <a:gd name="adj2" fmla="val 49995"/>
+              <a:gd name="adj3" fmla="val 130776"/>
             </a:avLst>
           </a:prstGeom>
           <a:ln>
@@ -4347,211 +4353,28 @@
           </a:fontRef>
         </p:style>
       </p:cxnSp>
-      <p:cxnSp>
-        <p:nvCxnSpPr>
-          <p:cNvPr id="17" name="直接连接符 16"/>
-          <p:cNvCxnSpPr/>
+      <p:sp>
+        <p:nvSpPr>
+          <p:cNvPr id="22" name="线形标注 1 21"/>
+          <p:cNvSpPr/>
           <p:nvPr>
             <p:custDataLst>
               <p:tags r:id="rId5"/>
             </p:custDataLst>
           </p:nvPr>
-        </p:nvCxnSpPr>
-        <p:spPr>
-          <a:xfrm flipV="1">
-            <a:off x="7879715" y="2546985"/>
-            <a:ext cx="1560195" cy="1393190"/>
-          </a:xfrm>
-          <a:prstGeom prst="line">
-            <a:avLst/>
-          </a:prstGeom>
-          <a:ln>
-            <a:solidFill>
-              <a:schemeClr val="tx1"/>
-            </a:solidFill>
-          </a:ln>
-        </p:spPr>
-        <p:style>
-          <a:lnRef idx="2">
-            <a:schemeClr val="accent1"/>
-          </a:lnRef>
-          <a:fillRef idx="0">
-            <a:srgbClr val="FFFFFF"/>
-          </a:fillRef>
-          <a:effectRef idx="0">
-            <a:srgbClr val="FFFFFF"/>
-          </a:effectRef>
-          <a:fontRef idx="minor">
-            <a:schemeClr val="tx1"/>
-          </a:fontRef>
-        </p:style>
-      </p:cxnSp>
-      <p:sp>
-        <p:nvSpPr>
-          <p:cNvPr id="18" name="椭圆 17"/>
-          <p:cNvSpPr/>
-          <p:nvPr>
-            <p:custDataLst>
-              <p:tags r:id="rId6"/>
-            </p:custDataLst>
-          </p:nvPr>
-        </p:nvSpPr>
-        <p:spPr>
-          <a:xfrm>
-            <a:off x="9311005" y="1986915"/>
-            <a:ext cx="726440" cy="641350"/>
-          </a:xfrm>
-          <a:prstGeom prst="ellipse">
-            <a:avLst/>
-          </a:prstGeom>
-        </p:spPr>
-        <p:style>
-          <a:lnRef idx="2">
-            <a:schemeClr val="accent1">
-              <a:lumMod val="75000"/>
-            </a:schemeClr>
-          </a:lnRef>
-          <a:fillRef idx="1">
-            <a:schemeClr val="accent1"/>
-          </a:fillRef>
-          <a:effectRef idx="0">
-            <a:srgbClr val="FFFFFF"/>
-          </a:effectRef>
-          <a:fontRef idx="minor">
-            <a:schemeClr val="lt1"/>
-          </a:fontRef>
-        </p:style>
-        <p:txBody>
-          <a:bodyPr rtlCol="0" anchor="ctr"/>
-          <a:p>
-            <a:pPr algn="ctr"/>
-            <a:r>
-              <a:rPr lang="en-US" altLang="zh-CN" sz="1200">
-                <a:solidFill>
-                  <a:schemeClr val="tx1"/>
-                </a:solidFill>
-              </a:rPr>
-              <a:t>tail</a:t>
-            </a:r>
-            <a:endParaRPr lang="en-US" altLang="zh-CN" sz="1200">
-              <a:solidFill>
-                <a:schemeClr val="tx1"/>
-              </a:solidFill>
-            </a:endParaRPr>
-          </a:p>
-        </p:txBody>
-      </p:sp>
-      <p:sp>
-        <p:nvSpPr>
-          <p:cNvPr id="19" name="椭圆 18"/>
-          <p:cNvSpPr/>
-          <p:nvPr>
-            <p:custDataLst>
-              <p:tags r:id="rId7"/>
-            </p:custDataLst>
-          </p:nvPr>
-        </p:nvSpPr>
-        <p:spPr>
-          <a:xfrm>
-            <a:off x="7392670" y="3850640"/>
-            <a:ext cx="725805" cy="699135"/>
-          </a:xfrm>
-          <a:prstGeom prst="ellipse">
-            <a:avLst/>
-          </a:prstGeom>
-        </p:spPr>
-        <p:style>
-          <a:lnRef idx="2">
-            <a:schemeClr val="accent1">
-              <a:lumMod val="75000"/>
-            </a:schemeClr>
-          </a:lnRef>
-          <a:fillRef idx="1">
-            <a:schemeClr val="accent1"/>
-          </a:fillRef>
-          <a:effectRef idx="0">
-            <a:srgbClr val="FFFFFF"/>
-          </a:effectRef>
-          <a:fontRef idx="minor">
-            <a:schemeClr val="lt1"/>
-          </a:fontRef>
-        </p:style>
-        <p:txBody>
-          <a:bodyPr rtlCol="0" anchor="ctr"/>
-          <a:p>
-            <a:pPr algn="ctr"/>
-            <a:r>
-              <a:rPr lang="en-US" altLang="zh-CN" sz="900">
-                <a:solidFill>
-                  <a:schemeClr val="tx1"/>
-                </a:solidFill>
-              </a:rPr>
-              <a:t>Head</a:t>
-            </a:r>
-            <a:endParaRPr lang="en-US" altLang="zh-CN" sz="900">
-              <a:solidFill>
-                <a:schemeClr val="tx1"/>
-              </a:solidFill>
-            </a:endParaRPr>
-          </a:p>
-        </p:txBody>
-      </p:sp>
-      <p:cxnSp>
-        <p:nvCxnSpPr>
-          <p:cNvPr id="20" name="曲线连接符 19"/>
-          <p:cNvCxnSpPr>
-            <a:stCxn id="15" idx="5"/>
-            <a:endCxn id="18" idx="1"/>
-          </p:cNvCxnSpPr>
-          <p:nvPr/>
-        </p:nvCxnSpPr>
-        <p:spPr>
-          <a:xfrm rot="5400000" flipH="1" flipV="1">
-            <a:off x="6002020" y="982980"/>
-            <a:ext cx="2317750" cy="4513580"/>
-          </a:xfrm>
-          <a:prstGeom prst="curvedConnector5">
+        </p:nvSpPr>
+        <p:spPr>
+          <a:xfrm>
+            <a:off x="9279890" y="1767840"/>
+            <a:ext cx="1082675" cy="367665"/>
+          </a:xfrm>
+          <a:prstGeom prst="borderCallout1">
             <a:avLst>
-              <a:gd name="adj1" fmla="val -14685"/>
-              <a:gd name="adj2" fmla="val 50000"/>
-              <a:gd name="adj3" fmla="val 114329"/>
+              <a:gd name="adj1" fmla="val 18750"/>
+              <a:gd name="adj2" fmla="val -8333"/>
+              <a:gd name="adj3" fmla="val 202936"/>
+              <a:gd name="adj4" fmla="val -59178"/>
             </a:avLst>
-          </a:prstGeom>
-          <a:ln>
-            <a:solidFill>
-              <a:schemeClr val="accent6"/>
-            </a:solidFill>
-            <a:tailEnd type="arrow"/>
-          </a:ln>
-        </p:spPr>
-        <p:style>
-          <a:lnRef idx="2">
-            <a:schemeClr val="accent1"/>
-          </a:lnRef>
-          <a:fillRef idx="0">
-            <a:srgbClr val="FFFFFF"/>
-          </a:fillRef>
-          <a:effectRef idx="0">
-            <a:srgbClr val="FFFFFF"/>
-          </a:effectRef>
-          <a:fontRef idx="minor">
-            <a:schemeClr val="tx1"/>
-          </a:fontRef>
-        </p:style>
-      </p:cxnSp>
-      <p:sp>
-        <p:nvSpPr>
-          <p:cNvPr id="21" name="线形标注 1 20"/>
-          <p:cNvSpPr/>
-          <p:nvPr/>
-        </p:nvSpPr>
-        <p:spPr>
-          <a:xfrm>
-            <a:off x="3628390" y="1407160"/>
-            <a:ext cx="655955" cy="367665"/>
-          </a:xfrm>
-          <a:prstGeom prst="borderCallout1">
-            <a:avLst/>
           </a:prstGeom>
           <a:noFill/>
           <a:ln>
@@ -4586,129 +4409,15 @@
                   <a:schemeClr val="tx1"/>
                 </a:solidFill>
               </a:rPr>
-              <a:t>return</a:t>
-            </a:r>
-            <a:endParaRPr lang="en-US" altLang="zh-CN" sz="1000">
-              <a:solidFill>
-                <a:schemeClr val="tx1"/>
-              </a:solidFill>
-            </a:endParaRPr>
-          </a:p>
-        </p:txBody>
-      </p:sp>
-      <p:sp>
-        <p:nvSpPr>
-          <p:cNvPr id="22" name="线形标注 1 21"/>
-          <p:cNvSpPr/>
-          <p:nvPr>
-            <p:custDataLst>
-              <p:tags r:id="rId8"/>
-            </p:custDataLst>
-          </p:nvPr>
-        </p:nvSpPr>
-        <p:spPr>
-          <a:xfrm>
-            <a:off x="6929120" y="1489075"/>
-            <a:ext cx="655955" cy="367665"/>
-          </a:xfrm>
-          <a:prstGeom prst="borderCallout1">
-            <a:avLst/>
-          </a:prstGeom>
-          <a:noFill/>
-          <a:ln>
-            <a:solidFill>
-              <a:schemeClr val="tx1"/>
-            </a:solidFill>
-          </a:ln>
-        </p:spPr>
-        <p:style>
-          <a:lnRef idx="2">
-            <a:schemeClr val="accent1">
-              <a:lumMod val="75000"/>
-            </a:schemeClr>
-          </a:lnRef>
-          <a:fillRef idx="1">
-            <a:schemeClr val="accent1"/>
-          </a:fillRef>
-          <a:effectRef idx="0">
-            <a:srgbClr val="FFFFFF"/>
-          </a:effectRef>
-          <a:fontRef idx="minor">
-            <a:schemeClr val="lt1"/>
-          </a:fontRef>
-        </p:style>
-        <p:txBody>
-          <a:bodyPr rtlCol="0" anchor="ctr"/>
-          <a:p>
-            <a:pPr algn="ctr"/>
+              <a:t>return </a:t>
+            </a:r>
             <a:r>
               <a:rPr lang="en-US" altLang="zh-CN" sz="1000">
                 <a:solidFill>
                   <a:schemeClr val="tx1"/>
                 </a:solidFill>
               </a:rPr>
-              <a:t>return</a:t>
-            </a:r>
-            <a:endParaRPr lang="en-US" altLang="zh-CN" sz="1000">
-              <a:solidFill>
-                <a:schemeClr val="tx1"/>
-              </a:solidFill>
-            </a:endParaRPr>
-          </a:p>
-        </p:txBody>
-      </p:sp>
-      <p:sp>
-        <p:nvSpPr>
-          <p:cNvPr id="23" name="线形标注 1 22"/>
-          <p:cNvSpPr/>
-          <p:nvPr>
-            <p:custDataLst>
-              <p:tags r:id="rId9"/>
-            </p:custDataLst>
-          </p:nvPr>
-        </p:nvSpPr>
-        <p:spPr>
-          <a:xfrm>
-            <a:off x="10174605" y="1613535"/>
-            <a:ext cx="655955" cy="367665"/>
-          </a:xfrm>
-          <a:prstGeom prst="borderCallout1">
-            <a:avLst/>
-          </a:prstGeom>
-          <a:noFill/>
-          <a:ln>
-            <a:solidFill>
-              <a:schemeClr val="tx1"/>
-            </a:solidFill>
-          </a:ln>
-        </p:spPr>
-        <p:style>
-          <a:lnRef idx="2">
-            <a:schemeClr val="accent1">
-              <a:lumMod val="75000"/>
-            </a:schemeClr>
-          </a:lnRef>
-          <a:fillRef idx="1">
-            <a:schemeClr val="accent1"/>
-          </a:fillRef>
-          <a:effectRef idx="0">
-            <a:srgbClr val="FFFFFF"/>
-          </a:effectRef>
-          <a:fontRef idx="minor">
-            <a:schemeClr val="lt1"/>
-          </a:fontRef>
-        </p:style>
-        <p:txBody>
-          <a:bodyPr rtlCol="0" anchor="ctr"/>
-          <a:p>
-            <a:pPr algn="ctr"/>
-            <a:r>
-              <a:rPr lang="en-US" altLang="zh-CN" sz="1000">
-                <a:solidFill>
-                  <a:schemeClr val="tx1"/>
-                </a:solidFill>
-              </a:rPr>
-              <a:t>return</a:t>
+              <a:t>nextHead</a:t>
             </a:r>
             <a:endParaRPr lang="en-US" altLang="zh-CN" sz="1000">
               <a:solidFill>
@@ -18709,31 +18418,7 @@
 </p:tagLst>
 </file>
 
-<file path=ppt/tags/tag218.xml><?xml version="1.0" encoding="utf-8"?>
-<p:tagLst xmlns:p="http://schemas.openxmlformats.org/presentationml/2006/main">
-  <p:tag name="KSO_WM_BEAUTIFY_FLAG" val=""/>
-</p:tagLst>
-</file>
-
-<file path=ppt/tags/tag219.xml><?xml version="1.0" encoding="utf-8"?>
-<p:tagLst xmlns:p="http://schemas.openxmlformats.org/presentationml/2006/main">
-  <p:tag name="KSO_WM_BEAUTIFY_FLAG" val=""/>
-</p:tagLst>
-</file>
-
 <file path=ppt/tags/tag22.xml><?xml version="1.0" encoding="utf-8"?>
-<p:tagLst xmlns:p="http://schemas.openxmlformats.org/presentationml/2006/main">
-  <p:tag name="KSO_WM_BEAUTIFY_FLAG" val=""/>
-</p:tagLst>
-</file>
-
-<file path=ppt/tags/tag220.xml><?xml version="1.0" encoding="utf-8"?>
-<p:tagLst xmlns:p="http://schemas.openxmlformats.org/presentationml/2006/main">
-  <p:tag name="KSO_WM_BEAUTIFY_FLAG" val=""/>
-</p:tagLst>
-</file>
-
-<file path=ppt/tags/tag221.xml><?xml version="1.0" encoding="utf-8"?>
 <p:tagLst xmlns:p="http://schemas.openxmlformats.org/presentationml/2006/main">
   <p:tag name="KSO_WM_BEAUTIFY_FLAG" val=""/>
 </p:tagLst>
